--- a/docs/diagrams/report-summary.pptx
+++ b/docs/diagrams/report-summary.pptx
@@ -261,7 +261,7 @@
           <a:p>
             <a:fld id="{D5F4EE06-143D-4C2F-8831-1CDA21FFE47B}" type="datetimeFigureOut">
               <a:rPr lang="en-SG" smtClean="0"/>
-              <a:t>22/2/19</a:t>
+              <a:t>12/7/19</a:t>
             </a:fld>
             <a:endParaRPr lang="en-SG"/>
           </a:p>
@@ -461,7 +461,7 @@
           <a:p>
             <a:fld id="{D5F4EE06-143D-4C2F-8831-1CDA21FFE47B}" type="datetimeFigureOut">
               <a:rPr lang="en-SG" smtClean="0"/>
-              <a:t>22/2/19</a:t>
+              <a:t>12/7/19</a:t>
             </a:fld>
             <a:endParaRPr lang="en-SG"/>
           </a:p>
@@ -671,7 +671,7 @@
           <a:p>
             <a:fld id="{D5F4EE06-143D-4C2F-8831-1CDA21FFE47B}" type="datetimeFigureOut">
               <a:rPr lang="en-SG" smtClean="0"/>
-              <a:t>22/2/19</a:t>
+              <a:t>12/7/19</a:t>
             </a:fld>
             <a:endParaRPr lang="en-SG"/>
           </a:p>
@@ -871,7 +871,7 @@
           <a:p>
             <a:fld id="{D5F4EE06-143D-4C2F-8831-1CDA21FFE47B}" type="datetimeFigureOut">
               <a:rPr lang="en-SG" smtClean="0"/>
-              <a:t>22/2/19</a:t>
+              <a:t>12/7/19</a:t>
             </a:fld>
             <a:endParaRPr lang="en-SG"/>
           </a:p>
@@ -1147,7 +1147,7 @@
           <a:p>
             <a:fld id="{D5F4EE06-143D-4C2F-8831-1CDA21FFE47B}" type="datetimeFigureOut">
               <a:rPr lang="en-SG" smtClean="0"/>
-              <a:t>22/2/19</a:t>
+              <a:t>12/7/19</a:t>
             </a:fld>
             <a:endParaRPr lang="en-SG"/>
           </a:p>
@@ -1415,7 +1415,7 @@
           <a:p>
             <a:fld id="{D5F4EE06-143D-4C2F-8831-1CDA21FFE47B}" type="datetimeFigureOut">
               <a:rPr lang="en-SG" smtClean="0"/>
-              <a:t>22/2/19</a:t>
+              <a:t>12/7/19</a:t>
             </a:fld>
             <a:endParaRPr lang="en-SG"/>
           </a:p>
@@ -1830,7 +1830,7 @@
           <a:p>
             <a:fld id="{D5F4EE06-143D-4C2F-8831-1CDA21FFE47B}" type="datetimeFigureOut">
               <a:rPr lang="en-SG" smtClean="0"/>
-              <a:t>22/2/19</a:t>
+              <a:t>12/7/19</a:t>
             </a:fld>
             <a:endParaRPr lang="en-SG"/>
           </a:p>
@@ -1972,7 +1972,7 @@
           <a:p>
             <a:fld id="{D5F4EE06-143D-4C2F-8831-1CDA21FFE47B}" type="datetimeFigureOut">
               <a:rPr lang="en-SG" smtClean="0"/>
-              <a:t>22/2/19</a:t>
+              <a:t>12/7/19</a:t>
             </a:fld>
             <a:endParaRPr lang="en-SG"/>
           </a:p>
@@ -2085,7 +2085,7 @@
           <a:p>
             <a:fld id="{D5F4EE06-143D-4C2F-8831-1CDA21FFE47B}" type="datetimeFigureOut">
               <a:rPr lang="en-SG" smtClean="0"/>
-              <a:t>22/2/19</a:t>
+              <a:t>12/7/19</a:t>
             </a:fld>
             <a:endParaRPr lang="en-SG"/>
           </a:p>
@@ -2398,7 +2398,7 @@
           <a:p>
             <a:fld id="{D5F4EE06-143D-4C2F-8831-1CDA21FFE47B}" type="datetimeFigureOut">
               <a:rPr lang="en-SG" smtClean="0"/>
-              <a:t>22/2/19</a:t>
+              <a:t>12/7/19</a:t>
             </a:fld>
             <a:endParaRPr lang="en-SG"/>
           </a:p>
@@ -2687,7 +2687,7 @@
           <a:p>
             <a:fld id="{D5F4EE06-143D-4C2F-8831-1CDA21FFE47B}" type="datetimeFigureOut">
               <a:rPr lang="en-SG" smtClean="0"/>
-              <a:t>22/2/19</a:t>
+              <a:t>12/7/19</a:t>
             </a:fld>
             <a:endParaRPr lang="en-SG"/>
           </a:p>
@@ -2930,7 +2930,7 @@
           <a:p>
             <a:fld id="{D5F4EE06-143D-4C2F-8831-1CDA21FFE47B}" type="datetimeFigureOut">
               <a:rPr lang="en-SG" smtClean="0"/>
-              <a:t>22/2/19</a:t>
+              <a:t>12/7/19</a:t>
             </a:fld>
             <a:endParaRPr lang="en-SG"/>
           </a:p>
@@ -3349,10 +3349,10 @@
       </p:grpSpPr>
       <p:pic>
         <p:nvPicPr>
-          <p:cNvPr id="5" name="Picture 4">
-            <a:extLst>
-              <a:ext uri="{FF2B5EF4-FFF2-40B4-BE49-F238E27FC236}">
-                <a16:creationId xmlns:a16="http://schemas.microsoft.com/office/drawing/2014/main" id="{0D954123-975A-3A42-A7F9-E3AC583847B8}"/>
+          <p:cNvPr id="20" name="Picture 19" descr="A screenshot of a cell phone&#10;&#10;Description automatically generated">
+            <a:extLst>
+              <a:ext uri="{FF2B5EF4-FFF2-40B4-BE49-F238E27FC236}">
+                <a16:creationId xmlns:a16="http://schemas.microsoft.com/office/drawing/2014/main" id="{348B436D-5F8F-7547-A5EE-02688017F8B6}"/>
               </a:ext>
             </a:extLst>
           </p:cNvPr>
@@ -3375,94 +3375,74 @@
         </p:blipFill>
         <p:spPr>
           <a:xfrm>
-            <a:off x="1305076" y="901373"/>
-            <a:ext cx="9487249" cy="4671748"/>
+            <a:off x="1447800" y="796318"/>
+            <a:ext cx="9304401" cy="5269897"/>
           </a:xfrm>
           <a:prstGeom prst="rect">
             <a:avLst/>
           </a:prstGeom>
         </p:spPr>
       </p:pic>
-      <p:pic>
-        <p:nvPicPr>
-          <p:cNvPr id="2" name="图片 1">
-            <a:extLst>
-              <a:ext uri="{FF2B5EF4-FFF2-40B4-BE49-F238E27FC236}">
-                <a16:creationId xmlns:a16="http://schemas.microsoft.com/office/drawing/2014/main" id="{FEEFED23-9625-46EE-A9C6-DA99D5078E60}"/>
-              </a:ext>
-            </a:extLst>
-          </p:cNvPr>
-          <p:cNvPicPr>
-            <a:picLocks noChangeAspect="1"/>
-          </p:cNvPicPr>
+      <p:sp>
+        <p:nvSpPr>
+          <p:cNvPr id="34" name="Rectangle 33">
+            <a:extLst>
+              <a:ext uri="{FF2B5EF4-FFF2-40B4-BE49-F238E27FC236}">
+                <a16:creationId xmlns:a16="http://schemas.microsoft.com/office/drawing/2014/main" id="{A39783FF-1234-8446-AB32-9380684BB1B3}"/>
+              </a:ext>
+            </a:extLst>
+          </p:cNvPr>
+          <p:cNvSpPr/>
           <p:nvPr/>
-        </p:nvPicPr>
-        <p:blipFill>
-          <a:blip r:embed="rId3"/>
-          <a:stretch>
-            <a:fillRect/>
-          </a:stretch>
-        </p:blipFill>
+        </p:nvSpPr>
         <p:spPr>
           <a:xfrm>
-            <a:off x="1064377" y="379679"/>
-            <a:ext cx="9979368" cy="704619"/>
-          </a:xfrm>
-          <a:prstGeom prst="rect">
-            <a:avLst/>
-          </a:prstGeom>
-        </p:spPr>
-      </p:pic>
-      <p:sp>
-        <p:nvSpPr>
-          <p:cNvPr id="25" name="文本框 24">
-            <a:extLst>
-              <a:ext uri="{FF2B5EF4-FFF2-40B4-BE49-F238E27FC236}">
-                <a16:creationId xmlns:a16="http://schemas.microsoft.com/office/drawing/2014/main" id="{D627E7DD-7D34-4280-A150-3B17A67A2846}"/>
-              </a:ext>
-            </a:extLst>
-          </p:cNvPr>
-          <p:cNvSpPr txBox="1"/>
-          <p:nvPr/>
-        </p:nvSpPr>
-        <p:spPr>
-          <a:xfrm>
-            <a:off x="1080115" y="991630"/>
-            <a:ext cx="5015884" cy="646331"/>
+            <a:off x="1443990" y="814386"/>
+            <a:ext cx="4607814" cy="5229225"/>
           </a:xfrm>
           <a:prstGeom prst="rect">
             <a:avLst/>
           </a:prstGeom>
           <a:noFill/>
-        </p:spPr>
-        <p:txBody>
-          <a:bodyPr wrap="square" rtlCol="0">
-            <a:spAutoFit/>
-          </a:bodyPr>
-          <a:lstStyle/>
-          <a:p>
-            <a:r>
-              <a:rPr lang="en-US" altLang="zh-CN" sz="3600" b="1" dirty="0"/>
-              <a:t>  {</a:t>
-            </a:r>
-            <a:r>
-              <a:rPr lang="en-US" altLang="zh-CN" sz="3600" dirty="0"/>
-              <a:t>                                          </a:t>
-            </a:r>
-            <a:r>
-              <a:rPr lang="en-US" altLang="zh-CN" sz="3600" b="1" dirty="0"/>
-              <a:t>}</a:t>
-            </a:r>
-            <a:endParaRPr lang="zh-CN" altLang="en-US" sz="3600" b="1" dirty="0"/>
-          </a:p>
-        </p:txBody>
-      </p:sp>
-      <p:sp>
-        <p:nvSpPr>
-          <p:cNvPr id="26" name="文本框 25">
-            <a:extLst>
-              <a:ext uri="{FF2B5EF4-FFF2-40B4-BE49-F238E27FC236}">
-                <a16:creationId xmlns:a16="http://schemas.microsoft.com/office/drawing/2014/main" id="{CEC3616D-ADDF-40F1-B171-6C3F36C22891}"/>
+          <a:ln w="57150" cap="flat" cmpd="sng" algn="ctr">
+            <a:solidFill>
+              <a:schemeClr val="accent1"/>
+            </a:solidFill>
+            <a:prstDash val="solid"/>
+            <a:round/>
+            <a:headEnd type="none" w="med" len="med"/>
+            <a:tailEnd type="none" w="med" len="med"/>
+          </a:ln>
+        </p:spPr>
+        <p:style>
+          <a:lnRef idx="0">
+            <a:scrgbClr r="0" g="0" b="0"/>
+          </a:lnRef>
+          <a:fillRef idx="0">
+            <a:scrgbClr r="0" g="0" b="0"/>
+          </a:fillRef>
+          <a:effectRef idx="0">
+            <a:scrgbClr r="0" g="0" b="0"/>
+          </a:effectRef>
+          <a:fontRef idx="minor">
+            <a:schemeClr val="accent1"/>
+          </a:fontRef>
+        </p:style>
+        <p:txBody>
+          <a:bodyPr rtlCol="0" anchor="ctr"/>
+          <a:lstStyle/>
+          <a:p>
+            <a:pPr algn="ctr"/>
+            <a:endParaRPr lang="en-SG"/>
+          </a:p>
+        </p:txBody>
+      </p:sp>
+      <p:sp>
+        <p:nvSpPr>
+          <p:cNvPr id="45" name="文本框 44">
+            <a:extLst>
+              <a:ext uri="{FF2B5EF4-FFF2-40B4-BE49-F238E27FC236}">
+                <a16:creationId xmlns:a16="http://schemas.microsoft.com/office/drawing/2014/main" id="{A0A1A4A5-828A-4BF9-94DF-CD28CBD612CF}"/>
               </a:ext>
             </a:extLst>
           </p:cNvPr>
@@ -3471,8 +3451,8 @@
         </p:nvSpPr>
         <p:spPr>
           <a:xfrm>
-            <a:off x="4338422" y="1423679"/>
-            <a:ext cx="2050741" cy="369332"/>
+            <a:off x="11042275" y="4144131"/>
+            <a:ext cx="750332" cy="276999"/>
           </a:xfrm>
           <a:prstGeom prst="rect">
             <a:avLst/>
@@ -3486,19 +3466,31 @@
           <a:lstStyle/>
           <a:p>
             <a:r>
-              <a:rPr lang="en-US" altLang="zh-CN" dirty="0"/>
-              <a:t>summary-picker</a:t>
-            </a:r>
-            <a:endParaRPr lang="zh-CN" altLang="en-US" dirty="0"/>
-          </a:p>
-        </p:txBody>
-      </p:sp>
-      <p:sp>
-        <p:nvSpPr>
-          <p:cNvPr id="27" name="文本框 26">
-            <a:extLst>
-              <a:ext uri="{FF2B5EF4-FFF2-40B4-BE49-F238E27FC236}">
-                <a16:creationId xmlns:a16="http://schemas.microsoft.com/office/drawing/2014/main" id="{048B4F0D-9235-4911-A47D-8F53A18FA157}"/>
+              <a:rPr lang="en-US" altLang="zh-CN" sz="1200" dirty="0">
+                <a:solidFill>
+                  <a:schemeClr val="accent4">
+                    <a:lumMod val="75000"/>
+                  </a:schemeClr>
+                </a:solidFill>
+              </a:rPr>
+              <a:t>file</a:t>
+            </a:r>
+            <a:endParaRPr lang="zh-CN" altLang="en-US" sz="1200" dirty="0">
+              <a:solidFill>
+                <a:schemeClr val="accent4">
+                  <a:lumMod val="75000"/>
+                </a:schemeClr>
+              </a:solidFill>
+            </a:endParaRPr>
+          </a:p>
+        </p:txBody>
+      </p:sp>
+      <p:sp>
+        <p:nvSpPr>
+          <p:cNvPr id="47" name="文本框 46">
+            <a:extLst>
+              <a:ext uri="{FF2B5EF4-FFF2-40B4-BE49-F238E27FC236}">
+                <a16:creationId xmlns:a16="http://schemas.microsoft.com/office/drawing/2014/main" id="{8A40C309-DFD1-4333-84EB-9117C609942E}"/>
               </a:ext>
             </a:extLst>
           </p:cNvPr>
@@ -3507,8 +3499,8 @@
         </p:nvSpPr>
         <p:spPr>
           <a:xfrm>
-            <a:off x="1145219" y="1778238"/>
-            <a:ext cx="5015884" cy="646331"/>
+            <a:off x="8666427" y="2315835"/>
+            <a:ext cx="849429" cy="276999"/>
           </a:xfrm>
           <a:prstGeom prst="rect">
             <a:avLst/>
@@ -3522,27 +3514,71 @@
           <a:lstStyle/>
           <a:p>
             <a:r>
-              <a:rPr lang="en-US" altLang="zh-CN" sz="3600" b="1"/>
-              <a:t>{</a:t>
-            </a:r>
-            <a:r>
-              <a:rPr lang="en-US" altLang="zh-CN" sz="3600"/>
-              <a:t>                                           </a:t>
-            </a:r>
-            <a:r>
-              <a:rPr lang="en-US" altLang="zh-CN" sz="3600" b="1"/>
-              <a:t>}</a:t>
-            </a:r>
-            <a:endParaRPr lang="zh-CN" altLang="en-US" sz="3600" b="1" dirty="0"/>
-          </a:p>
-        </p:txBody>
-      </p:sp>
-      <p:sp>
-        <p:nvSpPr>
-          <p:cNvPr id="28" name="文本框 27">
-            <a:extLst>
-              <a:ext uri="{FF2B5EF4-FFF2-40B4-BE49-F238E27FC236}">
-                <a16:creationId xmlns:a16="http://schemas.microsoft.com/office/drawing/2014/main" id="{7CB45794-D414-47BD-B3BE-1F1AD5401966}"/>
+              <a:rPr lang="en-US" altLang="zh-CN" sz="1200" dirty="0">
+                <a:solidFill>
+                  <a:srgbClr val="C00000"/>
+                </a:solidFill>
+              </a:rPr>
+              <a:t>title</a:t>
+            </a:r>
+            <a:endParaRPr lang="zh-CN" altLang="en-US" sz="1200" dirty="0">
+              <a:solidFill>
+                <a:srgbClr val="C00000"/>
+              </a:solidFill>
+            </a:endParaRPr>
+          </a:p>
+        </p:txBody>
+      </p:sp>
+      <p:sp>
+        <p:nvSpPr>
+          <p:cNvPr id="21" name="Right Brace 20">
+            <a:extLst>
+              <a:ext uri="{FF2B5EF4-FFF2-40B4-BE49-F238E27FC236}">
+                <a16:creationId xmlns:a16="http://schemas.microsoft.com/office/drawing/2014/main" id="{9BD3E903-758E-2D47-AD99-018719F72293}"/>
+              </a:ext>
+            </a:extLst>
+          </p:cNvPr>
+          <p:cNvSpPr/>
+          <p:nvPr/>
+        </p:nvSpPr>
+        <p:spPr>
+          <a:xfrm rot="16200000">
+            <a:off x="3599688" y="-1681925"/>
+            <a:ext cx="344424" cy="4648200"/>
+          </a:xfrm>
+          <a:prstGeom prst="rightBrace">
+            <a:avLst/>
+          </a:prstGeom>
+        </p:spPr>
+        <p:style>
+          <a:lnRef idx="3">
+            <a:schemeClr val="accent1"/>
+          </a:lnRef>
+          <a:fillRef idx="0">
+            <a:schemeClr val="accent1"/>
+          </a:fillRef>
+          <a:effectRef idx="2">
+            <a:schemeClr val="accent1"/>
+          </a:effectRef>
+          <a:fontRef idx="minor">
+            <a:schemeClr val="tx1"/>
+          </a:fontRef>
+        </p:style>
+        <p:txBody>
+          <a:bodyPr rtlCol="0" anchor="ctr"/>
+          <a:lstStyle/>
+          <a:p>
+            <a:pPr algn="ctr"/>
+            <a:endParaRPr lang="en-SG"/>
+          </a:p>
+        </p:txBody>
+      </p:sp>
+      <p:sp>
+        <p:nvSpPr>
+          <p:cNvPr id="24" name="TextBox 23">
+            <a:extLst>
+              <a:ext uri="{FF2B5EF4-FFF2-40B4-BE49-F238E27FC236}">
+                <a16:creationId xmlns:a16="http://schemas.microsoft.com/office/drawing/2014/main" id="{450BEBC7-C0C7-CF48-95D5-47FDD988DA61}"/>
               </a:ext>
             </a:extLst>
           </p:cNvPr>
@@ -3551,8 +3587,8 @@
         </p:nvSpPr>
         <p:spPr>
           <a:xfrm>
-            <a:off x="1385074" y="1932126"/>
-            <a:ext cx="1513234" cy="338554"/>
+            <a:off x="2726436" y="79248"/>
+            <a:ext cx="2090928" cy="276999"/>
           </a:xfrm>
           <a:prstGeom prst="rect">
             <a:avLst/>
@@ -3565,61 +3601,540 @@
           </a:bodyPr>
           <a:lstStyle/>
           <a:p>
-            <a:r>
-              <a:rPr lang="en-US" altLang="zh-CN" sz="1600" dirty="0"/>
-              <a:t>summary-chart</a:t>
-            </a:r>
-            <a:endParaRPr lang="zh-CN" altLang="en-US" sz="1600" dirty="0"/>
-          </a:p>
-        </p:txBody>
-      </p:sp>
-      <p:cxnSp>
-        <p:nvCxnSpPr>
-          <p:cNvPr id="30" name="直接箭头连接符 29">
-            <a:extLst>
-              <a:ext uri="{FF2B5EF4-FFF2-40B4-BE49-F238E27FC236}">
-                <a16:creationId xmlns:a16="http://schemas.microsoft.com/office/drawing/2014/main" id="{E32F0A57-3030-43BF-ADC0-65784D6DB3BE}"/>
-              </a:ext>
-            </a:extLst>
-          </p:cNvPr>
-          <p:cNvCxnSpPr>
-            <a:cxnSpLocks/>
-          </p:cNvCxnSpPr>
+            <a:pPr algn="ctr"/>
+            <a:r>
+              <a:rPr lang="en-US" sz="1200" dirty="0"/>
+              <a:t>summary</a:t>
+            </a:r>
+            <a:endParaRPr lang="en-SG" sz="1200" dirty="0"/>
+          </a:p>
+        </p:txBody>
+      </p:sp>
+      <p:sp>
+        <p:nvSpPr>
+          <p:cNvPr id="29" name="Right Brace 28">
+            <a:extLst>
+              <a:ext uri="{FF2B5EF4-FFF2-40B4-BE49-F238E27FC236}">
+                <a16:creationId xmlns:a16="http://schemas.microsoft.com/office/drawing/2014/main" id="{D3693491-4CC3-9C40-8CA3-0E17F4ACC7C5}"/>
+              </a:ext>
+            </a:extLst>
+          </p:cNvPr>
+          <p:cNvSpPr/>
           <p:nvPr/>
-        </p:nvCxnSpPr>
-        <p:spPr>
-          <a:xfrm flipH="1">
-            <a:off x="2219081" y="5095039"/>
-            <a:ext cx="621976" cy="325248"/>
-          </a:xfrm>
-          <a:prstGeom prst="straightConnector1">
+        </p:nvSpPr>
+        <p:spPr>
+          <a:xfrm rot="16200000">
+            <a:off x="8298180" y="-1631634"/>
+            <a:ext cx="344424" cy="4547616"/>
+          </a:xfrm>
+          <a:prstGeom prst="rightBrace">
             <a:avLst/>
           </a:prstGeom>
-          <a:ln w="28575">
-            <a:tailEnd type="triangle"/>
+        </p:spPr>
+        <p:style>
+          <a:lnRef idx="3">
+            <a:schemeClr val="accent2"/>
+          </a:lnRef>
+          <a:fillRef idx="0">
+            <a:schemeClr val="accent2"/>
+          </a:fillRef>
+          <a:effectRef idx="2">
+            <a:schemeClr val="accent2"/>
+          </a:effectRef>
+          <a:fontRef idx="minor">
+            <a:schemeClr val="tx1"/>
+          </a:fontRef>
+        </p:style>
+        <p:txBody>
+          <a:bodyPr rtlCol="0" anchor="ctr"/>
+          <a:lstStyle/>
+          <a:p>
+            <a:pPr algn="ctr"/>
+            <a:endParaRPr lang="en-SG"/>
+          </a:p>
+        </p:txBody>
+      </p:sp>
+      <p:sp>
+        <p:nvSpPr>
+          <p:cNvPr id="32" name="TextBox 31">
+            <a:extLst>
+              <a:ext uri="{FF2B5EF4-FFF2-40B4-BE49-F238E27FC236}">
+                <a16:creationId xmlns:a16="http://schemas.microsoft.com/office/drawing/2014/main" id="{4398EB41-E844-AC49-8C8F-94E761AA5F54}"/>
+              </a:ext>
+            </a:extLst>
+          </p:cNvPr>
+          <p:cNvSpPr txBox="1"/>
+          <p:nvPr/>
+        </p:nvSpPr>
+        <p:spPr>
+          <a:xfrm>
+            <a:off x="7424928" y="79248"/>
+            <a:ext cx="2090928" cy="276999"/>
+          </a:xfrm>
+          <a:prstGeom prst="rect">
+            <a:avLst/>
+          </a:prstGeom>
+          <a:noFill/>
+        </p:spPr>
+        <p:txBody>
+          <a:bodyPr wrap="square" rtlCol="0">
+            <a:spAutoFit/>
+          </a:bodyPr>
+          <a:lstStyle/>
+          <a:p>
+            <a:pPr algn="ctr"/>
+            <a:r>
+              <a:rPr lang="en-US" sz="1200" dirty="0"/>
+              <a:t>tabs-pane</a:t>
+            </a:r>
+            <a:endParaRPr lang="en-SG" sz="1200" dirty="0"/>
+          </a:p>
+        </p:txBody>
+      </p:sp>
+      <p:sp>
+        <p:nvSpPr>
+          <p:cNvPr id="36" name="Rectangle 35">
+            <a:extLst>
+              <a:ext uri="{FF2B5EF4-FFF2-40B4-BE49-F238E27FC236}">
+                <a16:creationId xmlns:a16="http://schemas.microsoft.com/office/drawing/2014/main" id="{B174F72C-650B-8E44-A379-A24D0DB5B758}"/>
+              </a:ext>
+            </a:extLst>
+          </p:cNvPr>
+          <p:cNvSpPr/>
+          <p:nvPr/>
+        </p:nvSpPr>
+        <p:spPr>
+          <a:xfrm>
+            <a:off x="6204585" y="814386"/>
+            <a:ext cx="4547616" cy="5229225"/>
+          </a:xfrm>
+          <a:prstGeom prst="rect">
+            <a:avLst/>
+          </a:prstGeom>
+          <a:noFill/>
+          <a:ln w="57150" cap="flat" cmpd="sng" algn="ctr">
+            <a:solidFill>
+              <a:schemeClr val="accent2"/>
+            </a:solidFill>
+            <a:prstDash val="solid"/>
+            <a:round/>
+            <a:headEnd type="none" w="med" len="med"/>
+            <a:tailEnd type="none" w="med" len="med"/>
+          </a:ln>
+        </p:spPr>
+        <p:style>
+          <a:lnRef idx="0">
+            <a:scrgbClr r="0" g="0" b="0"/>
+          </a:lnRef>
+          <a:fillRef idx="0">
+            <a:scrgbClr r="0" g="0" b="0"/>
+          </a:fillRef>
+          <a:effectRef idx="0">
+            <a:scrgbClr r="0" g="0" b="0"/>
+          </a:effectRef>
+          <a:fontRef idx="minor">
+            <a:schemeClr val="accent1"/>
+          </a:fontRef>
+        </p:style>
+        <p:txBody>
+          <a:bodyPr rtlCol="0" anchor="ctr"/>
+          <a:lstStyle/>
+          <a:p>
+            <a:pPr algn="ctr"/>
+            <a:endParaRPr lang="en-SG"/>
+          </a:p>
+        </p:txBody>
+      </p:sp>
+      <p:sp>
+        <p:nvSpPr>
+          <p:cNvPr id="37" name="Left Brace 36">
+            <a:extLst>
+              <a:ext uri="{FF2B5EF4-FFF2-40B4-BE49-F238E27FC236}">
+                <a16:creationId xmlns:a16="http://schemas.microsoft.com/office/drawing/2014/main" id="{9494E5A0-E147-2A47-B20B-2B69B72DDFDC}"/>
+              </a:ext>
+            </a:extLst>
+          </p:cNvPr>
+          <p:cNvSpPr/>
+          <p:nvPr/>
+        </p:nvSpPr>
+        <p:spPr>
+          <a:xfrm>
+            <a:off x="1411366" y="896446"/>
+            <a:ext cx="516530" cy="869029"/>
+          </a:xfrm>
+          <a:prstGeom prst="leftBrace">
+            <a:avLst>
+              <a:gd name="adj1" fmla="val 14462"/>
+              <a:gd name="adj2" fmla="val 50000"/>
+            </a:avLst>
+          </a:prstGeom>
+        </p:spPr>
+        <p:style>
+          <a:lnRef idx="3">
+            <a:schemeClr val="accent6"/>
+          </a:lnRef>
+          <a:fillRef idx="0">
+            <a:schemeClr val="accent6"/>
+          </a:fillRef>
+          <a:effectRef idx="2">
+            <a:schemeClr val="accent6"/>
+          </a:effectRef>
+          <a:fontRef idx="minor">
+            <a:schemeClr val="tx1"/>
+          </a:fontRef>
+        </p:style>
+        <p:txBody>
+          <a:bodyPr rtlCol="0" anchor="ctr"/>
+          <a:lstStyle/>
+          <a:p>
+            <a:pPr algn="ctr"/>
+            <a:endParaRPr lang="en-SG"/>
+          </a:p>
+        </p:txBody>
+      </p:sp>
+      <p:sp>
+        <p:nvSpPr>
+          <p:cNvPr id="40" name="TextBox 39">
+            <a:extLst>
+              <a:ext uri="{FF2B5EF4-FFF2-40B4-BE49-F238E27FC236}">
+                <a16:creationId xmlns:a16="http://schemas.microsoft.com/office/drawing/2014/main" id="{87B6C03F-369B-FC4B-A10B-9B5BFBCEF11A}"/>
+              </a:ext>
+            </a:extLst>
+          </p:cNvPr>
+          <p:cNvSpPr txBox="1"/>
+          <p:nvPr/>
+        </p:nvSpPr>
+        <p:spPr>
+          <a:xfrm>
+            <a:off x="1" y="1185282"/>
+            <a:ext cx="1422854" cy="276999"/>
+          </a:xfrm>
+          <a:prstGeom prst="rect">
+            <a:avLst/>
+          </a:prstGeom>
+          <a:noFill/>
+        </p:spPr>
+        <p:txBody>
+          <a:bodyPr wrap="square" rtlCol="0">
+            <a:spAutoFit/>
+          </a:bodyPr>
+          <a:lstStyle/>
+          <a:p>
+            <a:pPr algn="ctr"/>
+            <a:r>
+              <a:rPr lang="en-US" sz="1200" dirty="0">
+                <a:solidFill>
+                  <a:schemeClr val="accent6"/>
+                </a:solidFill>
+              </a:rPr>
+              <a:t>summary-picker</a:t>
+            </a:r>
+          </a:p>
+        </p:txBody>
+      </p:sp>
+      <p:sp>
+        <p:nvSpPr>
+          <p:cNvPr id="41" name="Rectangle 40">
+            <a:extLst>
+              <a:ext uri="{FF2B5EF4-FFF2-40B4-BE49-F238E27FC236}">
+                <a16:creationId xmlns:a16="http://schemas.microsoft.com/office/drawing/2014/main" id="{24AE4F15-738B-C34D-830A-5AA47285C7ED}"/>
+              </a:ext>
+            </a:extLst>
+          </p:cNvPr>
+          <p:cNvSpPr/>
+          <p:nvPr/>
+        </p:nvSpPr>
+        <p:spPr>
+          <a:xfrm>
+            <a:off x="1927896" y="896446"/>
+            <a:ext cx="3706363" cy="869029"/>
+          </a:xfrm>
+          <a:prstGeom prst="rect">
+            <a:avLst/>
+          </a:prstGeom>
+          <a:noFill/>
+          <a:ln w="9525" cap="flat" cmpd="sng" algn="ctr">
+            <a:solidFill>
+              <a:schemeClr val="accent6"/>
+            </a:solidFill>
+            <a:prstDash val="solid"/>
+            <a:round/>
+            <a:headEnd type="none" w="med" len="med"/>
+            <a:tailEnd type="none" w="med" len="med"/>
+          </a:ln>
+        </p:spPr>
+        <p:style>
+          <a:lnRef idx="0">
+            <a:scrgbClr r="0" g="0" b="0"/>
+          </a:lnRef>
+          <a:fillRef idx="0">
+            <a:scrgbClr r="0" g="0" b="0"/>
+          </a:fillRef>
+          <a:effectRef idx="0">
+            <a:scrgbClr r="0" g="0" b="0"/>
+          </a:effectRef>
+          <a:fontRef idx="minor">
+            <a:schemeClr val="accent6"/>
+          </a:fontRef>
+        </p:style>
+        <p:txBody>
+          <a:bodyPr rtlCol="0" anchor="ctr"/>
+          <a:lstStyle/>
+          <a:p>
+            <a:pPr algn="ctr"/>
+            <a:endParaRPr lang="en-SG"/>
+          </a:p>
+        </p:txBody>
+      </p:sp>
+      <p:sp>
+        <p:nvSpPr>
+          <p:cNvPr id="42" name="Rectangle 41">
+            <a:extLst>
+              <a:ext uri="{FF2B5EF4-FFF2-40B4-BE49-F238E27FC236}">
+                <a16:creationId xmlns:a16="http://schemas.microsoft.com/office/drawing/2014/main" id="{570EA449-180B-9046-8449-8C441F0729CF}"/>
+              </a:ext>
+            </a:extLst>
+          </p:cNvPr>
+          <p:cNvSpPr/>
+          <p:nvPr/>
+        </p:nvSpPr>
+        <p:spPr>
+          <a:xfrm>
+            <a:off x="1523483" y="1950544"/>
+            <a:ext cx="4482463" cy="449190"/>
+          </a:xfrm>
+          <a:prstGeom prst="rect">
+            <a:avLst/>
+          </a:prstGeom>
+          <a:noFill/>
+          <a:ln w="28575" cap="flat" cmpd="sng" algn="ctr">
+            <a:solidFill>
+              <a:srgbClr val="A401FF"/>
+            </a:solidFill>
+            <a:prstDash val="solid"/>
+            <a:round/>
+            <a:headEnd type="none" w="med" len="med"/>
+            <a:tailEnd type="none" w="med" len="med"/>
+          </a:ln>
+        </p:spPr>
+        <p:style>
+          <a:lnRef idx="0">
+            <a:scrgbClr r="0" g="0" b="0"/>
+          </a:lnRef>
+          <a:fillRef idx="0">
+            <a:scrgbClr r="0" g="0" b="0"/>
+          </a:fillRef>
+          <a:effectRef idx="0">
+            <a:scrgbClr r="0" g="0" b="0"/>
+          </a:effectRef>
+          <a:fontRef idx="minor">
+            <a:schemeClr val="accent4"/>
+          </a:fontRef>
+        </p:style>
+        <p:txBody>
+          <a:bodyPr rtlCol="0" anchor="ctr"/>
+          <a:lstStyle/>
+          <a:p>
+            <a:pPr algn="ctr"/>
+            <a:endParaRPr lang="en-SG"/>
+          </a:p>
+        </p:txBody>
+      </p:sp>
+      <p:sp>
+        <p:nvSpPr>
+          <p:cNvPr id="43" name="Left Brace 42">
+            <a:extLst>
+              <a:ext uri="{FF2B5EF4-FFF2-40B4-BE49-F238E27FC236}">
+                <a16:creationId xmlns:a16="http://schemas.microsoft.com/office/drawing/2014/main" id="{14E73C6F-03E1-4A48-B245-93103C46EA60}"/>
+              </a:ext>
+            </a:extLst>
+          </p:cNvPr>
+          <p:cNvSpPr/>
+          <p:nvPr/>
+        </p:nvSpPr>
+        <p:spPr>
+          <a:xfrm>
+            <a:off x="1142042" y="1950544"/>
+            <a:ext cx="348052" cy="449190"/>
+          </a:xfrm>
+          <a:prstGeom prst="leftBrace">
+            <a:avLst/>
+          </a:prstGeom>
+          <a:ln w="19050">
+            <a:solidFill>
+              <a:srgbClr val="A401FF"/>
+            </a:solidFill>
           </a:ln>
         </p:spPr>
         <p:style>
           <a:lnRef idx="1">
-            <a:schemeClr val="dk1"/>
+            <a:schemeClr val="accent1"/>
           </a:lnRef>
           <a:fillRef idx="0">
+            <a:schemeClr val="accent1"/>
+          </a:fillRef>
+          <a:effectRef idx="0">
+            <a:schemeClr val="accent1"/>
+          </a:effectRef>
+          <a:fontRef idx="minor">
+            <a:schemeClr val="tx1"/>
+          </a:fontRef>
+        </p:style>
+        <p:txBody>
+          <a:bodyPr rtlCol="0" anchor="ctr"/>
+          <a:lstStyle/>
+          <a:p>
+            <a:pPr algn="ctr"/>
+            <a:endParaRPr lang="en-SG"/>
+          </a:p>
+        </p:txBody>
+      </p:sp>
+      <p:sp>
+        <p:nvSpPr>
+          <p:cNvPr id="48" name="TextBox 47">
+            <a:extLst>
+              <a:ext uri="{FF2B5EF4-FFF2-40B4-BE49-F238E27FC236}">
+                <a16:creationId xmlns:a16="http://schemas.microsoft.com/office/drawing/2014/main" id="{A77BE544-7145-6949-94AF-AFCE5DA7C7AD}"/>
+              </a:ext>
+            </a:extLst>
+          </p:cNvPr>
+          <p:cNvSpPr txBox="1"/>
+          <p:nvPr/>
+        </p:nvSpPr>
+        <p:spPr>
+          <a:xfrm>
+            <a:off x="18534" y="2026833"/>
+            <a:ext cx="1202954" cy="276999"/>
+          </a:xfrm>
+          <a:prstGeom prst="rect">
+            <a:avLst/>
+          </a:prstGeom>
+          <a:noFill/>
+        </p:spPr>
+        <p:txBody>
+          <a:bodyPr wrap="square" rtlCol="0">
+            <a:spAutoFit/>
+          </a:bodyPr>
+          <a:lstStyle/>
+          <a:p>
+            <a:pPr algn="ctr"/>
+            <a:r>
+              <a:rPr lang="en-US" sz="1200" dirty="0">
+                <a:solidFill>
+                  <a:srgbClr val="7030A0"/>
+                </a:solidFill>
+              </a:rPr>
+              <a:t>summary-chart</a:t>
+            </a:r>
+          </a:p>
+        </p:txBody>
+      </p:sp>
+      <p:sp>
+        <p:nvSpPr>
+          <p:cNvPr id="49" name="Rectangle 48">
+            <a:extLst>
+              <a:ext uri="{FF2B5EF4-FFF2-40B4-BE49-F238E27FC236}">
+                <a16:creationId xmlns:a16="http://schemas.microsoft.com/office/drawing/2014/main" id="{5720B1C7-874B-4E44-A7D1-E44FC02B40B3}"/>
+              </a:ext>
+            </a:extLst>
+          </p:cNvPr>
+          <p:cNvSpPr/>
+          <p:nvPr/>
+        </p:nvSpPr>
+        <p:spPr>
+          <a:xfrm>
+            <a:off x="1526181" y="3880858"/>
+            <a:ext cx="4482462" cy="96793"/>
+          </a:xfrm>
+          <a:prstGeom prst="rect">
+            <a:avLst/>
+          </a:prstGeom>
+          <a:noFill/>
+          <a:ln w="9525" cap="flat" cmpd="sng" algn="ctr">
+            <a:solidFill>
+              <a:schemeClr val="dk1"/>
+            </a:solidFill>
+            <a:prstDash val="solid"/>
+            <a:round/>
+            <a:headEnd type="none" w="med" len="med"/>
+            <a:tailEnd type="none" w="med" len="med"/>
+          </a:ln>
+        </p:spPr>
+        <p:style>
+          <a:lnRef idx="0">
+            <a:scrgbClr r="0" g="0" b="0"/>
+          </a:lnRef>
+          <a:fillRef idx="0">
+            <a:scrgbClr r="0" g="0" b="0"/>
+          </a:fillRef>
+          <a:effectRef idx="0">
+            <a:scrgbClr r="0" g="0" b="0"/>
+          </a:effectRef>
+          <a:fontRef idx="minor">
+            <a:schemeClr val="dk1"/>
+          </a:fontRef>
+        </p:style>
+        <p:txBody>
+          <a:bodyPr rtlCol="0" anchor="ctr"/>
+          <a:lstStyle/>
+          <a:p>
+            <a:pPr algn="ctr"/>
+            <a:endParaRPr lang="en-SG"/>
+          </a:p>
+        </p:txBody>
+      </p:sp>
+      <p:sp>
+        <p:nvSpPr>
+          <p:cNvPr id="50" name="Arrow: Left 47">
+            <a:extLst>
+              <a:ext uri="{FF2B5EF4-FFF2-40B4-BE49-F238E27FC236}">
+                <a16:creationId xmlns:a16="http://schemas.microsoft.com/office/drawing/2014/main" id="{7457BEF7-1E31-E744-950A-37FC3FC20058}"/>
+              </a:ext>
+            </a:extLst>
+          </p:cNvPr>
+          <p:cNvSpPr/>
+          <p:nvPr/>
+        </p:nvSpPr>
+        <p:spPr>
+          <a:xfrm rot="2313406">
+            <a:off x="1193574" y="3701355"/>
+            <a:ext cx="348052" cy="96793"/>
+          </a:xfrm>
+          <a:prstGeom prst="leftArrow">
+            <a:avLst/>
+          </a:prstGeom>
+        </p:spPr>
+        <p:style>
+          <a:lnRef idx="2">
+            <a:schemeClr val="dk1">
+              <a:shade val="50000"/>
+            </a:schemeClr>
+          </a:lnRef>
+          <a:fillRef idx="1">
             <a:schemeClr val="dk1"/>
           </a:fillRef>
           <a:effectRef idx="0">
             <a:schemeClr val="dk1"/>
           </a:effectRef>
           <a:fontRef idx="minor">
-            <a:schemeClr val="tx1"/>
+            <a:schemeClr val="lt1"/>
           </a:fontRef>
         </p:style>
-      </p:cxnSp>
-      <p:sp>
-        <p:nvSpPr>
-          <p:cNvPr id="31" name="文本框 30">
-            <a:extLst>
-              <a:ext uri="{FF2B5EF4-FFF2-40B4-BE49-F238E27FC236}">
-                <a16:creationId xmlns:a16="http://schemas.microsoft.com/office/drawing/2014/main" id="{A6CD96EA-F1F9-4224-A314-6E2FC781E961}"/>
+        <p:txBody>
+          <a:bodyPr rtlCol="0" anchor="ctr"/>
+          <a:lstStyle/>
+          <a:p>
+            <a:pPr algn="ctr"/>
+            <a:endParaRPr lang="en-SG"/>
+          </a:p>
+        </p:txBody>
+      </p:sp>
+      <p:sp>
+        <p:nvSpPr>
+          <p:cNvPr id="51" name="TextBox 50">
+            <a:extLst>
+              <a:ext uri="{FF2B5EF4-FFF2-40B4-BE49-F238E27FC236}">
+                <a16:creationId xmlns:a16="http://schemas.microsoft.com/office/drawing/2014/main" id="{6C2AF7FB-234B-7347-967F-A89B873E0061}"/>
               </a:ext>
             </a:extLst>
           </p:cNvPr>
@@ -3628,8 +4143,8 @@
         </p:nvSpPr>
         <p:spPr>
           <a:xfrm>
-            <a:off x="2841057" y="4906809"/>
-            <a:ext cx="2522736" cy="369332"/>
+            <a:off x="31532" y="3188927"/>
+            <a:ext cx="1650123" cy="461665"/>
           </a:xfrm>
           <a:prstGeom prst="rect">
             <a:avLst/>
@@ -3642,24 +4157,32 @@
           </a:bodyPr>
           <a:lstStyle/>
           <a:p>
-            <a:r>
-              <a:rPr lang="en-US" altLang="zh-CN" dirty="0"/>
+            <a:pPr algn="ctr"/>
+            <a:r>
+              <a:rPr lang="en-US" sz="1200" dirty="0"/>
               <a:t>summary-</a:t>
             </a:r>
-            <a:r>
-              <a:rPr lang="en-US" altLang="zh-CN" dirty="0" err="1"/>
-              <a:t>chart__ramp</a:t>
-            </a:r>
-            <a:endParaRPr lang="zh-CN" altLang="en-US" dirty="0"/>
+          </a:p>
+          <a:p>
+            <a:pPr algn="ctr"/>
+            <a:r>
+              <a:rPr lang="en-US" sz="1200" dirty="0"/>
+              <a:t>chart__</a:t>
+            </a:r>
+            <a:r>
+              <a:rPr lang="en-US" sz="1200" dirty="0" err="1"/>
+              <a:t>contrib</a:t>
+            </a:r>
+            <a:endParaRPr lang="en-SG" sz="1200" dirty="0"/>
           </a:p>
         </p:txBody>
       </p:sp>
       <p:cxnSp>
         <p:nvCxnSpPr>
-          <p:cNvPr id="33" name="直接箭头连接符 32">
-            <a:extLst>
-              <a:ext uri="{FF2B5EF4-FFF2-40B4-BE49-F238E27FC236}">
-                <a16:creationId xmlns:a16="http://schemas.microsoft.com/office/drawing/2014/main" id="{E128B1A9-EAAA-45CA-9444-F3F1ABE070EA}"/>
+          <p:cNvPr id="58" name="Straight Arrow Connector 57">
+            <a:extLst>
+              <a:ext uri="{FF2B5EF4-FFF2-40B4-BE49-F238E27FC236}">
+                <a16:creationId xmlns:a16="http://schemas.microsoft.com/office/drawing/2014/main" id="{E1AC6A71-3A8D-E241-8A3F-9F7EE32F58B5}"/>
               </a:ext>
             </a:extLst>
           </p:cNvPr>
@@ -3669,381 +4192,447 @@
           <p:nvPr/>
         </p:nvCxnSpPr>
         <p:spPr>
-          <a:xfrm flipH="1" flipV="1">
-            <a:off x="2898308" y="4188346"/>
-            <a:ext cx="623065" cy="249554"/>
+          <a:xfrm flipV="1">
+            <a:off x="4633568" y="3669675"/>
+            <a:ext cx="0" cy="484087"/>
           </a:xfrm>
           <a:prstGeom prst="straightConnector1">
             <a:avLst/>
           </a:prstGeom>
-          <a:ln w="28575">
+          <a:ln>
             <a:tailEnd type="triangle"/>
           </a:ln>
         </p:spPr>
         <p:style>
-          <a:lnRef idx="1">
-            <a:schemeClr val="dk1"/>
+          <a:lnRef idx="3">
+            <a:schemeClr val="accent4"/>
           </a:lnRef>
           <a:fillRef idx="0">
+            <a:schemeClr val="accent4"/>
+          </a:fillRef>
+          <a:effectRef idx="2">
+            <a:schemeClr val="accent4"/>
+          </a:effectRef>
+          <a:fontRef idx="minor">
+            <a:schemeClr val="tx1"/>
+          </a:fontRef>
+        </p:style>
+      </p:cxnSp>
+      <p:sp>
+        <p:nvSpPr>
+          <p:cNvPr id="59" name="TextBox 58">
+            <a:extLst>
+              <a:ext uri="{FF2B5EF4-FFF2-40B4-BE49-F238E27FC236}">
+                <a16:creationId xmlns:a16="http://schemas.microsoft.com/office/drawing/2014/main" id="{9ED53A0E-FCFE-DE4A-9776-897FDA4E3D8F}"/>
+              </a:ext>
+            </a:extLst>
+          </p:cNvPr>
+          <p:cNvSpPr txBox="1"/>
+          <p:nvPr/>
+        </p:nvSpPr>
+        <p:spPr>
+          <a:xfrm>
+            <a:off x="3499944" y="3392676"/>
+            <a:ext cx="2516973" cy="276999"/>
+          </a:xfrm>
+          <a:prstGeom prst="rect">
+            <a:avLst/>
+          </a:prstGeom>
+          <a:noFill/>
+        </p:spPr>
+        <p:txBody>
+          <a:bodyPr wrap="square" rtlCol="0">
+            <a:spAutoFit/>
+          </a:bodyPr>
+          <a:lstStyle/>
+          <a:p>
+            <a:r>
+              <a:rPr lang="en-US" sz="1200" dirty="0">
+                <a:solidFill>
+                  <a:srgbClr val="FFC000"/>
+                </a:solidFill>
+              </a:rPr>
+              <a:t>summary-</a:t>
+            </a:r>
+            <a:r>
+              <a:rPr lang="en-US" sz="1200" dirty="0" err="1">
+                <a:solidFill>
+                  <a:srgbClr val="FFC000"/>
+                </a:solidFill>
+              </a:rPr>
+              <a:t>chart__ramp__slice</a:t>
+            </a:r>
+            <a:endParaRPr lang="en-SG" sz="1200" dirty="0">
+              <a:solidFill>
+                <a:srgbClr val="FFC000"/>
+              </a:solidFill>
+            </a:endParaRPr>
+          </a:p>
+        </p:txBody>
+      </p:sp>
+      <p:sp>
+        <p:nvSpPr>
+          <p:cNvPr id="60" name="Rectangle 59">
+            <a:extLst>
+              <a:ext uri="{FF2B5EF4-FFF2-40B4-BE49-F238E27FC236}">
+                <a16:creationId xmlns:a16="http://schemas.microsoft.com/office/drawing/2014/main" id="{0FE18B14-A8FF-CA40-9773-69CCCF32CE9A}"/>
+              </a:ext>
+            </a:extLst>
+          </p:cNvPr>
+          <p:cNvSpPr/>
+          <p:nvPr/>
+        </p:nvSpPr>
+        <p:spPr>
+          <a:xfrm>
+            <a:off x="1536198" y="2556435"/>
+            <a:ext cx="4482463" cy="305570"/>
+          </a:xfrm>
+          <a:prstGeom prst="rect">
+            <a:avLst/>
+          </a:prstGeom>
+          <a:noFill/>
+          <a:ln w="28575" cap="flat" cmpd="sng" algn="ctr">
+            <a:solidFill>
+              <a:schemeClr val="accent5"/>
+            </a:solidFill>
+            <a:prstDash val="solid"/>
+            <a:round/>
+            <a:headEnd type="none" w="med" len="med"/>
+            <a:tailEnd type="none" w="med" len="med"/>
+          </a:ln>
+        </p:spPr>
+        <p:style>
+          <a:lnRef idx="0">
+            <a:scrgbClr r="0" g="0" b="0"/>
+          </a:lnRef>
+          <a:fillRef idx="0">
+            <a:scrgbClr r="0" g="0" b="0"/>
+          </a:fillRef>
+          <a:effectRef idx="0">
+            <a:scrgbClr r="0" g="0" b="0"/>
+          </a:effectRef>
+          <a:fontRef idx="minor">
+            <a:schemeClr val="accent4"/>
+          </a:fontRef>
+        </p:style>
+        <p:txBody>
+          <a:bodyPr rtlCol="0" anchor="ctr"/>
+          <a:lstStyle/>
+          <a:p>
+            <a:pPr algn="ctr"/>
+            <a:endParaRPr lang="en-SG" dirty="0">
+              <a:highlight>
+                <a:srgbClr val="FFFF00"/>
+              </a:highlight>
+            </a:endParaRPr>
+          </a:p>
+        </p:txBody>
+      </p:sp>
+      <p:sp>
+        <p:nvSpPr>
+          <p:cNvPr id="61" name="Left Brace 60">
+            <a:extLst>
+              <a:ext uri="{FF2B5EF4-FFF2-40B4-BE49-F238E27FC236}">
+                <a16:creationId xmlns:a16="http://schemas.microsoft.com/office/drawing/2014/main" id="{0A49D9D0-8D3C-1446-A8F5-448223EAB137}"/>
+              </a:ext>
+            </a:extLst>
+          </p:cNvPr>
+          <p:cNvSpPr/>
+          <p:nvPr/>
+        </p:nvSpPr>
+        <p:spPr>
+          <a:xfrm>
+            <a:off x="1154757" y="2556435"/>
+            <a:ext cx="348052" cy="305570"/>
+          </a:xfrm>
+          <a:prstGeom prst="leftBrace">
+            <a:avLst/>
+          </a:prstGeom>
+          <a:ln w="19050">
+            <a:solidFill>
+              <a:schemeClr val="accent5"/>
+            </a:solidFill>
+          </a:ln>
+        </p:spPr>
+        <p:style>
+          <a:lnRef idx="1">
+            <a:schemeClr val="accent1"/>
+          </a:lnRef>
+          <a:fillRef idx="0">
+            <a:schemeClr val="accent1"/>
+          </a:fillRef>
+          <a:effectRef idx="0">
+            <a:schemeClr val="accent1"/>
+          </a:effectRef>
+          <a:fontRef idx="minor">
+            <a:schemeClr val="tx1"/>
+          </a:fontRef>
+        </p:style>
+        <p:txBody>
+          <a:bodyPr rtlCol="0" anchor="ctr"/>
+          <a:lstStyle/>
+          <a:p>
+            <a:pPr algn="ctr"/>
+            <a:endParaRPr lang="en-SG"/>
+          </a:p>
+        </p:txBody>
+      </p:sp>
+      <p:sp>
+        <p:nvSpPr>
+          <p:cNvPr id="62" name="TextBox 61">
+            <a:extLst>
+              <a:ext uri="{FF2B5EF4-FFF2-40B4-BE49-F238E27FC236}">
+                <a16:creationId xmlns:a16="http://schemas.microsoft.com/office/drawing/2014/main" id="{3C528547-1EDA-0344-9C22-58F28B4D7B80}"/>
+              </a:ext>
+            </a:extLst>
+          </p:cNvPr>
+          <p:cNvSpPr txBox="1"/>
+          <p:nvPr/>
+        </p:nvSpPr>
+        <p:spPr>
+          <a:xfrm>
+            <a:off x="0" y="2478387"/>
+            <a:ext cx="1243423" cy="461665"/>
+          </a:xfrm>
+          <a:prstGeom prst="rect">
+            <a:avLst/>
+          </a:prstGeom>
+          <a:noFill/>
+        </p:spPr>
+        <p:txBody>
+          <a:bodyPr wrap="square" rtlCol="0">
+            <a:spAutoFit/>
+          </a:bodyPr>
+          <a:lstStyle/>
+          <a:p>
+            <a:pPr algn="ctr"/>
+            <a:r>
+              <a:rPr lang="en-US" sz="1200" dirty="0">
+                <a:solidFill>
+                  <a:srgbClr val="0070C0"/>
+                </a:solidFill>
+              </a:rPr>
+              <a:t>summary-</a:t>
+            </a:r>
+            <a:r>
+              <a:rPr lang="en-US" sz="1200" dirty="0" err="1">
+                <a:solidFill>
+                  <a:srgbClr val="0070C0"/>
+                </a:solidFill>
+              </a:rPr>
+              <a:t>chart__ramp</a:t>
+            </a:r>
+            <a:endParaRPr lang="en-US" sz="1200" dirty="0">
+              <a:solidFill>
+                <a:srgbClr val="0070C0"/>
+              </a:solidFill>
+            </a:endParaRPr>
+          </a:p>
+        </p:txBody>
+      </p:sp>
+      <p:sp>
+        <p:nvSpPr>
+          <p:cNvPr id="68" name="Arrow: Right 11">
+            <a:extLst>
+              <a:ext uri="{FF2B5EF4-FFF2-40B4-BE49-F238E27FC236}">
+                <a16:creationId xmlns:a16="http://schemas.microsoft.com/office/drawing/2014/main" id="{11133928-A68D-214C-83C4-13C29E068764}"/>
+              </a:ext>
+            </a:extLst>
+          </p:cNvPr>
+          <p:cNvSpPr/>
+          <p:nvPr/>
+        </p:nvSpPr>
+        <p:spPr>
+          <a:xfrm>
+            <a:off x="8260503" y="1926981"/>
+            <a:ext cx="402336" cy="121920"/>
+          </a:xfrm>
+          <a:prstGeom prst="rightArrow">
+            <a:avLst/>
+          </a:prstGeom>
+        </p:spPr>
+        <p:style>
+          <a:lnRef idx="2">
+            <a:schemeClr val="accent6">
+              <a:shade val="50000"/>
+            </a:schemeClr>
+          </a:lnRef>
+          <a:fillRef idx="1">
+            <a:schemeClr val="accent6"/>
+          </a:fillRef>
+          <a:effectRef idx="0">
+            <a:schemeClr val="accent6"/>
+          </a:effectRef>
+          <a:fontRef idx="minor">
+            <a:schemeClr val="lt1"/>
+          </a:fontRef>
+        </p:style>
+        <p:txBody>
+          <a:bodyPr rtlCol="0" anchor="ctr"/>
+          <a:lstStyle/>
+          <a:p>
+            <a:pPr algn="ctr"/>
+            <a:endParaRPr lang="en-SG"/>
+          </a:p>
+        </p:txBody>
+      </p:sp>
+      <p:sp>
+        <p:nvSpPr>
+          <p:cNvPr id="69" name="TextBox 68">
+            <a:extLst>
+              <a:ext uri="{FF2B5EF4-FFF2-40B4-BE49-F238E27FC236}">
+                <a16:creationId xmlns:a16="http://schemas.microsoft.com/office/drawing/2014/main" id="{D26E4E26-EF97-A547-93AF-6C3384E7A51F}"/>
+              </a:ext>
+            </a:extLst>
+          </p:cNvPr>
+          <p:cNvSpPr txBox="1"/>
+          <p:nvPr/>
+        </p:nvSpPr>
+        <p:spPr>
+          <a:xfrm>
+            <a:off x="8662938" y="1833505"/>
+            <a:ext cx="1080151" cy="276999"/>
+          </a:xfrm>
+          <a:prstGeom prst="rect">
+            <a:avLst/>
+          </a:prstGeom>
+          <a:noFill/>
+        </p:spPr>
+        <p:txBody>
+          <a:bodyPr wrap="square" rtlCol="0">
+            <a:spAutoFit/>
+          </a:bodyPr>
+          <a:lstStyle/>
+          <a:p>
+            <a:r>
+              <a:rPr lang="en-US" sz="1200" dirty="0">
+                <a:solidFill>
+                  <a:schemeClr val="accent6">
+                    <a:lumMod val="75000"/>
+                  </a:schemeClr>
+                </a:solidFill>
+              </a:rPr>
+              <a:t>glob filter</a:t>
+            </a:r>
+            <a:endParaRPr lang="en-SG" sz="1200" dirty="0">
+              <a:solidFill>
+                <a:schemeClr val="accent6">
+                  <a:lumMod val="75000"/>
+                </a:schemeClr>
+              </a:solidFill>
+            </a:endParaRPr>
+          </a:p>
+        </p:txBody>
+      </p:sp>
+      <p:sp>
+        <p:nvSpPr>
+          <p:cNvPr id="70" name="Arrow: Left 47">
+            <a:extLst>
+              <a:ext uri="{FF2B5EF4-FFF2-40B4-BE49-F238E27FC236}">
+                <a16:creationId xmlns:a16="http://schemas.microsoft.com/office/drawing/2014/main" id="{EA9C9FB0-FAE2-D641-97A9-DF6605E5210F}"/>
+              </a:ext>
+            </a:extLst>
+          </p:cNvPr>
+          <p:cNvSpPr/>
+          <p:nvPr/>
+        </p:nvSpPr>
+        <p:spPr>
+          <a:xfrm rot="10800000">
+            <a:off x="8338253" y="2419612"/>
+            <a:ext cx="348052" cy="96793"/>
+          </a:xfrm>
+          <a:prstGeom prst="leftArrow">
+            <a:avLst/>
+          </a:prstGeom>
+          <a:solidFill>
+            <a:srgbClr val="C00000"/>
+          </a:solidFill>
+          <a:ln>
+            <a:solidFill>
+              <a:srgbClr val="C00000"/>
+            </a:solidFill>
+          </a:ln>
+        </p:spPr>
+        <p:style>
+          <a:lnRef idx="2">
+            <a:schemeClr val="dk1">
+              <a:shade val="50000"/>
+            </a:schemeClr>
+          </a:lnRef>
+          <a:fillRef idx="1">
             <a:schemeClr val="dk1"/>
           </a:fillRef>
           <a:effectRef idx="0">
             <a:schemeClr val="dk1"/>
           </a:effectRef>
           <a:fontRef idx="minor">
-            <a:schemeClr val="tx1"/>
+            <a:schemeClr val="lt1"/>
           </a:fontRef>
         </p:style>
-      </p:cxnSp>
-      <p:sp>
-        <p:nvSpPr>
-          <p:cNvPr id="35" name="文本框 34">
-            <a:extLst>
-              <a:ext uri="{FF2B5EF4-FFF2-40B4-BE49-F238E27FC236}">
-                <a16:creationId xmlns:a16="http://schemas.microsoft.com/office/drawing/2014/main" id="{35D1BD6E-5F94-4F43-8079-6CD33DA8515D}"/>
-              </a:ext>
-            </a:extLst>
-          </p:cNvPr>
-          <p:cNvSpPr txBox="1"/>
+        <p:txBody>
+          <a:bodyPr rtlCol="0" anchor="ctr"/>
+          <a:lstStyle/>
+          <a:p>
+            <a:pPr algn="ctr"/>
+            <a:endParaRPr lang="en-SG"/>
+          </a:p>
+        </p:txBody>
+      </p:sp>
+      <p:sp>
+        <p:nvSpPr>
+          <p:cNvPr id="71" name="Arrow: Left 47">
+            <a:extLst>
+              <a:ext uri="{FF2B5EF4-FFF2-40B4-BE49-F238E27FC236}">
+                <a16:creationId xmlns:a16="http://schemas.microsoft.com/office/drawing/2014/main" id="{F7FC1778-C9DC-F24D-AA1E-1D70DFA1E7D8}"/>
+              </a:ext>
+            </a:extLst>
+          </p:cNvPr>
+          <p:cNvSpPr/>
           <p:nvPr/>
         </p:nvSpPr>
         <p:spPr>
-          <a:xfrm>
-            <a:off x="2841057" y="4352409"/>
-            <a:ext cx="3537747" cy="369332"/>
-          </a:xfrm>
-          <a:prstGeom prst="rect">
+          <a:xfrm rot="10800000">
+            <a:off x="10686760" y="4241786"/>
+            <a:ext cx="348052" cy="96793"/>
+          </a:xfrm>
+          <a:prstGeom prst="leftArrow">
             <a:avLst/>
           </a:prstGeom>
-          <a:noFill/>
-        </p:spPr>
-        <p:txBody>
-          <a:bodyPr wrap="square" rtlCol="0">
-            <a:spAutoFit/>
-          </a:bodyPr>
-          <a:lstStyle/>
-          <a:p>
-            <a:r>
-              <a:rPr lang="en-US" altLang="zh-CN" dirty="0"/>
-              <a:t>summary-</a:t>
-            </a:r>
-            <a:r>
-              <a:rPr lang="en-US" altLang="zh-CN" dirty="0" err="1"/>
-              <a:t>chart__ramp__slice</a:t>
-            </a:r>
-            <a:endParaRPr lang="zh-CN" altLang="en-US" sz="1400" dirty="0"/>
-          </a:p>
-        </p:txBody>
-      </p:sp>
-      <p:cxnSp>
-        <p:nvCxnSpPr>
-          <p:cNvPr id="38" name="直接箭头连接符 37">
-            <a:extLst>
-              <a:ext uri="{FF2B5EF4-FFF2-40B4-BE49-F238E27FC236}">
-                <a16:creationId xmlns:a16="http://schemas.microsoft.com/office/drawing/2014/main" id="{0866A2EB-BEED-4C21-A5CB-7F482C925D7D}"/>
-              </a:ext>
-            </a:extLst>
-          </p:cNvPr>
-          <p:cNvCxnSpPr>
-            <a:cxnSpLocks/>
-          </p:cNvCxnSpPr>
-          <p:nvPr/>
-        </p:nvCxnSpPr>
-        <p:spPr>
-          <a:xfrm flipH="1" flipV="1">
-            <a:off x="2766975" y="3802472"/>
-            <a:ext cx="754398" cy="95995"/>
-          </a:xfrm>
-          <a:prstGeom prst="straightConnector1">
-            <a:avLst/>
-          </a:prstGeom>
-          <a:ln w="28575">
-            <a:tailEnd type="triangle"/>
+          <a:solidFill>
+            <a:schemeClr val="accent4">
+              <a:lumMod val="75000"/>
+            </a:schemeClr>
+          </a:solidFill>
+          <a:ln>
+            <a:solidFill>
+              <a:schemeClr val="accent4">
+                <a:lumMod val="75000"/>
+              </a:schemeClr>
+            </a:solidFill>
           </a:ln>
         </p:spPr>
         <p:style>
-          <a:lnRef idx="1">
-            <a:schemeClr val="dk1"/>
+          <a:lnRef idx="2">
+            <a:schemeClr val="dk1">
+              <a:shade val="50000"/>
+            </a:schemeClr>
           </a:lnRef>
-          <a:fillRef idx="0">
+          <a:fillRef idx="1">
             <a:schemeClr val="dk1"/>
           </a:fillRef>
           <a:effectRef idx="0">
             <a:schemeClr val="dk1"/>
           </a:effectRef>
           <a:fontRef idx="minor">
-            <a:schemeClr val="tx1"/>
+            <a:schemeClr val="lt1"/>
           </a:fontRef>
         </p:style>
-      </p:cxnSp>
-      <p:sp>
-        <p:nvSpPr>
-          <p:cNvPr id="39" name="文本框 38">
-            <a:extLst>
-              <a:ext uri="{FF2B5EF4-FFF2-40B4-BE49-F238E27FC236}">
-                <a16:creationId xmlns:a16="http://schemas.microsoft.com/office/drawing/2014/main" id="{C0C87854-AB17-4C5B-8C34-55C86ADFFD5A}"/>
-              </a:ext>
-            </a:extLst>
-          </p:cNvPr>
-          <p:cNvSpPr txBox="1"/>
-          <p:nvPr/>
-        </p:nvSpPr>
-        <p:spPr>
-          <a:xfrm>
-            <a:off x="3472062" y="3713801"/>
-            <a:ext cx="3788273" cy="369332"/>
-          </a:xfrm>
-          <a:prstGeom prst="rect">
-            <a:avLst/>
-          </a:prstGeom>
-          <a:noFill/>
-        </p:spPr>
-        <p:txBody>
-          <a:bodyPr wrap="square" rtlCol="0">
-            <a:spAutoFit/>
-          </a:bodyPr>
-          <a:lstStyle/>
-          <a:p>
-            <a:r>
-              <a:rPr lang="en-US" altLang="zh-CN" dirty="0"/>
-              <a:t>summary-chart__</a:t>
-            </a:r>
-            <a:r>
-              <a:rPr lang="en-US" altLang="zh-CN" dirty="0" err="1"/>
-              <a:t>contrib</a:t>
-            </a:r>
-            <a:endParaRPr lang="zh-CN" altLang="en-US" sz="1600" dirty="0"/>
-          </a:p>
-        </p:txBody>
-      </p:sp>
-      <p:cxnSp>
-        <p:nvCxnSpPr>
-          <p:cNvPr id="44" name="直接箭头连接符 43">
-            <a:extLst>
-              <a:ext uri="{FF2B5EF4-FFF2-40B4-BE49-F238E27FC236}">
-                <a16:creationId xmlns:a16="http://schemas.microsoft.com/office/drawing/2014/main" id="{5AC745B7-A422-4E0C-A7D4-2AE5E9D2CF29}"/>
-              </a:ext>
-            </a:extLst>
-          </p:cNvPr>
-          <p:cNvCxnSpPr>
-            <a:cxnSpLocks/>
-          </p:cNvCxnSpPr>
-          <p:nvPr/>
-        </p:nvCxnSpPr>
-        <p:spPr>
-          <a:xfrm flipH="1" flipV="1">
-            <a:off x="10373223" y="4537075"/>
-            <a:ext cx="754398" cy="95995"/>
-          </a:xfrm>
-          <a:prstGeom prst="straightConnector1">
-            <a:avLst/>
-          </a:prstGeom>
-          <a:ln w="28575">
-            <a:tailEnd type="triangle"/>
-          </a:ln>
-        </p:spPr>
-        <p:style>
-          <a:lnRef idx="1">
-            <a:schemeClr val="dk1"/>
-          </a:lnRef>
-          <a:fillRef idx="0">
-            <a:schemeClr val="dk1"/>
-          </a:fillRef>
-          <a:effectRef idx="0">
-            <a:schemeClr val="dk1"/>
-          </a:effectRef>
-          <a:fontRef idx="minor">
-            <a:schemeClr val="tx1"/>
-          </a:fontRef>
-        </p:style>
-      </p:cxnSp>
-      <p:sp>
-        <p:nvSpPr>
-          <p:cNvPr id="45" name="文本框 44">
-            <a:extLst>
-              <a:ext uri="{FF2B5EF4-FFF2-40B4-BE49-F238E27FC236}">
-                <a16:creationId xmlns:a16="http://schemas.microsoft.com/office/drawing/2014/main" id="{A0A1A4A5-828A-4BF9-94DF-CD28CBD612CF}"/>
-              </a:ext>
-            </a:extLst>
-          </p:cNvPr>
-          <p:cNvSpPr txBox="1"/>
-          <p:nvPr/>
-        </p:nvSpPr>
-        <p:spPr>
-          <a:xfrm>
-            <a:off x="11114306" y="4427216"/>
-            <a:ext cx="550952" cy="369332"/>
-          </a:xfrm>
-          <a:prstGeom prst="rect">
-            <a:avLst/>
-          </a:prstGeom>
-          <a:noFill/>
-        </p:spPr>
-        <p:txBody>
-          <a:bodyPr wrap="square" rtlCol="0">
-            <a:spAutoFit/>
-          </a:bodyPr>
-          <a:lstStyle/>
-          <a:p>
-            <a:r>
-              <a:rPr lang="en-US" altLang="zh-CN" dirty="0"/>
-              <a:t>file</a:t>
-            </a:r>
-            <a:endParaRPr lang="zh-CN" altLang="en-US" sz="1600" dirty="0"/>
-          </a:p>
-        </p:txBody>
-      </p:sp>
-      <p:cxnSp>
-        <p:nvCxnSpPr>
-          <p:cNvPr id="46" name="直接箭头连接符 45">
-            <a:extLst>
-              <a:ext uri="{FF2B5EF4-FFF2-40B4-BE49-F238E27FC236}">
-                <a16:creationId xmlns:a16="http://schemas.microsoft.com/office/drawing/2014/main" id="{3B381D0C-8056-4A23-A73C-A4BC566D0643}"/>
-              </a:ext>
-            </a:extLst>
-          </p:cNvPr>
-          <p:cNvCxnSpPr>
-            <a:cxnSpLocks/>
-          </p:cNvCxnSpPr>
-          <p:nvPr/>
-        </p:nvCxnSpPr>
-        <p:spPr>
-          <a:xfrm flipH="1">
-            <a:off x="8740270" y="2146335"/>
-            <a:ext cx="743681" cy="1"/>
-          </a:xfrm>
-          <a:prstGeom prst="straightConnector1">
-            <a:avLst/>
-          </a:prstGeom>
-          <a:ln w="28575">
-            <a:tailEnd type="triangle"/>
-          </a:ln>
-        </p:spPr>
-        <p:style>
-          <a:lnRef idx="1">
-            <a:schemeClr val="dk1"/>
-          </a:lnRef>
-          <a:fillRef idx="0">
-            <a:schemeClr val="dk1"/>
-          </a:fillRef>
-          <a:effectRef idx="0">
-            <a:schemeClr val="dk1"/>
-          </a:effectRef>
-          <a:fontRef idx="minor">
-            <a:schemeClr val="tx1"/>
-          </a:fontRef>
-        </p:style>
-      </p:cxnSp>
-      <p:sp>
-        <p:nvSpPr>
-          <p:cNvPr id="47" name="文本框 46">
-            <a:extLst>
-              <a:ext uri="{FF2B5EF4-FFF2-40B4-BE49-F238E27FC236}">
-                <a16:creationId xmlns:a16="http://schemas.microsoft.com/office/drawing/2014/main" id="{8A40C309-DFD1-4333-84EB-9117C609942E}"/>
-              </a:ext>
-            </a:extLst>
-          </p:cNvPr>
-          <p:cNvSpPr txBox="1"/>
-          <p:nvPr/>
-        </p:nvSpPr>
-        <p:spPr>
-          <a:xfrm>
-            <a:off x="9483951" y="1977058"/>
-            <a:ext cx="646691" cy="338554"/>
-          </a:xfrm>
-          <a:prstGeom prst="rect">
-            <a:avLst/>
-          </a:prstGeom>
-          <a:noFill/>
-        </p:spPr>
-        <p:txBody>
-          <a:bodyPr wrap="square" rtlCol="0">
-            <a:spAutoFit/>
-          </a:bodyPr>
-          <a:lstStyle/>
-          <a:p>
-            <a:r>
-              <a:rPr lang="en-US" altLang="zh-CN" sz="1600" dirty="0"/>
-              <a:t>title</a:t>
-            </a:r>
-            <a:endParaRPr lang="zh-CN" altLang="en-US" sz="1600" dirty="0"/>
-          </a:p>
-        </p:txBody>
-      </p:sp>
-      <p:cxnSp>
-        <p:nvCxnSpPr>
-          <p:cNvPr id="22" name="直接箭头连接符 45">
-            <a:extLst>
-              <a:ext uri="{FF2B5EF4-FFF2-40B4-BE49-F238E27FC236}">
-                <a16:creationId xmlns:a16="http://schemas.microsoft.com/office/drawing/2014/main" id="{6277504A-AF5B-AE43-8282-3FC382F853CA}"/>
-              </a:ext>
-            </a:extLst>
-          </p:cNvPr>
-          <p:cNvCxnSpPr>
-            <a:cxnSpLocks/>
-          </p:cNvCxnSpPr>
-          <p:nvPr/>
-        </p:nvCxnSpPr>
-        <p:spPr>
-          <a:xfrm flipH="1">
-            <a:off x="8368429" y="1778237"/>
-            <a:ext cx="743681" cy="1"/>
-          </a:xfrm>
-          <a:prstGeom prst="straightConnector1">
-            <a:avLst/>
-          </a:prstGeom>
-          <a:ln w="28575">
-            <a:tailEnd type="triangle"/>
-          </a:ln>
-        </p:spPr>
-        <p:style>
-          <a:lnRef idx="1">
-            <a:schemeClr val="dk1"/>
-          </a:lnRef>
-          <a:fillRef idx="0">
-            <a:schemeClr val="dk1"/>
-          </a:fillRef>
-          <a:effectRef idx="0">
-            <a:schemeClr val="dk1"/>
-          </a:effectRef>
-          <a:fontRef idx="minor">
-            <a:schemeClr val="tx1"/>
-          </a:fontRef>
-        </p:style>
-      </p:cxnSp>
-      <p:sp>
-        <p:nvSpPr>
-          <p:cNvPr id="23" name="文本框 46">
-            <a:extLst>
-              <a:ext uri="{FF2B5EF4-FFF2-40B4-BE49-F238E27FC236}">
-                <a16:creationId xmlns:a16="http://schemas.microsoft.com/office/drawing/2014/main" id="{E9E7343E-077D-3B43-92A7-61FB56C09A47}"/>
-              </a:ext>
-            </a:extLst>
-          </p:cNvPr>
-          <p:cNvSpPr txBox="1"/>
-          <p:nvPr/>
-        </p:nvSpPr>
-        <p:spPr>
-          <a:xfrm>
-            <a:off x="9112110" y="1593572"/>
-            <a:ext cx="1111828" cy="338554"/>
-          </a:xfrm>
-          <a:prstGeom prst="rect">
-            <a:avLst/>
-          </a:prstGeom>
-          <a:noFill/>
-        </p:spPr>
-        <p:txBody>
-          <a:bodyPr wrap="square" rtlCol="0">
-            <a:spAutoFit/>
-          </a:bodyPr>
-          <a:lstStyle/>
-          <a:p>
-            <a:r>
-              <a:rPr lang="en-US" altLang="zh-CN" sz="1600" dirty="0"/>
-              <a:t>glob filter</a:t>
-            </a:r>
-            <a:endParaRPr lang="zh-CN" altLang="en-US" sz="1600" dirty="0"/>
+        <p:txBody>
+          <a:bodyPr rtlCol="0" anchor="ctr"/>
+          <a:lstStyle/>
+          <a:p>
+            <a:pPr algn="ctr"/>
+            <a:endParaRPr lang="en-SG"/>
           </a:p>
         </p:txBody>
       </p:sp>

--- a/docs/diagrams/report-summary.pptx
+++ b/docs/diagrams/report-summary.pptx
@@ -3381,6 +3381,11 @@
           <a:prstGeom prst="rect">
             <a:avLst/>
           </a:prstGeom>
+          <a:ln w="12700">
+            <a:solidFill>
+              <a:schemeClr val="tx1"/>
+            </a:solidFill>
+          </a:ln>
         </p:spPr>
       </p:pic>
       <p:sp>
@@ -3451,7 +3456,7 @@
         </p:nvSpPr>
         <p:spPr>
           <a:xfrm>
-            <a:off x="11042275" y="4144131"/>
+            <a:off x="10971251" y="4126375"/>
             <a:ext cx="750332" cy="276999"/>
           </a:xfrm>
           <a:prstGeom prst="rect">
@@ -3499,7 +3504,7 @@
         </p:nvSpPr>
         <p:spPr>
           <a:xfrm>
-            <a:off x="8666427" y="2315835"/>
+            <a:off x="8613159" y="2315835"/>
             <a:ext cx="849429" cy="276999"/>
           </a:xfrm>
           <a:prstGeom prst="rect">
@@ -3531,50 +3536,6 @@
       </p:sp>
       <p:sp>
         <p:nvSpPr>
-          <p:cNvPr id="21" name="Right Brace 20">
-            <a:extLst>
-              <a:ext uri="{FF2B5EF4-FFF2-40B4-BE49-F238E27FC236}">
-                <a16:creationId xmlns:a16="http://schemas.microsoft.com/office/drawing/2014/main" id="{9BD3E903-758E-2D47-AD99-018719F72293}"/>
-              </a:ext>
-            </a:extLst>
-          </p:cNvPr>
-          <p:cNvSpPr/>
-          <p:nvPr/>
-        </p:nvSpPr>
-        <p:spPr>
-          <a:xfrm rot="16200000">
-            <a:off x="3599688" y="-1681925"/>
-            <a:ext cx="344424" cy="4648200"/>
-          </a:xfrm>
-          <a:prstGeom prst="rightBrace">
-            <a:avLst/>
-          </a:prstGeom>
-        </p:spPr>
-        <p:style>
-          <a:lnRef idx="3">
-            <a:schemeClr val="accent1"/>
-          </a:lnRef>
-          <a:fillRef idx="0">
-            <a:schemeClr val="accent1"/>
-          </a:fillRef>
-          <a:effectRef idx="2">
-            <a:schemeClr val="accent1"/>
-          </a:effectRef>
-          <a:fontRef idx="minor">
-            <a:schemeClr val="tx1"/>
-          </a:fontRef>
-        </p:style>
-        <p:txBody>
-          <a:bodyPr rtlCol="0" anchor="ctr"/>
-          <a:lstStyle/>
-          <a:p>
-            <a:pPr algn="ctr"/>
-            <a:endParaRPr lang="en-SG"/>
-          </a:p>
-        </p:txBody>
-      </p:sp>
-      <p:sp>
-        <p:nvSpPr>
           <p:cNvPr id="24" name="TextBox 23">
             <a:extLst>
               <a:ext uri="{FF2B5EF4-FFF2-40B4-BE49-F238E27FC236}">
@@ -3587,7 +3548,7 @@
         </p:nvSpPr>
         <p:spPr>
           <a:xfrm>
-            <a:off x="2726436" y="79248"/>
+            <a:off x="2726436" y="163993"/>
             <a:ext cx="2090928" cy="276999"/>
           </a:xfrm>
           <a:prstGeom prst="rect">
@@ -3603,54 +3564,18 @@
           <a:p>
             <a:pPr algn="ctr"/>
             <a:r>
-              <a:rPr lang="en-US" sz="1200" dirty="0"/>
+              <a:rPr lang="en-US" sz="1200" dirty="0">
+                <a:solidFill>
+                  <a:schemeClr val="accent1"/>
+                </a:solidFill>
+              </a:rPr>
               <a:t>summary</a:t>
             </a:r>
-            <a:endParaRPr lang="en-SG" sz="1200" dirty="0"/>
-          </a:p>
-        </p:txBody>
-      </p:sp>
-      <p:sp>
-        <p:nvSpPr>
-          <p:cNvPr id="29" name="Right Brace 28">
-            <a:extLst>
-              <a:ext uri="{FF2B5EF4-FFF2-40B4-BE49-F238E27FC236}">
-                <a16:creationId xmlns:a16="http://schemas.microsoft.com/office/drawing/2014/main" id="{D3693491-4CC3-9C40-8CA3-0E17F4ACC7C5}"/>
-              </a:ext>
-            </a:extLst>
-          </p:cNvPr>
-          <p:cNvSpPr/>
-          <p:nvPr/>
-        </p:nvSpPr>
-        <p:spPr>
-          <a:xfrm rot="16200000">
-            <a:off x="8298180" y="-1631634"/>
-            <a:ext cx="344424" cy="4547616"/>
-          </a:xfrm>
-          <a:prstGeom prst="rightBrace">
-            <a:avLst/>
-          </a:prstGeom>
-        </p:spPr>
-        <p:style>
-          <a:lnRef idx="3">
-            <a:schemeClr val="accent2"/>
-          </a:lnRef>
-          <a:fillRef idx="0">
-            <a:schemeClr val="accent2"/>
-          </a:fillRef>
-          <a:effectRef idx="2">
-            <a:schemeClr val="accent2"/>
-          </a:effectRef>
-          <a:fontRef idx="minor">
-            <a:schemeClr val="tx1"/>
-          </a:fontRef>
-        </p:style>
-        <p:txBody>
-          <a:bodyPr rtlCol="0" anchor="ctr"/>
-          <a:lstStyle/>
-          <a:p>
-            <a:pPr algn="ctr"/>
-            <a:endParaRPr lang="en-SG"/>
+            <a:endParaRPr lang="en-SG" sz="1200" dirty="0">
+              <a:solidFill>
+                <a:schemeClr val="accent1"/>
+              </a:solidFill>
+            </a:endParaRPr>
           </a:p>
         </p:txBody>
       </p:sp>
@@ -3668,7 +3593,7 @@
         </p:nvSpPr>
         <p:spPr>
           <a:xfrm>
-            <a:off x="7424928" y="79248"/>
+            <a:off x="7432929" y="161454"/>
             <a:ext cx="2090928" cy="276999"/>
           </a:xfrm>
           <a:prstGeom prst="rect">
@@ -3684,10 +3609,18 @@
           <a:p>
             <a:pPr algn="ctr"/>
             <a:r>
-              <a:rPr lang="en-US" sz="1200" dirty="0"/>
+              <a:rPr lang="en-US" sz="1200" dirty="0">
+                <a:solidFill>
+                  <a:schemeClr val="accent2"/>
+                </a:solidFill>
+              </a:rPr>
               <a:t>tabs-pane</a:t>
             </a:r>
-            <a:endParaRPr lang="en-SG" sz="1200" dirty="0"/>
+            <a:endParaRPr lang="en-SG" sz="1200" dirty="0">
+              <a:solidFill>
+                <a:schemeClr val="accent2"/>
+              </a:solidFill>
+            </a:endParaRPr>
           </a:p>
         </p:txBody>
       </p:sp>
@@ -3747,53 +3680,6 @@
       </p:sp>
       <p:sp>
         <p:nvSpPr>
-          <p:cNvPr id="37" name="Left Brace 36">
-            <a:extLst>
-              <a:ext uri="{FF2B5EF4-FFF2-40B4-BE49-F238E27FC236}">
-                <a16:creationId xmlns:a16="http://schemas.microsoft.com/office/drawing/2014/main" id="{9494E5A0-E147-2A47-B20B-2B69B72DDFDC}"/>
-              </a:ext>
-            </a:extLst>
-          </p:cNvPr>
-          <p:cNvSpPr/>
-          <p:nvPr/>
-        </p:nvSpPr>
-        <p:spPr>
-          <a:xfrm>
-            <a:off x="1411366" y="896446"/>
-            <a:ext cx="516530" cy="869029"/>
-          </a:xfrm>
-          <a:prstGeom prst="leftBrace">
-            <a:avLst>
-              <a:gd name="adj1" fmla="val 14462"/>
-              <a:gd name="adj2" fmla="val 50000"/>
-            </a:avLst>
-          </a:prstGeom>
-        </p:spPr>
-        <p:style>
-          <a:lnRef idx="3">
-            <a:schemeClr val="accent6"/>
-          </a:lnRef>
-          <a:fillRef idx="0">
-            <a:schemeClr val="accent6"/>
-          </a:fillRef>
-          <a:effectRef idx="2">
-            <a:schemeClr val="accent6"/>
-          </a:effectRef>
-          <a:fontRef idx="minor">
-            <a:schemeClr val="tx1"/>
-          </a:fontRef>
-        </p:style>
-        <p:txBody>
-          <a:bodyPr rtlCol="0" anchor="ctr"/>
-          <a:lstStyle/>
-          <a:p>
-            <a:pPr algn="ctr"/>
-            <a:endParaRPr lang="en-SG"/>
-          </a:p>
-        </p:txBody>
-      </p:sp>
-      <p:sp>
-        <p:nvSpPr>
           <p:cNvPr id="40" name="TextBox 39">
             <a:extLst>
               <a:ext uri="{FF2B5EF4-FFF2-40B4-BE49-F238E27FC236}">
@@ -3853,7 +3739,7 @@
             <a:avLst/>
           </a:prstGeom>
           <a:noFill/>
-          <a:ln w="9525" cap="flat" cmpd="sng" algn="ctr">
+          <a:ln w="12700" cap="flat" cmpd="sng" algn="ctr">
             <a:solidFill>
               <a:schemeClr val="accent6"/>
             </a:solidFill>
@@ -3907,9 +3793,9 @@
             <a:avLst/>
           </a:prstGeom>
           <a:noFill/>
-          <a:ln w="28575" cap="flat" cmpd="sng" algn="ctr">
+          <a:ln w="12700" cap="flat" cmpd="sng" algn="ctr">
             <a:solidFill>
-              <a:srgbClr val="A401FF"/>
+              <a:srgbClr val="7030A0"/>
             </a:solidFill>
             <a:prstDash val="solid"/>
             <a:round/>
@@ -3942,10 +3828,50 @@
       </p:sp>
       <p:sp>
         <p:nvSpPr>
-          <p:cNvPr id="43" name="Left Brace 42">
-            <a:extLst>
-              <a:ext uri="{FF2B5EF4-FFF2-40B4-BE49-F238E27FC236}">
-                <a16:creationId xmlns:a16="http://schemas.microsoft.com/office/drawing/2014/main" id="{14E73C6F-03E1-4A48-B245-93103C46EA60}"/>
+          <p:cNvPr id="48" name="TextBox 47">
+            <a:extLst>
+              <a:ext uri="{FF2B5EF4-FFF2-40B4-BE49-F238E27FC236}">
+                <a16:creationId xmlns:a16="http://schemas.microsoft.com/office/drawing/2014/main" id="{A77BE544-7145-6949-94AF-AFCE5DA7C7AD}"/>
+              </a:ext>
+            </a:extLst>
+          </p:cNvPr>
+          <p:cNvSpPr txBox="1"/>
+          <p:nvPr/>
+        </p:nvSpPr>
+        <p:spPr>
+          <a:xfrm>
+            <a:off x="18534" y="2026833"/>
+            <a:ext cx="1202954" cy="276999"/>
+          </a:xfrm>
+          <a:prstGeom prst="rect">
+            <a:avLst/>
+          </a:prstGeom>
+          <a:noFill/>
+        </p:spPr>
+        <p:txBody>
+          <a:bodyPr wrap="square" rtlCol="0">
+            <a:spAutoFit/>
+          </a:bodyPr>
+          <a:lstStyle/>
+          <a:p>
+            <a:pPr algn="ctr"/>
+            <a:r>
+              <a:rPr lang="en-US" sz="1200" dirty="0">
+                <a:solidFill>
+                  <a:srgbClr val="7030A0"/>
+                </a:solidFill>
+              </a:rPr>
+              <a:t>summary-chart</a:t>
+            </a:r>
+          </a:p>
+        </p:txBody>
+      </p:sp>
+      <p:sp>
+        <p:nvSpPr>
+          <p:cNvPr id="49" name="Rectangle 48">
+            <a:extLst>
+              <a:ext uri="{FF2B5EF4-FFF2-40B4-BE49-F238E27FC236}">
+                <a16:creationId xmlns:a16="http://schemas.microsoft.com/office/drawing/2014/main" id="{5720B1C7-874B-4E44-A7D1-E44FC02B40B3}"/>
               </a:ext>
             </a:extLst>
           </p:cNvPr>
@@ -3954,17 +3880,329 @@
         </p:nvSpPr>
         <p:spPr>
           <a:xfrm>
-            <a:off x="1142042" y="1950544"/>
-            <a:ext cx="348052" cy="449190"/>
-          </a:xfrm>
-          <a:prstGeom prst="leftBrace">
+            <a:off x="1526181" y="3880858"/>
+            <a:ext cx="4482462" cy="96793"/>
+          </a:xfrm>
+          <a:prstGeom prst="rect">
             <a:avLst/>
           </a:prstGeom>
-          <a:ln w="19050">
+          <a:noFill/>
+          <a:ln w="9525" cap="flat" cmpd="sng" algn="ctr">
             <a:solidFill>
-              <a:srgbClr val="A401FF"/>
+              <a:schemeClr val="dk1"/>
             </a:solidFill>
+            <a:prstDash val="solid"/>
+            <a:round/>
+            <a:headEnd type="none" w="med" len="med"/>
+            <a:tailEnd type="none" w="med" len="med"/>
           </a:ln>
+        </p:spPr>
+        <p:style>
+          <a:lnRef idx="0">
+            <a:scrgbClr r="0" g="0" b="0"/>
+          </a:lnRef>
+          <a:fillRef idx="0">
+            <a:scrgbClr r="0" g="0" b="0"/>
+          </a:fillRef>
+          <a:effectRef idx="0">
+            <a:scrgbClr r="0" g="0" b="0"/>
+          </a:effectRef>
+          <a:fontRef idx="minor">
+            <a:schemeClr val="dk1"/>
+          </a:fontRef>
+        </p:style>
+        <p:txBody>
+          <a:bodyPr rtlCol="0" anchor="ctr"/>
+          <a:lstStyle/>
+          <a:p>
+            <a:pPr algn="ctr"/>
+            <a:endParaRPr lang="en-SG"/>
+          </a:p>
+        </p:txBody>
+      </p:sp>
+      <p:sp>
+        <p:nvSpPr>
+          <p:cNvPr id="51" name="TextBox 50">
+            <a:extLst>
+              <a:ext uri="{FF2B5EF4-FFF2-40B4-BE49-F238E27FC236}">
+                <a16:creationId xmlns:a16="http://schemas.microsoft.com/office/drawing/2014/main" id="{6C2AF7FB-234B-7347-967F-A89B873E0061}"/>
+              </a:ext>
+            </a:extLst>
+          </p:cNvPr>
+          <p:cNvSpPr txBox="1"/>
+          <p:nvPr/>
+        </p:nvSpPr>
+        <p:spPr>
+          <a:xfrm>
+            <a:off x="57153" y="3729919"/>
+            <a:ext cx="1589577" cy="461665"/>
+          </a:xfrm>
+          <a:prstGeom prst="rect">
+            <a:avLst/>
+          </a:prstGeom>
+          <a:noFill/>
+        </p:spPr>
+        <p:txBody>
+          <a:bodyPr wrap="square" rtlCol="0">
+            <a:spAutoFit/>
+          </a:bodyPr>
+          <a:lstStyle/>
+          <a:p>
+            <a:pPr algn="ctr"/>
+            <a:r>
+              <a:rPr lang="en-US" sz="1200" dirty="0"/>
+              <a:t>summary-</a:t>
+            </a:r>
+          </a:p>
+          <a:p>
+            <a:pPr algn="ctr"/>
+            <a:r>
+              <a:rPr lang="en-US" sz="1200" dirty="0"/>
+              <a:t>chart__</a:t>
+            </a:r>
+            <a:r>
+              <a:rPr lang="en-US" sz="1200" dirty="0" err="1"/>
+              <a:t>contrib</a:t>
+            </a:r>
+            <a:endParaRPr lang="en-SG" sz="1200" dirty="0"/>
+          </a:p>
+        </p:txBody>
+      </p:sp>
+      <p:sp>
+        <p:nvSpPr>
+          <p:cNvPr id="59" name="TextBox 58">
+            <a:extLst>
+              <a:ext uri="{FF2B5EF4-FFF2-40B4-BE49-F238E27FC236}">
+                <a16:creationId xmlns:a16="http://schemas.microsoft.com/office/drawing/2014/main" id="{9ED53A0E-FCFE-DE4A-9776-897FDA4E3D8F}"/>
+              </a:ext>
+            </a:extLst>
+          </p:cNvPr>
+          <p:cNvSpPr txBox="1"/>
+          <p:nvPr/>
+        </p:nvSpPr>
+        <p:spPr>
+          <a:xfrm>
+            <a:off x="3534831" y="4666268"/>
+            <a:ext cx="2516973" cy="276999"/>
+          </a:xfrm>
+          <a:prstGeom prst="rect">
+            <a:avLst/>
+          </a:prstGeom>
+          <a:noFill/>
+        </p:spPr>
+        <p:txBody>
+          <a:bodyPr wrap="square" rtlCol="0">
+            <a:spAutoFit/>
+          </a:bodyPr>
+          <a:lstStyle/>
+          <a:p>
+            <a:r>
+              <a:rPr lang="en-US" sz="1200" dirty="0">
+                <a:solidFill>
+                  <a:srgbClr val="FFC000"/>
+                </a:solidFill>
+              </a:rPr>
+              <a:t>summary-</a:t>
+            </a:r>
+            <a:r>
+              <a:rPr lang="en-US" sz="1200" dirty="0" err="1">
+                <a:solidFill>
+                  <a:srgbClr val="FFC000"/>
+                </a:solidFill>
+              </a:rPr>
+              <a:t>chart__ramp__slice</a:t>
+            </a:r>
+            <a:endParaRPr lang="en-SG" sz="1200" dirty="0">
+              <a:solidFill>
+                <a:srgbClr val="FFC000"/>
+              </a:solidFill>
+            </a:endParaRPr>
+          </a:p>
+        </p:txBody>
+      </p:sp>
+      <p:sp>
+        <p:nvSpPr>
+          <p:cNvPr id="60" name="Rectangle 59">
+            <a:extLst>
+              <a:ext uri="{FF2B5EF4-FFF2-40B4-BE49-F238E27FC236}">
+                <a16:creationId xmlns:a16="http://schemas.microsoft.com/office/drawing/2014/main" id="{0FE18B14-A8FF-CA40-9773-69CCCF32CE9A}"/>
+              </a:ext>
+            </a:extLst>
+          </p:cNvPr>
+          <p:cNvSpPr/>
+          <p:nvPr/>
+        </p:nvSpPr>
+        <p:spPr>
+          <a:xfrm>
+            <a:off x="1536198" y="2556435"/>
+            <a:ext cx="4482463" cy="305570"/>
+          </a:xfrm>
+          <a:prstGeom prst="rect">
+            <a:avLst/>
+          </a:prstGeom>
+          <a:noFill/>
+          <a:ln w="12700" cap="flat" cmpd="sng" algn="ctr">
+            <a:solidFill>
+              <a:schemeClr val="accent5"/>
+            </a:solidFill>
+            <a:prstDash val="solid"/>
+            <a:round/>
+            <a:headEnd type="none" w="med" len="med"/>
+            <a:tailEnd type="none" w="med" len="med"/>
+          </a:ln>
+        </p:spPr>
+        <p:style>
+          <a:lnRef idx="0">
+            <a:scrgbClr r="0" g="0" b="0"/>
+          </a:lnRef>
+          <a:fillRef idx="0">
+            <a:scrgbClr r="0" g="0" b="0"/>
+          </a:fillRef>
+          <a:effectRef idx="0">
+            <a:scrgbClr r="0" g="0" b="0"/>
+          </a:effectRef>
+          <a:fontRef idx="minor">
+            <a:schemeClr val="accent4"/>
+          </a:fontRef>
+        </p:style>
+        <p:txBody>
+          <a:bodyPr rtlCol="0" anchor="ctr"/>
+          <a:lstStyle/>
+          <a:p>
+            <a:pPr algn="ctr"/>
+            <a:endParaRPr lang="en-SG" dirty="0">
+              <a:highlight>
+                <a:srgbClr val="FFFF00"/>
+              </a:highlight>
+            </a:endParaRPr>
+          </a:p>
+        </p:txBody>
+      </p:sp>
+      <p:sp>
+        <p:nvSpPr>
+          <p:cNvPr id="62" name="TextBox 61">
+            <a:extLst>
+              <a:ext uri="{FF2B5EF4-FFF2-40B4-BE49-F238E27FC236}">
+                <a16:creationId xmlns:a16="http://schemas.microsoft.com/office/drawing/2014/main" id="{3C528547-1EDA-0344-9C22-58F28B4D7B80}"/>
+              </a:ext>
+            </a:extLst>
+          </p:cNvPr>
+          <p:cNvSpPr txBox="1"/>
+          <p:nvPr/>
+        </p:nvSpPr>
+        <p:spPr>
+          <a:xfrm>
+            <a:off x="0" y="2478387"/>
+            <a:ext cx="1243423" cy="461665"/>
+          </a:xfrm>
+          <a:prstGeom prst="rect">
+            <a:avLst/>
+          </a:prstGeom>
+          <a:noFill/>
+        </p:spPr>
+        <p:txBody>
+          <a:bodyPr wrap="square" rtlCol="0">
+            <a:spAutoFit/>
+          </a:bodyPr>
+          <a:lstStyle/>
+          <a:p>
+            <a:pPr algn="ctr"/>
+            <a:r>
+              <a:rPr lang="en-US" sz="1200" dirty="0">
+                <a:solidFill>
+                  <a:srgbClr val="0070C0"/>
+                </a:solidFill>
+              </a:rPr>
+              <a:t>summary-</a:t>
+            </a:r>
+            <a:r>
+              <a:rPr lang="en-US" sz="1200" dirty="0" err="1">
+                <a:solidFill>
+                  <a:srgbClr val="0070C0"/>
+                </a:solidFill>
+              </a:rPr>
+              <a:t>chart__ramp</a:t>
+            </a:r>
+            <a:endParaRPr lang="en-US" sz="1200" dirty="0">
+              <a:solidFill>
+                <a:srgbClr val="0070C0"/>
+              </a:solidFill>
+            </a:endParaRPr>
+          </a:p>
+        </p:txBody>
+      </p:sp>
+      <p:sp>
+        <p:nvSpPr>
+          <p:cNvPr id="69" name="TextBox 68">
+            <a:extLst>
+              <a:ext uri="{FF2B5EF4-FFF2-40B4-BE49-F238E27FC236}">
+                <a16:creationId xmlns:a16="http://schemas.microsoft.com/office/drawing/2014/main" id="{D26E4E26-EF97-A547-93AF-6C3384E7A51F}"/>
+              </a:ext>
+            </a:extLst>
+          </p:cNvPr>
+          <p:cNvSpPr txBox="1"/>
+          <p:nvPr/>
+        </p:nvSpPr>
+        <p:spPr>
+          <a:xfrm>
+            <a:off x="8600792" y="1869016"/>
+            <a:ext cx="1080151" cy="276999"/>
+          </a:xfrm>
+          <a:prstGeom prst="rect">
+            <a:avLst/>
+          </a:prstGeom>
+          <a:noFill/>
+        </p:spPr>
+        <p:txBody>
+          <a:bodyPr wrap="square" rtlCol="0">
+            <a:spAutoFit/>
+          </a:bodyPr>
+          <a:lstStyle/>
+          <a:p>
+            <a:r>
+              <a:rPr lang="en-US" sz="1200" dirty="0">
+                <a:solidFill>
+                  <a:schemeClr val="accent6">
+                    <a:lumMod val="75000"/>
+                  </a:schemeClr>
+                </a:solidFill>
+              </a:rPr>
+              <a:t>glob filter</a:t>
+            </a:r>
+            <a:endParaRPr lang="en-SG" sz="1200" dirty="0">
+              <a:solidFill>
+                <a:schemeClr val="accent6">
+                  <a:lumMod val="75000"/>
+                </a:schemeClr>
+              </a:solidFill>
+            </a:endParaRPr>
+          </a:p>
+        </p:txBody>
+      </p:sp>
+      <p:cxnSp>
+        <p:nvCxnSpPr>
+          <p:cNvPr id="3" name="Straight Connector 2">
+            <a:extLst>
+              <a:ext uri="{FF2B5EF4-FFF2-40B4-BE49-F238E27FC236}">
+                <a16:creationId xmlns:a16="http://schemas.microsoft.com/office/drawing/2014/main" id="{C2BD86CC-DB2A-5940-A2BC-0B4EC63FFA8A}"/>
+              </a:ext>
+            </a:extLst>
+          </p:cNvPr>
+          <p:cNvCxnSpPr>
+            <a:cxnSpLocks/>
+            <a:endCxn id="34" idx="0"/>
+          </p:cNvCxnSpPr>
+          <p:nvPr/>
+        </p:nvCxnSpPr>
+        <p:spPr>
+          <a:xfrm>
+            <a:off x="3747897" y="483476"/>
+            <a:ext cx="0" cy="330910"/>
+          </a:xfrm>
+          <a:prstGeom prst="line">
+            <a:avLst/>
+          </a:prstGeom>
+          <a:ln w="57150"/>
         </p:spPr>
         <p:style>
           <a:lnRef idx="1">
@@ -3980,209 +4218,13 @@
             <a:schemeClr val="tx1"/>
           </a:fontRef>
         </p:style>
-        <p:txBody>
-          <a:bodyPr rtlCol="0" anchor="ctr"/>
-          <a:lstStyle/>
-          <a:p>
-            <a:pPr algn="ctr"/>
-            <a:endParaRPr lang="en-SG"/>
-          </a:p>
-        </p:txBody>
-      </p:sp>
-      <p:sp>
-        <p:nvSpPr>
-          <p:cNvPr id="48" name="TextBox 47">
-            <a:extLst>
-              <a:ext uri="{FF2B5EF4-FFF2-40B4-BE49-F238E27FC236}">
-                <a16:creationId xmlns:a16="http://schemas.microsoft.com/office/drawing/2014/main" id="{A77BE544-7145-6949-94AF-AFCE5DA7C7AD}"/>
-              </a:ext>
-            </a:extLst>
-          </p:cNvPr>
-          <p:cNvSpPr txBox="1"/>
-          <p:nvPr/>
-        </p:nvSpPr>
-        <p:spPr>
-          <a:xfrm>
-            <a:off x="18534" y="2026833"/>
-            <a:ext cx="1202954" cy="276999"/>
-          </a:xfrm>
-          <a:prstGeom prst="rect">
-            <a:avLst/>
-          </a:prstGeom>
-          <a:noFill/>
-        </p:spPr>
-        <p:txBody>
-          <a:bodyPr wrap="square" rtlCol="0">
-            <a:spAutoFit/>
-          </a:bodyPr>
-          <a:lstStyle/>
-          <a:p>
-            <a:pPr algn="ctr"/>
-            <a:r>
-              <a:rPr lang="en-US" sz="1200" dirty="0">
-                <a:solidFill>
-                  <a:srgbClr val="7030A0"/>
-                </a:solidFill>
-              </a:rPr>
-              <a:t>summary-chart</a:t>
-            </a:r>
-          </a:p>
-        </p:txBody>
-      </p:sp>
-      <p:sp>
-        <p:nvSpPr>
-          <p:cNvPr id="49" name="Rectangle 48">
-            <a:extLst>
-              <a:ext uri="{FF2B5EF4-FFF2-40B4-BE49-F238E27FC236}">
-                <a16:creationId xmlns:a16="http://schemas.microsoft.com/office/drawing/2014/main" id="{5720B1C7-874B-4E44-A7D1-E44FC02B40B3}"/>
-              </a:ext>
-            </a:extLst>
-          </p:cNvPr>
-          <p:cNvSpPr/>
-          <p:nvPr/>
-        </p:nvSpPr>
-        <p:spPr>
-          <a:xfrm>
-            <a:off x="1526181" y="3880858"/>
-            <a:ext cx="4482462" cy="96793"/>
-          </a:xfrm>
-          <a:prstGeom prst="rect">
-            <a:avLst/>
-          </a:prstGeom>
-          <a:noFill/>
-          <a:ln w="9525" cap="flat" cmpd="sng" algn="ctr">
-            <a:solidFill>
-              <a:schemeClr val="dk1"/>
-            </a:solidFill>
-            <a:prstDash val="solid"/>
-            <a:round/>
-            <a:headEnd type="none" w="med" len="med"/>
-            <a:tailEnd type="none" w="med" len="med"/>
-          </a:ln>
-        </p:spPr>
-        <p:style>
-          <a:lnRef idx="0">
-            <a:scrgbClr r="0" g="0" b="0"/>
-          </a:lnRef>
-          <a:fillRef idx="0">
-            <a:scrgbClr r="0" g="0" b="0"/>
-          </a:fillRef>
-          <a:effectRef idx="0">
-            <a:scrgbClr r="0" g="0" b="0"/>
-          </a:effectRef>
-          <a:fontRef idx="minor">
-            <a:schemeClr val="dk1"/>
-          </a:fontRef>
-        </p:style>
-        <p:txBody>
-          <a:bodyPr rtlCol="0" anchor="ctr"/>
-          <a:lstStyle/>
-          <a:p>
-            <a:pPr algn="ctr"/>
-            <a:endParaRPr lang="en-SG"/>
-          </a:p>
-        </p:txBody>
-      </p:sp>
-      <p:sp>
-        <p:nvSpPr>
-          <p:cNvPr id="50" name="Arrow: Left 47">
-            <a:extLst>
-              <a:ext uri="{FF2B5EF4-FFF2-40B4-BE49-F238E27FC236}">
-                <a16:creationId xmlns:a16="http://schemas.microsoft.com/office/drawing/2014/main" id="{7457BEF7-1E31-E744-950A-37FC3FC20058}"/>
-              </a:ext>
-            </a:extLst>
-          </p:cNvPr>
-          <p:cNvSpPr/>
-          <p:nvPr/>
-        </p:nvSpPr>
-        <p:spPr>
-          <a:xfrm rot="2313406">
-            <a:off x="1193574" y="3701355"/>
-            <a:ext cx="348052" cy="96793"/>
-          </a:xfrm>
-          <a:prstGeom prst="leftArrow">
-            <a:avLst/>
-          </a:prstGeom>
-        </p:spPr>
-        <p:style>
-          <a:lnRef idx="2">
-            <a:schemeClr val="dk1">
-              <a:shade val="50000"/>
-            </a:schemeClr>
-          </a:lnRef>
-          <a:fillRef idx="1">
-            <a:schemeClr val="dk1"/>
-          </a:fillRef>
-          <a:effectRef idx="0">
-            <a:schemeClr val="dk1"/>
-          </a:effectRef>
-          <a:fontRef idx="minor">
-            <a:schemeClr val="lt1"/>
-          </a:fontRef>
-        </p:style>
-        <p:txBody>
-          <a:bodyPr rtlCol="0" anchor="ctr"/>
-          <a:lstStyle/>
-          <a:p>
-            <a:pPr algn="ctr"/>
-            <a:endParaRPr lang="en-SG"/>
-          </a:p>
-        </p:txBody>
-      </p:sp>
-      <p:sp>
-        <p:nvSpPr>
-          <p:cNvPr id="51" name="TextBox 50">
-            <a:extLst>
-              <a:ext uri="{FF2B5EF4-FFF2-40B4-BE49-F238E27FC236}">
-                <a16:creationId xmlns:a16="http://schemas.microsoft.com/office/drawing/2014/main" id="{6C2AF7FB-234B-7347-967F-A89B873E0061}"/>
-              </a:ext>
-            </a:extLst>
-          </p:cNvPr>
-          <p:cNvSpPr txBox="1"/>
-          <p:nvPr/>
-        </p:nvSpPr>
-        <p:spPr>
-          <a:xfrm>
-            <a:off x="31532" y="3188927"/>
-            <a:ext cx="1650123" cy="461665"/>
-          </a:xfrm>
-          <a:prstGeom prst="rect">
-            <a:avLst/>
-          </a:prstGeom>
-          <a:noFill/>
-        </p:spPr>
-        <p:txBody>
-          <a:bodyPr wrap="square" rtlCol="0">
-            <a:spAutoFit/>
-          </a:bodyPr>
-          <a:lstStyle/>
-          <a:p>
-            <a:pPr algn="ctr"/>
-            <a:r>
-              <a:rPr lang="en-US" sz="1200" dirty="0"/>
-              <a:t>summary-</a:t>
-            </a:r>
-          </a:p>
-          <a:p>
-            <a:pPr algn="ctr"/>
-            <a:r>
-              <a:rPr lang="en-US" sz="1200" dirty="0"/>
-              <a:t>chart__</a:t>
-            </a:r>
-            <a:r>
-              <a:rPr lang="en-US" sz="1200" dirty="0" err="1"/>
-              <a:t>contrib</a:t>
-            </a:r>
-            <a:endParaRPr lang="en-SG" sz="1200" dirty="0"/>
-          </a:p>
-        </p:txBody>
-      </p:sp>
+      </p:cxnSp>
       <p:cxnSp>
         <p:nvCxnSpPr>
-          <p:cNvPr id="58" name="Straight Arrow Connector 57">
-            <a:extLst>
-              <a:ext uri="{FF2B5EF4-FFF2-40B4-BE49-F238E27FC236}">
-                <a16:creationId xmlns:a16="http://schemas.microsoft.com/office/drawing/2014/main" id="{E1AC6A71-3A8D-E241-8A3F-9F7EE32F58B5}"/>
+          <p:cNvPr id="33" name="Straight Connector 32">
+            <a:extLst>
+              <a:ext uri="{FF2B5EF4-FFF2-40B4-BE49-F238E27FC236}">
+                <a16:creationId xmlns:a16="http://schemas.microsoft.com/office/drawing/2014/main" id="{FC014436-7174-7349-B726-708BC955C9C3}"/>
               </a:ext>
             </a:extLst>
           </p:cNvPr>
@@ -4192,165 +4234,16 @@
           <p:nvPr/>
         </p:nvCxnSpPr>
         <p:spPr>
-          <a:xfrm flipV="1">
-            <a:off x="4633568" y="3669675"/>
-            <a:ext cx="0" cy="484087"/>
-          </a:xfrm>
-          <a:prstGeom prst="straightConnector1">
+          <a:xfrm>
+            <a:off x="8482807" y="465408"/>
+            <a:ext cx="0" cy="330910"/>
+          </a:xfrm>
+          <a:prstGeom prst="line">
             <a:avLst/>
           </a:prstGeom>
-          <a:ln>
-            <a:tailEnd type="triangle"/>
-          </a:ln>
-        </p:spPr>
-        <p:style>
-          <a:lnRef idx="3">
-            <a:schemeClr val="accent4"/>
-          </a:lnRef>
-          <a:fillRef idx="0">
-            <a:schemeClr val="accent4"/>
-          </a:fillRef>
-          <a:effectRef idx="2">
-            <a:schemeClr val="accent4"/>
-          </a:effectRef>
-          <a:fontRef idx="minor">
-            <a:schemeClr val="tx1"/>
-          </a:fontRef>
-        </p:style>
-      </p:cxnSp>
-      <p:sp>
-        <p:nvSpPr>
-          <p:cNvPr id="59" name="TextBox 58">
-            <a:extLst>
-              <a:ext uri="{FF2B5EF4-FFF2-40B4-BE49-F238E27FC236}">
-                <a16:creationId xmlns:a16="http://schemas.microsoft.com/office/drawing/2014/main" id="{9ED53A0E-FCFE-DE4A-9776-897FDA4E3D8F}"/>
-              </a:ext>
-            </a:extLst>
-          </p:cNvPr>
-          <p:cNvSpPr txBox="1"/>
-          <p:nvPr/>
-        </p:nvSpPr>
-        <p:spPr>
-          <a:xfrm>
-            <a:off x="3499944" y="3392676"/>
-            <a:ext cx="2516973" cy="276999"/>
-          </a:xfrm>
-          <a:prstGeom prst="rect">
-            <a:avLst/>
-          </a:prstGeom>
-          <a:noFill/>
-        </p:spPr>
-        <p:txBody>
-          <a:bodyPr wrap="square" rtlCol="0">
-            <a:spAutoFit/>
-          </a:bodyPr>
-          <a:lstStyle/>
-          <a:p>
-            <a:r>
-              <a:rPr lang="en-US" sz="1200" dirty="0">
-                <a:solidFill>
-                  <a:srgbClr val="FFC000"/>
-                </a:solidFill>
-              </a:rPr>
-              <a:t>summary-</a:t>
-            </a:r>
-            <a:r>
-              <a:rPr lang="en-US" sz="1200" dirty="0" err="1">
-                <a:solidFill>
-                  <a:srgbClr val="FFC000"/>
-                </a:solidFill>
-              </a:rPr>
-              <a:t>chart__ramp__slice</a:t>
-            </a:r>
-            <a:endParaRPr lang="en-SG" sz="1200" dirty="0">
-              <a:solidFill>
-                <a:srgbClr val="FFC000"/>
-              </a:solidFill>
-            </a:endParaRPr>
-          </a:p>
-        </p:txBody>
-      </p:sp>
-      <p:sp>
-        <p:nvSpPr>
-          <p:cNvPr id="60" name="Rectangle 59">
-            <a:extLst>
-              <a:ext uri="{FF2B5EF4-FFF2-40B4-BE49-F238E27FC236}">
-                <a16:creationId xmlns:a16="http://schemas.microsoft.com/office/drawing/2014/main" id="{0FE18B14-A8FF-CA40-9773-69CCCF32CE9A}"/>
-              </a:ext>
-            </a:extLst>
-          </p:cNvPr>
-          <p:cNvSpPr/>
-          <p:nvPr/>
-        </p:nvSpPr>
-        <p:spPr>
-          <a:xfrm>
-            <a:off x="1536198" y="2556435"/>
-            <a:ext cx="4482463" cy="305570"/>
-          </a:xfrm>
-          <a:prstGeom prst="rect">
-            <a:avLst/>
-          </a:prstGeom>
-          <a:noFill/>
-          <a:ln w="28575" cap="flat" cmpd="sng" algn="ctr">
+          <a:ln w="57150">
             <a:solidFill>
-              <a:schemeClr val="accent5"/>
-            </a:solidFill>
-            <a:prstDash val="solid"/>
-            <a:round/>
-            <a:headEnd type="none" w="med" len="med"/>
-            <a:tailEnd type="none" w="med" len="med"/>
-          </a:ln>
-        </p:spPr>
-        <p:style>
-          <a:lnRef idx="0">
-            <a:scrgbClr r="0" g="0" b="0"/>
-          </a:lnRef>
-          <a:fillRef idx="0">
-            <a:scrgbClr r="0" g="0" b="0"/>
-          </a:fillRef>
-          <a:effectRef idx="0">
-            <a:scrgbClr r="0" g="0" b="0"/>
-          </a:effectRef>
-          <a:fontRef idx="minor">
-            <a:schemeClr val="accent4"/>
-          </a:fontRef>
-        </p:style>
-        <p:txBody>
-          <a:bodyPr rtlCol="0" anchor="ctr"/>
-          <a:lstStyle/>
-          <a:p>
-            <a:pPr algn="ctr"/>
-            <a:endParaRPr lang="en-SG" dirty="0">
-              <a:highlight>
-                <a:srgbClr val="FFFF00"/>
-              </a:highlight>
-            </a:endParaRPr>
-          </a:p>
-        </p:txBody>
-      </p:sp>
-      <p:sp>
-        <p:nvSpPr>
-          <p:cNvPr id="61" name="Left Brace 60">
-            <a:extLst>
-              <a:ext uri="{FF2B5EF4-FFF2-40B4-BE49-F238E27FC236}">
-                <a16:creationId xmlns:a16="http://schemas.microsoft.com/office/drawing/2014/main" id="{0A49D9D0-8D3C-1446-A8F5-448223EAB137}"/>
-              </a:ext>
-            </a:extLst>
-          </p:cNvPr>
-          <p:cNvSpPr/>
-          <p:nvPr/>
-        </p:nvSpPr>
-        <p:spPr>
-          <a:xfrm>
-            <a:off x="1154757" y="2556435"/>
-            <a:ext cx="348052" cy="305570"/>
-          </a:xfrm>
-          <a:prstGeom prst="leftBrace">
-            <a:avLst/>
-          </a:prstGeom>
-          <a:ln w="19050">
-            <a:solidFill>
-              <a:schemeClr val="accent5"/>
+              <a:schemeClr val="accent2"/>
             </a:solidFill>
           </a:ln>
         </p:spPr>
@@ -4368,74 +4261,329 @@
             <a:schemeClr val="tx1"/>
           </a:fontRef>
         </p:style>
-        <p:txBody>
-          <a:bodyPr rtlCol="0" anchor="ctr"/>
-          <a:lstStyle/>
-          <a:p>
-            <a:pPr algn="ctr"/>
-            <a:endParaRPr lang="en-SG"/>
-          </a:p>
-        </p:txBody>
-      </p:sp>
-      <p:sp>
-        <p:nvSpPr>
-          <p:cNvPr id="62" name="TextBox 61">
-            <a:extLst>
-              <a:ext uri="{FF2B5EF4-FFF2-40B4-BE49-F238E27FC236}">
-                <a16:creationId xmlns:a16="http://schemas.microsoft.com/office/drawing/2014/main" id="{3C528547-1EDA-0344-9C22-58F28B4D7B80}"/>
-              </a:ext>
-            </a:extLst>
-          </p:cNvPr>
-          <p:cNvSpPr txBox="1"/>
+      </p:cxnSp>
+      <p:cxnSp>
+        <p:nvCxnSpPr>
+          <p:cNvPr id="35" name="Straight Connector 34">
+            <a:extLst>
+              <a:ext uri="{FF2B5EF4-FFF2-40B4-BE49-F238E27FC236}">
+                <a16:creationId xmlns:a16="http://schemas.microsoft.com/office/drawing/2014/main" id="{A8CDE1DA-8DC0-3744-8121-745A1D5A6F15}"/>
+              </a:ext>
+            </a:extLst>
+          </p:cNvPr>
+          <p:cNvCxnSpPr>
+            <a:cxnSpLocks/>
+          </p:cNvCxnSpPr>
           <p:nvPr/>
-        </p:nvSpPr>
-        <p:spPr>
-          <a:xfrm>
-            <a:off x="0" y="2478387"/>
-            <a:ext cx="1243423" cy="461665"/>
+        </p:nvCxnSpPr>
+        <p:spPr>
+          <a:xfrm>
+            <a:off x="1320084" y="1330960"/>
+            <a:ext cx="595745" cy="0"/>
+          </a:xfrm>
+          <a:prstGeom prst="line">
+            <a:avLst/>
+          </a:prstGeom>
+          <a:ln w="12700">
+            <a:solidFill>
+              <a:schemeClr val="accent6"/>
+            </a:solidFill>
+          </a:ln>
+        </p:spPr>
+        <p:style>
+          <a:lnRef idx="1">
+            <a:schemeClr val="accent1"/>
+          </a:lnRef>
+          <a:fillRef idx="0">
+            <a:schemeClr val="accent1"/>
+          </a:fillRef>
+          <a:effectRef idx="0">
+            <a:schemeClr val="accent1"/>
+          </a:effectRef>
+          <a:fontRef idx="minor">
+            <a:schemeClr val="tx1"/>
+          </a:fontRef>
+        </p:style>
+      </p:cxnSp>
+      <p:cxnSp>
+        <p:nvCxnSpPr>
+          <p:cNvPr id="46" name="Straight Connector 45">
+            <a:extLst>
+              <a:ext uri="{FF2B5EF4-FFF2-40B4-BE49-F238E27FC236}">
+                <a16:creationId xmlns:a16="http://schemas.microsoft.com/office/drawing/2014/main" id="{6FF732E4-945B-F047-B8AA-90BB7B084A7F}"/>
+              </a:ext>
+            </a:extLst>
+          </p:cNvPr>
+          <p:cNvCxnSpPr>
+            <a:cxnSpLocks/>
+          </p:cNvCxnSpPr>
+          <p:nvPr/>
+        </p:nvCxnSpPr>
+        <p:spPr>
+          <a:xfrm>
+            <a:off x="1191138" y="2175139"/>
+            <a:ext cx="343633" cy="0"/>
+          </a:xfrm>
+          <a:prstGeom prst="line">
+            <a:avLst/>
+          </a:prstGeom>
+          <a:ln w="12700">
+            <a:solidFill>
+              <a:srgbClr val="7030A0"/>
+            </a:solidFill>
+          </a:ln>
+        </p:spPr>
+        <p:style>
+          <a:lnRef idx="1">
+            <a:schemeClr val="accent1"/>
+          </a:lnRef>
+          <a:fillRef idx="0">
+            <a:schemeClr val="accent1"/>
+          </a:fillRef>
+          <a:effectRef idx="0">
+            <a:schemeClr val="accent1"/>
+          </a:effectRef>
+          <a:fontRef idx="minor">
+            <a:schemeClr val="tx1"/>
+          </a:fontRef>
+        </p:style>
+      </p:cxnSp>
+      <p:cxnSp>
+        <p:nvCxnSpPr>
+          <p:cNvPr id="52" name="Straight Connector 51">
+            <a:extLst>
+              <a:ext uri="{FF2B5EF4-FFF2-40B4-BE49-F238E27FC236}">
+                <a16:creationId xmlns:a16="http://schemas.microsoft.com/office/drawing/2014/main" id="{CD401D7E-9C74-0C4D-B246-598FFCA72708}"/>
+              </a:ext>
+            </a:extLst>
+          </p:cNvPr>
+          <p:cNvCxnSpPr>
+            <a:cxnSpLocks/>
+          </p:cNvCxnSpPr>
+          <p:nvPr/>
+        </p:nvCxnSpPr>
+        <p:spPr>
+          <a:xfrm>
+            <a:off x="1191255" y="2712658"/>
+            <a:ext cx="343633" cy="0"/>
+          </a:xfrm>
+          <a:prstGeom prst="line">
+            <a:avLst/>
+          </a:prstGeom>
+          <a:ln w="12700">
+            <a:solidFill>
+              <a:schemeClr val="accent5"/>
+            </a:solidFill>
+          </a:ln>
+        </p:spPr>
+        <p:style>
+          <a:lnRef idx="1">
+            <a:schemeClr val="accent1"/>
+          </a:lnRef>
+          <a:fillRef idx="0">
+            <a:schemeClr val="accent1"/>
+          </a:fillRef>
+          <a:effectRef idx="0">
+            <a:schemeClr val="accent1"/>
+          </a:effectRef>
+          <a:fontRef idx="minor">
+            <a:schemeClr val="tx1"/>
+          </a:fontRef>
+        </p:style>
+      </p:cxnSp>
+      <p:cxnSp>
+        <p:nvCxnSpPr>
+          <p:cNvPr id="53" name="Straight Connector 52">
+            <a:extLst>
+              <a:ext uri="{FF2B5EF4-FFF2-40B4-BE49-F238E27FC236}">
+                <a16:creationId xmlns:a16="http://schemas.microsoft.com/office/drawing/2014/main" id="{801E91DB-7DB7-9B44-992C-0B5838F4900C}"/>
+              </a:ext>
+            </a:extLst>
+          </p:cNvPr>
+          <p:cNvCxnSpPr>
+            <a:cxnSpLocks/>
+          </p:cNvCxnSpPr>
+          <p:nvPr/>
+        </p:nvCxnSpPr>
+        <p:spPr>
+          <a:xfrm>
+            <a:off x="1330325" y="3933637"/>
+            <a:ext cx="196581" cy="0"/>
+          </a:xfrm>
+          <a:prstGeom prst="line">
+            <a:avLst/>
+          </a:prstGeom>
+          <a:ln w="12700">
+            <a:solidFill>
+              <a:schemeClr val="tx1"/>
+            </a:solidFill>
+          </a:ln>
+        </p:spPr>
+        <p:style>
+          <a:lnRef idx="1">
+            <a:schemeClr val="accent1"/>
+          </a:lnRef>
+          <a:fillRef idx="0">
+            <a:schemeClr val="accent1"/>
+          </a:fillRef>
+          <a:effectRef idx="0">
+            <a:schemeClr val="accent1"/>
+          </a:effectRef>
+          <a:fontRef idx="minor">
+            <a:schemeClr val="tx1"/>
+          </a:fontRef>
+        </p:style>
+      </p:cxnSp>
+      <p:cxnSp>
+        <p:nvCxnSpPr>
+          <p:cNvPr id="22" name="Straight Connector 21">
+            <a:extLst>
+              <a:ext uri="{FF2B5EF4-FFF2-40B4-BE49-F238E27FC236}">
+                <a16:creationId xmlns:a16="http://schemas.microsoft.com/office/drawing/2014/main" id="{7A2B2A98-389A-5040-AA98-BD78C6E5CB27}"/>
+              </a:ext>
+            </a:extLst>
+          </p:cNvPr>
+          <p:cNvCxnSpPr>
+            <a:cxnSpLocks/>
+          </p:cNvCxnSpPr>
+          <p:nvPr/>
+        </p:nvCxnSpPr>
+        <p:spPr>
+          <a:xfrm>
+            <a:off x="4617720" y="4409429"/>
+            <a:ext cx="0" cy="276871"/>
+          </a:xfrm>
+          <a:prstGeom prst="line">
+            <a:avLst/>
+          </a:prstGeom>
+          <a:ln w="12700">
+            <a:solidFill>
+              <a:srgbClr val="FFC000"/>
+            </a:solidFill>
+          </a:ln>
+        </p:spPr>
+        <p:style>
+          <a:lnRef idx="1">
+            <a:schemeClr val="accent2"/>
+          </a:lnRef>
+          <a:fillRef idx="0">
+            <a:schemeClr val="accent2"/>
+          </a:fillRef>
+          <a:effectRef idx="0">
+            <a:schemeClr val="accent2"/>
+          </a:effectRef>
+          <a:fontRef idx="minor">
+            <a:schemeClr val="tx1"/>
+          </a:fontRef>
+        </p:style>
+      </p:cxnSp>
+      <p:sp>
+        <p:nvSpPr>
+          <p:cNvPr id="56" name="Rectangle 55">
+            <a:extLst>
+              <a:ext uri="{FF2B5EF4-FFF2-40B4-BE49-F238E27FC236}">
+                <a16:creationId xmlns:a16="http://schemas.microsoft.com/office/drawing/2014/main" id="{302C24E7-F5CF-7D4F-9162-44F08F19CA6F}"/>
+              </a:ext>
+            </a:extLst>
+          </p:cNvPr>
+          <p:cNvSpPr/>
+          <p:nvPr/>
+        </p:nvSpPr>
+        <p:spPr>
+          <a:xfrm>
+            <a:off x="6242293" y="1869318"/>
+            <a:ext cx="2022818" cy="277000"/>
           </a:xfrm>
           <a:prstGeom prst="rect">
             <a:avLst/>
           </a:prstGeom>
           <a:noFill/>
-        </p:spPr>
-        <p:txBody>
-          <a:bodyPr wrap="square" rtlCol="0">
-            <a:spAutoFit/>
-          </a:bodyPr>
+          <a:ln w="12700" cap="flat" cmpd="sng" algn="ctr">
+            <a:solidFill>
+              <a:schemeClr val="accent6">
+                <a:lumMod val="75000"/>
+              </a:schemeClr>
+            </a:solidFill>
+            <a:prstDash val="solid"/>
+            <a:round/>
+            <a:headEnd type="none" w="med" len="med"/>
+            <a:tailEnd type="none" w="med" len="med"/>
+          </a:ln>
+        </p:spPr>
+        <p:style>
+          <a:lnRef idx="0">
+            <a:scrgbClr r="0" g="0" b="0"/>
+          </a:lnRef>
+          <a:fillRef idx="0">
+            <a:scrgbClr r="0" g="0" b="0"/>
+          </a:fillRef>
+          <a:effectRef idx="0">
+            <a:scrgbClr r="0" g="0" b="0"/>
+          </a:effectRef>
+          <a:fontRef idx="minor">
+            <a:schemeClr val="accent6"/>
+          </a:fontRef>
+        </p:style>
+        <p:txBody>
+          <a:bodyPr rtlCol="0" anchor="ctr"/>
           <a:lstStyle/>
           <a:p>
             <a:pPr algn="ctr"/>
-            <a:r>
-              <a:rPr lang="en-US" sz="1200" dirty="0">
-                <a:solidFill>
-                  <a:srgbClr val="0070C0"/>
-                </a:solidFill>
-              </a:rPr>
-              <a:t>summary-</a:t>
-            </a:r>
-            <a:r>
-              <a:rPr lang="en-US" sz="1200" dirty="0" err="1">
-                <a:solidFill>
-                  <a:srgbClr val="0070C0"/>
-                </a:solidFill>
-              </a:rPr>
-              <a:t>chart__ramp</a:t>
-            </a:r>
-            <a:endParaRPr lang="en-US" sz="1200" dirty="0">
-              <a:solidFill>
-                <a:srgbClr val="0070C0"/>
-              </a:solidFill>
-            </a:endParaRPr>
-          </a:p>
-        </p:txBody>
-      </p:sp>
-      <p:sp>
-        <p:nvSpPr>
-          <p:cNvPr id="68" name="Arrow: Right 11">
-            <a:extLst>
-              <a:ext uri="{FF2B5EF4-FFF2-40B4-BE49-F238E27FC236}">
-                <a16:creationId xmlns:a16="http://schemas.microsoft.com/office/drawing/2014/main" id="{11133928-A68D-214C-83C4-13C29E068764}"/>
+            <a:endParaRPr lang="en-SG"/>
+          </a:p>
+        </p:txBody>
+      </p:sp>
+      <p:cxnSp>
+        <p:nvCxnSpPr>
+          <p:cNvPr id="57" name="Straight Connector 56">
+            <a:extLst>
+              <a:ext uri="{FF2B5EF4-FFF2-40B4-BE49-F238E27FC236}">
+                <a16:creationId xmlns:a16="http://schemas.microsoft.com/office/drawing/2014/main" id="{47B72781-9621-FA44-A8D7-61DEF3E8F07F}"/>
+              </a:ext>
+            </a:extLst>
+          </p:cNvPr>
+          <p:cNvCxnSpPr>
+            <a:cxnSpLocks/>
+          </p:cNvCxnSpPr>
+          <p:nvPr/>
+        </p:nvCxnSpPr>
+        <p:spPr>
+          <a:xfrm>
+            <a:off x="8265111" y="2018745"/>
+            <a:ext cx="301840" cy="0"/>
+          </a:xfrm>
+          <a:prstGeom prst="line">
+            <a:avLst/>
+          </a:prstGeom>
+          <a:ln w="12700">
+            <a:solidFill>
+              <a:schemeClr val="accent6">
+                <a:lumMod val="75000"/>
+              </a:schemeClr>
+            </a:solidFill>
+          </a:ln>
+        </p:spPr>
+        <p:style>
+          <a:lnRef idx="1">
+            <a:schemeClr val="accent1"/>
+          </a:lnRef>
+          <a:fillRef idx="0">
+            <a:schemeClr val="accent1"/>
+          </a:fillRef>
+          <a:effectRef idx="0">
+            <a:schemeClr val="accent1"/>
+          </a:effectRef>
+          <a:fontRef idx="minor">
+            <a:schemeClr val="tx1"/>
+          </a:fontRef>
+        </p:style>
+      </p:cxnSp>
+      <p:sp>
+        <p:nvSpPr>
+          <p:cNvPr id="64" name="Rectangle 63">
+            <a:extLst>
+              <a:ext uri="{FF2B5EF4-FFF2-40B4-BE49-F238E27FC236}">
+                <a16:creationId xmlns:a16="http://schemas.microsoft.com/office/drawing/2014/main" id="{A2744CE9-0A67-9A43-A9BB-0CF02DB76205}"/>
               </a:ext>
             </a:extLst>
           </p:cNvPr>
@@ -4444,146 +4592,95 @@
         </p:nvSpPr>
         <p:spPr>
           <a:xfrm>
-            <a:off x="8260503" y="1926981"/>
-            <a:ext cx="402336" cy="121920"/>
-          </a:xfrm>
-          <a:prstGeom prst="rightArrow">
-            <a:avLst/>
-          </a:prstGeom>
-        </p:spPr>
-        <p:style>
-          <a:lnRef idx="2">
-            <a:schemeClr val="accent6">
-              <a:shade val="50000"/>
-            </a:schemeClr>
-          </a:lnRef>
-          <a:fillRef idx="1">
-            <a:schemeClr val="accent6"/>
-          </a:fillRef>
-          <a:effectRef idx="0">
-            <a:schemeClr val="accent6"/>
-          </a:effectRef>
-          <a:fontRef idx="minor">
-            <a:schemeClr val="lt1"/>
-          </a:fontRef>
-        </p:style>
-        <p:txBody>
-          <a:bodyPr rtlCol="0" anchor="ctr"/>
-          <a:lstStyle/>
-          <a:p>
-            <a:pPr algn="ctr"/>
-            <a:endParaRPr lang="en-SG"/>
-          </a:p>
-        </p:txBody>
-      </p:sp>
-      <p:sp>
-        <p:nvSpPr>
-          <p:cNvPr id="69" name="TextBox 68">
-            <a:extLst>
-              <a:ext uri="{FF2B5EF4-FFF2-40B4-BE49-F238E27FC236}">
-                <a16:creationId xmlns:a16="http://schemas.microsoft.com/office/drawing/2014/main" id="{D26E4E26-EF97-A547-93AF-6C3384E7A51F}"/>
-              </a:ext>
-            </a:extLst>
-          </p:cNvPr>
-          <p:cNvSpPr txBox="1"/>
-          <p:nvPr/>
-        </p:nvSpPr>
-        <p:spPr>
-          <a:xfrm>
-            <a:off x="8662938" y="1833505"/>
-            <a:ext cx="1080151" cy="276999"/>
+            <a:off x="6242293" y="2338728"/>
+            <a:ext cx="2022818" cy="217707"/>
           </a:xfrm>
           <a:prstGeom prst="rect">
             <a:avLst/>
           </a:prstGeom>
           <a:noFill/>
-        </p:spPr>
-        <p:txBody>
-          <a:bodyPr wrap="square" rtlCol="0">
-            <a:spAutoFit/>
-          </a:bodyPr>
-          <a:lstStyle/>
-          <a:p>
-            <a:r>
-              <a:rPr lang="en-US" sz="1200" dirty="0">
-                <a:solidFill>
-                  <a:schemeClr val="accent6">
-                    <a:lumMod val="75000"/>
-                  </a:schemeClr>
-                </a:solidFill>
-              </a:rPr>
-              <a:t>glob filter</a:t>
-            </a:r>
-            <a:endParaRPr lang="en-SG" sz="1200" dirty="0">
-              <a:solidFill>
-                <a:schemeClr val="accent6">
-                  <a:lumMod val="75000"/>
-                </a:schemeClr>
-              </a:solidFill>
-            </a:endParaRPr>
-          </a:p>
-        </p:txBody>
-      </p:sp>
-      <p:sp>
-        <p:nvSpPr>
-          <p:cNvPr id="70" name="Arrow: Left 47">
-            <a:extLst>
-              <a:ext uri="{FF2B5EF4-FFF2-40B4-BE49-F238E27FC236}">
-                <a16:creationId xmlns:a16="http://schemas.microsoft.com/office/drawing/2014/main" id="{EA9C9FB0-FAE2-D641-97A9-DF6605E5210F}"/>
-              </a:ext>
-            </a:extLst>
-          </p:cNvPr>
-          <p:cNvSpPr/>
+          <a:ln w="12700" cap="flat" cmpd="sng" algn="ctr">
+            <a:solidFill>
+              <a:srgbClr val="C00000"/>
+            </a:solidFill>
+            <a:prstDash val="solid"/>
+            <a:round/>
+            <a:headEnd type="none" w="med" len="med"/>
+            <a:tailEnd type="none" w="med" len="med"/>
+          </a:ln>
+        </p:spPr>
+        <p:style>
+          <a:lnRef idx="0">
+            <a:scrgbClr r="0" g="0" b="0"/>
+          </a:lnRef>
+          <a:fillRef idx="0">
+            <a:scrgbClr r="0" g="0" b="0"/>
+          </a:fillRef>
+          <a:effectRef idx="0">
+            <a:scrgbClr r="0" g="0" b="0"/>
+          </a:effectRef>
+          <a:fontRef idx="minor">
+            <a:schemeClr val="accent6"/>
+          </a:fontRef>
+        </p:style>
+        <p:txBody>
+          <a:bodyPr rtlCol="0" anchor="ctr"/>
+          <a:lstStyle/>
+          <a:p>
+            <a:pPr algn="ctr"/>
+            <a:endParaRPr lang="en-SG"/>
+          </a:p>
+        </p:txBody>
+      </p:sp>
+      <p:cxnSp>
+        <p:nvCxnSpPr>
+          <p:cNvPr id="65" name="Straight Connector 64">
+            <a:extLst>
+              <a:ext uri="{FF2B5EF4-FFF2-40B4-BE49-F238E27FC236}">
+                <a16:creationId xmlns:a16="http://schemas.microsoft.com/office/drawing/2014/main" id="{93D0872E-251B-B743-B71C-ACA27267523D}"/>
+              </a:ext>
+            </a:extLst>
+          </p:cNvPr>
+          <p:cNvCxnSpPr>
+            <a:cxnSpLocks/>
+          </p:cNvCxnSpPr>
           <p:nvPr/>
-        </p:nvSpPr>
-        <p:spPr>
-          <a:xfrm rot="10800000">
-            <a:off x="8338253" y="2419612"/>
-            <a:ext cx="348052" cy="96793"/>
-          </a:xfrm>
-          <a:prstGeom prst="leftArrow">
+        </p:nvCxnSpPr>
+        <p:spPr>
+          <a:xfrm>
+            <a:off x="8265111" y="2447870"/>
+            <a:ext cx="301840" cy="0"/>
+          </a:xfrm>
+          <a:prstGeom prst="line">
             <a:avLst/>
           </a:prstGeom>
-          <a:solidFill>
-            <a:srgbClr val="C00000"/>
-          </a:solidFill>
-          <a:ln>
+          <a:ln w="12700">
             <a:solidFill>
               <a:srgbClr val="C00000"/>
             </a:solidFill>
           </a:ln>
         </p:spPr>
         <p:style>
-          <a:lnRef idx="2">
-            <a:schemeClr val="dk1">
-              <a:shade val="50000"/>
-            </a:schemeClr>
+          <a:lnRef idx="1">
+            <a:schemeClr val="accent1"/>
           </a:lnRef>
-          <a:fillRef idx="1">
-            <a:schemeClr val="dk1"/>
+          <a:fillRef idx="0">
+            <a:schemeClr val="accent1"/>
           </a:fillRef>
           <a:effectRef idx="0">
-            <a:schemeClr val="dk1"/>
+            <a:schemeClr val="accent1"/>
           </a:effectRef>
           <a:fontRef idx="minor">
-            <a:schemeClr val="lt1"/>
+            <a:schemeClr val="tx1"/>
           </a:fontRef>
         </p:style>
-        <p:txBody>
-          <a:bodyPr rtlCol="0" anchor="ctr"/>
-          <a:lstStyle/>
-          <a:p>
-            <a:pPr algn="ctr"/>
-            <a:endParaRPr lang="en-SG"/>
-          </a:p>
-        </p:txBody>
-      </p:sp>
-      <p:sp>
-        <p:nvSpPr>
-          <p:cNvPr id="71" name="Arrow: Left 47">
-            <a:extLst>
-              <a:ext uri="{FF2B5EF4-FFF2-40B4-BE49-F238E27FC236}">
-                <a16:creationId xmlns:a16="http://schemas.microsoft.com/office/drawing/2014/main" id="{F7FC1778-C9DC-F24D-AA1E-1D70DFA1E7D8}"/>
+      </p:cxnSp>
+      <p:sp>
+        <p:nvSpPr>
+          <p:cNvPr id="66" name="Rectangle 65">
+            <a:extLst>
+              <a:ext uri="{FF2B5EF4-FFF2-40B4-BE49-F238E27FC236}">
+                <a16:creationId xmlns:a16="http://schemas.microsoft.com/office/drawing/2014/main" id="{C141FFD1-6C95-3144-91D0-6661C4DDF579}"/>
               </a:ext>
             </a:extLst>
           </p:cNvPr>
@@ -4591,51 +4688,94 @@
           <p:nvPr/>
         </p:nvSpPr>
         <p:spPr>
-          <a:xfrm rot="10800000">
-            <a:off x="10686760" y="4241786"/>
-            <a:ext cx="348052" cy="96793"/>
-          </a:xfrm>
-          <a:prstGeom prst="leftArrow">
+          <a:xfrm>
+            <a:off x="6252370" y="4074853"/>
+            <a:ext cx="4400833" cy="417238"/>
+          </a:xfrm>
+          <a:prstGeom prst="rect">
             <a:avLst/>
           </a:prstGeom>
-          <a:solidFill>
-            <a:schemeClr val="accent4">
-              <a:lumMod val="75000"/>
-            </a:schemeClr>
-          </a:solidFill>
-          <a:ln>
+          <a:noFill/>
+          <a:ln w="12700" cap="flat" cmpd="sng" algn="ctr">
             <a:solidFill>
               <a:schemeClr val="accent4">
-                <a:lumMod val="75000"/>
+                <a:lumMod val="50000"/>
+              </a:schemeClr>
+            </a:solidFill>
+            <a:prstDash val="solid"/>
+            <a:round/>
+            <a:headEnd type="none" w="med" len="med"/>
+            <a:tailEnd type="none" w="med" len="med"/>
+          </a:ln>
+        </p:spPr>
+        <p:style>
+          <a:lnRef idx="0">
+            <a:scrgbClr r="0" g="0" b="0"/>
+          </a:lnRef>
+          <a:fillRef idx="0">
+            <a:scrgbClr r="0" g="0" b="0"/>
+          </a:fillRef>
+          <a:effectRef idx="0">
+            <a:scrgbClr r="0" g="0" b="0"/>
+          </a:effectRef>
+          <a:fontRef idx="minor">
+            <a:schemeClr val="accent6"/>
+          </a:fontRef>
+        </p:style>
+        <p:txBody>
+          <a:bodyPr rtlCol="0" anchor="ctr"/>
+          <a:lstStyle/>
+          <a:p>
+            <a:pPr algn="ctr"/>
+            <a:endParaRPr lang="en-SG"/>
+          </a:p>
+        </p:txBody>
+      </p:sp>
+      <p:cxnSp>
+        <p:nvCxnSpPr>
+          <p:cNvPr id="67" name="Straight Connector 66">
+            <a:extLst>
+              <a:ext uri="{FF2B5EF4-FFF2-40B4-BE49-F238E27FC236}">
+                <a16:creationId xmlns:a16="http://schemas.microsoft.com/office/drawing/2014/main" id="{4E06436A-64E8-A549-AA6F-6933D8B3E0A1}"/>
+              </a:ext>
+            </a:extLst>
+          </p:cNvPr>
+          <p:cNvCxnSpPr>
+            <a:cxnSpLocks/>
+          </p:cNvCxnSpPr>
+          <p:nvPr/>
+        </p:nvCxnSpPr>
+        <p:spPr>
+          <a:xfrm>
+            <a:off x="10653203" y="4269273"/>
+            <a:ext cx="301840" cy="0"/>
+          </a:xfrm>
+          <a:prstGeom prst="line">
+            <a:avLst/>
+          </a:prstGeom>
+          <a:ln w="12700">
+            <a:solidFill>
+              <a:schemeClr val="accent4">
+                <a:lumMod val="50000"/>
               </a:schemeClr>
             </a:solidFill>
           </a:ln>
         </p:spPr>
         <p:style>
-          <a:lnRef idx="2">
-            <a:schemeClr val="dk1">
-              <a:shade val="50000"/>
-            </a:schemeClr>
+          <a:lnRef idx="1">
+            <a:schemeClr val="accent1"/>
           </a:lnRef>
-          <a:fillRef idx="1">
-            <a:schemeClr val="dk1"/>
+          <a:fillRef idx="0">
+            <a:schemeClr val="accent1"/>
           </a:fillRef>
           <a:effectRef idx="0">
-            <a:schemeClr val="dk1"/>
+            <a:schemeClr val="accent1"/>
           </a:effectRef>
           <a:fontRef idx="minor">
-            <a:schemeClr val="lt1"/>
+            <a:schemeClr val="tx1"/>
           </a:fontRef>
         </p:style>
-        <p:txBody>
-          <a:bodyPr rtlCol="0" anchor="ctr"/>
-          <a:lstStyle/>
-          <a:p>
-            <a:pPr algn="ctr"/>
-            <a:endParaRPr lang="en-SG"/>
-          </a:p>
-        </p:txBody>
-      </p:sp>
+      </p:cxnSp>
     </p:spTree>
     <p:extLst>
       <p:ext uri="{BB962C8B-B14F-4D97-AF65-F5344CB8AC3E}">

--- a/docs/diagrams/report-summary.pptx
+++ b/docs/diagrams/report-summary.pptx
@@ -261,7 +261,7 @@
           <a:p>
             <a:fld id="{D5F4EE06-143D-4C2F-8831-1CDA21FFE47B}" type="datetimeFigureOut">
               <a:rPr lang="en-SG" smtClean="0"/>
-              <a:t>12/7/19</a:t>
+              <a:t>17/7/19</a:t>
             </a:fld>
             <a:endParaRPr lang="en-SG"/>
           </a:p>
@@ -461,7 +461,7 @@
           <a:p>
             <a:fld id="{D5F4EE06-143D-4C2F-8831-1CDA21FFE47B}" type="datetimeFigureOut">
               <a:rPr lang="en-SG" smtClean="0"/>
-              <a:t>12/7/19</a:t>
+              <a:t>17/7/19</a:t>
             </a:fld>
             <a:endParaRPr lang="en-SG"/>
           </a:p>
@@ -671,7 +671,7 @@
           <a:p>
             <a:fld id="{D5F4EE06-143D-4C2F-8831-1CDA21FFE47B}" type="datetimeFigureOut">
               <a:rPr lang="en-SG" smtClean="0"/>
-              <a:t>12/7/19</a:t>
+              <a:t>17/7/19</a:t>
             </a:fld>
             <a:endParaRPr lang="en-SG"/>
           </a:p>
@@ -871,7 +871,7 @@
           <a:p>
             <a:fld id="{D5F4EE06-143D-4C2F-8831-1CDA21FFE47B}" type="datetimeFigureOut">
               <a:rPr lang="en-SG" smtClean="0"/>
-              <a:t>12/7/19</a:t>
+              <a:t>17/7/19</a:t>
             </a:fld>
             <a:endParaRPr lang="en-SG"/>
           </a:p>
@@ -1147,7 +1147,7 @@
           <a:p>
             <a:fld id="{D5F4EE06-143D-4C2F-8831-1CDA21FFE47B}" type="datetimeFigureOut">
               <a:rPr lang="en-SG" smtClean="0"/>
-              <a:t>12/7/19</a:t>
+              <a:t>17/7/19</a:t>
             </a:fld>
             <a:endParaRPr lang="en-SG"/>
           </a:p>
@@ -1415,7 +1415,7 @@
           <a:p>
             <a:fld id="{D5F4EE06-143D-4C2F-8831-1CDA21FFE47B}" type="datetimeFigureOut">
               <a:rPr lang="en-SG" smtClean="0"/>
-              <a:t>12/7/19</a:t>
+              <a:t>17/7/19</a:t>
             </a:fld>
             <a:endParaRPr lang="en-SG"/>
           </a:p>
@@ -1830,7 +1830,7 @@
           <a:p>
             <a:fld id="{D5F4EE06-143D-4C2F-8831-1CDA21FFE47B}" type="datetimeFigureOut">
               <a:rPr lang="en-SG" smtClean="0"/>
-              <a:t>12/7/19</a:t>
+              <a:t>17/7/19</a:t>
             </a:fld>
             <a:endParaRPr lang="en-SG"/>
           </a:p>
@@ -1972,7 +1972,7 @@
           <a:p>
             <a:fld id="{D5F4EE06-143D-4C2F-8831-1CDA21FFE47B}" type="datetimeFigureOut">
               <a:rPr lang="en-SG" smtClean="0"/>
-              <a:t>12/7/19</a:t>
+              <a:t>17/7/19</a:t>
             </a:fld>
             <a:endParaRPr lang="en-SG"/>
           </a:p>
@@ -2085,7 +2085,7 @@
           <a:p>
             <a:fld id="{D5F4EE06-143D-4C2F-8831-1CDA21FFE47B}" type="datetimeFigureOut">
               <a:rPr lang="en-SG" smtClean="0"/>
-              <a:t>12/7/19</a:t>
+              <a:t>17/7/19</a:t>
             </a:fld>
             <a:endParaRPr lang="en-SG"/>
           </a:p>
@@ -2398,7 +2398,7 @@
           <a:p>
             <a:fld id="{D5F4EE06-143D-4C2F-8831-1CDA21FFE47B}" type="datetimeFigureOut">
               <a:rPr lang="en-SG" smtClean="0"/>
-              <a:t>12/7/19</a:t>
+              <a:t>17/7/19</a:t>
             </a:fld>
             <a:endParaRPr lang="en-SG"/>
           </a:p>
@@ -2687,7 +2687,7 @@
           <a:p>
             <a:fld id="{D5F4EE06-143D-4C2F-8831-1CDA21FFE47B}" type="datetimeFigureOut">
               <a:rPr lang="en-SG" smtClean="0"/>
-              <a:t>12/7/19</a:t>
+              <a:t>17/7/19</a:t>
             </a:fld>
             <a:endParaRPr lang="en-SG"/>
           </a:p>
@@ -2930,7 +2930,7 @@
           <a:p>
             <a:fld id="{D5F4EE06-143D-4C2F-8831-1CDA21FFE47B}" type="datetimeFigureOut">
               <a:rPr lang="en-SG" smtClean="0"/>
-              <a:t>12/7/19</a:t>
+              <a:t>17/7/19</a:t>
             </a:fld>
             <a:endParaRPr lang="en-SG"/>
           </a:p>
@@ -3504,7 +3504,7 @@
         </p:nvSpPr>
         <p:spPr>
           <a:xfrm>
-            <a:off x="8613159" y="2315835"/>
+            <a:off x="8726811" y="2315835"/>
             <a:ext cx="849429" cy="276999"/>
           </a:xfrm>
           <a:prstGeom prst="rect">
@@ -3840,7 +3840,7 @@
         </p:nvSpPr>
         <p:spPr>
           <a:xfrm>
-            <a:off x="18534" y="2026833"/>
+            <a:off x="12184" y="2026833"/>
             <a:ext cx="1202954" cy="276999"/>
           </a:xfrm>
           <a:prstGeom prst="rect">
@@ -3982,7 +3982,7 @@
         </p:nvSpPr>
         <p:spPr>
           <a:xfrm>
-            <a:off x="3534831" y="4666268"/>
+            <a:off x="3570993" y="4666268"/>
             <a:ext cx="2516973" cy="276999"/>
           </a:xfrm>
           <a:prstGeom prst="rect">
@@ -4145,7 +4145,7 @@
         </p:nvSpPr>
         <p:spPr>
           <a:xfrm>
-            <a:off x="8600792" y="1869016"/>
+            <a:off x="8714444" y="1869016"/>
             <a:ext cx="1080151" cy="276999"/>
           </a:xfrm>
           <a:prstGeom prst="rect">
@@ -4179,30 +4179,198 @@
           </a:p>
         </p:txBody>
       </p:sp>
+      <p:sp>
+        <p:nvSpPr>
+          <p:cNvPr id="56" name="Rectangle 55">
+            <a:extLst>
+              <a:ext uri="{FF2B5EF4-FFF2-40B4-BE49-F238E27FC236}">
+                <a16:creationId xmlns:a16="http://schemas.microsoft.com/office/drawing/2014/main" id="{302C24E7-F5CF-7D4F-9162-44F08F19CA6F}"/>
+              </a:ext>
+            </a:extLst>
+          </p:cNvPr>
+          <p:cNvSpPr/>
+          <p:nvPr/>
+        </p:nvSpPr>
+        <p:spPr>
+          <a:xfrm>
+            <a:off x="6242293" y="1869318"/>
+            <a:ext cx="2022818" cy="277000"/>
+          </a:xfrm>
+          <a:prstGeom prst="rect">
+            <a:avLst/>
+          </a:prstGeom>
+          <a:noFill/>
+          <a:ln w="12700" cap="flat" cmpd="sng" algn="ctr">
+            <a:solidFill>
+              <a:schemeClr val="accent6">
+                <a:lumMod val="75000"/>
+              </a:schemeClr>
+            </a:solidFill>
+            <a:prstDash val="solid"/>
+            <a:round/>
+            <a:headEnd type="none" w="med" len="med"/>
+            <a:tailEnd type="none" w="med" len="med"/>
+          </a:ln>
+        </p:spPr>
+        <p:style>
+          <a:lnRef idx="0">
+            <a:scrgbClr r="0" g="0" b="0"/>
+          </a:lnRef>
+          <a:fillRef idx="0">
+            <a:scrgbClr r="0" g="0" b="0"/>
+          </a:fillRef>
+          <a:effectRef idx="0">
+            <a:scrgbClr r="0" g="0" b="0"/>
+          </a:effectRef>
+          <a:fontRef idx="minor">
+            <a:schemeClr val="accent6"/>
+          </a:fontRef>
+        </p:style>
+        <p:txBody>
+          <a:bodyPr rtlCol="0" anchor="ctr"/>
+          <a:lstStyle/>
+          <a:p>
+            <a:pPr algn="ctr"/>
+            <a:endParaRPr lang="en-SG"/>
+          </a:p>
+        </p:txBody>
+      </p:sp>
+      <p:sp>
+        <p:nvSpPr>
+          <p:cNvPr id="64" name="Rectangle 63">
+            <a:extLst>
+              <a:ext uri="{FF2B5EF4-FFF2-40B4-BE49-F238E27FC236}">
+                <a16:creationId xmlns:a16="http://schemas.microsoft.com/office/drawing/2014/main" id="{A2744CE9-0A67-9A43-A9BB-0CF02DB76205}"/>
+              </a:ext>
+            </a:extLst>
+          </p:cNvPr>
+          <p:cNvSpPr/>
+          <p:nvPr/>
+        </p:nvSpPr>
+        <p:spPr>
+          <a:xfrm>
+            <a:off x="6242293" y="2338728"/>
+            <a:ext cx="2022818" cy="217707"/>
+          </a:xfrm>
+          <a:prstGeom prst="rect">
+            <a:avLst/>
+          </a:prstGeom>
+          <a:noFill/>
+          <a:ln w="12700" cap="flat" cmpd="sng" algn="ctr">
+            <a:solidFill>
+              <a:srgbClr val="C00000"/>
+            </a:solidFill>
+            <a:prstDash val="solid"/>
+            <a:round/>
+            <a:headEnd type="none" w="med" len="med"/>
+            <a:tailEnd type="none" w="med" len="med"/>
+          </a:ln>
+        </p:spPr>
+        <p:style>
+          <a:lnRef idx="0">
+            <a:scrgbClr r="0" g="0" b="0"/>
+          </a:lnRef>
+          <a:fillRef idx="0">
+            <a:scrgbClr r="0" g="0" b="0"/>
+          </a:fillRef>
+          <a:effectRef idx="0">
+            <a:scrgbClr r="0" g="0" b="0"/>
+          </a:effectRef>
+          <a:fontRef idx="minor">
+            <a:schemeClr val="accent6"/>
+          </a:fontRef>
+        </p:style>
+        <p:txBody>
+          <a:bodyPr rtlCol="0" anchor="ctr"/>
+          <a:lstStyle/>
+          <a:p>
+            <a:pPr algn="ctr"/>
+            <a:endParaRPr lang="en-SG"/>
+          </a:p>
+        </p:txBody>
+      </p:sp>
+      <p:sp>
+        <p:nvSpPr>
+          <p:cNvPr id="66" name="Rectangle 65">
+            <a:extLst>
+              <a:ext uri="{FF2B5EF4-FFF2-40B4-BE49-F238E27FC236}">
+                <a16:creationId xmlns:a16="http://schemas.microsoft.com/office/drawing/2014/main" id="{C141FFD1-6C95-3144-91D0-6661C4DDF579}"/>
+              </a:ext>
+            </a:extLst>
+          </p:cNvPr>
+          <p:cNvSpPr/>
+          <p:nvPr/>
+        </p:nvSpPr>
+        <p:spPr>
+          <a:xfrm>
+            <a:off x="6252370" y="4074853"/>
+            <a:ext cx="4400833" cy="417238"/>
+          </a:xfrm>
+          <a:prstGeom prst="rect">
+            <a:avLst/>
+          </a:prstGeom>
+          <a:noFill/>
+          <a:ln w="12700" cap="flat" cmpd="sng" algn="ctr">
+            <a:solidFill>
+              <a:schemeClr val="accent4">
+                <a:lumMod val="50000"/>
+              </a:schemeClr>
+            </a:solidFill>
+            <a:prstDash val="solid"/>
+            <a:round/>
+            <a:headEnd type="none" w="med" len="med"/>
+            <a:tailEnd type="none" w="med" len="med"/>
+          </a:ln>
+        </p:spPr>
+        <p:style>
+          <a:lnRef idx="0">
+            <a:scrgbClr r="0" g="0" b="0"/>
+          </a:lnRef>
+          <a:fillRef idx="0">
+            <a:scrgbClr r="0" g="0" b="0"/>
+          </a:fillRef>
+          <a:effectRef idx="0">
+            <a:scrgbClr r="0" g="0" b="0"/>
+          </a:effectRef>
+          <a:fontRef idx="minor">
+            <a:schemeClr val="accent6"/>
+          </a:fontRef>
+        </p:style>
+        <p:txBody>
+          <a:bodyPr rtlCol="0" anchor="ctr"/>
+          <a:lstStyle/>
+          <a:p>
+            <a:pPr algn="ctr"/>
+            <a:endParaRPr lang="en-SG"/>
+          </a:p>
+        </p:txBody>
+      </p:sp>
       <p:cxnSp>
         <p:nvCxnSpPr>
-          <p:cNvPr id="3" name="Straight Connector 2">
-            <a:extLst>
-              <a:ext uri="{FF2B5EF4-FFF2-40B4-BE49-F238E27FC236}">
-                <a16:creationId xmlns:a16="http://schemas.microsoft.com/office/drawing/2014/main" id="{C2BD86CC-DB2A-5940-A2BC-0B4EC63FFA8A}"/>
-              </a:ext>
-            </a:extLst>
-          </p:cNvPr>
-          <p:cNvCxnSpPr>
-            <a:cxnSpLocks/>
-            <a:endCxn id="34" idx="0"/>
-          </p:cNvCxnSpPr>
+          <p:cNvPr id="4" name="Straight Arrow Connector 3">
+            <a:extLst>
+              <a:ext uri="{FF2B5EF4-FFF2-40B4-BE49-F238E27FC236}">
+                <a16:creationId xmlns:a16="http://schemas.microsoft.com/office/drawing/2014/main" id="{0E1E9E40-02F3-174C-97DB-3B6E1415124B}"/>
+              </a:ext>
+            </a:extLst>
+          </p:cNvPr>
+          <p:cNvCxnSpPr/>
           <p:nvPr/>
         </p:nvCxnSpPr>
         <p:spPr>
           <a:xfrm>
-            <a:off x="3747897" y="483476"/>
-            <a:ext cx="0" cy="330910"/>
-          </a:xfrm>
-          <a:prstGeom prst="line">
+            <a:off x="1294354" y="1335408"/>
+            <a:ext cx="599900" cy="0"/>
+          </a:xfrm>
+          <a:prstGeom prst="straightConnector1">
             <a:avLst/>
           </a:prstGeom>
-          <a:ln w="57150"/>
+          <a:ln w="12700">
+            <a:solidFill>
+              <a:schemeClr val="accent6"/>
+            </a:solidFill>
+            <a:tailEnd type="triangle"/>
+          </a:ln>
         </p:spPr>
         <p:style>
           <a:lnRef idx="1">
@@ -4221,10 +4389,10 @@
       </p:cxnSp>
       <p:cxnSp>
         <p:nvCxnSpPr>
-          <p:cNvPr id="33" name="Straight Connector 32">
-            <a:extLst>
-              <a:ext uri="{FF2B5EF4-FFF2-40B4-BE49-F238E27FC236}">
-                <a16:creationId xmlns:a16="http://schemas.microsoft.com/office/drawing/2014/main" id="{FC014436-7174-7349-B726-708BC955C9C3}"/>
+          <p:cNvPr id="37" name="Straight Arrow Connector 36">
+            <a:extLst>
+              <a:ext uri="{FF2B5EF4-FFF2-40B4-BE49-F238E27FC236}">
+                <a16:creationId xmlns:a16="http://schemas.microsoft.com/office/drawing/2014/main" id="{DEEEF689-CF7E-7149-97BA-3D3957707314}"/>
               </a:ext>
             </a:extLst>
           </p:cNvPr>
@@ -4235,16 +4403,17 @@
         </p:nvCxnSpPr>
         <p:spPr>
           <a:xfrm>
-            <a:off x="8482807" y="465408"/>
-            <a:ext cx="0" cy="330910"/>
-          </a:xfrm>
-          <a:prstGeom prst="line">
+            <a:off x="1111250" y="2178394"/>
+            <a:ext cx="415745" cy="0"/>
+          </a:xfrm>
+          <a:prstGeom prst="straightConnector1">
             <a:avLst/>
           </a:prstGeom>
-          <a:ln w="57150">
+          <a:ln w="12700">
             <a:solidFill>
-              <a:schemeClr val="accent2"/>
+              <a:srgbClr val="7030A0"/>
             </a:solidFill>
+            <a:tailEnd type="triangle"/>
           </a:ln>
         </p:spPr>
         <p:style>
@@ -4264,10 +4433,10 @@
       </p:cxnSp>
       <p:cxnSp>
         <p:nvCxnSpPr>
-          <p:cNvPr id="35" name="Straight Connector 34">
-            <a:extLst>
-              <a:ext uri="{FF2B5EF4-FFF2-40B4-BE49-F238E27FC236}">
-                <a16:creationId xmlns:a16="http://schemas.microsoft.com/office/drawing/2014/main" id="{A8CDE1DA-8DC0-3744-8121-745A1D5A6F15}"/>
+          <p:cNvPr id="38" name="Straight Arrow Connector 37">
+            <a:extLst>
+              <a:ext uri="{FF2B5EF4-FFF2-40B4-BE49-F238E27FC236}">
+                <a16:creationId xmlns:a16="http://schemas.microsoft.com/office/drawing/2014/main" id="{9A9F6241-AC1E-1B48-8BC2-871CFFE15B1E}"/>
               </a:ext>
             </a:extLst>
           </p:cNvPr>
@@ -4278,16 +4447,17 @@
         </p:nvCxnSpPr>
         <p:spPr>
           <a:xfrm>
-            <a:off x="1320084" y="1330960"/>
-            <a:ext cx="595745" cy="0"/>
-          </a:xfrm>
-          <a:prstGeom prst="line">
+            <a:off x="1107533" y="2714969"/>
+            <a:ext cx="437970" cy="0"/>
+          </a:xfrm>
+          <a:prstGeom prst="straightConnector1">
             <a:avLst/>
           </a:prstGeom>
           <a:ln w="12700">
             <a:solidFill>
-              <a:schemeClr val="accent6"/>
+              <a:srgbClr val="0070C0"/>
             </a:solidFill>
+            <a:tailEnd type="triangle"/>
           </a:ln>
         </p:spPr>
         <p:style>
@@ -4307,10 +4477,10 @@
       </p:cxnSp>
       <p:cxnSp>
         <p:nvCxnSpPr>
-          <p:cNvPr id="46" name="Straight Connector 45">
-            <a:extLst>
-              <a:ext uri="{FF2B5EF4-FFF2-40B4-BE49-F238E27FC236}">
-                <a16:creationId xmlns:a16="http://schemas.microsoft.com/office/drawing/2014/main" id="{6FF732E4-945B-F047-B8AA-90BB7B084A7F}"/>
+          <p:cNvPr id="43" name="Straight Arrow Connector 42">
+            <a:extLst>
+              <a:ext uri="{FF2B5EF4-FFF2-40B4-BE49-F238E27FC236}">
+                <a16:creationId xmlns:a16="http://schemas.microsoft.com/office/drawing/2014/main" id="{984AD6F2-A33B-8148-AEDA-A8EAEFD7DC95}"/>
               </a:ext>
             </a:extLst>
           </p:cNvPr>
@@ -4321,16 +4491,17 @@
         </p:nvCxnSpPr>
         <p:spPr>
           <a:xfrm>
-            <a:off x="1191138" y="2175139"/>
-            <a:ext cx="343633" cy="0"/>
-          </a:xfrm>
-          <a:prstGeom prst="line">
+            <a:off x="1215138" y="3933171"/>
+            <a:ext cx="300327" cy="0"/>
+          </a:xfrm>
+          <a:prstGeom prst="straightConnector1">
             <a:avLst/>
           </a:prstGeom>
           <a:ln w="12700">
             <a:solidFill>
-              <a:srgbClr val="7030A0"/>
+              <a:schemeClr val="tx1"/>
             </a:solidFill>
+            <a:tailEnd type="triangle"/>
           </a:ln>
         </p:spPr>
         <p:style>
@@ -4350,30 +4521,26 @@
       </p:cxnSp>
       <p:cxnSp>
         <p:nvCxnSpPr>
-          <p:cNvPr id="52" name="Straight Connector 51">
-            <a:extLst>
-              <a:ext uri="{FF2B5EF4-FFF2-40B4-BE49-F238E27FC236}">
-                <a16:creationId xmlns:a16="http://schemas.microsoft.com/office/drawing/2014/main" id="{CD401D7E-9C74-0C4D-B246-598FFCA72708}"/>
-              </a:ext>
-            </a:extLst>
-          </p:cNvPr>
-          <p:cNvCxnSpPr>
-            <a:cxnSpLocks/>
-          </p:cNvCxnSpPr>
+          <p:cNvPr id="10" name="Straight Arrow Connector 9">
+            <a:extLst>
+              <a:ext uri="{FF2B5EF4-FFF2-40B4-BE49-F238E27FC236}">
+                <a16:creationId xmlns:a16="http://schemas.microsoft.com/office/drawing/2014/main" id="{B3FA0071-1F3A-2C42-AE98-70438B56D7BF}"/>
+              </a:ext>
+            </a:extLst>
+          </p:cNvPr>
+          <p:cNvCxnSpPr/>
           <p:nvPr/>
         </p:nvCxnSpPr>
         <p:spPr>
           <a:xfrm>
-            <a:off x="1191255" y="2712658"/>
-            <a:ext cx="343633" cy="0"/>
-          </a:xfrm>
-          <a:prstGeom prst="line">
+            <a:off x="3771899" y="483476"/>
+            <a:ext cx="0" cy="312842"/>
+          </a:xfrm>
+          <a:prstGeom prst="straightConnector1">
             <a:avLst/>
           </a:prstGeom>
           <a:ln w="12700">
-            <a:solidFill>
-              <a:schemeClr val="accent5"/>
-            </a:solidFill>
+            <a:tailEnd type="triangle"/>
           </a:ln>
         </p:spPr>
         <p:style>
@@ -4393,30 +4560,29 @@
       </p:cxnSp>
       <p:cxnSp>
         <p:nvCxnSpPr>
-          <p:cNvPr id="53" name="Straight Connector 52">
-            <a:extLst>
-              <a:ext uri="{FF2B5EF4-FFF2-40B4-BE49-F238E27FC236}">
-                <a16:creationId xmlns:a16="http://schemas.microsoft.com/office/drawing/2014/main" id="{801E91DB-7DB7-9B44-992C-0B5838F4900C}"/>
-              </a:ext>
-            </a:extLst>
-          </p:cNvPr>
-          <p:cNvCxnSpPr>
-            <a:cxnSpLocks/>
-          </p:cNvCxnSpPr>
+          <p:cNvPr id="50" name="Straight Arrow Connector 49">
+            <a:extLst>
+              <a:ext uri="{FF2B5EF4-FFF2-40B4-BE49-F238E27FC236}">
+                <a16:creationId xmlns:a16="http://schemas.microsoft.com/office/drawing/2014/main" id="{F20E8FC5-C665-144F-B0BB-107E10758C59}"/>
+              </a:ext>
+            </a:extLst>
+          </p:cNvPr>
+          <p:cNvCxnSpPr/>
           <p:nvPr/>
         </p:nvCxnSpPr>
         <p:spPr>
           <a:xfrm>
-            <a:off x="1330325" y="3933637"/>
-            <a:ext cx="196581" cy="0"/>
-          </a:xfrm>
-          <a:prstGeom prst="line">
+            <a:off x="8458331" y="465408"/>
+            <a:ext cx="0" cy="312842"/>
+          </a:xfrm>
+          <a:prstGeom prst="straightConnector1">
             <a:avLst/>
           </a:prstGeom>
           <a:ln w="12700">
             <a:solidFill>
-              <a:schemeClr val="tx1"/>
+              <a:schemeClr val="accent2"/>
             </a:solidFill>
+            <a:tailEnd type="triangle"/>
           </a:ln>
         </p:spPr>
         <p:style>
@@ -4436,10 +4602,10 @@
       </p:cxnSp>
       <p:cxnSp>
         <p:nvCxnSpPr>
-          <p:cNvPr id="22" name="Straight Connector 21">
-            <a:extLst>
-              <a:ext uri="{FF2B5EF4-FFF2-40B4-BE49-F238E27FC236}">
-                <a16:creationId xmlns:a16="http://schemas.microsoft.com/office/drawing/2014/main" id="{7A2B2A98-389A-5040-AA98-BD78C6E5CB27}"/>
+          <p:cNvPr id="55" name="Straight Arrow Connector 54">
+            <a:extLst>
+              <a:ext uri="{FF2B5EF4-FFF2-40B4-BE49-F238E27FC236}">
+                <a16:creationId xmlns:a16="http://schemas.microsoft.com/office/drawing/2014/main" id="{39E59FD8-6ED7-DE42-8608-75F1F9A40F07}"/>
               </a:ext>
             </a:extLst>
           </p:cNvPr>
@@ -4449,110 +4615,11 @@
           <p:nvPr/>
         </p:nvCxnSpPr>
         <p:spPr>
-          <a:xfrm>
-            <a:off x="4617720" y="4409429"/>
-            <a:ext cx="0" cy="276871"/>
-          </a:xfrm>
-          <a:prstGeom prst="line">
-            <a:avLst/>
-          </a:prstGeom>
-          <a:ln w="12700">
-            <a:solidFill>
-              <a:srgbClr val="FFC000"/>
-            </a:solidFill>
-          </a:ln>
-        </p:spPr>
-        <p:style>
-          <a:lnRef idx="1">
-            <a:schemeClr val="accent2"/>
-          </a:lnRef>
-          <a:fillRef idx="0">
-            <a:schemeClr val="accent2"/>
-          </a:fillRef>
-          <a:effectRef idx="0">
-            <a:schemeClr val="accent2"/>
-          </a:effectRef>
-          <a:fontRef idx="minor">
-            <a:schemeClr val="tx1"/>
-          </a:fontRef>
-        </p:style>
-      </p:cxnSp>
-      <p:sp>
-        <p:nvSpPr>
-          <p:cNvPr id="56" name="Rectangle 55">
-            <a:extLst>
-              <a:ext uri="{FF2B5EF4-FFF2-40B4-BE49-F238E27FC236}">
-                <a16:creationId xmlns:a16="http://schemas.microsoft.com/office/drawing/2014/main" id="{302C24E7-F5CF-7D4F-9162-44F08F19CA6F}"/>
-              </a:ext>
-            </a:extLst>
-          </p:cNvPr>
-          <p:cNvSpPr/>
-          <p:nvPr/>
-        </p:nvSpPr>
-        <p:spPr>
-          <a:xfrm>
-            <a:off x="6242293" y="1869318"/>
-            <a:ext cx="2022818" cy="277000"/>
-          </a:xfrm>
-          <a:prstGeom prst="rect">
-            <a:avLst/>
-          </a:prstGeom>
-          <a:noFill/>
-          <a:ln w="12700" cap="flat" cmpd="sng" algn="ctr">
-            <a:solidFill>
-              <a:schemeClr val="accent6">
-                <a:lumMod val="75000"/>
-              </a:schemeClr>
-            </a:solidFill>
-            <a:prstDash val="solid"/>
-            <a:round/>
-            <a:headEnd type="none" w="med" len="med"/>
-            <a:tailEnd type="none" w="med" len="med"/>
-          </a:ln>
-        </p:spPr>
-        <p:style>
-          <a:lnRef idx="0">
-            <a:scrgbClr r="0" g="0" b="0"/>
-          </a:lnRef>
-          <a:fillRef idx="0">
-            <a:scrgbClr r="0" g="0" b="0"/>
-          </a:fillRef>
-          <a:effectRef idx="0">
-            <a:scrgbClr r="0" g="0" b="0"/>
-          </a:effectRef>
-          <a:fontRef idx="minor">
-            <a:schemeClr val="accent6"/>
-          </a:fontRef>
-        </p:style>
-        <p:txBody>
-          <a:bodyPr rtlCol="0" anchor="ctr"/>
-          <a:lstStyle/>
-          <a:p>
-            <a:pPr algn="ctr"/>
-            <a:endParaRPr lang="en-SG"/>
-          </a:p>
-        </p:txBody>
-      </p:sp>
-      <p:cxnSp>
-        <p:nvCxnSpPr>
-          <p:cNvPr id="57" name="Straight Connector 56">
-            <a:extLst>
-              <a:ext uri="{FF2B5EF4-FFF2-40B4-BE49-F238E27FC236}">
-                <a16:creationId xmlns:a16="http://schemas.microsoft.com/office/drawing/2014/main" id="{47B72781-9621-FA44-A8D7-61DEF3E8F07F}"/>
-              </a:ext>
-            </a:extLst>
-          </p:cNvPr>
-          <p:cNvCxnSpPr>
-            <a:cxnSpLocks/>
-          </p:cNvCxnSpPr>
-          <p:nvPr/>
-        </p:nvCxnSpPr>
-        <p:spPr>
-          <a:xfrm>
-            <a:off x="8265111" y="2018745"/>
-            <a:ext cx="301840" cy="0"/>
-          </a:xfrm>
-          <a:prstGeom prst="line">
+          <a:xfrm flipH="1">
+            <a:off x="8289242" y="2020373"/>
+            <a:ext cx="436773" cy="0"/>
+          </a:xfrm>
+          <a:prstGeom prst="straightConnector1">
             <a:avLst/>
           </a:prstGeom>
           <a:ln w="12700">
@@ -4561,6 +4628,7 @@
                 <a:lumMod val="75000"/>
               </a:schemeClr>
             </a:solidFill>
+            <a:tailEnd type="triangle"/>
           </a:ln>
         </p:spPr>
         <p:style>
@@ -4578,66 +4646,12 @@
           </a:fontRef>
         </p:style>
       </p:cxnSp>
-      <p:sp>
-        <p:nvSpPr>
-          <p:cNvPr id="64" name="Rectangle 63">
-            <a:extLst>
-              <a:ext uri="{FF2B5EF4-FFF2-40B4-BE49-F238E27FC236}">
-                <a16:creationId xmlns:a16="http://schemas.microsoft.com/office/drawing/2014/main" id="{A2744CE9-0A67-9A43-A9BB-0CF02DB76205}"/>
-              </a:ext>
-            </a:extLst>
-          </p:cNvPr>
-          <p:cNvSpPr/>
-          <p:nvPr/>
-        </p:nvSpPr>
-        <p:spPr>
-          <a:xfrm>
-            <a:off x="6242293" y="2338728"/>
-            <a:ext cx="2022818" cy="217707"/>
-          </a:xfrm>
-          <a:prstGeom prst="rect">
-            <a:avLst/>
-          </a:prstGeom>
-          <a:noFill/>
-          <a:ln w="12700" cap="flat" cmpd="sng" algn="ctr">
-            <a:solidFill>
-              <a:srgbClr val="C00000"/>
-            </a:solidFill>
-            <a:prstDash val="solid"/>
-            <a:round/>
-            <a:headEnd type="none" w="med" len="med"/>
-            <a:tailEnd type="none" w="med" len="med"/>
-          </a:ln>
-        </p:spPr>
-        <p:style>
-          <a:lnRef idx="0">
-            <a:scrgbClr r="0" g="0" b="0"/>
-          </a:lnRef>
-          <a:fillRef idx="0">
-            <a:scrgbClr r="0" g="0" b="0"/>
-          </a:fillRef>
-          <a:effectRef idx="0">
-            <a:scrgbClr r="0" g="0" b="0"/>
-          </a:effectRef>
-          <a:fontRef idx="minor">
-            <a:schemeClr val="accent6"/>
-          </a:fontRef>
-        </p:style>
-        <p:txBody>
-          <a:bodyPr rtlCol="0" anchor="ctr"/>
-          <a:lstStyle/>
-          <a:p>
-            <a:pPr algn="ctr"/>
-            <a:endParaRPr lang="en-SG"/>
-          </a:p>
-        </p:txBody>
-      </p:sp>
       <p:cxnSp>
         <p:nvCxnSpPr>
-          <p:cNvPr id="65" name="Straight Connector 64">
-            <a:extLst>
-              <a:ext uri="{FF2B5EF4-FFF2-40B4-BE49-F238E27FC236}">
-                <a16:creationId xmlns:a16="http://schemas.microsoft.com/office/drawing/2014/main" id="{93D0872E-251B-B743-B71C-ACA27267523D}"/>
+          <p:cNvPr id="58" name="Straight Arrow Connector 57">
+            <a:extLst>
+              <a:ext uri="{FF2B5EF4-FFF2-40B4-BE49-F238E27FC236}">
+                <a16:creationId xmlns:a16="http://schemas.microsoft.com/office/drawing/2014/main" id="{AFA0DA7C-E4AB-7640-B648-6DBC87E6B30F}"/>
               </a:ext>
             </a:extLst>
           </p:cNvPr>
@@ -4647,17 +4661,18 @@
           <p:nvPr/>
         </p:nvCxnSpPr>
         <p:spPr>
-          <a:xfrm>
-            <a:off x="8265111" y="2447870"/>
-            <a:ext cx="301840" cy="0"/>
-          </a:xfrm>
-          <a:prstGeom prst="line">
+          <a:xfrm flipH="1">
+            <a:off x="8294408" y="2462889"/>
+            <a:ext cx="436773" cy="0"/>
+          </a:xfrm>
+          <a:prstGeom prst="straightConnector1">
             <a:avLst/>
           </a:prstGeom>
           <a:ln w="12700">
             <a:solidFill>
               <a:srgbClr val="C00000"/>
             </a:solidFill>
+            <a:tailEnd type="triangle"/>
           </a:ln>
         </p:spPr>
         <p:style>
@@ -4675,68 +4690,12 @@
           </a:fontRef>
         </p:style>
       </p:cxnSp>
-      <p:sp>
-        <p:nvSpPr>
-          <p:cNvPr id="66" name="Rectangle 65">
-            <a:extLst>
-              <a:ext uri="{FF2B5EF4-FFF2-40B4-BE49-F238E27FC236}">
-                <a16:creationId xmlns:a16="http://schemas.microsoft.com/office/drawing/2014/main" id="{C141FFD1-6C95-3144-91D0-6661C4DDF579}"/>
-              </a:ext>
-            </a:extLst>
-          </p:cNvPr>
-          <p:cNvSpPr/>
-          <p:nvPr/>
-        </p:nvSpPr>
-        <p:spPr>
-          <a:xfrm>
-            <a:off x="6252370" y="4074853"/>
-            <a:ext cx="4400833" cy="417238"/>
-          </a:xfrm>
-          <a:prstGeom prst="rect">
-            <a:avLst/>
-          </a:prstGeom>
-          <a:noFill/>
-          <a:ln w="12700" cap="flat" cmpd="sng" algn="ctr">
-            <a:solidFill>
-              <a:schemeClr val="accent4">
-                <a:lumMod val="50000"/>
-              </a:schemeClr>
-            </a:solidFill>
-            <a:prstDash val="solid"/>
-            <a:round/>
-            <a:headEnd type="none" w="med" len="med"/>
-            <a:tailEnd type="none" w="med" len="med"/>
-          </a:ln>
-        </p:spPr>
-        <p:style>
-          <a:lnRef idx="0">
-            <a:scrgbClr r="0" g="0" b="0"/>
-          </a:lnRef>
-          <a:fillRef idx="0">
-            <a:scrgbClr r="0" g="0" b="0"/>
-          </a:fillRef>
-          <a:effectRef idx="0">
-            <a:scrgbClr r="0" g="0" b="0"/>
-          </a:effectRef>
-          <a:fontRef idx="minor">
-            <a:schemeClr val="accent6"/>
-          </a:fontRef>
-        </p:style>
-        <p:txBody>
-          <a:bodyPr rtlCol="0" anchor="ctr"/>
-          <a:lstStyle/>
-          <a:p>
-            <a:pPr algn="ctr"/>
-            <a:endParaRPr lang="en-SG"/>
-          </a:p>
-        </p:txBody>
-      </p:sp>
       <p:cxnSp>
         <p:nvCxnSpPr>
-          <p:cNvPr id="67" name="Straight Connector 66">
-            <a:extLst>
-              <a:ext uri="{FF2B5EF4-FFF2-40B4-BE49-F238E27FC236}">
-                <a16:creationId xmlns:a16="http://schemas.microsoft.com/office/drawing/2014/main" id="{4E06436A-64E8-A549-AA6F-6933D8B3E0A1}"/>
+          <p:cNvPr id="61" name="Straight Arrow Connector 60">
+            <a:extLst>
+              <a:ext uri="{FF2B5EF4-FFF2-40B4-BE49-F238E27FC236}">
+                <a16:creationId xmlns:a16="http://schemas.microsoft.com/office/drawing/2014/main" id="{B3CB679E-8205-8D4E-8605-4305DBA22290}"/>
               </a:ext>
             </a:extLst>
           </p:cNvPr>
@@ -4746,11 +4705,11 @@
           <p:nvPr/>
         </p:nvCxnSpPr>
         <p:spPr>
-          <a:xfrm>
-            <a:off x="10653203" y="4269273"/>
-            <a:ext cx="301840" cy="0"/>
-          </a:xfrm>
-          <a:prstGeom prst="line">
+          <a:xfrm flipH="1" flipV="1">
+            <a:off x="10667719" y="4260483"/>
+            <a:ext cx="318046" cy="4392"/>
+          </a:xfrm>
+          <a:prstGeom prst="straightConnector1">
             <a:avLst/>
           </a:prstGeom>
           <a:ln w="12700">
@@ -4759,6 +4718,51 @@
                 <a:lumMod val="50000"/>
               </a:schemeClr>
             </a:solidFill>
+            <a:tailEnd type="triangle"/>
+          </a:ln>
+        </p:spPr>
+        <p:style>
+          <a:lnRef idx="1">
+            <a:schemeClr val="accent1"/>
+          </a:lnRef>
+          <a:fillRef idx="0">
+            <a:schemeClr val="accent1"/>
+          </a:fillRef>
+          <a:effectRef idx="0">
+            <a:schemeClr val="accent1"/>
+          </a:effectRef>
+          <a:fontRef idx="minor">
+            <a:schemeClr val="tx1"/>
+          </a:fontRef>
+        </p:style>
+      </p:cxnSp>
+      <p:cxnSp>
+        <p:nvCxnSpPr>
+          <p:cNvPr id="63" name="Straight Arrow Connector 62">
+            <a:extLst>
+              <a:ext uri="{FF2B5EF4-FFF2-40B4-BE49-F238E27FC236}">
+                <a16:creationId xmlns:a16="http://schemas.microsoft.com/office/drawing/2014/main" id="{510B956D-D846-A649-B354-69624F72C304}"/>
+              </a:ext>
+            </a:extLst>
+          </p:cNvPr>
+          <p:cNvCxnSpPr>
+            <a:cxnSpLocks/>
+          </p:cNvCxnSpPr>
+          <p:nvPr/>
+        </p:nvCxnSpPr>
+        <p:spPr>
+          <a:xfrm flipV="1">
+            <a:off x="4615090" y="4409457"/>
+            <a:ext cx="1" cy="256811"/>
+          </a:xfrm>
+          <a:prstGeom prst="straightConnector1">
+            <a:avLst/>
+          </a:prstGeom>
+          <a:ln w="12700">
+            <a:solidFill>
+              <a:schemeClr val="accent4"/>
+            </a:solidFill>
+            <a:tailEnd type="triangle"/>
           </a:ln>
         </p:spPr>
         <p:style>

--- a/docs/diagrams/report-summary.pptx
+++ b/docs/diagrams/report-summary.pptx
@@ -261,7 +261,7 @@
           <a:p>
             <a:fld id="{D5F4EE06-143D-4C2F-8831-1CDA21FFE47B}" type="datetimeFigureOut">
               <a:rPr lang="en-SG" smtClean="0"/>
-              <a:t>17/7/19</a:t>
+              <a:t>22/7/19</a:t>
             </a:fld>
             <a:endParaRPr lang="en-SG"/>
           </a:p>
@@ -461,7 +461,7 @@
           <a:p>
             <a:fld id="{D5F4EE06-143D-4C2F-8831-1CDA21FFE47B}" type="datetimeFigureOut">
               <a:rPr lang="en-SG" smtClean="0"/>
-              <a:t>17/7/19</a:t>
+              <a:t>22/7/19</a:t>
             </a:fld>
             <a:endParaRPr lang="en-SG"/>
           </a:p>
@@ -671,7 +671,7 @@
           <a:p>
             <a:fld id="{D5F4EE06-143D-4C2F-8831-1CDA21FFE47B}" type="datetimeFigureOut">
               <a:rPr lang="en-SG" smtClean="0"/>
-              <a:t>17/7/19</a:t>
+              <a:t>22/7/19</a:t>
             </a:fld>
             <a:endParaRPr lang="en-SG"/>
           </a:p>
@@ -871,7 +871,7 @@
           <a:p>
             <a:fld id="{D5F4EE06-143D-4C2F-8831-1CDA21FFE47B}" type="datetimeFigureOut">
               <a:rPr lang="en-SG" smtClean="0"/>
-              <a:t>17/7/19</a:t>
+              <a:t>22/7/19</a:t>
             </a:fld>
             <a:endParaRPr lang="en-SG"/>
           </a:p>
@@ -1147,7 +1147,7 @@
           <a:p>
             <a:fld id="{D5F4EE06-143D-4C2F-8831-1CDA21FFE47B}" type="datetimeFigureOut">
               <a:rPr lang="en-SG" smtClean="0"/>
-              <a:t>17/7/19</a:t>
+              <a:t>22/7/19</a:t>
             </a:fld>
             <a:endParaRPr lang="en-SG"/>
           </a:p>
@@ -1415,7 +1415,7 @@
           <a:p>
             <a:fld id="{D5F4EE06-143D-4C2F-8831-1CDA21FFE47B}" type="datetimeFigureOut">
               <a:rPr lang="en-SG" smtClean="0"/>
-              <a:t>17/7/19</a:t>
+              <a:t>22/7/19</a:t>
             </a:fld>
             <a:endParaRPr lang="en-SG"/>
           </a:p>
@@ -1830,7 +1830,7 @@
           <a:p>
             <a:fld id="{D5F4EE06-143D-4C2F-8831-1CDA21FFE47B}" type="datetimeFigureOut">
               <a:rPr lang="en-SG" smtClean="0"/>
-              <a:t>17/7/19</a:t>
+              <a:t>22/7/19</a:t>
             </a:fld>
             <a:endParaRPr lang="en-SG"/>
           </a:p>
@@ -1972,7 +1972,7 @@
           <a:p>
             <a:fld id="{D5F4EE06-143D-4C2F-8831-1CDA21FFE47B}" type="datetimeFigureOut">
               <a:rPr lang="en-SG" smtClean="0"/>
-              <a:t>17/7/19</a:t>
+              <a:t>22/7/19</a:t>
             </a:fld>
             <a:endParaRPr lang="en-SG"/>
           </a:p>
@@ -2085,7 +2085,7 @@
           <a:p>
             <a:fld id="{D5F4EE06-143D-4C2F-8831-1CDA21FFE47B}" type="datetimeFigureOut">
               <a:rPr lang="en-SG" smtClean="0"/>
-              <a:t>17/7/19</a:t>
+              <a:t>22/7/19</a:t>
             </a:fld>
             <a:endParaRPr lang="en-SG"/>
           </a:p>
@@ -2398,7 +2398,7 @@
           <a:p>
             <a:fld id="{D5F4EE06-143D-4C2F-8831-1CDA21FFE47B}" type="datetimeFigureOut">
               <a:rPr lang="en-SG" smtClean="0"/>
-              <a:t>17/7/19</a:t>
+              <a:t>22/7/19</a:t>
             </a:fld>
             <a:endParaRPr lang="en-SG"/>
           </a:p>
@@ -2687,7 +2687,7 @@
           <a:p>
             <a:fld id="{D5F4EE06-143D-4C2F-8831-1CDA21FFE47B}" type="datetimeFigureOut">
               <a:rPr lang="en-SG" smtClean="0"/>
-              <a:t>17/7/19</a:t>
+              <a:t>22/7/19</a:t>
             </a:fld>
             <a:endParaRPr lang="en-SG"/>
           </a:p>
@@ -2930,7 +2930,7 @@
           <a:p>
             <a:fld id="{D5F4EE06-143D-4C2F-8831-1CDA21FFE47B}" type="datetimeFigureOut">
               <a:rPr lang="en-SG" smtClean="0"/>
-              <a:t>17/7/19</a:t>
+              <a:t>22/7/19</a:t>
             </a:fld>
             <a:endParaRPr lang="en-SG"/>
           </a:p>
@@ -3349,10 +3349,10 @@
       </p:grpSpPr>
       <p:pic>
         <p:nvPicPr>
-          <p:cNvPr id="20" name="Picture 19" descr="A screenshot of a cell phone&#10;&#10;Description automatically generated">
-            <a:extLst>
-              <a:ext uri="{FF2B5EF4-FFF2-40B4-BE49-F238E27FC236}">
-                <a16:creationId xmlns:a16="http://schemas.microsoft.com/office/drawing/2014/main" id="{348B436D-5F8F-7547-A5EE-02688017F8B6}"/>
+          <p:cNvPr id="5" name="Picture 4">
+            <a:extLst>
+              <a:ext uri="{FF2B5EF4-FFF2-40B4-BE49-F238E27FC236}">
+                <a16:creationId xmlns:a16="http://schemas.microsoft.com/office/drawing/2014/main" id="{57D8E422-39B9-AD4D-AEBC-CAD2FD032214}"/>
               </a:ext>
             </a:extLst>
           </p:cNvPr>
@@ -3362,21 +3362,15 @@
           <p:nvPr/>
         </p:nvPicPr>
         <p:blipFill>
-          <a:blip r:embed="rId2">
-            <a:extLst>
-              <a:ext uri="{28A0092B-C50C-407E-A947-70E740481C1C}">
-                <a14:useLocalDpi xmlns:a14="http://schemas.microsoft.com/office/drawing/2010/main" val="0"/>
-              </a:ext>
-            </a:extLst>
-          </a:blip>
+          <a:blip r:embed="rId2"/>
           <a:stretch>
             <a:fillRect/>
           </a:stretch>
         </p:blipFill>
         <p:spPr>
           <a:xfrm>
-            <a:off x="1447800" y="796318"/>
-            <a:ext cx="9304401" cy="5269897"/>
+            <a:off x="1422855" y="798089"/>
+            <a:ext cx="9317337" cy="5245522"/>
           </a:xfrm>
           <a:prstGeom prst="rect">
             <a:avLst/>
@@ -3402,8 +3396,8 @@
         </p:nvSpPr>
         <p:spPr>
           <a:xfrm>
-            <a:off x="1443990" y="814386"/>
-            <a:ext cx="4607814" cy="5229225"/>
+            <a:off x="1408787" y="814386"/>
+            <a:ext cx="4643017" cy="5229225"/>
           </a:xfrm>
           <a:prstGeom prst="rect">
             <a:avLst/>
@@ -3504,7 +3498,7 @@
         </p:nvSpPr>
         <p:spPr>
           <a:xfrm>
-            <a:off x="8726811" y="2315835"/>
+            <a:off x="9190215" y="3133527"/>
             <a:ext cx="849429" cy="276999"/>
           </a:xfrm>
           <a:prstGeom prst="rect">
@@ -3638,8 +3632,8 @@
         </p:nvSpPr>
         <p:spPr>
           <a:xfrm>
-            <a:off x="6204585" y="814386"/>
-            <a:ext cx="4547616" cy="5229225"/>
+            <a:off x="6140198" y="814386"/>
+            <a:ext cx="4612003" cy="5229225"/>
           </a:xfrm>
           <a:prstGeom prst="rect">
             <a:avLst/>
@@ -3732,8 +3726,8 @@
         </p:nvSpPr>
         <p:spPr>
           <a:xfrm>
-            <a:off x="1927896" y="896446"/>
-            <a:ext cx="3706363" cy="869029"/>
+            <a:off x="1674004" y="896446"/>
+            <a:ext cx="4074863" cy="869029"/>
           </a:xfrm>
           <a:prstGeom prst="rect">
             <a:avLst/>
@@ -3786,8 +3780,8 @@
         </p:nvSpPr>
         <p:spPr>
           <a:xfrm>
-            <a:off x="1523483" y="1950544"/>
-            <a:ext cx="4482463" cy="449190"/>
+            <a:off x="1484661" y="1950544"/>
+            <a:ext cx="4504352" cy="449190"/>
           </a:xfrm>
           <a:prstGeom prst="rect">
             <a:avLst/>
@@ -3840,7 +3834,7 @@
         </p:nvSpPr>
         <p:spPr>
           <a:xfrm>
-            <a:off x="12184" y="2026833"/>
+            <a:off x="-13217" y="2026833"/>
             <a:ext cx="1202954" cy="276999"/>
           </a:xfrm>
           <a:prstGeom prst="rect">
@@ -3880,8 +3874,8 @@
         </p:nvSpPr>
         <p:spPr>
           <a:xfrm>
-            <a:off x="1526181" y="3880858"/>
-            <a:ext cx="4482462" cy="96793"/>
+            <a:off x="1501594" y="4826286"/>
+            <a:ext cx="4482462" cy="276999"/>
           </a:xfrm>
           <a:prstGeom prst="rect">
             <a:avLst/>
@@ -3934,7 +3928,7 @@
         </p:nvSpPr>
         <p:spPr>
           <a:xfrm>
-            <a:off x="57153" y="3729919"/>
+            <a:off x="23285" y="4754389"/>
             <a:ext cx="1589577" cy="461665"/>
           </a:xfrm>
           <a:prstGeom prst="rect">
@@ -3982,7 +3976,7 @@
         </p:nvSpPr>
         <p:spPr>
           <a:xfrm>
-            <a:off x="3570993" y="4666268"/>
+            <a:off x="3232326" y="2828987"/>
             <a:ext cx="2516973" cy="276999"/>
           </a:xfrm>
           <a:prstGeom prst="rect">
@@ -4034,7 +4028,7 @@
         </p:nvSpPr>
         <p:spPr>
           <a:xfrm>
-            <a:off x="1536198" y="2556435"/>
+            <a:off x="1510797" y="2556435"/>
             <a:ext cx="4482463" cy="305570"/>
           </a:xfrm>
           <a:prstGeom prst="rect">
@@ -4145,7 +4139,7 @@
         </p:nvSpPr>
         <p:spPr>
           <a:xfrm>
-            <a:off x="8714444" y="1869016"/>
+            <a:off x="8697510" y="1792813"/>
             <a:ext cx="1080151" cy="276999"/>
           </a:xfrm>
           <a:prstGeom prst="rect">
@@ -4193,7 +4187,7 @@
         </p:nvSpPr>
         <p:spPr>
           <a:xfrm>
-            <a:off x="6242293" y="1869318"/>
+            <a:off x="6191491" y="1835450"/>
             <a:ext cx="2022818" cy="277000"/>
           </a:xfrm>
           <a:prstGeom prst="rect">
@@ -4249,8 +4243,8 @@
         </p:nvSpPr>
         <p:spPr>
           <a:xfrm>
-            <a:off x="6242293" y="2338728"/>
-            <a:ext cx="2022818" cy="217707"/>
+            <a:off x="6210157" y="3176139"/>
+            <a:ext cx="2516653" cy="217707"/>
           </a:xfrm>
           <a:prstGeom prst="rect">
             <a:avLst/>
@@ -4303,8 +4297,8 @@
         </p:nvSpPr>
         <p:spPr>
           <a:xfrm>
-            <a:off x="6252370" y="4074853"/>
-            <a:ext cx="4400833" cy="417238"/>
+            <a:off x="6186172" y="3133515"/>
+            <a:ext cx="4450097" cy="2217420"/>
           </a:xfrm>
           <a:prstGeom prst="rect">
             <a:avLst/>
@@ -4354,13 +4348,15 @@
               </a:ext>
             </a:extLst>
           </p:cNvPr>
-          <p:cNvCxnSpPr/>
+          <p:cNvCxnSpPr>
+            <a:cxnSpLocks/>
+          </p:cNvCxnSpPr>
           <p:nvPr/>
         </p:nvCxnSpPr>
         <p:spPr>
           <a:xfrm>
             <a:off x="1294354" y="1335408"/>
-            <a:ext cx="599900" cy="0"/>
+            <a:ext cx="352376" cy="0"/>
           </a:xfrm>
           <a:prstGeom prst="straightConnector1">
             <a:avLst/>
@@ -4403,7 +4399,7 @@
         </p:nvCxnSpPr>
         <p:spPr>
           <a:xfrm>
-            <a:off x="1111250" y="2178394"/>
+            <a:off x="1068915" y="2178394"/>
             <a:ext cx="415745" cy="0"/>
           </a:xfrm>
           <a:prstGeom prst="straightConnector1">
@@ -4447,7 +4443,7 @@
         </p:nvCxnSpPr>
         <p:spPr>
           <a:xfrm>
-            <a:off x="1107533" y="2714969"/>
+            <a:off x="1073665" y="2714969"/>
             <a:ext cx="437970" cy="0"/>
           </a:xfrm>
           <a:prstGeom prst="straightConnector1">
@@ -4491,7 +4487,7 @@
         </p:nvCxnSpPr>
         <p:spPr>
           <a:xfrm>
-            <a:off x="1215138" y="3933171"/>
+            <a:off x="1181270" y="4957641"/>
             <a:ext cx="300327" cy="0"/>
           </a:xfrm>
           <a:prstGeom prst="straightConnector1">
@@ -4616,7 +4612,7 @@
         </p:nvCxnSpPr>
         <p:spPr>
           <a:xfrm flipH="1">
-            <a:off x="8289242" y="2020373"/>
+            <a:off x="8272308" y="1944170"/>
             <a:ext cx="436773" cy="0"/>
           </a:xfrm>
           <a:prstGeom prst="straightConnector1">
@@ -4662,7 +4658,7 @@
         </p:nvCxnSpPr>
         <p:spPr>
           <a:xfrm flipH="1">
-            <a:off x="8294408" y="2462889"/>
+            <a:off x="8757812" y="3280581"/>
             <a:ext cx="436773" cy="0"/>
           </a:xfrm>
           <a:prstGeom prst="straightConnector1">
@@ -4751,9 +4747,9 @@
           <p:nvPr/>
         </p:nvCxnSpPr>
         <p:spPr>
-          <a:xfrm flipV="1">
-            <a:off x="4615090" y="4409457"/>
-            <a:ext cx="1" cy="256811"/>
+          <a:xfrm>
+            <a:off x="4284891" y="3125047"/>
+            <a:ext cx="0" cy="429266"/>
           </a:xfrm>
           <a:prstGeom prst="straightConnector1">
             <a:avLst/>
@@ -4761,6 +4757,163 @@
           <a:ln w="12700">
             <a:solidFill>
               <a:schemeClr val="accent4"/>
+            </a:solidFill>
+            <a:tailEnd type="triangle"/>
+          </a:ln>
+        </p:spPr>
+        <p:style>
+          <a:lnRef idx="1">
+            <a:schemeClr val="accent1"/>
+          </a:lnRef>
+          <a:fillRef idx="0">
+            <a:schemeClr val="accent1"/>
+          </a:fillRef>
+          <a:effectRef idx="0">
+            <a:schemeClr val="accent1"/>
+          </a:effectRef>
+          <a:fontRef idx="minor">
+            <a:schemeClr val="tx1"/>
+          </a:fontRef>
+        </p:style>
+      </p:cxnSp>
+      <p:sp>
+        <p:nvSpPr>
+          <p:cNvPr id="39" name="Rectangle 38">
+            <a:extLst>
+              <a:ext uri="{FF2B5EF4-FFF2-40B4-BE49-F238E27FC236}">
+                <a16:creationId xmlns:a16="http://schemas.microsoft.com/office/drawing/2014/main" id="{F1DC792B-BA68-E146-9640-3B9BBA3D37BF}"/>
+              </a:ext>
+            </a:extLst>
+          </p:cNvPr>
+          <p:cNvSpPr/>
+          <p:nvPr/>
+        </p:nvSpPr>
+        <p:spPr>
+          <a:xfrm>
+            <a:off x="6228509" y="3429000"/>
+            <a:ext cx="4354826" cy="1584566"/>
+          </a:xfrm>
+          <a:prstGeom prst="rect">
+            <a:avLst/>
+          </a:prstGeom>
+          <a:noFill/>
+          <a:ln w="12700" cap="flat" cmpd="sng" algn="ctr">
+            <a:solidFill>
+              <a:schemeClr val="accent2">
+                <a:lumMod val="60000"/>
+                <a:lumOff val="40000"/>
+              </a:schemeClr>
+            </a:solidFill>
+            <a:prstDash val="solid"/>
+            <a:round/>
+            <a:headEnd type="none" w="med" len="med"/>
+            <a:tailEnd type="none" w="med" len="med"/>
+          </a:ln>
+        </p:spPr>
+        <p:style>
+          <a:lnRef idx="0">
+            <a:scrgbClr r="0" g="0" b="0"/>
+          </a:lnRef>
+          <a:fillRef idx="0">
+            <a:scrgbClr r="0" g="0" b="0"/>
+          </a:fillRef>
+          <a:effectRef idx="0">
+            <a:scrgbClr r="0" g="0" b="0"/>
+          </a:effectRef>
+          <a:fontRef idx="minor">
+            <a:schemeClr val="accent6"/>
+          </a:fontRef>
+        </p:style>
+        <p:txBody>
+          <a:bodyPr rtlCol="0" anchor="ctr"/>
+          <a:lstStyle/>
+          <a:p>
+            <a:pPr algn="ctr"/>
+            <a:endParaRPr lang="en-SG"/>
+          </a:p>
+        </p:txBody>
+      </p:sp>
+      <p:sp>
+        <p:nvSpPr>
+          <p:cNvPr id="44" name="文本框 44">
+            <a:extLst>
+              <a:ext uri="{FF2B5EF4-FFF2-40B4-BE49-F238E27FC236}">
+                <a16:creationId xmlns:a16="http://schemas.microsoft.com/office/drawing/2014/main" id="{A899A3DB-A0EF-A042-8009-CDA2C0E753A2}"/>
+              </a:ext>
+            </a:extLst>
+          </p:cNvPr>
+          <p:cNvSpPr txBox="1"/>
+          <p:nvPr/>
+        </p:nvSpPr>
+        <p:spPr>
+          <a:xfrm>
+            <a:off x="10895046" y="3703036"/>
+            <a:ext cx="936735" cy="276999"/>
+          </a:xfrm>
+          <a:prstGeom prst="rect">
+            <a:avLst/>
+          </a:prstGeom>
+          <a:noFill/>
+          <a:ln>
+            <a:noFill/>
+          </a:ln>
+        </p:spPr>
+        <p:txBody>
+          <a:bodyPr wrap="square" rtlCol="0">
+            <a:spAutoFit/>
+          </a:bodyPr>
+          <a:lstStyle/>
+          <a:p>
+            <a:r>
+              <a:rPr lang="en-US" altLang="zh-CN" sz="1200" dirty="0">
+                <a:solidFill>
+                  <a:schemeClr val="accent2">
+                    <a:lumMod val="60000"/>
+                    <a:lumOff val="40000"/>
+                  </a:schemeClr>
+                </a:solidFill>
+              </a:rPr>
+              <a:t>segment</a:t>
+            </a:r>
+            <a:endParaRPr lang="zh-CN" altLang="en-US" sz="1200" dirty="0">
+              <a:solidFill>
+                <a:schemeClr val="accent2">
+                  <a:lumMod val="60000"/>
+                  <a:lumOff val="40000"/>
+                </a:schemeClr>
+              </a:solidFill>
+            </a:endParaRPr>
+          </a:p>
+        </p:txBody>
+      </p:sp>
+      <p:cxnSp>
+        <p:nvCxnSpPr>
+          <p:cNvPr id="46" name="Straight Arrow Connector 45">
+            <a:extLst>
+              <a:ext uri="{FF2B5EF4-FFF2-40B4-BE49-F238E27FC236}">
+                <a16:creationId xmlns:a16="http://schemas.microsoft.com/office/drawing/2014/main" id="{BE7BD8BB-4C1B-DB44-A439-079C150A181C}"/>
+              </a:ext>
+            </a:extLst>
+          </p:cNvPr>
+          <p:cNvCxnSpPr>
+            <a:cxnSpLocks/>
+          </p:cNvCxnSpPr>
+          <p:nvPr/>
+        </p:nvCxnSpPr>
+        <p:spPr>
+          <a:xfrm flipH="1" flipV="1">
+            <a:off x="10591515" y="3862545"/>
+            <a:ext cx="318046" cy="4392"/>
+          </a:xfrm>
+          <a:prstGeom prst="straightConnector1">
+            <a:avLst/>
+          </a:prstGeom>
+          <a:ln w="12700">
+            <a:solidFill>
+              <a:schemeClr val="accent2">
+                <a:lumMod val="60000"/>
+                <a:lumOff val="40000"/>
+              </a:schemeClr>
             </a:solidFill>
             <a:tailEnd type="triangle"/>
           </a:ln>

--- a/docs/diagrams/report-summary.pptx
+++ b/docs/diagrams/report-summary.pptx
@@ -261,7 +261,7 @@
           <a:p>
             <a:fld id="{D5F4EE06-143D-4C2F-8831-1CDA21FFE47B}" type="datetimeFigureOut">
               <a:rPr lang="en-SG" smtClean="0"/>
-              <a:t>22/2/19</a:t>
+              <a:t>22/7/19</a:t>
             </a:fld>
             <a:endParaRPr lang="en-SG"/>
           </a:p>
@@ -461,7 +461,7 @@
           <a:p>
             <a:fld id="{D5F4EE06-143D-4C2F-8831-1CDA21FFE47B}" type="datetimeFigureOut">
               <a:rPr lang="en-SG" smtClean="0"/>
-              <a:t>22/2/19</a:t>
+              <a:t>22/7/19</a:t>
             </a:fld>
             <a:endParaRPr lang="en-SG"/>
           </a:p>
@@ -671,7 +671,7 @@
           <a:p>
             <a:fld id="{D5F4EE06-143D-4C2F-8831-1CDA21FFE47B}" type="datetimeFigureOut">
               <a:rPr lang="en-SG" smtClean="0"/>
-              <a:t>22/2/19</a:t>
+              <a:t>22/7/19</a:t>
             </a:fld>
             <a:endParaRPr lang="en-SG"/>
           </a:p>
@@ -871,7 +871,7 @@
           <a:p>
             <a:fld id="{D5F4EE06-143D-4C2F-8831-1CDA21FFE47B}" type="datetimeFigureOut">
               <a:rPr lang="en-SG" smtClean="0"/>
-              <a:t>22/2/19</a:t>
+              <a:t>22/7/19</a:t>
             </a:fld>
             <a:endParaRPr lang="en-SG"/>
           </a:p>
@@ -1147,7 +1147,7 @@
           <a:p>
             <a:fld id="{D5F4EE06-143D-4C2F-8831-1CDA21FFE47B}" type="datetimeFigureOut">
               <a:rPr lang="en-SG" smtClean="0"/>
-              <a:t>22/2/19</a:t>
+              <a:t>22/7/19</a:t>
             </a:fld>
             <a:endParaRPr lang="en-SG"/>
           </a:p>
@@ -1415,7 +1415,7 @@
           <a:p>
             <a:fld id="{D5F4EE06-143D-4C2F-8831-1CDA21FFE47B}" type="datetimeFigureOut">
               <a:rPr lang="en-SG" smtClean="0"/>
-              <a:t>22/2/19</a:t>
+              <a:t>22/7/19</a:t>
             </a:fld>
             <a:endParaRPr lang="en-SG"/>
           </a:p>
@@ -1830,7 +1830,7 @@
           <a:p>
             <a:fld id="{D5F4EE06-143D-4C2F-8831-1CDA21FFE47B}" type="datetimeFigureOut">
               <a:rPr lang="en-SG" smtClean="0"/>
-              <a:t>22/2/19</a:t>
+              <a:t>22/7/19</a:t>
             </a:fld>
             <a:endParaRPr lang="en-SG"/>
           </a:p>
@@ -1972,7 +1972,7 @@
           <a:p>
             <a:fld id="{D5F4EE06-143D-4C2F-8831-1CDA21FFE47B}" type="datetimeFigureOut">
               <a:rPr lang="en-SG" smtClean="0"/>
-              <a:t>22/2/19</a:t>
+              <a:t>22/7/19</a:t>
             </a:fld>
             <a:endParaRPr lang="en-SG"/>
           </a:p>
@@ -2085,7 +2085,7 @@
           <a:p>
             <a:fld id="{D5F4EE06-143D-4C2F-8831-1CDA21FFE47B}" type="datetimeFigureOut">
               <a:rPr lang="en-SG" smtClean="0"/>
-              <a:t>22/2/19</a:t>
+              <a:t>22/7/19</a:t>
             </a:fld>
             <a:endParaRPr lang="en-SG"/>
           </a:p>
@@ -2398,7 +2398,7 @@
           <a:p>
             <a:fld id="{D5F4EE06-143D-4C2F-8831-1CDA21FFE47B}" type="datetimeFigureOut">
               <a:rPr lang="en-SG" smtClean="0"/>
-              <a:t>22/2/19</a:t>
+              <a:t>22/7/19</a:t>
             </a:fld>
             <a:endParaRPr lang="en-SG"/>
           </a:p>
@@ -2687,7 +2687,7 @@
           <a:p>
             <a:fld id="{D5F4EE06-143D-4C2F-8831-1CDA21FFE47B}" type="datetimeFigureOut">
               <a:rPr lang="en-SG" smtClean="0"/>
-              <a:t>22/2/19</a:t>
+              <a:t>22/7/19</a:t>
             </a:fld>
             <a:endParaRPr lang="en-SG"/>
           </a:p>
@@ -2930,7 +2930,7 @@
           <a:p>
             <a:fld id="{D5F4EE06-143D-4C2F-8831-1CDA21FFE47B}" type="datetimeFigureOut">
               <a:rPr lang="en-SG" smtClean="0"/>
-              <a:t>22/2/19</a:t>
+              <a:t>22/7/19</a:t>
             </a:fld>
             <a:endParaRPr lang="en-SG"/>
           </a:p>
@@ -3352,7 +3352,7 @@
           <p:cNvPr id="5" name="Picture 4">
             <a:extLst>
               <a:ext uri="{FF2B5EF4-FFF2-40B4-BE49-F238E27FC236}">
-                <a16:creationId xmlns:a16="http://schemas.microsoft.com/office/drawing/2014/main" id="{0D954123-975A-3A42-A7F9-E3AC583847B8}"/>
+                <a16:creationId xmlns:a16="http://schemas.microsoft.com/office/drawing/2014/main" id="{57D8E422-39B9-AD4D-AEBC-CAD2FD032214}"/>
               </a:ext>
             </a:extLst>
           </p:cNvPr>
@@ -3362,107 +3362,86 @@
           <p:nvPr/>
         </p:nvPicPr>
         <p:blipFill>
-          <a:blip r:embed="rId2">
-            <a:extLst>
-              <a:ext uri="{28A0092B-C50C-407E-A947-70E740481C1C}">
-                <a14:useLocalDpi xmlns:a14="http://schemas.microsoft.com/office/drawing/2010/main" val="0"/>
-              </a:ext>
-            </a:extLst>
-          </a:blip>
+          <a:blip r:embed="rId2"/>
           <a:stretch>
             <a:fillRect/>
           </a:stretch>
         </p:blipFill>
         <p:spPr>
           <a:xfrm>
-            <a:off x="1305076" y="901373"/>
-            <a:ext cx="9487249" cy="4671748"/>
+            <a:off x="1422855" y="798089"/>
+            <a:ext cx="9317337" cy="5245522"/>
           </a:xfrm>
           <a:prstGeom prst="rect">
             <a:avLst/>
           </a:prstGeom>
+          <a:ln w="12700">
+            <a:solidFill>
+              <a:schemeClr val="tx1"/>
+            </a:solidFill>
+          </a:ln>
         </p:spPr>
       </p:pic>
-      <p:pic>
-        <p:nvPicPr>
-          <p:cNvPr id="2" name="图片 1">
-            <a:extLst>
-              <a:ext uri="{FF2B5EF4-FFF2-40B4-BE49-F238E27FC236}">
-                <a16:creationId xmlns:a16="http://schemas.microsoft.com/office/drawing/2014/main" id="{FEEFED23-9625-46EE-A9C6-DA99D5078E60}"/>
-              </a:ext>
-            </a:extLst>
-          </p:cNvPr>
-          <p:cNvPicPr>
-            <a:picLocks noChangeAspect="1"/>
-          </p:cNvPicPr>
+      <p:sp>
+        <p:nvSpPr>
+          <p:cNvPr id="34" name="Rectangle 33">
+            <a:extLst>
+              <a:ext uri="{FF2B5EF4-FFF2-40B4-BE49-F238E27FC236}">
+                <a16:creationId xmlns:a16="http://schemas.microsoft.com/office/drawing/2014/main" id="{A39783FF-1234-8446-AB32-9380684BB1B3}"/>
+              </a:ext>
+            </a:extLst>
+          </p:cNvPr>
+          <p:cNvSpPr/>
           <p:nvPr/>
-        </p:nvPicPr>
-        <p:blipFill>
-          <a:blip r:embed="rId3"/>
-          <a:stretch>
-            <a:fillRect/>
-          </a:stretch>
-        </p:blipFill>
+        </p:nvSpPr>
         <p:spPr>
           <a:xfrm>
-            <a:off x="1064377" y="379679"/>
-            <a:ext cx="9979368" cy="704619"/>
-          </a:xfrm>
-          <a:prstGeom prst="rect">
-            <a:avLst/>
-          </a:prstGeom>
-        </p:spPr>
-      </p:pic>
-      <p:sp>
-        <p:nvSpPr>
-          <p:cNvPr id="25" name="文本框 24">
-            <a:extLst>
-              <a:ext uri="{FF2B5EF4-FFF2-40B4-BE49-F238E27FC236}">
-                <a16:creationId xmlns:a16="http://schemas.microsoft.com/office/drawing/2014/main" id="{D627E7DD-7D34-4280-A150-3B17A67A2846}"/>
-              </a:ext>
-            </a:extLst>
-          </p:cNvPr>
-          <p:cNvSpPr txBox="1"/>
-          <p:nvPr/>
-        </p:nvSpPr>
-        <p:spPr>
-          <a:xfrm>
-            <a:off x="1080115" y="991630"/>
-            <a:ext cx="5015884" cy="646331"/>
+            <a:off x="1408787" y="814386"/>
+            <a:ext cx="4643017" cy="5229225"/>
           </a:xfrm>
           <a:prstGeom prst="rect">
             <a:avLst/>
           </a:prstGeom>
           <a:noFill/>
-        </p:spPr>
-        <p:txBody>
-          <a:bodyPr wrap="square" rtlCol="0">
-            <a:spAutoFit/>
-          </a:bodyPr>
-          <a:lstStyle/>
-          <a:p>
-            <a:r>
-              <a:rPr lang="en-US" altLang="zh-CN" sz="3600" b="1" dirty="0"/>
-              <a:t>  {</a:t>
-            </a:r>
-            <a:r>
-              <a:rPr lang="en-US" altLang="zh-CN" sz="3600" dirty="0"/>
-              <a:t>                                          </a:t>
-            </a:r>
-            <a:r>
-              <a:rPr lang="en-US" altLang="zh-CN" sz="3600" b="1" dirty="0"/>
-              <a:t>}</a:t>
-            </a:r>
-            <a:endParaRPr lang="zh-CN" altLang="en-US" sz="3600" b="1" dirty="0"/>
-          </a:p>
-        </p:txBody>
-      </p:sp>
-      <p:sp>
-        <p:nvSpPr>
-          <p:cNvPr id="26" name="文本框 25">
-            <a:extLst>
-              <a:ext uri="{FF2B5EF4-FFF2-40B4-BE49-F238E27FC236}">
-                <a16:creationId xmlns:a16="http://schemas.microsoft.com/office/drawing/2014/main" id="{CEC3616D-ADDF-40F1-B171-6C3F36C22891}"/>
+          <a:ln w="57150" cap="flat" cmpd="sng" algn="ctr">
+            <a:solidFill>
+              <a:schemeClr val="accent1"/>
+            </a:solidFill>
+            <a:prstDash val="solid"/>
+            <a:round/>
+            <a:headEnd type="none" w="med" len="med"/>
+            <a:tailEnd type="none" w="med" len="med"/>
+          </a:ln>
+        </p:spPr>
+        <p:style>
+          <a:lnRef idx="0">
+            <a:scrgbClr r="0" g="0" b="0"/>
+          </a:lnRef>
+          <a:fillRef idx="0">
+            <a:scrgbClr r="0" g="0" b="0"/>
+          </a:fillRef>
+          <a:effectRef idx="0">
+            <a:scrgbClr r="0" g="0" b="0"/>
+          </a:effectRef>
+          <a:fontRef idx="minor">
+            <a:schemeClr val="accent1"/>
+          </a:fontRef>
+        </p:style>
+        <p:txBody>
+          <a:bodyPr rtlCol="0" anchor="ctr"/>
+          <a:lstStyle/>
+          <a:p>
+            <a:pPr algn="ctr"/>
+            <a:endParaRPr lang="en-SG"/>
+          </a:p>
+        </p:txBody>
+      </p:sp>
+      <p:sp>
+        <p:nvSpPr>
+          <p:cNvPr id="45" name="文本框 44">
+            <a:extLst>
+              <a:ext uri="{FF2B5EF4-FFF2-40B4-BE49-F238E27FC236}">
+                <a16:creationId xmlns:a16="http://schemas.microsoft.com/office/drawing/2014/main" id="{A0A1A4A5-828A-4BF9-94DF-CD28CBD612CF}"/>
               </a:ext>
             </a:extLst>
           </p:cNvPr>
@@ -3471,8 +3450,8 @@
         </p:nvSpPr>
         <p:spPr>
           <a:xfrm>
-            <a:off x="4338422" y="1423679"/>
-            <a:ext cx="2050741" cy="369332"/>
+            <a:off x="10971251" y="4126375"/>
+            <a:ext cx="750332" cy="276999"/>
           </a:xfrm>
           <a:prstGeom prst="rect">
             <a:avLst/>
@@ -3486,19 +3465,31 @@
           <a:lstStyle/>
           <a:p>
             <a:r>
-              <a:rPr lang="en-US" altLang="zh-CN" dirty="0"/>
-              <a:t>summary-picker</a:t>
-            </a:r>
-            <a:endParaRPr lang="zh-CN" altLang="en-US" dirty="0"/>
-          </a:p>
-        </p:txBody>
-      </p:sp>
-      <p:sp>
-        <p:nvSpPr>
-          <p:cNvPr id="27" name="文本框 26">
-            <a:extLst>
-              <a:ext uri="{FF2B5EF4-FFF2-40B4-BE49-F238E27FC236}">
-                <a16:creationId xmlns:a16="http://schemas.microsoft.com/office/drawing/2014/main" id="{048B4F0D-9235-4911-A47D-8F53A18FA157}"/>
+              <a:rPr lang="en-US" altLang="zh-CN" sz="1200" dirty="0">
+                <a:solidFill>
+                  <a:schemeClr val="accent4">
+                    <a:lumMod val="75000"/>
+                  </a:schemeClr>
+                </a:solidFill>
+              </a:rPr>
+              <a:t>file</a:t>
+            </a:r>
+            <a:endParaRPr lang="zh-CN" altLang="en-US" sz="1200" dirty="0">
+              <a:solidFill>
+                <a:schemeClr val="accent4">
+                  <a:lumMod val="75000"/>
+                </a:schemeClr>
+              </a:solidFill>
+            </a:endParaRPr>
+          </a:p>
+        </p:txBody>
+      </p:sp>
+      <p:sp>
+        <p:nvSpPr>
+          <p:cNvPr id="47" name="文本框 46">
+            <a:extLst>
+              <a:ext uri="{FF2B5EF4-FFF2-40B4-BE49-F238E27FC236}">
+                <a16:creationId xmlns:a16="http://schemas.microsoft.com/office/drawing/2014/main" id="{8A40C309-DFD1-4333-84EB-9117C609942E}"/>
               </a:ext>
             </a:extLst>
           </p:cNvPr>
@@ -3507,8 +3498,8 @@
         </p:nvSpPr>
         <p:spPr>
           <a:xfrm>
-            <a:off x="1145219" y="1778238"/>
-            <a:ext cx="5015884" cy="646331"/>
+            <a:off x="9190215" y="3133527"/>
+            <a:ext cx="849429" cy="276999"/>
           </a:xfrm>
           <a:prstGeom prst="rect">
             <a:avLst/>
@@ -3522,27 +3513,27 @@
           <a:lstStyle/>
           <a:p>
             <a:r>
-              <a:rPr lang="en-US" altLang="zh-CN" sz="3600" b="1"/>
-              <a:t>{</a:t>
-            </a:r>
-            <a:r>
-              <a:rPr lang="en-US" altLang="zh-CN" sz="3600"/>
-              <a:t>                                           </a:t>
-            </a:r>
-            <a:r>
-              <a:rPr lang="en-US" altLang="zh-CN" sz="3600" b="1"/>
-              <a:t>}</a:t>
-            </a:r>
-            <a:endParaRPr lang="zh-CN" altLang="en-US" sz="3600" b="1" dirty="0"/>
-          </a:p>
-        </p:txBody>
-      </p:sp>
-      <p:sp>
-        <p:nvSpPr>
-          <p:cNvPr id="28" name="文本框 27">
-            <a:extLst>
-              <a:ext uri="{FF2B5EF4-FFF2-40B4-BE49-F238E27FC236}">
-                <a16:creationId xmlns:a16="http://schemas.microsoft.com/office/drawing/2014/main" id="{7CB45794-D414-47BD-B3BE-1F1AD5401966}"/>
+              <a:rPr lang="en-US" altLang="zh-CN" sz="1200" dirty="0">
+                <a:solidFill>
+                  <a:srgbClr val="C00000"/>
+                </a:solidFill>
+              </a:rPr>
+              <a:t>title</a:t>
+            </a:r>
+            <a:endParaRPr lang="zh-CN" altLang="en-US" sz="1200" dirty="0">
+              <a:solidFill>
+                <a:srgbClr val="C00000"/>
+              </a:solidFill>
+            </a:endParaRPr>
+          </a:p>
+        </p:txBody>
+      </p:sp>
+      <p:sp>
+        <p:nvSpPr>
+          <p:cNvPr id="24" name="TextBox 23">
+            <a:extLst>
+              <a:ext uri="{FF2B5EF4-FFF2-40B4-BE49-F238E27FC236}">
+                <a16:creationId xmlns:a16="http://schemas.microsoft.com/office/drawing/2014/main" id="{450BEBC7-C0C7-CF48-95D5-47FDD988DA61}"/>
               </a:ext>
             </a:extLst>
           </p:cNvPr>
@@ -3551,8 +3542,8 @@
         </p:nvSpPr>
         <p:spPr>
           <a:xfrm>
-            <a:off x="1385074" y="1932126"/>
-            <a:ext cx="1513234" cy="338554"/>
+            <a:off x="2726436" y="163993"/>
+            <a:ext cx="2090928" cy="276999"/>
           </a:xfrm>
           <a:prstGeom prst="rect">
             <a:avLst/>
@@ -3565,20 +3556,795 @@
           </a:bodyPr>
           <a:lstStyle/>
           <a:p>
-            <a:r>
-              <a:rPr lang="en-US" altLang="zh-CN" sz="1600" dirty="0"/>
+            <a:pPr algn="ctr"/>
+            <a:r>
+              <a:rPr lang="en-US" sz="1200" dirty="0">
+                <a:solidFill>
+                  <a:schemeClr val="accent1"/>
+                </a:solidFill>
+              </a:rPr>
+              <a:t>summary</a:t>
+            </a:r>
+            <a:endParaRPr lang="en-SG" sz="1200" dirty="0">
+              <a:solidFill>
+                <a:schemeClr val="accent1"/>
+              </a:solidFill>
+            </a:endParaRPr>
+          </a:p>
+        </p:txBody>
+      </p:sp>
+      <p:sp>
+        <p:nvSpPr>
+          <p:cNvPr id="32" name="TextBox 31">
+            <a:extLst>
+              <a:ext uri="{FF2B5EF4-FFF2-40B4-BE49-F238E27FC236}">
+                <a16:creationId xmlns:a16="http://schemas.microsoft.com/office/drawing/2014/main" id="{4398EB41-E844-AC49-8C8F-94E761AA5F54}"/>
+              </a:ext>
+            </a:extLst>
+          </p:cNvPr>
+          <p:cNvSpPr txBox="1"/>
+          <p:nvPr/>
+        </p:nvSpPr>
+        <p:spPr>
+          <a:xfrm>
+            <a:off x="7432929" y="161454"/>
+            <a:ext cx="2090928" cy="276999"/>
+          </a:xfrm>
+          <a:prstGeom prst="rect">
+            <a:avLst/>
+          </a:prstGeom>
+          <a:noFill/>
+        </p:spPr>
+        <p:txBody>
+          <a:bodyPr wrap="square" rtlCol="0">
+            <a:spAutoFit/>
+          </a:bodyPr>
+          <a:lstStyle/>
+          <a:p>
+            <a:pPr algn="ctr"/>
+            <a:r>
+              <a:rPr lang="en-US" sz="1200" dirty="0">
+                <a:solidFill>
+                  <a:schemeClr val="accent2"/>
+                </a:solidFill>
+              </a:rPr>
+              <a:t>tabs-pane</a:t>
+            </a:r>
+            <a:endParaRPr lang="en-SG" sz="1200" dirty="0">
+              <a:solidFill>
+                <a:schemeClr val="accent2"/>
+              </a:solidFill>
+            </a:endParaRPr>
+          </a:p>
+        </p:txBody>
+      </p:sp>
+      <p:sp>
+        <p:nvSpPr>
+          <p:cNvPr id="36" name="Rectangle 35">
+            <a:extLst>
+              <a:ext uri="{FF2B5EF4-FFF2-40B4-BE49-F238E27FC236}">
+                <a16:creationId xmlns:a16="http://schemas.microsoft.com/office/drawing/2014/main" id="{B174F72C-650B-8E44-A379-A24D0DB5B758}"/>
+              </a:ext>
+            </a:extLst>
+          </p:cNvPr>
+          <p:cNvSpPr/>
+          <p:nvPr/>
+        </p:nvSpPr>
+        <p:spPr>
+          <a:xfrm>
+            <a:off x="6140198" y="814386"/>
+            <a:ext cx="4612003" cy="5229225"/>
+          </a:xfrm>
+          <a:prstGeom prst="rect">
+            <a:avLst/>
+          </a:prstGeom>
+          <a:noFill/>
+          <a:ln w="57150" cap="flat" cmpd="sng" algn="ctr">
+            <a:solidFill>
+              <a:schemeClr val="accent2"/>
+            </a:solidFill>
+            <a:prstDash val="solid"/>
+            <a:round/>
+            <a:headEnd type="none" w="med" len="med"/>
+            <a:tailEnd type="none" w="med" len="med"/>
+          </a:ln>
+        </p:spPr>
+        <p:style>
+          <a:lnRef idx="0">
+            <a:scrgbClr r="0" g="0" b="0"/>
+          </a:lnRef>
+          <a:fillRef idx="0">
+            <a:scrgbClr r="0" g="0" b="0"/>
+          </a:fillRef>
+          <a:effectRef idx="0">
+            <a:scrgbClr r="0" g="0" b="0"/>
+          </a:effectRef>
+          <a:fontRef idx="minor">
+            <a:schemeClr val="accent1"/>
+          </a:fontRef>
+        </p:style>
+        <p:txBody>
+          <a:bodyPr rtlCol="0" anchor="ctr"/>
+          <a:lstStyle/>
+          <a:p>
+            <a:pPr algn="ctr"/>
+            <a:endParaRPr lang="en-SG"/>
+          </a:p>
+        </p:txBody>
+      </p:sp>
+      <p:sp>
+        <p:nvSpPr>
+          <p:cNvPr id="40" name="TextBox 39">
+            <a:extLst>
+              <a:ext uri="{FF2B5EF4-FFF2-40B4-BE49-F238E27FC236}">
+                <a16:creationId xmlns:a16="http://schemas.microsoft.com/office/drawing/2014/main" id="{87B6C03F-369B-FC4B-A10B-9B5BFBCEF11A}"/>
+              </a:ext>
+            </a:extLst>
+          </p:cNvPr>
+          <p:cNvSpPr txBox="1"/>
+          <p:nvPr/>
+        </p:nvSpPr>
+        <p:spPr>
+          <a:xfrm>
+            <a:off x="1" y="1185282"/>
+            <a:ext cx="1422854" cy="276999"/>
+          </a:xfrm>
+          <a:prstGeom prst="rect">
+            <a:avLst/>
+          </a:prstGeom>
+          <a:noFill/>
+        </p:spPr>
+        <p:txBody>
+          <a:bodyPr wrap="square" rtlCol="0">
+            <a:spAutoFit/>
+          </a:bodyPr>
+          <a:lstStyle/>
+          <a:p>
+            <a:pPr algn="ctr"/>
+            <a:r>
+              <a:rPr lang="en-US" sz="1200" dirty="0">
+                <a:solidFill>
+                  <a:schemeClr val="accent6"/>
+                </a:solidFill>
+              </a:rPr>
+              <a:t>summary-picker</a:t>
+            </a:r>
+          </a:p>
+        </p:txBody>
+      </p:sp>
+      <p:sp>
+        <p:nvSpPr>
+          <p:cNvPr id="41" name="Rectangle 40">
+            <a:extLst>
+              <a:ext uri="{FF2B5EF4-FFF2-40B4-BE49-F238E27FC236}">
+                <a16:creationId xmlns:a16="http://schemas.microsoft.com/office/drawing/2014/main" id="{24AE4F15-738B-C34D-830A-5AA47285C7ED}"/>
+              </a:ext>
+            </a:extLst>
+          </p:cNvPr>
+          <p:cNvSpPr/>
+          <p:nvPr/>
+        </p:nvSpPr>
+        <p:spPr>
+          <a:xfrm>
+            <a:off x="1674004" y="896446"/>
+            <a:ext cx="4074863" cy="869029"/>
+          </a:xfrm>
+          <a:prstGeom prst="rect">
+            <a:avLst/>
+          </a:prstGeom>
+          <a:noFill/>
+          <a:ln w="12700" cap="flat" cmpd="sng" algn="ctr">
+            <a:solidFill>
+              <a:schemeClr val="accent6"/>
+            </a:solidFill>
+            <a:prstDash val="solid"/>
+            <a:round/>
+            <a:headEnd type="none" w="med" len="med"/>
+            <a:tailEnd type="none" w="med" len="med"/>
+          </a:ln>
+        </p:spPr>
+        <p:style>
+          <a:lnRef idx="0">
+            <a:scrgbClr r="0" g="0" b="0"/>
+          </a:lnRef>
+          <a:fillRef idx="0">
+            <a:scrgbClr r="0" g="0" b="0"/>
+          </a:fillRef>
+          <a:effectRef idx="0">
+            <a:scrgbClr r="0" g="0" b="0"/>
+          </a:effectRef>
+          <a:fontRef idx="minor">
+            <a:schemeClr val="accent6"/>
+          </a:fontRef>
+        </p:style>
+        <p:txBody>
+          <a:bodyPr rtlCol="0" anchor="ctr"/>
+          <a:lstStyle/>
+          <a:p>
+            <a:pPr algn="ctr"/>
+            <a:endParaRPr lang="en-SG"/>
+          </a:p>
+        </p:txBody>
+      </p:sp>
+      <p:sp>
+        <p:nvSpPr>
+          <p:cNvPr id="42" name="Rectangle 41">
+            <a:extLst>
+              <a:ext uri="{FF2B5EF4-FFF2-40B4-BE49-F238E27FC236}">
+                <a16:creationId xmlns:a16="http://schemas.microsoft.com/office/drawing/2014/main" id="{570EA449-180B-9046-8449-8C441F0729CF}"/>
+              </a:ext>
+            </a:extLst>
+          </p:cNvPr>
+          <p:cNvSpPr/>
+          <p:nvPr/>
+        </p:nvSpPr>
+        <p:spPr>
+          <a:xfrm>
+            <a:off x="1484661" y="1950544"/>
+            <a:ext cx="4504352" cy="449190"/>
+          </a:xfrm>
+          <a:prstGeom prst="rect">
+            <a:avLst/>
+          </a:prstGeom>
+          <a:noFill/>
+          <a:ln w="12700" cap="flat" cmpd="sng" algn="ctr">
+            <a:solidFill>
+              <a:srgbClr val="7030A0"/>
+            </a:solidFill>
+            <a:prstDash val="solid"/>
+            <a:round/>
+            <a:headEnd type="none" w="med" len="med"/>
+            <a:tailEnd type="none" w="med" len="med"/>
+          </a:ln>
+        </p:spPr>
+        <p:style>
+          <a:lnRef idx="0">
+            <a:scrgbClr r="0" g="0" b="0"/>
+          </a:lnRef>
+          <a:fillRef idx="0">
+            <a:scrgbClr r="0" g="0" b="0"/>
+          </a:fillRef>
+          <a:effectRef idx="0">
+            <a:scrgbClr r="0" g="0" b="0"/>
+          </a:effectRef>
+          <a:fontRef idx="minor">
+            <a:schemeClr val="accent4"/>
+          </a:fontRef>
+        </p:style>
+        <p:txBody>
+          <a:bodyPr rtlCol="0" anchor="ctr"/>
+          <a:lstStyle/>
+          <a:p>
+            <a:pPr algn="ctr"/>
+            <a:endParaRPr lang="en-SG"/>
+          </a:p>
+        </p:txBody>
+      </p:sp>
+      <p:sp>
+        <p:nvSpPr>
+          <p:cNvPr id="48" name="TextBox 47">
+            <a:extLst>
+              <a:ext uri="{FF2B5EF4-FFF2-40B4-BE49-F238E27FC236}">
+                <a16:creationId xmlns:a16="http://schemas.microsoft.com/office/drawing/2014/main" id="{A77BE544-7145-6949-94AF-AFCE5DA7C7AD}"/>
+              </a:ext>
+            </a:extLst>
+          </p:cNvPr>
+          <p:cNvSpPr txBox="1"/>
+          <p:nvPr/>
+        </p:nvSpPr>
+        <p:spPr>
+          <a:xfrm>
+            <a:off x="-13217" y="2026833"/>
+            <a:ext cx="1202954" cy="276999"/>
+          </a:xfrm>
+          <a:prstGeom prst="rect">
+            <a:avLst/>
+          </a:prstGeom>
+          <a:noFill/>
+        </p:spPr>
+        <p:txBody>
+          <a:bodyPr wrap="square" rtlCol="0">
+            <a:spAutoFit/>
+          </a:bodyPr>
+          <a:lstStyle/>
+          <a:p>
+            <a:pPr algn="ctr"/>
+            <a:r>
+              <a:rPr lang="en-US" sz="1200" dirty="0">
+                <a:solidFill>
+                  <a:srgbClr val="7030A0"/>
+                </a:solidFill>
+              </a:rPr>
               <a:t>summary-chart</a:t>
             </a:r>
-            <a:endParaRPr lang="zh-CN" altLang="en-US" sz="1600" dirty="0"/>
+          </a:p>
+        </p:txBody>
+      </p:sp>
+      <p:sp>
+        <p:nvSpPr>
+          <p:cNvPr id="49" name="Rectangle 48">
+            <a:extLst>
+              <a:ext uri="{FF2B5EF4-FFF2-40B4-BE49-F238E27FC236}">
+                <a16:creationId xmlns:a16="http://schemas.microsoft.com/office/drawing/2014/main" id="{5720B1C7-874B-4E44-A7D1-E44FC02B40B3}"/>
+              </a:ext>
+            </a:extLst>
+          </p:cNvPr>
+          <p:cNvSpPr/>
+          <p:nvPr/>
+        </p:nvSpPr>
+        <p:spPr>
+          <a:xfrm>
+            <a:off x="1501594" y="4826286"/>
+            <a:ext cx="4482462" cy="276999"/>
+          </a:xfrm>
+          <a:prstGeom prst="rect">
+            <a:avLst/>
+          </a:prstGeom>
+          <a:noFill/>
+          <a:ln w="9525" cap="flat" cmpd="sng" algn="ctr">
+            <a:solidFill>
+              <a:schemeClr val="dk1"/>
+            </a:solidFill>
+            <a:prstDash val="solid"/>
+            <a:round/>
+            <a:headEnd type="none" w="med" len="med"/>
+            <a:tailEnd type="none" w="med" len="med"/>
+          </a:ln>
+        </p:spPr>
+        <p:style>
+          <a:lnRef idx="0">
+            <a:scrgbClr r="0" g="0" b="0"/>
+          </a:lnRef>
+          <a:fillRef idx="0">
+            <a:scrgbClr r="0" g="0" b="0"/>
+          </a:fillRef>
+          <a:effectRef idx="0">
+            <a:scrgbClr r="0" g="0" b="0"/>
+          </a:effectRef>
+          <a:fontRef idx="minor">
+            <a:schemeClr val="dk1"/>
+          </a:fontRef>
+        </p:style>
+        <p:txBody>
+          <a:bodyPr rtlCol="0" anchor="ctr"/>
+          <a:lstStyle/>
+          <a:p>
+            <a:pPr algn="ctr"/>
+            <a:endParaRPr lang="en-SG"/>
+          </a:p>
+        </p:txBody>
+      </p:sp>
+      <p:sp>
+        <p:nvSpPr>
+          <p:cNvPr id="51" name="TextBox 50">
+            <a:extLst>
+              <a:ext uri="{FF2B5EF4-FFF2-40B4-BE49-F238E27FC236}">
+                <a16:creationId xmlns:a16="http://schemas.microsoft.com/office/drawing/2014/main" id="{6C2AF7FB-234B-7347-967F-A89B873E0061}"/>
+              </a:ext>
+            </a:extLst>
+          </p:cNvPr>
+          <p:cNvSpPr txBox="1"/>
+          <p:nvPr/>
+        </p:nvSpPr>
+        <p:spPr>
+          <a:xfrm>
+            <a:off x="23285" y="4754389"/>
+            <a:ext cx="1589577" cy="461665"/>
+          </a:xfrm>
+          <a:prstGeom prst="rect">
+            <a:avLst/>
+          </a:prstGeom>
+          <a:noFill/>
+        </p:spPr>
+        <p:txBody>
+          <a:bodyPr wrap="square" rtlCol="0">
+            <a:spAutoFit/>
+          </a:bodyPr>
+          <a:lstStyle/>
+          <a:p>
+            <a:pPr algn="ctr"/>
+            <a:r>
+              <a:rPr lang="en-US" sz="1200" dirty="0"/>
+              <a:t>summary-</a:t>
+            </a:r>
+          </a:p>
+          <a:p>
+            <a:pPr algn="ctr"/>
+            <a:r>
+              <a:rPr lang="en-US" sz="1200" dirty="0"/>
+              <a:t>chart__</a:t>
+            </a:r>
+            <a:r>
+              <a:rPr lang="en-US" sz="1200" dirty="0" err="1"/>
+              <a:t>contrib</a:t>
+            </a:r>
+            <a:endParaRPr lang="en-SG" sz="1200" dirty="0"/>
+          </a:p>
+        </p:txBody>
+      </p:sp>
+      <p:sp>
+        <p:nvSpPr>
+          <p:cNvPr id="59" name="TextBox 58">
+            <a:extLst>
+              <a:ext uri="{FF2B5EF4-FFF2-40B4-BE49-F238E27FC236}">
+                <a16:creationId xmlns:a16="http://schemas.microsoft.com/office/drawing/2014/main" id="{9ED53A0E-FCFE-DE4A-9776-897FDA4E3D8F}"/>
+              </a:ext>
+            </a:extLst>
+          </p:cNvPr>
+          <p:cNvSpPr txBox="1"/>
+          <p:nvPr/>
+        </p:nvSpPr>
+        <p:spPr>
+          <a:xfrm>
+            <a:off x="3232326" y="2828987"/>
+            <a:ext cx="2516973" cy="276999"/>
+          </a:xfrm>
+          <a:prstGeom prst="rect">
+            <a:avLst/>
+          </a:prstGeom>
+          <a:noFill/>
+        </p:spPr>
+        <p:txBody>
+          <a:bodyPr wrap="square" rtlCol="0">
+            <a:spAutoFit/>
+          </a:bodyPr>
+          <a:lstStyle/>
+          <a:p>
+            <a:r>
+              <a:rPr lang="en-US" sz="1200" dirty="0">
+                <a:solidFill>
+                  <a:srgbClr val="FFC000"/>
+                </a:solidFill>
+              </a:rPr>
+              <a:t>summary-</a:t>
+            </a:r>
+            <a:r>
+              <a:rPr lang="en-US" sz="1200" dirty="0" err="1">
+                <a:solidFill>
+                  <a:srgbClr val="FFC000"/>
+                </a:solidFill>
+              </a:rPr>
+              <a:t>chart__ramp__slice</a:t>
+            </a:r>
+            <a:endParaRPr lang="en-SG" sz="1200" dirty="0">
+              <a:solidFill>
+                <a:srgbClr val="FFC000"/>
+              </a:solidFill>
+            </a:endParaRPr>
+          </a:p>
+        </p:txBody>
+      </p:sp>
+      <p:sp>
+        <p:nvSpPr>
+          <p:cNvPr id="60" name="Rectangle 59">
+            <a:extLst>
+              <a:ext uri="{FF2B5EF4-FFF2-40B4-BE49-F238E27FC236}">
+                <a16:creationId xmlns:a16="http://schemas.microsoft.com/office/drawing/2014/main" id="{0FE18B14-A8FF-CA40-9773-69CCCF32CE9A}"/>
+              </a:ext>
+            </a:extLst>
+          </p:cNvPr>
+          <p:cNvSpPr/>
+          <p:nvPr/>
+        </p:nvSpPr>
+        <p:spPr>
+          <a:xfrm>
+            <a:off x="1510797" y="2556435"/>
+            <a:ext cx="4482463" cy="305570"/>
+          </a:xfrm>
+          <a:prstGeom prst="rect">
+            <a:avLst/>
+          </a:prstGeom>
+          <a:noFill/>
+          <a:ln w="12700" cap="flat" cmpd="sng" algn="ctr">
+            <a:solidFill>
+              <a:schemeClr val="accent5"/>
+            </a:solidFill>
+            <a:prstDash val="solid"/>
+            <a:round/>
+            <a:headEnd type="none" w="med" len="med"/>
+            <a:tailEnd type="none" w="med" len="med"/>
+          </a:ln>
+        </p:spPr>
+        <p:style>
+          <a:lnRef idx="0">
+            <a:scrgbClr r="0" g="0" b="0"/>
+          </a:lnRef>
+          <a:fillRef idx="0">
+            <a:scrgbClr r="0" g="0" b="0"/>
+          </a:fillRef>
+          <a:effectRef idx="0">
+            <a:scrgbClr r="0" g="0" b="0"/>
+          </a:effectRef>
+          <a:fontRef idx="minor">
+            <a:schemeClr val="accent4"/>
+          </a:fontRef>
+        </p:style>
+        <p:txBody>
+          <a:bodyPr rtlCol="0" anchor="ctr"/>
+          <a:lstStyle/>
+          <a:p>
+            <a:pPr algn="ctr"/>
+            <a:endParaRPr lang="en-SG" dirty="0">
+              <a:highlight>
+                <a:srgbClr val="FFFF00"/>
+              </a:highlight>
+            </a:endParaRPr>
+          </a:p>
+        </p:txBody>
+      </p:sp>
+      <p:sp>
+        <p:nvSpPr>
+          <p:cNvPr id="62" name="TextBox 61">
+            <a:extLst>
+              <a:ext uri="{FF2B5EF4-FFF2-40B4-BE49-F238E27FC236}">
+                <a16:creationId xmlns:a16="http://schemas.microsoft.com/office/drawing/2014/main" id="{3C528547-1EDA-0344-9C22-58F28B4D7B80}"/>
+              </a:ext>
+            </a:extLst>
+          </p:cNvPr>
+          <p:cNvSpPr txBox="1"/>
+          <p:nvPr/>
+        </p:nvSpPr>
+        <p:spPr>
+          <a:xfrm>
+            <a:off x="0" y="2478387"/>
+            <a:ext cx="1243423" cy="461665"/>
+          </a:xfrm>
+          <a:prstGeom prst="rect">
+            <a:avLst/>
+          </a:prstGeom>
+          <a:noFill/>
+        </p:spPr>
+        <p:txBody>
+          <a:bodyPr wrap="square" rtlCol="0">
+            <a:spAutoFit/>
+          </a:bodyPr>
+          <a:lstStyle/>
+          <a:p>
+            <a:pPr algn="ctr"/>
+            <a:r>
+              <a:rPr lang="en-US" sz="1200" dirty="0">
+                <a:solidFill>
+                  <a:srgbClr val="0070C0"/>
+                </a:solidFill>
+              </a:rPr>
+              <a:t>summary-</a:t>
+            </a:r>
+            <a:r>
+              <a:rPr lang="en-US" sz="1200" dirty="0" err="1">
+                <a:solidFill>
+                  <a:srgbClr val="0070C0"/>
+                </a:solidFill>
+              </a:rPr>
+              <a:t>chart__ramp</a:t>
+            </a:r>
+            <a:endParaRPr lang="en-US" sz="1200" dirty="0">
+              <a:solidFill>
+                <a:srgbClr val="0070C0"/>
+              </a:solidFill>
+            </a:endParaRPr>
+          </a:p>
+        </p:txBody>
+      </p:sp>
+      <p:sp>
+        <p:nvSpPr>
+          <p:cNvPr id="69" name="TextBox 68">
+            <a:extLst>
+              <a:ext uri="{FF2B5EF4-FFF2-40B4-BE49-F238E27FC236}">
+                <a16:creationId xmlns:a16="http://schemas.microsoft.com/office/drawing/2014/main" id="{D26E4E26-EF97-A547-93AF-6C3384E7A51F}"/>
+              </a:ext>
+            </a:extLst>
+          </p:cNvPr>
+          <p:cNvSpPr txBox="1"/>
+          <p:nvPr/>
+        </p:nvSpPr>
+        <p:spPr>
+          <a:xfrm>
+            <a:off x="8697510" y="1792813"/>
+            <a:ext cx="1080151" cy="276999"/>
+          </a:xfrm>
+          <a:prstGeom prst="rect">
+            <a:avLst/>
+          </a:prstGeom>
+          <a:noFill/>
+        </p:spPr>
+        <p:txBody>
+          <a:bodyPr wrap="square" rtlCol="0">
+            <a:spAutoFit/>
+          </a:bodyPr>
+          <a:lstStyle/>
+          <a:p>
+            <a:r>
+              <a:rPr lang="en-US" sz="1200" dirty="0">
+                <a:solidFill>
+                  <a:schemeClr val="accent6">
+                    <a:lumMod val="75000"/>
+                  </a:schemeClr>
+                </a:solidFill>
+              </a:rPr>
+              <a:t>glob filter</a:t>
+            </a:r>
+            <a:endParaRPr lang="en-SG" sz="1200" dirty="0">
+              <a:solidFill>
+                <a:schemeClr val="accent6">
+                  <a:lumMod val="75000"/>
+                </a:schemeClr>
+              </a:solidFill>
+            </a:endParaRPr>
+          </a:p>
+        </p:txBody>
+      </p:sp>
+      <p:sp>
+        <p:nvSpPr>
+          <p:cNvPr id="56" name="Rectangle 55">
+            <a:extLst>
+              <a:ext uri="{FF2B5EF4-FFF2-40B4-BE49-F238E27FC236}">
+                <a16:creationId xmlns:a16="http://schemas.microsoft.com/office/drawing/2014/main" id="{302C24E7-F5CF-7D4F-9162-44F08F19CA6F}"/>
+              </a:ext>
+            </a:extLst>
+          </p:cNvPr>
+          <p:cNvSpPr/>
+          <p:nvPr/>
+        </p:nvSpPr>
+        <p:spPr>
+          <a:xfrm>
+            <a:off x="6191491" y="1835450"/>
+            <a:ext cx="2022818" cy="277000"/>
+          </a:xfrm>
+          <a:prstGeom prst="rect">
+            <a:avLst/>
+          </a:prstGeom>
+          <a:noFill/>
+          <a:ln w="12700" cap="flat" cmpd="sng" algn="ctr">
+            <a:solidFill>
+              <a:schemeClr val="accent6">
+                <a:lumMod val="75000"/>
+              </a:schemeClr>
+            </a:solidFill>
+            <a:prstDash val="solid"/>
+            <a:round/>
+            <a:headEnd type="none" w="med" len="med"/>
+            <a:tailEnd type="none" w="med" len="med"/>
+          </a:ln>
+        </p:spPr>
+        <p:style>
+          <a:lnRef idx="0">
+            <a:scrgbClr r="0" g="0" b="0"/>
+          </a:lnRef>
+          <a:fillRef idx="0">
+            <a:scrgbClr r="0" g="0" b="0"/>
+          </a:fillRef>
+          <a:effectRef idx="0">
+            <a:scrgbClr r="0" g="0" b="0"/>
+          </a:effectRef>
+          <a:fontRef idx="minor">
+            <a:schemeClr val="accent6"/>
+          </a:fontRef>
+        </p:style>
+        <p:txBody>
+          <a:bodyPr rtlCol="0" anchor="ctr"/>
+          <a:lstStyle/>
+          <a:p>
+            <a:pPr algn="ctr"/>
+            <a:endParaRPr lang="en-SG"/>
+          </a:p>
+        </p:txBody>
+      </p:sp>
+      <p:sp>
+        <p:nvSpPr>
+          <p:cNvPr id="64" name="Rectangle 63">
+            <a:extLst>
+              <a:ext uri="{FF2B5EF4-FFF2-40B4-BE49-F238E27FC236}">
+                <a16:creationId xmlns:a16="http://schemas.microsoft.com/office/drawing/2014/main" id="{A2744CE9-0A67-9A43-A9BB-0CF02DB76205}"/>
+              </a:ext>
+            </a:extLst>
+          </p:cNvPr>
+          <p:cNvSpPr/>
+          <p:nvPr/>
+        </p:nvSpPr>
+        <p:spPr>
+          <a:xfrm>
+            <a:off x="6210157" y="3176139"/>
+            <a:ext cx="2516653" cy="217707"/>
+          </a:xfrm>
+          <a:prstGeom prst="rect">
+            <a:avLst/>
+          </a:prstGeom>
+          <a:noFill/>
+          <a:ln w="12700" cap="flat" cmpd="sng" algn="ctr">
+            <a:solidFill>
+              <a:srgbClr val="C00000"/>
+            </a:solidFill>
+            <a:prstDash val="solid"/>
+            <a:round/>
+            <a:headEnd type="none" w="med" len="med"/>
+            <a:tailEnd type="none" w="med" len="med"/>
+          </a:ln>
+        </p:spPr>
+        <p:style>
+          <a:lnRef idx="0">
+            <a:scrgbClr r="0" g="0" b="0"/>
+          </a:lnRef>
+          <a:fillRef idx="0">
+            <a:scrgbClr r="0" g="0" b="0"/>
+          </a:fillRef>
+          <a:effectRef idx="0">
+            <a:scrgbClr r="0" g="0" b="0"/>
+          </a:effectRef>
+          <a:fontRef idx="minor">
+            <a:schemeClr val="accent6"/>
+          </a:fontRef>
+        </p:style>
+        <p:txBody>
+          <a:bodyPr rtlCol="0" anchor="ctr"/>
+          <a:lstStyle/>
+          <a:p>
+            <a:pPr algn="ctr"/>
+            <a:endParaRPr lang="en-SG"/>
+          </a:p>
+        </p:txBody>
+      </p:sp>
+      <p:sp>
+        <p:nvSpPr>
+          <p:cNvPr id="66" name="Rectangle 65">
+            <a:extLst>
+              <a:ext uri="{FF2B5EF4-FFF2-40B4-BE49-F238E27FC236}">
+                <a16:creationId xmlns:a16="http://schemas.microsoft.com/office/drawing/2014/main" id="{C141FFD1-6C95-3144-91D0-6661C4DDF579}"/>
+              </a:ext>
+            </a:extLst>
+          </p:cNvPr>
+          <p:cNvSpPr/>
+          <p:nvPr/>
+        </p:nvSpPr>
+        <p:spPr>
+          <a:xfrm>
+            <a:off x="6186172" y="3133515"/>
+            <a:ext cx="4450097" cy="2217420"/>
+          </a:xfrm>
+          <a:prstGeom prst="rect">
+            <a:avLst/>
+          </a:prstGeom>
+          <a:noFill/>
+          <a:ln w="12700" cap="flat" cmpd="sng" algn="ctr">
+            <a:solidFill>
+              <a:schemeClr val="accent4">
+                <a:lumMod val="50000"/>
+              </a:schemeClr>
+            </a:solidFill>
+            <a:prstDash val="solid"/>
+            <a:round/>
+            <a:headEnd type="none" w="med" len="med"/>
+            <a:tailEnd type="none" w="med" len="med"/>
+          </a:ln>
+        </p:spPr>
+        <p:style>
+          <a:lnRef idx="0">
+            <a:scrgbClr r="0" g="0" b="0"/>
+          </a:lnRef>
+          <a:fillRef idx="0">
+            <a:scrgbClr r="0" g="0" b="0"/>
+          </a:fillRef>
+          <a:effectRef idx="0">
+            <a:scrgbClr r="0" g="0" b="0"/>
+          </a:effectRef>
+          <a:fontRef idx="minor">
+            <a:schemeClr val="accent6"/>
+          </a:fontRef>
+        </p:style>
+        <p:txBody>
+          <a:bodyPr rtlCol="0" anchor="ctr"/>
+          <a:lstStyle/>
+          <a:p>
+            <a:pPr algn="ctr"/>
+            <a:endParaRPr lang="en-SG"/>
           </a:p>
         </p:txBody>
       </p:sp>
       <p:cxnSp>
         <p:nvCxnSpPr>
-          <p:cNvPr id="30" name="直接箭头连接符 29">
-            <a:extLst>
-              <a:ext uri="{FF2B5EF4-FFF2-40B4-BE49-F238E27FC236}">
-                <a16:creationId xmlns:a16="http://schemas.microsoft.com/office/drawing/2014/main" id="{E32F0A57-3030-43BF-ADC0-65784D6DB3BE}"/>
+          <p:cNvPr id="4" name="Straight Arrow Connector 3">
+            <a:extLst>
+              <a:ext uri="{FF2B5EF4-FFF2-40B4-BE49-F238E27FC236}">
+                <a16:creationId xmlns:a16="http://schemas.microsoft.com/office/drawing/2014/main" id="{0E1E9E40-02F3-174C-97DB-3B6E1415124B}"/>
               </a:ext>
             </a:extLst>
           </p:cNvPr>
@@ -3588,78 +4354,41 @@
           <p:nvPr/>
         </p:nvCxnSpPr>
         <p:spPr>
-          <a:xfrm flipH="1">
-            <a:off x="2219081" y="5095039"/>
-            <a:ext cx="621976" cy="325248"/>
+          <a:xfrm>
+            <a:off x="1294354" y="1335408"/>
+            <a:ext cx="352376" cy="0"/>
           </a:xfrm>
           <a:prstGeom prst="straightConnector1">
             <a:avLst/>
           </a:prstGeom>
-          <a:ln w="28575">
+          <a:ln w="12700">
+            <a:solidFill>
+              <a:schemeClr val="accent6"/>
+            </a:solidFill>
             <a:tailEnd type="triangle"/>
           </a:ln>
         </p:spPr>
         <p:style>
           <a:lnRef idx="1">
-            <a:schemeClr val="dk1"/>
+            <a:schemeClr val="accent1"/>
           </a:lnRef>
           <a:fillRef idx="0">
-            <a:schemeClr val="dk1"/>
+            <a:schemeClr val="accent1"/>
           </a:fillRef>
           <a:effectRef idx="0">
-            <a:schemeClr val="dk1"/>
+            <a:schemeClr val="accent1"/>
           </a:effectRef>
           <a:fontRef idx="minor">
             <a:schemeClr val="tx1"/>
           </a:fontRef>
         </p:style>
       </p:cxnSp>
-      <p:sp>
-        <p:nvSpPr>
-          <p:cNvPr id="31" name="文本框 30">
-            <a:extLst>
-              <a:ext uri="{FF2B5EF4-FFF2-40B4-BE49-F238E27FC236}">
-                <a16:creationId xmlns:a16="http://schemas.microsoft.com/office/drawing/2014/main" id="{A6CD96EA-F1F9-4224-A314-6E2FC781E961}"/>
-              </a:ext>
-            </a:extLst>
-          </p:cNvPr>
-          <p:cNvSpPr txBox="1"/>
-          <p:nvPr/>
-        </p:nvSpPr>
-        <p:spPr>
-          <a:xfrm>
-            <a:off x="2841057" y="4906809"/>
-            <a:ext cx="2522736" cy="369332"/>
-          </a:xfrm>
-          <a:prstGeom prst="rect">
-            <a:avLst/>
-          </a:prstGeom>
-          <a:noFill/>
-        </p:spPr>
-        <p:txBody>
-          <a:bodyPr wrap="square" rtlCol="0">
-            <a:spAutoFit/>
-          </a:bodyPr>
-          <a:lstStyle/>
-          <a:p>
-            <a:r>
-              <a:rPr lang="en-US" altLang="zh-CN" dirty="0"/>
-              <a:t>summary-</a:t>
-            </a:r>
-            <a:r>
-              <a:rPr lang="en-US" altLang="zh-CN" dirty="0" err="1"/>
-              <a:t>chart__ramp</a:t>
-            </a:r>
-            <a:endParaRPr lang="zh-CN" altLang="en-US" dirty="0"/>
-          </a:p>
-        </p:txBody>
-      </p:sp>
       <p:cxnSp>
         <p:nvCxnSpPr>
-          <p:cNvPr id="33" name="直接箭头连接符 32">
-            <a:extLst>
-              <a:ext uri="{FF2B5EF4-FFF2-40B4-BE49-F238E27FC236}">
-                <a16:creationId xmlns:a16="http://schemas.microsoft.com/office/drawing/2014/main" id="{E128B1A9-EAAA-45CA-9444-F3F1ABE070EA}"/>
+          <p:cNvPr id="37" name="Straight Arrow Connector 36">
+            <a:extLst>
+              <a:ext uri="{FF2B5EF4-FFF2-40B4-BE49-F238E27FC236}">
+                <a16:creationId xmlns:a16="http://schemas.microsoft.com/office/drawing/2014/main" id="{DEEEF689-CF7E-7149-97BA-3D3957707314}"/>
               </a:ext>
             </a:extLst>
           </p:cNvPr>
@@ -3669,78 +4398,41 @@
           <p:nvPr/>
         </p:nvCxnSpPr>
         <p:spPr>
-          <a:xfrm flipH="1" flipV="1">
-            <a:off x="2898308" y="4188346"/>
-            <a:ext cx="623065" cy="249554"/>
+          <a:xfrm>
+            <a:off x="1068915" y="2178394"/>
+            <a:ext cx="415745" cy="0"/>
           </a:xfrm>
           <a:prstGeom prst="straightConnector1">
             <a:avLst/>
           </a:prstGeom>
-          <a:ln w="28575">
+          <a:ln w="12700">
+            <a:solidFill>
+              <a:srgbClr val="7030A0"/>
+            </a:solidFill>
             <a:tailEnd type="triangle"/>
           </a:ln>
         </p:spPr>
         <p:style>
           <a:lnRef idx="1">
-            <a:schemeClr val="dk1"/>
+            <a:schemeClr val="accent1"/>
           </a:lnRef>
           <a:fillRef idx="0">
-            <a:schemeClr val="dk1"/>
+            <a:schemeClr val="accent1"/>
           </a:fillRef>
           <a:effectRef idx="0">
-            <a:schemeClr val="dk1"/>
+            <a:schemeClr val="accent1"/>
           </a:effectRef>
           <a:fontRef idx="minor">
             <a:schemeClr val="tx1"/>
           </a:fontRef>
         </p:style>
       </p:cxnSp>
-      <p:sp>
-        <p:nvSpPr>
-          <p:cNvPr id="35" name="文本框 34">
-            <a:extLst>
-              <a:ext uri="{FF2B5EF4-FFF2-40B4-BE49-F238E27FC236}">
-                <a16:creationId xmlns:a16="http://schemas.microsoft.com/office/drawing/2014/main" id="{35D1BD6E-5F94-4F43-8079-6CD33DA8515D}"/>
-              </a:ext>
-            </a:extLst>
-          </p:cNvPr>
-          <p:cNvSpPr txBox="1"/>
-          <p:nvPr/>
-        </p:nvSpPr>
-        <p:spPr>
-          <a:xfrm>
-            <a:off x="2841057" y="4352409"/>
-            <a:ext cx="3537747" cy="369332"/>
-          </a:xfrm>
-          <a:prstGeom prst="rect">
-            <a:avLst/>
-          </a:prstGeom>
-          <a:noFill/>
-        </p:spPr>
-        <p:txBody>
-          <a:bodyPr wrap="square" rtlCol="0">
-            <a:spAutoFit/>
-          </a:bodyPr>
-          <a:lstStyle/>
-          <a:p>
-            <a:r>
-              <a:rPr lang="en-US" altLang="zh-CN" dirty="0"/>
-              <a:t>summary-</a:t>
-            </a:r>
-            <a:r>
-              <a:rPr lang="en-US" altLang="zh-CN" dirty="0" err="1"/>
-              <a:t>chart__ramp__slice</a:t>
-            </a:r>
-            <a:endParaRPr lang="zh-CN" altLang="en-US" sz="1400" dirty="0"/>
-          </a:p>
-        </p:txBody>
-      </p:sp>
       <p:cxnSp>
         <p:nvCxnSpPr>
-          <p:cNvPr id="38" name="直接箭头连接符 37">
-            <a:extLst>
-              <a:ext uri="{FF2B5EF4-FFF2-40B4-BE49-F238E27FC236}">
-                <a16:creationId xmlns:a16="http://schemas.microsoft.com/office/drawing/2014/main" id="{0866A2EB-BEED-4C21-A5CB-7F482C925D7D}"/>
+          <p:cNvPr id="38" name="Straight Arrow Connector 37">
+            <a:extLst>
+              <a:ext uri="{FF2B5EF4-FFF2-40B4-BE49-F238E27FC236}">
+                <a16:creationId xmlns:a16="http://schemas.microsoft.com/office/drawing/2014/main" id="{9A9F6241-AC1E-1B48-8BC2-871CFFE15B1E}"/>
               </a:ext>
             </a:extLst>
           </p:cNvPr>
@@ -3750,78 +4442,41 @@
           <p:nvPr/>
         </p:nvCxnSpPr>
         <p:spPr>
-          <a:xfrm flipH="1" flipV="1">
-            <a:off x="2766975" y="3802472"/>
-            <a:ext cx="754398" cy="95995"/>
+          <a:xfrm>
+            <a:off x="1073665" y="2714969"/>
+            <a:ext cx="437970" cy="0"/>
           </a:xfrm>
           <a:prstGeom prst="straightConnector1">
             <a:avLst/>
           </a:prstGeom>
-          <a:ln w="28575">
+          <a:ln w="12700">
+            <a:solidFill>
+              <a:srgbClr val="0070C0"/>
+            </a:solidFill>
             <a:tailEnd type="triangle"/>
           </a:ln>
         </p:spPr>
         <p:style>
           <a:lnRef idx="1">
-            <a:schemeClr val="dk1"/>
+            <a:schemeClr val="accent1"/>
           </a:lnRef>
           <a:fillRef idx="0">
-            <a:schemeClr val="dk1"/>
+            <a:schemeClr val="accent1"/>
           </a:fillRef>
           <a:effectRef idx="0">
-            <a:schemeClr val="dk1"/>
+            <a:schemeClr val="accent1"/>
           </a:effectRef>
           <a:fontRef idx="minor">
             <a:schemeClr val="tx1"/>
           </a:fontRef>
         </p:style>
       </p:cxnSp>
-      <p:sp>
-        <p:nvSpPr>
-          <p:cNvPr id="39" name="文本框 38">
-            <a:extLst>
-              <a:ext uri="{FF2B5EF4-FFF2-40B4-BE49-F238E27FC236}">
-                <a16:creationId xmlns:a16="http://schemas.microsoft.com/office/drawing/2014/main" id="{C0C87854-AB17-4C5B-8C34-55C86ADFFD5A}"/>
-              </a:ext>
-            </a:extLst>
-          </p:cNvPr>
-          <p:cNvSpPr txBox="1"/>
-          <p:nvPr/>
-        </p:nvSpPr>
-        <p:spPr>
-          <a:xfrm>
-            <a:off x="3472062" y="3713801"/>
-            <a:ext cx="3788273" cy="369332"/>
-          </a:xfrm>
-          <a:prstGeom prst="rect">
-            <a:avLst/>
-          </a:prstGeom>
-          <a:noFill/>
-        </p:spPr>
-        <p:txBody>
-          <a:bodyPr wrap="square" rtlCol="0">
-            <a:spAutoFit/>
-          </a:bodyPr>
-          <a:lstStyle/>
-          <a:p>
-            <a:r>
-              <a:rPr lang="en-US" altLang="zh-CN" dirty="0"/>
-              <a:t>summary-chart__</a:t>
-            </a:r>
-            <a:r>
-              <a:rPr lang="en-US" altLang="zh-CN" dirty="0" err="1"/>
-              <a:t>contrib</a:t>
-            </a:r>
-            <a:endParaRPr lang="zh-CN" altLang="en-US" sz="1600" dirty="0"/>
-          </a:p>
-        </p:txBody>
-      </p:sp>
       <p:cxnSp>
         <p:nvCxnSpPr>
-          <p:cNvPr id="44" name="直接箭头连接符 43">
-            <a:extLst>
-              <a:ext uri="{FF2B5EF4-FFF2-40B4-BE49-F238E27FC236}">
-                <a16:creationId xmlns:a16="http://schemas.microsoft.com/office/drawing/2014/main" id="{5AC745B7-A422-4E0C-A7D4-2AE5E9D2CF29}"/>
+          <p:cNvPr id="43" name="Straight Arrow Connector 42">
+            <a:extLst>
+              <a:ext uri="{FF2B5EF4-FFF2-40B4-BE49-F238E27FC236}">
+                <a16:creationId xmlns:a16="http://schemas.microsoft.com/office/drawing/2014/main" id="{984AD6F2-A33B-8148-AEDA-A8EAEFD7DC95}"/>
               </a:ext>
             </a:extLst>
           </p:cNvPr>
@@ -3831,207 +4486,377 @@
           <p:nvPr/>
         </p:nvCxnSpPr>
         <p:spPr>
-          <a:xfrm flipH="1" flipV="1">
-            <a:off x="10373223" y="4537075"/>
-            <a:ext cx="754398" cy="95995"/>
+          <a:xfrm>
+            <a:off x="1181270" y="4957641"/>
+            <a:ext cx="300327" cy="0"/>
           </a:xfrm>
           <a:prstGeom prst="straightConnector1">
             <a:avLst/>
           </a:prstGeom>
-          <a:ln w="28575">
+          <a:ln w="12700">
+            <a:solidFill>
+              <a:schemeClr val="tx1"/>
+            </a:solidFill>
             <a:tailEnd type="triangle"/>
           </a:ln>
         </p:spPr>
         <p:style>
           <a:lnRef idx="1">
-            <a:schemeClr val="dk1"/>
+            <a:schemeClr val="accent1"/>
           </a:lnRef>
           <a:fillRef idx="0">
-            <a:schemeClr val="dk1"/>
+            <a:schemeClr val="accent1"/>
           </a:fillRef>
           <a:effectRef idx="0">
-            <a:schemeClr val="dk1"/>
+            <a:schemeClr val="accent1"/>
           </a:effectRef>
           <a:fontRef idx="minor">
             <a:schemeClr val="tx1"/>
           </a:fontRef>
         </p:style>
       </p:cxnSp>
-      <p:sp>
-        <p:nvSpPr>
-          <p:cNvPr id="45" name="文本框 44">
-            <a:extLst>
-              <a:ext uri="{FF2B5EF4-FFF2-40B4-BE49-F238E27FC236}">
-                <a16:creationId xmlns:a16="http://schemas.microsoft.com/office/drawing/2014/main" id="{A0A1A4A5-828A-4BF9-94DF-CD28CBD612CF}"/>
-              </a:ext>
-            </a:extLst>
-          </p:cNvPr>
-          <p:cNvSpPr txBox="1"/>
-          <p:nvPr/>
-        </p:nvSpPr>
-        <p:spPr>
-          <a:xfrm>
-            <a:off x="11114306" y="4427216"/>
-            <a:ext cx="550952" cy="369332"/>
-          </a:xfrm>
-          <a:prstGeom prst="rect">
-            <a:avLst/>
-          </a:prstGeom>
-          <a:noFill/>
-        </p:spPr>
-        <p:txBody>
-          <a:bodyPr wrap="square" rtlCol="0">
-            <a:spAutoFit/>
-          </a:bodyPr>
-          <a:lstStyle/>
-          <a:p>
-            <a:r>
-              <a:rPr lang="en-US" altLang="zh-CN" dirty="0"/>
-              <a:t>file</a:t>
-            </a:r>
-            <a:endParaRPr lang="zh-CN" altLang="en-US" sz="1600" dirty="0"/>
-          </a:p>
-        </p:txBody>
-      </p:sp>
       <p:cxnSp>
         <p:nvCxnSpPr>
-          <p:cNvPr id="46" name="直接箭头连接符 45">
-            <a:extLst>
-              <a:ext uri="{FF2B5EF4-FFF2-40B4-BE49-F238E27FC236}">
-                <a16:creationId xmlns:a16="http://schemas.microsoft.com/office/drawing/2014/main" id="{3B381D0C-8056-4A23-A73C-A4BC566D0643}"/>
-              </a:ext>
-            </a:extLst>
-          </p:cNvPr>
-          <p:cNvCxnSpPr>
-            <a:cxnSpLocks/>
-          </p:cNvCxnSpPr>
+          <p:cNvPr id="10" name="Straight Arrow Connector 9">
+            <a:extLst>
+              <a:ext uri="{FF2B5EF4-FFF2-40B4-BE49-F238E27FC236}">
+                <a16:creationId xmlns:a16="http://schemas.microsoft.com/office/drawing/2014/main" id="{B3FA0071-1F3A-2C42-AE98-70438B56D7BF}"/>
+              </a:ext>
+            </a:extLst>
+          </p:cNvPr>
+          <p:cNvCxnSpPr/>
           <p:nvPr/>
         </p:nvCxnSpPr>
         <p:spPr>
-          <a:xfrm flipH="1">
-            <a:off x="8740270" y="2146335"/>
-            <a:ext cx="743681" cy="1"/>
+          <a:xfrm>
+            <a:off x="3771899" y="483476"/>
+            <a:ext cx="0" cy="312842"/>
           </a:xfrm>
           <a:prstGeom prst="straightConnector1">
             <a:avLst/>
           </a:prstGeom>
-          <a:ln w="28575">
+          <a:ln w="12700">
             <a:tailEnd type="triangle"/>
           </a:ln>
         </p:spPr>
         <p:style>
           <a:lnRef idx="1">
-            <a:schemeClr val="dk1"/>
+            <a:schemeClr val="accent1"/>
           </a:lnRef>
           <a:fillRef idx="0">
-            <a:schemeClr val="dk1"/>
+            <a:schemeClr val="accent1"/>
           </a:fillRef>
           <a:effectRef idx="0">
-            <a:schemeClr val="dk1"/>
+            <a:schemeClr val="accent1"/>
           </a:effectRef>
           <a:fontRef idx="minor">
             <a:schemeClr val="tx1"/>
           </a:fontRef>
         </p:style>
       </p:cxnSp>
-      <p:sp>
-        <p:nvSpPr>
-          <p:cNvPr id="47" name="文本框 46">
-            <a:extLst>
-              <a:ext uri="{FF2B5EF4-FFF2-40B4-BE49-F238E27FC236}">
-                <a16:creationId xmlns:a16="http://schemas.microsoft.com/office/drawing/2014/main" id="{8A40C309-DFD1-4333-84EB-9117C609942E}"/>
-              </a:ext>
-            </a:extLst>
-          </p:cNvPr>
-          <p:cNvSpPr txBox="1"/>
-          <p:nvPr/>
-        </p:nvSpPr>
-        <p:spPr>
-          <a:xfrm>
-            <a:off x="9483951" y="1977058"/>
-            <a:ext cx="646691" cy="338554"/>
-          </a:xfrm>
-          <a:prstGeom prst="rect">
-            <a:avLst/>
-          </a:prstGeom>
-          <a:noFill/>
-        </p:spPr>
-        <p:txBody>
-          <a:bodyPr wrap="square" rtlCol="0">
-            <a:spAutoFit/>
-          </a:bodyPr>
-          <a:lstStyle/>
-          <a:p>
-            <a:r>
-              <a:rPr lang="en-US" altLang="zh-CN" sz="1600" dirty="0"/>
-              <a:t>title</a:t>
-            </a:r>
-            <a:endParaRPr lang="zh-CN" altLang="en-US" sz="1600" dirty="0"/>
-          </a:p>
-        </p:txBody>
-      </p:sp>
       <p:cxnSp>
         <p:nvCxnSpPr>
-          <p:cNvPr id="22" name="直接箭头连接符 45">
-            <a:extLst>
-              <a:ext uri="{FF2B5EF4-FFF2-40B4-BE49-F238E27FC236}">
-                <a16:creationId xmlns:a16="http://schemas.microsoft.com/office/drawing/2014/main" id="{6277504A-AF5B-AE43-8282-3FC382F853CA}"/>
-              </a:ext>
-            </a:extLst>
-          </p:cNvPr>
-          <p:cNvCxnSpPr>
-            <a:cxnSpLocks/>
-          </p:cNvCxnSpPr>
+          <p:cNvPr id="50" name="Straight Arrow Connector 49">
+            <a:extLst>
+              <a:ext uri="{FF2B5EF4-FFF2-40B4-BE49-F238E27FC236}">
+                <a16:creationId xmlns:a16="http://schemas.microsoft.com/office/drawing/2014/main" id="{F20E8FC5-C665-144F-B0BB-107E10758C59}"/>
+              </a:ext>
+            </a:extLst>
+          </p:cNvPr>
+          <p:cNvCxnSpPr/>
           <p:nvPr/>
         </p:nvCxnSpPr>
         <p:spPr>
-          <a:xfrm flipH="1">
-            <a:off x="8368429" y="1778237"/>
-            <a:ext cx="743681" cy="1"/>
+          <a:xfrm>
+            <a:off x="8458331" y="465408"/>
+            <a:ext cx="0" cy="312842"/>
           </a:xfrm>
           <a:prstGeom prst="straightConnector1">
             <a:avLst/>
           </a:prstGeom>
-          <a:ln w="28575">
+          <a:ln w="12700">
+            <a:solidFill>
+              <a:schemeClr val="accent2"/>
+            </a:solidFill>
             <a:tailEnd type="triangle"/>
           </a:ln>
         </p:spPr>
         <p:style>
           <a:lnRef idx="1">
-            <a:schemeClr val="dk1"/>
+            <a:schemeClr val="accent1"/>
           </a:lnRef>
           <a:fillRef idx="0">
-            <a:schemeClr val="dk1"/>
+            <a:schemeClr val="accent1"/>
           </a:fillRef>
           <a:effectRef idx="0">
-            <a:schemeClr val="dk1"/>
+            <a:schemeClr val="accent1"/>
           </a:effectRef>
           <a:fontRef idx="minor">
             <a:schemeClr val="tx1"/>
           </a:fontRef>
         </p:style>
       </p:cxnSp>
-      <p:sp>
-        <p:nvSpPr>
-          <p:cNvPr id="23" name="文本框 46">
-            <a:extLst>
-              <a:ext uri="{FF2B5EF4-FFF2-40B4-BE49-F238E27FC236}">
-                <a16:creationId xmlns:a16="http://schemas.microsoft.com/office/drawing/2014/main" id="{E9E7343E-077D-3B43-92A7-61FB56C09A47}"/>
-              </a:ext>
-            </a:extLst>
-          </p:cNvPr>
-          <p:cNvSpPr txBox="1"/>
+      <p:cxnSp>
+        <p:nvCxnSpPr>
+          <p:cNvPr id="55" name="Straight Arrow Connector 54">
+            <a:extLst>
+              <a:ext uri="{FF2B5EF4-FFF2-40B4-BE49-F238E27FC236}">
+                <a16:creationId xmlns:a16="http://schemas.microsoft.com/office/drawing/2014/main" id="{39E59FD8-6ED7-DE42-8608-75F1F9A40F07}"/>
+              </a:ext>
+            </a:extLst>
+          </p:cNvPr>
+          <p:cNvCxnSpPr>
+            <a:cxnSpLocks/>
+          </p:cNvCxnSpPr>
           <p:nvPr/>
-        </p:nvSpPr>
+        </p:nvCxnSpPr>
+        <p:spPr>
+          <a:xfrm flipH="1">
+            <a:off x="8272308" y="1944170"/>
+            <a:ext cx="436773" cy="0"/>
+          </a:xfrm>
+          <a:prstGeom prst="straightConnector1">
+            <a:avLst/>
+          </a:prstGeom>
+          <a:ln w="12700">
+            <a:solidFill>
+              <a:schemeClr val="accent6">
+                <a:lumMod val="75000"/>
+              </a:schemeClr>
+            </a:solidFill>
+            <a:tailEnd type="triangle"/>
+          </a:ln>
+        </p:spPr>
+        <p:style>
+          <a:lnRef idx="1">
+            <a:schemeClr val="accent1"/>
+          </a:lnRef>
+          <a:fillRef idx="0">
+            <a:schemeClr val="accent1"/>
+          </a:fillRef>
+          <a:effectRef idx="0">
+            <a:schemeClr val="accent1"/>
+          </a:effectRef>
+          <a:fontRef idx="minor">
+            <a:schemeClr val="tx1"/>
+          </a:fontRef>
+        </p:style>
+      </p:cxnSp>
+      <p:cxnSp>
+        <p:nvCxnSpPr>
+          <p:cNvPr id="58" name="Straight Arrow Connector 57">
+            <a:extLst>
+              <a:ext uri="{FF2B5EF4-FFF2-40B4-BE49-F238E27FC236}">
+                <a16:creationId xmlns:a16="http://schemas.microsoft.com/office/drawing/2014/main" id="{AFA0DA7C-E4AB-7640-B648-6DBC87E6B30F}"/>
+              </a:ext>
+            </a:extLst>
+          </p:cNvPr>
+          <p:cNvCxnSpPr>
+            <a:cxnSpLocks/>
+          </p:cNvCxnSpPr>
+          <p:nvPr/>
+        </p:nvCxnSpPr>
+        <p:spPr>
+          <a:xfrm flipH="1">
+            <a:off x="8757812" y="3280581"/>
+            <a:ext cx="436773" cy="0"/>
+          </a:xfrm>
+          <a:prstGeom prst="straightConnector1">
+            <a:avLst/>
+          </a:prstGeom>
+          <a:ln w="12700">
+            <a:solidFill>
+              <a:srgbClr val="C00000"/>
+            </a:solidFill>
+            <a:tailEnd type="triangle"/>
+          </a:ln>
+        </p:spPr>
+        <p:style>
+          <a:lnRef idx="1">
+            <a:schemeClr val="accent1"/>
+          </a:lnRef>
+          <a:fillRef idx="0">
+            <a:schemeClr val="accent1"/>
+          </a:fillRef>
+          <a:effectRef idx="0">
+            <a:schemeClr val="accent1"/>
+          </a:effectRef>
+          <a:fontRef idx="minor">
+            <a:schemeClr val="tx1"/>
+          </a:fontRef>
+        </p:style>
+      </p:cxnSp>
+      <p:cxnSp>
+        <p:nvCxnSpPr>
+          <p:cNvPr id="61" name="Straight Arrow Connector 60">
+            <a:extLst>
+              <a:ext uri="{FF2B5EF4-FFF2-40B4-BE49-F238E27FC236}">
+                <a16:creationId xmlns:a16="http://schemas.microsoft.com/office/drawing/2014/main" id="{B3CB679E-8205-8D4E-8605-4305DBA22290}"/>
+              </a:ext>
+            </a:extLst>
+          </p:cNvPr>
+          <p:cNvCxnSpPr>
+            <a:cxnSpLocks/>
+          </p:cNvCxnSpPr>
+          <p:nvPr/>
+        </p:nvCxnSpPr>
+        <p:spPr>
+          <a:xfrm flipH="1" flipV="1">
+            <a:off x="10667719" y="4260483"/>
+            <a:ext cx="318046" cy="4392"/>
+          </a:xfrm>
+          <a:prstGeom prst="straightConnector1">
+            <a:avLst/>
+          </a:prstGeom>
+          <a:ln w="12700">
+            <a:solidFill>
+              <a:schemeClr val="accent4">
+                <a:lumMod val="50000"/>
+              </a:schemeClr>
+            </a:solidFill>
+            <a:tailEnd type="triangle"/>
+          </a:ln>
+        </p:spPr>
+        <p:style>
+          <a:lnRef idx="1">
+            <a:schemeClr val="accent1"/>
+          </a:lnRef>
+          <a:fillRef idx="0">
+            <a:schemeClr val="accent1"/>
+          </a:fillRef>
+          <a:effectRef idx="0">
+            <a:schemeClr val="accent1"/>
+          </a:effectRef>
+          <a:fontRef idx="minor">
+            <a:schemeClr val="tx1"/>
+          </a:fontRef>
+        </p:style>
+      </p:cxnSp>
+      <p:cxnSp>
+        <p:nvCxnSpPr>
+          <p:cNvPr id="63" name="Straight Arrow Connector 62">
+            <a:extLst>
+              <a:ext uri="{FF2B5EF4-FFF2-40B4-BE49-F238E27FC236}">
+                <a16:creationId xmlns:a16="http://schemas.microsoft.com/office/drawing/2014/main" id="{510B956D-D846-A649-B354-69624F72C304}"/>
+              </a:ext>
+            </a:extLst>
+          </p:cNvPr>
+          <p:cNvCxnSpPr>
+            <a:cxnSpLocks/>
+          </p:cNvCxnSpPr>
+          <p:nvPr/>
+        </p:nvCxnSpPr>
         <p:spPr>
           <a:xfrm>
-            <a:off x="9112110" y="1593572"/>
-            <a:ext cx="1111828" cy="338554"/>
+            <a:off x="4284891" y="3125047"/>
+            <a:ext cx="0" cy="429266"/>
+          </a:xfrm>
+          <a:prstGeom prst="straightConnector1">
+            <a:avLst/>
+          </a:prstGeom>
+          <a:ln w="12700">
+            <a:solidFill>
+              <a:schemeClr val="accent4"/>
+            </a:solidFill>
+            <a:tailEnd type="triangle"/>
+          </a:ln>
+        </p:spPr>
+        <p:style>
+          <a:lnRef idx="1">
+            <a:schemeClr val="accent1"/>
+          </a:lnRef>
+          <a:fillRef idx="0">
+            <a:schemeClr val="accent1"/>
+          </a:fillRef>
+          <a:effectRef idx="0">
+            <a:schemeClr val="accent1"/>
+          </a:effectRef>
+          <a:fontRef idx="minor">
+            <a:schemeClr val="tx1"/>
+          </a:fontRef>
+        </p:style>
+      </p:cxnSp>
+      <p:sp>
+        <p:nvSpPr>
+          <p:cNvPr id="39" name="Rectangle 38">
+            <a:extLst>
+              <a:ext uri="{FF2B5EF4-FFF2-40B4-BE49-F238E27FC236}">
+                <a16:creationId xmlns:a16="http://schemas.microsoft.com/office/drawing/2014/main" id="{F1DC792B-BA68-E146-9640-3B9BBA3D37BF}"/>
+              </a:ext>
+            </a:extLst>
+          </p:cNvPr>
+          <p:cNvSpPr/>
+          <p:nvPr/>
+        </p:nvSpPr>
+        <p:spPr>
+          <a:xfrm>
+            <a:off x="6228509" y="3429000"/>
+            <a:ext cx="4354826" cy="1584566"/>
           </a:xfrm>
           <a:prstGeom prst="rect">
             <a:avLst/>
           </a:prstGeom>
           <a:noFill/>
+          <a:ln w="12700" cap="flat" cmpd="sng" algn="ctr">
+            <a:solidFill>
+              <a:schemeClr val="accent2">
+                <a:lumMod val="60000"/>
+                <a:lumOff val="40000"/>
+              </a:schemeClr>
+            </a:solidFill>
+            <a:prstDash val="solid"/>
+            <a:round/>
+            <a:headEnd type="none" w="med" len="med"/>
+            <a:tailEnd type="none" w="med" len="med"/>
+          </a:ln>
+        </p:spPr>
+        <p:style>
+          <a:lnRef idx="0">
+            <a:scrgbClr r="0" g="0" b="0"/>
+          </a:lnRef>
+          <a:fillRef idx="0">
+            <a:scrgbClr r="0" g="0" b="0"/>
+          </a:fillRef>
+          <a:effectRef idx="0">
+            <a:scrgbClr r="0" g="0" b="0"/>
+          </a:effectRef>
+          <a:fontRef idx="minor">
+            <a:schemeClr val="accent6"/>
+          </a:fontRef>
+        </p:style>
+        <p:txBody>
+          <a:bodyPr rtlCol="0" anchor="ctr"/>
+          <a:lstStyle/>
+          <a:p>
+            <a:pPr algn="ctr"/>
+            <a:endParaRPr lang="en-SG"/>
+          </a:p>
+        </p:txBody>
+      </p:sp>
+      <p:sp>
+        <p:nvSpPr>
+          <p:cNvPr id="44" name="文本框 44">
+            <a:extLst>
+              <a:ext uri="{FF2B5EF4-FFF2-40B4-BE49-F238E27FC236}">
+                <a16:creationId xmlns:a16="http://schemas.microsoft.com/office/drawing/2014/main" id="{A899A3DB-A0EF-A042-8009-CDA2C0E753A2}"/>
+              </a:ext>
+            </a:extLst>
+          </p:cNvPr>
+          <p:cNvSpPr txBox="1"/>
+          <p:nvPr/>
+        </p:nvSpPr>
+        <p:spPr>
+          <a:xfrm>
+            <a:off x="10895046" y="3703036"/>
+            <a:ext cx="936735" cy="276999"/>
+          </a:xfrm>
+          <a:prstGeom prst="rect">
+            <a:avLst/>
+          </a:prstGeom>
+          <a:noFill/>
+          <a:ln>
+            <a:noFill/>
+          </a:ln>
         </p:spPr>
         <p:txBody>
           <a:bodyPr wrap="square" rtlCol="0">
@@ -4040,13 +4865,74 @@
           <a:lstStyle/>
           <a:p>
             <a:r>
-              <a:rPr lang="en-US" altLang="zh-CN" sz="1600" dirty="0"/>
-              <a:t>glob filter</a:t>
-            </a:r>
-            <a:endParaRPr lang="zh-CN" altLang="en-US" sz="1600" dirty="0"/>
-          </a:p>
-        </p:txBody>
-      </p:sp>
+              <a:rPr lang="en-US" altLang="zh-CN" sz="1200" dirty="0">
+                <a:solidFill>
+                  <a:schemeClr val="accent2">
+                    <a:lumMod val="60000"/>
+                    <a:lumOff val="40000"/>
+                  </a:schemeClr>
+                </a:solidFill>
+              </a:rPr>
+              <a:t>segment</a:t>
+            </a:r>
+            <a:endParaRPr lang="zh-CN" altLang="en-US" sz="1200" dirty="0">
+              <a:solidFill>
+                <a:schemeClr val="accent2">
+                  <a:lumMod val="60000"/>
+                  <a:lumOff val="40000"/>
+                </a:schemeClr>
+              </a:solidFill>
+            </a:endParaRPr>
+          </a:p>
+        </p:txBody>
+      </p:sp>
+      <p:cxnSp>
+        <p:nvCxnSpPr>
+          <p:cNvPr id="46" name="Straight Arrow Connector 45">
+            <a:extLst>
+              <a:ext uri="{FF2B5EF4-FFF2-40B4-BE49-F238E27FC236}">
+                <a16:creationId xmlns:a16="http://schemas.microsoft.com/office/drawing/2014/main" id="{BE7BD8BB-4C1B-DB44-A439-079C150A181C}"/>
+              </a:ext>
+            </a:extLst>
+          </p:cNvPr>
+          <p:cNvCxnSpPr>
+            <a:cxnSpLocks/>
+          </p:cNvCxnSpPr>
+          <p:nvPr/>
+        </p:nvCxnSpPr>
+        <p:spPr>
+          <a:xfrm flipH="1" flipV="1">
+            <a:off x="10591515" y="3862545"/>
+            <a:ext cx="318046" cy="4392"/>
+          </a:xfrm>
+          <a:prstGeom prst="straightConnector1">
+            <a:avLst/>
+          </a:prstGeom>
+          <a:ln w="12700">
+            <a:solidFill>
+              <a:schemeClr val="accent2">
+                <a:lumMod val="60000"/>
+                <a:lumOff val="40000"/>
+              </a:schemeClr>
+            </a:solidFill>
+            <a:tailEnd type="triangle"/>
+          </a:ln>
+        </p:spPr>
+        <p:style>
+          <a:lnRef idx="1">
+            <a:schemeClr val="accent1"/>
+          </a:lnRef>
+          <a:fillRef idx="0">
+            <a:schemeClr val="accent1"/>
+          </a:fillRef>
+          <a:effectRef idx="0">
+            <a:schemeClr val="accent1"/>
+          </a:effectRef>
+          <a:fontRef idx="minor">
+            <a:schemeClr val="tx1"/>
+          </a:fontRef>
+        </p:style>
+      </p:cxnSp>
     </p:spTree>
     <p:extLst>
       <p:ext uri="{BB962C8B-B14F-4D97-AF65-F5344CB8AC3E}">

--- a/docs/diagrams/report-summary.pptx
+++ b/docs/diagrams/report-summary.pptx
@@ -5,7 +5,7 @@
     <p:sldMasterId id="2147483648" r:id="rId1"/>
   </p:sldMasterIdLst>
   <p:sldIdLst>
-    <p:sldId id="256" r:id="rId2"/>
+    <p:sldId id="257" r:id="rId2"/>
   </p:sldIdLst>
   <p:sldSz cx="12192000" cy="6858000"/>
   <p:notesSz cx="6858000" cy="9144000"/>
@@ -261,7 +261,7 @@
           <a:p>
             <a:fld id="{D5F4EE06-143D-4C2F-8831-1CDA21FFE47B}" type="datetimeFigureOut">
               <a:rPr lang="en-SG" smtClean="0"/>
-              <a:t>22/7/19</a:t>
+              <a:t>30/7/2019</a:t>
             </a:fld>
             <a:endParaRPr lang="en-SG"/>
           </a:p>
@@ -461,7 +461,7 @@
           <a:p>
             <a:fld id="{D5F4EE06-143D-4C2F-8831-1CDA21FFE47B}" type="datetimeFigureOut">
               <a:rPr lang="en-SG" smtClean="0"/>
-              <a:t>22/7/19</a:t>
+              <a:t>30/7/2019</a:t>
             </a:fld>
             <a:endParaRPr lang="en-SG"/>
           </a:p>
@@ -671,7 +671,7 @@
           <a:p>
             <a:fld id="{D5F4EE06-143D-4C2F-8831-1CDA21FFE47B}" type="datetimeFigureOut">
               <a:rPr lang="en-SG" smtClean="0"/>
-              <a:t>22/7/19</a:t>
+              <a:t>30/7/2019</a:t>
             </a:fld>
             <a:endParaRPr lang="en-SG"/>
           </a:p>
@@ -871,7 +871,7 @@
           <a:p>
             <a:fld id="{D5F4EE06-143D-4C2F-8831-1CDA21FFE47B}" type="datetimeFigureOut">
               <a:rPr lang="en-SG" smtClean="0"/>
-              <a:t>22/7/19</a:t>
+              <a:t>30/7/2019</a:t>
             </a:fld>
             <a:endParaRPr lang="en-SG"/>
           </a:p>
@@ -1147,7 +1147,7 @@
           <a:p>
             <a:fld id="{D5F4EE06-143D-4C2F-8831-1CDA21FFE47B}" type="datetimeFigureOut">
               <a:rPr lang="en-SG" smtClean="0"/>
-              <a:t>22/7/19</a:t>
+              <a:t>30/7/2019</a:t>
             </a:fld>
             <a:endParaRPr lang="en-SG"/>
           </a:p>
@@ -1415,7 +1415,7 @@
           <a:p>
             <a:fld id="{D5F4EE06-143D-4C2F-8831-1CDA21FFE47B}" type="datetimeFigureOut">
               <a:rPr lang="en-SG" smtClean="0"/>
-              <a:t>22/7/19</a:t>
+              <a:t>30/7/2019</a:t>
             </a:fld>
             <a:endParaRPr lang="en-SG"/>
           </a:p>
@@ -1830,7 +1830,7 @@
           <a:p>
             <a:fld id="{D5F4EE06-143D-4C2F-8831-1CDA21FFE47B}" type="datetimeFigureOut">
               <a:rPr lang="en-SG" smtClean="0"/>
-              <a:t>22/7/19</a:t>
+              <a:t>30/7/2019</a:t>
             </a:fld>
             <a:endParaRPr lang="en-SG"/>
           </a:p>
@@ -1972,7 +1972,7 @@
           <a:p>
             <a:fld id="{D5F4EE06-143D-4C2F-8831-1CDA21FFE47B}" type="datetimeFigureOut">
               <a:rPr lang="en-SG" smtClean="0"/>
-              <a:t>22/7/19</a:t>
+              <a:t>30/7/2019</a:t>
             </a:fld>
             <a:endParaRPr lang="en-SG"/>
           </a:p>
@@ -2085,7 +2085,7 @@
           <a:p>
             <a:fld id="{D5F4EE06-143D-4C2F-8831-1CDA21FFE47B}" type="datetimeFigureOut">
               <a:rPr lang="en-SG" smtClean="0"/>
-              <a:t>22/7/19</a:t>
+              <a:t>30/7/2019</a:t>
             </a:fld>
             <a:endParaRPr lang="en-SG"/>
           </a:p>
@@ -2398,7 +2398,7 @@
           <a:p>
             <a:fld id="{D5F4EE06-143D-4C2F-8831-1CDA21FFE47B}" type="datetimeFigureOut">
               <a:rPr lang="en-SG" smtClean="0"/>
-              <a:t>22/7/19</a:t>
+              <a:t>30/7/2019</a:t>
             </a:fld>
             <a:endParaRPr lang="en-SG"/>
           </a:p>
@@ -2687,7 +2687,7 @@
           <a:p>
             <a:fld id="{D5F4EE06-143D-4C2F-8831-1CDA21FFE47B}" type="datetimeFigureOut">
               <a:rPr lang="en-SG" smtClean="0"/>
-              <a:t>22/7/19</a:t>
+              <a:t>30/7/2019</a:t>
             </a:fld>
             <a:endParaRPr lang="en-SG"/>
           </a:p>
@@ -2930,7 +2930,7 @@
           <a:p>
             <a:fld id="{D5F4EE06-143D-4C2F-8831-1CDA21FFE47B}" type="datetimeFigureOut">
               <a:rPr lang="en-SG" smtClean="0"/>
-              <a:t>22/7/19</a:t>
+              <a:t>30/7/2019</a:t>
             </a:fld>
             <a:endParaRPr lang="en-SG"/>
           </a:p>
@@ -3349,10 +3349,10 @@
       </p:grpSpPr>
       <p:pic>
         <p:nvPicPr>
-          <p:cNvPr id="5" name="Picture 4">
-            <a:extLst>
-              <a:ext uri="{FF2B5EF4-FFF2-40B4-BE49-F238E27FC236}">
-                <a16:creationId xmlns:a16="http://schemas.microsoft.com/office/drawing/2014/main" id="{57D8E422-39B9-AD4D-AEBC-CAD2FD032214}"/>
+          <p:cNvPr id="16" name="Picture 15">
+            <a:extLst>
+              <a:ext uri="{FF2B5EF4-FFF2-40B4-BE49-F238E27FC236}">
+                <a16:creationId xmlns:a16="http://schemas.microsoft.com/office/drawing/2014/main" id="{A2D81E3F-A898-460A-BDB1-6F6C963535DF}"/>
               </a:ext>
             </a:extLst>
           </p:cNvPr>
@@ -3369,1574 +3369,1877 @@
         </p:blipFill>
         <p:spPr>
           <a:xfrm>
-            <a:off x="1422855" y="798089"/>
-            <a:ext cx="9317337" cy="5245522"/>
+            <a:off x="1398875" y="818708"/>
+            <a:ext cx="9308464" cy="5236012"/>
           </a:xfrm>
           <a:prstGeom prst="rect">
             <a:avLst/>
           </a:prstGeom>
-          <a:ln w="12700">
-            <a:solidFill>
-              <a:schemeClr val="tx1"/>
-            </a:solidFill>
-          </a:ln>
         </p:spPr>
       </p:pic>
-      <p:sp>
-        <p:nvSpPr>
-          <p:cNvPr id="34" name="Rectangle 33">
-            <a:extLst>
-              <a:ext uri="{FF2B5EF4-FFF2-40B4-BE49-F238E27FC236}">
-                <a16:creationId xmlns:a16="http://schemas.microsoft.com/office/drawing/2014/main" id="{A39783FF-1234-8446-AB32-9380684BB1B3}"/>
-              </a:ext>
-            </a:extLst>
-          </p:cNvPr>
-          <p:cNvSpPr/>
+      <p:grpSp>
+        <p:nvGrpSpPr>
+          <p:cNvPr id="8" name="Group 7">
+            <a:extLst>
+              <a:ext uri="{FF2B5EF4-FFF2-40B4-BE49-F238E27FC236}">
+                <a16:creationId xmlns:a16="http://schemas.microsoft.com/office/drawing/2014/main" id="{5D133CED-5E0F-4C30-8754-1D33D3C5FA63}"/>
+              </a:ext>
+            </a:extLst>
+          </p:cNvPr>
+          <p:cNvGrpSpPr/>
           <p:nvPr/>
-        </p:nvSpPr>
-        <p:spPr>
+        </p:nvGrpSpPr>
+        <p:grpSpPr>
           <a:xfrm>
-            <a:off x="1408787" y="814386"/>
-            <a:ext cx="4643017" cy="5229225"/>
+            <a:off x="-23377" y="2663948"/>
+            <a:ext cx="5993260" cy="461665"/>
+            <a:chOff x="0" y="2478387"/>
+            <a:chExt cx="5993260" cy="461665"/>
           </a:xfrm>
-          <a:prstGeom prst="rect">
-            <a:avLst/>
-          </a:prstGeom>
-          <a:noFill/>
-          <a:ln w="57150" cap="flat" cmpd="sng" algn="ctr">
-            <a:solidFill>
+        </p:grpSpPr>
+        <p:sp>
+          <p:nvSpPr>
+            <p:cNvPr id="60" name="Rectangle 59">
+              <a:extLst>
+                <a:ext uri="{FF2B5EF4-FFF2-40B4-BE49-F238E27FC236}">
+                  <a16:creationId xmlns:a16="http://schemas.microsoft.com/office/drawing/2014/main" id="{0FE18B14-A8FF-CA40-9773-69CCCF32CE9A}"/>
+                </a:ext>
+              </a:extLst>
+            </p:cNvPr>
+            <p:cNvSpPr/>
+            <p:nvPr/>
+          </p:nvSpPr>
+          <p:spPr>
+            <a:xfrm>
+              <a:off x="1510797" y="2556435"/>
+              <a:ext cx="4482463" cy="305570"/>
+            </a:xfrm>
+            <a:prstGeom prst="rect">
+              <a:avLst/>
+            </a:prstGeom>
+            <a:noFill/>
+            <a:ln w="12700" cap="flat" cmpd="sng" algn="ctr">
+              <a:solidFill>
+                <a:schemeClr val="accent5"/>
+              </a:solidFill>
+              <a:prstDash val="solid"/>
+              <a:round/>
+              <a:headEnd type="none" w="med" len="med"/>
+              <a:tailEnd type="none" w="med" len="med"/>
+            </a:ln>
+          </p:spPr>
+          <p:style>
+            <a:lnRef idx="0">
+              <a:scrgbClr r="0" g="0" b="0"/>
+            </a:lnRef>
+            <a:fillRef idx="0">
+              <a:scrgbClr r="0" g="0" b="0"/>
+            </a:fillRef>
+            <a:effectRef idx="0">
+              <a:scrgbClr r="0" g="0" b="0"/>
+            </a:effectRef>
+            <a:fontRef idx="minor">
+              <a:schemeClr val="accent4"/>
+            </a:fontRef>
+          </p:style>
+          <p:txBody>
+            <a:bodyPr rtlCol="0" anchor="ctr"/>
+            <a:lstStyle/>
+            <a:p>
+              <a:pPr algn="ctr"/>
+              <a:endParaRPr lang="en-SG" dirty="0">
+                <a:highlight>
+                  <a:srgbClr val="FFFF00"/>
+                </a:highlight>
+              </a:endParaRPr>
+            </a:p>
+          </p:txBody>
+        </p:sp>
+        <p:sp>
+          <p:nvSpPr>
+            <p:cNvPr id="62" name="TextBox 61">
+              <a:extLst>
+                <a:ext uri="{FF2B5EF4-FFF2-40B4-BE49-F238E27FC236}">
+                  <a16:creationId xmlns:a16="http://schemas.microsoft.com/office/drawing/2014/main" id="{3C528547-1EDA-0344-9C22-58F28B4D7B80}"/>
+                </a:ext>
+              </a:extLst>
+            </p:cNvPr>
+            <p:cNvSpPr txBox="1"/>
+            <p:nvPr/>
+          </p:nvSpPr>
+          <p:spPr>
+            <a:xfrm>
+              <a:off x="0" y="2478387"/>
+              <a:ext cx="1243423" cy="461665"/>
+            </a:xfrm>
+            <a:prstGeom prst="rect">
+              <a:avLst/>
+            </a:prstGeom>
+            <a:noFill/>
+          </p:spPr>
+          <p:txBody>
+            <a:bodyPr wrap="square" rtlCol="0">
+              <a:spAutoFit/>
+            </a:bodyPr>
+            <a:lstStyle/>
+            <a:p>
+              <a:pPr algn="ctr"/>
+              <a:r>
+                <a:rPr lang="en-US" sz="1200" dirty="0">
+                  <a:solidFill>
+                    <a:srgbClr val="0070C0"/>
+                  </a:solidFill>
+                </a:rPr>
+                <a:t>summary-</a:t>
+              </a:r>
+              <a:r>
+                <a:rPr lang="en-US" sz="1200" dirty="0" err="1">
+                  <a:solidFill>
+                    <a:srgbClr val="0070C0"/>
+                  </a:solidFill>
+                </a:rPr>
+                <a:t>chart__ramp</a:t>
+              </a:r>
+              <a:endParaRPr lang="en-US" sz="1200" dirty="0">
+                <a:solidFill>
+                  <a:srgbClr val="0070C0"/>
+                </a:solidFill>
+              </a:endParaRPr>
+            </a:p>
+          </p:txBody>
+        </p:sp>
+        <p:cxnSp>
+          <p:nvCxnSpPr>
+            <p:cNvPr id="38" name="Straight Arrow Connector 37">
+              <a:extLst>
+                <a:ext uri="{FF2B5EF4-FFF2-40B4-BE49-F238E27FC236}">
+                  <a16:creationId xmlns:a16="http://schemas.microsoft.com/office/drawing/2014/main" id="{9A9F6241-AC1E-1B48-8BC2-871CFFE15B1E}"/>
+                </a:ext>
+              </a:extLst>
+            </p:cNvPr>
+            <p:cNvCxnSpPr>
+              <a:cxnSpLocks/>
+            </p:cNvCxnSpPr>
+            <p:nvPr/>
+          </p:nvCxnSpPr>
+          <p:spPr>
+            <a:xfrm>
+              <a:off x="1073665" y="2714969"/>
+              <a:ext cx="437970" cy="0"/>
+            </a:xfrm>
+            <a:prstGeom prst="straightConnector1">
+              <a:avLst/>
+            </a:prstGeom>
+            <a:ln w="12700">
+              <a:solidFill>
+                <a:srgbClr val="0070C0"/>
+              </a:solidFill>
+              <a:tailEnd type="triangle"/>
+            </a:ln>
+          </p:spPr>
+          <p:style>
+            <a:lnRef idx="1">
               <a:schemeClr val="accent1"/>
-            </a:solidFill>
-            <a:prstDash val="solid"/>
-            <a:round/>
-            <a:headEnd type="none" w="med" len="med"/>
-            <a:tailEnd type="none" w="med" len="med"/>
-          </a:ln>
-        </p:spPr>
-        <p:style>
-          <a:lnRef idx="0">
-            <a:scrgbClr r="0" g="0" b="0"/>
-          </a:lnRef>
-          <a:fillRef idx="0">
-            <a:scrgbClr r="0" g="0" b="0"/>
-          </a:fillRef>
-          <a:effectRef idx="0">
-            <a:scrgbClr r="0" g="0" b="0"/>
-          </a:effectRef>
-          <a:fontRef idx="minor">
-            <a:schemeClr val="accent1"/>
-          </a:fontRef>
-        </p:style>
-        <p:txBody>
-          <a:bodyPr rtlCol="0" anchor="ctr"/>
-          <a:lstStyle/>
-          <a:p>
-            <a:pPr algn="ctr"/>
-            <a:endParaRPr lang="en-SG"/>
-          </a:p>
-        </p:txBody>
-      </p:sp>
-      <p:sp>
-        <p:nvSpPr>
-          <p:cNvPr id="45" name="文本框 44">
-            <a:extLst>
-              <a:ext uri="{FF2B5EF4-FFF2-40B4-BE49-F238E27FC236}">
-                <a16:creationId xmlns:a16="http://schemas.microsoft.com/office/drawing/2014/main" id="{A0A1A4A5-828A-4BF9-94DF-CD28CBD612CF}"/>
-              </a:ext>
-            </a:extLst>
-          </p:cNvPr>
-          <p:cNvSpPr txBox="1"/>
+            </a:lnRef>
+            <a:fillRef idx="0">
+              <a:schemeClr val="accent1"/>
+            </a:fillRef>
+            <a:effectRef idx="0">
+              <a:schemeClr val="accent1"/>
+            </a:effectRef>
+            <a:fontRef idx="minor">
+              <a:schemeClr val="tx1"/>
+            </a:fontRef>
+          </p:style>
+        </p:cxnSp>
+      </p:grpSp>
+      <p:grpSp>
+        <p:nvGrpSpPr>
+          <p:cNvPr id="3" name="Group 2">
+            <a:extLst>
+              <a:ext uri="{FF2B5EF4-FFF2-40B4-BE49-F238E27FC236}">
+                <a16:creationId xmlns:a16="http://schemas.microsoft.com/office/drawing/2014/main" id="{11C31F51-CBC3-4351-9FFF-0513C9964E6B}"/>
+              </a:ext>
+            </a:extLst>
+          </p:cNvPr>
+          <p:cNvGrpSpPr/>
           <p:nvPr/>
-        </p:nvSpPr>
-        <p:spPr>
+        </p:nvGrpSpPr>
+        <p:grpSpPr>
           <a:xfrm>
-            <a:off x="10971251" y="4126375"/>
-            <a:ext cx="750332" cy="276999"/>
+            <a:off x="1408787" y="163993"/>
+            <a:ext cx="4643017" cy="5879618"/>
+            <a:chOff x="1408787" y="163993"/>
+            <a:chExt cx="4643017" cy="5879618"/>
           </a:xfrm>
-          <a:prstGeom prst="rect">
-            <a:avLst/>
-          </a:prstGeom>
-          <a:noFill/>
-        </p:spPr>
-        <p:txBody>
-          <a:bodyPr wrap="square" rtlCol="0">
-            <a:spAutoFit/>
-          </a:bodyPr>
-          <a:lstStyle/>
-          <a:p>
-            <a:r>
-              <a:rPr lang="en-US" altLang="zh-CN" sz="1200" dirty="0">
-                <a:solidFill>
-                  <a:schemeClr val="accent4">
-                    <a:lumMod val="75000"/>
-                  </a:schemeClr>
-                </a:solidFill>
-              </a:rPr>
-              <a:t>file</a:t>
-            </a:r>
-            <a:endParaRPr lang="zh-CN" altLang="en-US" sz="1200" dirty="0">
+        </p:grpSpPr>
+        <p:sp>
+          <p:nvSpPr>
+            <p:cNvPr id="34" name="Rectangle 33">
+              <a:extLst>
+                <a:ext uri="{FF2B5EF4-FFF2-40B4-BE49-F238E27FC236}">
+                  <a16:creationId xmlns:a16="http://schemas.microsoft.com/office/drawing/2014/main" id="{A39783FF-1234-8446-AB32-9380684BB1B3}"/>
+                </a:ext>
+              </a:extLst>
+            </p:cNvPr>
+            <p:cNvSpPr/>
+            <p:nvPr/>
+          </p:nvSpPr>
+          <p:spPr>
+            <a:xfrm>
+              <a:off x="1408787" y="814386"/>
+              <a:ext cx="4643017" cy="5229225"/>
+            </a:xfrm>
+            <a:prstGeom prst="rect">
+              <a:avLst/>
+            </a:prstGeom>
+            <a:noFill/>
+            <a:ln w="57150" cap="flat" cmpd="sng" algn="ctr">
               <a:solidFill>
-                <a:schemeClr val="accent4">
-                  <a:lumMod val="75000"/>
-                </a:schemeClr>
+                <a:schemeClr val="accent1"/>
               </a:solidFill>
-            </a:endParaRPr>
-          </a:p>
-        </p:txBody>
-      </p:sp>
-      <p:sp>
-        <p:nvSpPr>
-          <p:cNvPr id="47" name="文本框 46">
-            <a:extLst>
-              <a:ext uri="{FF2B5EF4-FFF2-40B4-BE49-F238E27FC236}">
-                <a16:creationId xmlns:a16="http://schemas.microsoft.com/office/drawing/2014/main" id="{8A40C309-DFD1-4333-84EB-9117C609942E}"/>
-              </a:ext>
-            </a:extLst>
-          </p:cNvPr>
-          <p:cNvSpPr txBox="1"/>
-          <p:nvPr/>
-        </p:nvSpPr>
-        <p:spPr>
-          <a:xfrm>
-            <a:off x="9190215" y="3133527"/>
-            <a:ext cx="849429" cy="276999"/>
-          </a:xfrm>
-          <a:prstGeom prst="rect">
-            <a:avLst/>
-          </a:prstGeom>
-          <a:noFill/>
-        </p:spPr>
-        <p:txBody>
-          <a:bodyPr wrap="square" rtlCol="0">
-            <a:spAutoFit/>
-          </a:bodyPr>
-          <a:lstStyle/>
-          <a:p>
-            <a:r>
-              <a:rPr lang="en-US" altLang="zh-CN" sz="1200" dirty="0">
-                <a:solidFill>
-                  <a:srgbClr val="C00000"/>
-                </a:solidFill>
-              </a:rPr>
-              <a:t>title</a:t>
-            </a:r>
-            <a:endParaRPr lang="zh-CN" altLang="en-US" sz="1200" dirty="0">
-              <a:solidFill>
-                <a:srgbClr val="C00000"/>
-              </a:solidFill>
-            </a:endParaRPr>
-          </a:p>
-        </p:txBody>
-      </p:sp>
-      <p:sp>
-        <p:nvSpPr>
-          <p:cNvPr id="24" name="TextBox 23">
-            <a:extLst>
-              <a:ext uri="{FF2B5EF4-FFF2-40B4-BE49-F238E27FC236}">
-                <a16:creationId xmlns:a16="http://schemas.microsoft.com/office/drawing/2014/main" id="{450BEBC7-C0C7-CF48-95D5-47FDD988DA61}"/>
-              </a:ext>
-            </a:extLst>
-          </p:cNvPr>
-          <p:cNvSpPr txBox="1"/>
-          <p:nvPr/>
-        </p:nvSpPr>
-        <p:spPr>
-          <a:xfrm>
-            <a:off x="2726436" y="163993"/>
-            <a:ext cx="2090928" cy="276999"/>
-          </a:xfrm>
-          <a:prstGeom prst="rect">
-            <a:avLst/>
-          </a:prstGeom>
-          <a:noFill/>
-        </p:spPr>
-        <p:txBody>
-          <a:bodyPr wrap="square" rtlCol="0">
-            <a:spAutoFit/>
-          </a:bodyPr>
-          <a:lstStyle/>
-          <a:p>
-            <a:pPr algn="ctr"/>
-            <a:r>
-              <a:rPr lang="en-US" sz="1200" dirty="0">
+              <a:prstDash val="solid"/>
+              <a:round/>
+              <a:headEnd type="none" w="med" len="med"/>
+              <a:tailEnd type="none" w="med" len="med"/>
+            </a:ln>
+          </p:spPr>
+          <p:style>
+            <a:lnRef idx="0">
+              <a:scrgbClr r="0" g="0" b="0"/>
+            </a:lnRef>
+            <a:fillRef idx="0">
+              <a:scrgbClr r="0" g="0" b="0"/>
+            </a:fillRef>
+            <a:effectRef idx="0">
+              <a:scrgbClr r="0" g="0" b="0"/>
+            </a:effectRef>
+            <a:fontRef idx="minor">
+              <a:schemeClr val="accent1"/>
+            </a:fontRef>
+          </p:style>
+          <p:txBody>
+            <a:bodyPr rtlCol="0" anchor="ctr"/>
+            <a:lstStyle/>
+            <a:p>
+              <a:pPr algn="ctr"/>
+              <a:endParaRPr lang="en-SG"/>
+            </a:p>
+          </p:txBody>
+        </p:sp>
+        <p:sp>
+          <p:nvSpPr>
+            <p:cNvPr id="24" name="TextBox 23">
+              <a:extLst>
+                <a:ext uri="{FF2B5EF4-FFF2-40B4-BE49-F238E27FC236}">
+                  <a16:creationId xmlns:a16="http://schemas.microsoft.com/office/drawing/2014/main" id="{450BEBC7-C0C7-CF48-95D5-47FDD988DA61}"/>
+                </a:ext>
+              </a:extLst>
+            </p:cNvPr>
+            <p:cNvSpPr txBox="1"/>
+            <p:nvPr/>
+          </p:nvSpPr>
+          <p:spPr>
+            <a:xfrm>
+              <a:off x="2726436" y="163993"/>
+              <a:ext cx="2090928" cy="276999"/>
+            </a:xfrm>
+            <a:prstGeom prst="rect">
+              <a:avLst/>
+            </a:prstGeom>
+            <a:noFill/>
+          </p:spPr>
+          <p:txBody>
+            <a:bodyPr wrap="square" rtlCol="0">
+              <a:spAutoFit/>
+            </a:bodyPr>
+            <a:lstStyle/>
+            <a:p>
+              <a:pPr algn="ctr"/>
+              <a:r>
+                <a:rPr lang="en-US" sz="1200" dirty="0">
+                  <a:solidFill>
+                    <a:schemeClr val="accent1"/>
+                  </a:solidFill>
+                </a:rPr>
+                <a:t>summary</a:t>
+              </a:r>
+              <a:endParaRPr lang="en-SG" sz="1200" dirty="0">
                 <a:solidFill>
                   <a:schemeClr val="accent1"/>
                 </a:solidFill>
-              </a:rPr>
-              <a:t>summary</a:t>
-            </a:r>
-            <a:endParaRPr lang="en-SG" sz="1200" dirty="0">
+              </a:endParaRPr>
+            </a:p>
+          </p:txBody>
+        </p:sp>
+        <p:cxnSp>
+          <p:nvCxnSpPr>
+            <p:cNvPr id="10" name="Straight Arrow Connector 9">
+              <a:extLst>
+                <a:ext uri="{FF2B5EF4-FFF2-40B4-BE49-F238E27FC236}">
+                  <a16:creationId xmlns:a16="http://schemas.microsoft.com/office/drawing/2014/main" id="{B3FA0071-1F3A-2C42-AE98-70438B56D7BF}"/>
+                </a:ext>
+              </a:extLst>
+            </p:cNvPr>
+            <p:cNvCxnSpPr/>
+            <p:nvPr/>
+          </p:nvCxnSpPr>
+          <p:spPr>
+            <a:xfrm>
+              <a:off x="3771899" y="483476"/>
+              <a:ext cx="0" cy="312842"/>
+            </a:xfrm>
+            <a:prstGeom prst="straightConnector1">
+              <a:avLst/>
+            </a:prstGeom>
+            <a:ln w="12700">
+              <a:tailEnd type="triangle"/>
+            </a:ln>
+          </p:spPr>
+          <p:style>
+            <a:lnRef idx="1">
+              <a:schemeClr val="accent1"/>
+            </a:lnRef>
+            <a:fillRef idx="0">
+              <a:schemeClr val="accent1"/>
+            </a:fillRef>
+            <a:effectRef idx="0">
+              <a:schemeClr val="accent1"/>
+            </a:effectRef>
+            <a:fontRef idx="minor">
+              <a:schemeClr val="tx1"/>
+            </a:fontRef>
+          </p:style>
+        </p:cxnSp>
+      </p:grpSp>
+      <p:grpSp>
+        <p:nvGrpSpPr>
+          <p:cNvPr id="11" name="Group 10">
+            <a:extLst>
+              <a:ext uri="{FF2B5EF4-FFF2-40B4-BE49-F238E27FC236}">
+                <a16:creationId xmlns:a16="http://schemas.microsoft.com/office/drawing/2014/main" id="{C1F45C8F-B952-411B-87C8-0483AF1159D2}"/>
+              </a:ext>
+            </a:extLst>
+          </p:cNvPr>
+          <p:cNvGrpSpPr/>
+          <p:nvPr/>
+        </p:nvGrpSpPr>
+        <p:grpSpPr>
+          <a:xfrm>
+            <a:off x="-95350" y="3984016"/>
+            <a:ext cx="5986599" cy="461665"/>
+            <a:chOff x="-47215" y="4402230"/>
+            <a:chExt cx="5986599" cy="973524"/>
+          </a:xfrm>
+        </p:grpSpPr>
+        <p:sp>
+          <p:nvSpPr>
+            <p:cNvPr id="49" name="Rectangle 48">
+              <a:extLst>
+                <a:ext uri="{FF2B5EF4-FFF2-40B4-BE49-F238E27FC236}">
+                  <a16:creationId xmlns:a16="http://schemas.microsoft.com/office/drawing/2014/main" id="{5720B1C7-874B-4E44-A7D1-E44FC02B40B3}"/>
+                </a:ext>
+              </a:extLst>
+            </p:cNvPr>
+            <p:cNvSpPr/>
+            <p:nvPr/>
+          </p:nvSpPr>
+          <p:spPr>
+            <a:xfrm>
+              <a:off x="1456922" y="4812267"/>
+              <a:ext cx="4482462" cy="277000"/>
+            </a:xfrm>
+            <a:prstGeom prst="rect">
+              <a:avLst/>
+            </a:prstGeom>
+            <a:noFill/>
+            <a:ln w="9525" cap="flat" cmpd="sng" algn="ctr">
               <a:solidFill>
-                <a:schemeClr val="accent1"/>
+                <a:srgbClr val="FF0000"/>
               </a:solidFill>
-            </a:endParaRPr>
-          </a:p>
-        </p:txBody>
-      </p:sp>
-      <p:sp>
-        <p:nvSpPr>
-          <p:cNvPr id="32" name="TextBox 31">
-            <a:extLst>
-              <a:ext uri="{FF2B5EF4-FFF2-40B4-BE49-F238E27FC236}">
-                <a16:creationId xmlns:a16="http://schemas.microsoft.com/office/drawing/2014/main" id="{4398EB41-E844-AC49-8C8F-94E761AA5F54}"/>
-              </a:ext>
-            </a:extLst>
-          </p:cNvPr>
-          <p:cNvSpPr txBox="1"/>
+              <a:prstDash val="solid"/>
+              <a:round/>
+              <a:headEnd type="none" w="med" len="med"/>
+              <a:tailEnd type="none" w="med" len="med"/>
+            </a:ln>
+          </p:spPr>
+          <p:style>
+            <a:lnRef idx="0">
+              <a:scrgbClr r="0" g="0" b="0"/>
+            </a:lnRef>
+            <a:fillRef idx="0">
+              <a:scrgbClr r="0" g="0" b="0"/>
+            </a:fillRef>
+            <a:effectRef idx="0">
+              <a:scrgbClr r="0" g="0" b="0"/>
+            </a:effectRef>
+            <a:fontRef idx="minor">
+              <a:schemeClr val="dk1"/>
+            </a:fontRef>
+          </p:style>
+          <p:txBody>
+            <a:bodyPr rtlCol="0" anchor="ctr"/>
+            <a:lstStyle/>
+            <a:p>
+              <a:pPr algn="ctr"/>
+              <a:endParaRPr lang="en-SG"/>
+            </a:p>
+          </p:txBody>
+        </p:sp>
+        <p:sp>
+          <p:nvSpPr>
+            <p:cNvPr id="51" name="TextBox 50">
+              <a:extLst>
+                <a:ext uri="{FF2B5EF4-FFF2-40B4-BE49-F238E27FC236}">
+                  <a16:creationId xmlns:a16="http://schemas.microsoft.com/office/drawing/2014/main" id="{6C2AF7FB-234B-7347-967F-A89B873E0061}"/>
+                </a:ext>
+              </a:extLst>
+            </p:cNvPr>
+            <p:cNvSpPr txBox="1"/>
+            <p:nvPr/>
+          </p:nvSpPr>
+          <p:spPr>
+            <a:xfrm>
+              <a:off x="-47215" y="4402230"/>
+              <a:ext cx="1589577" cy="973524"/>
+            </a:xfrm>
+            <a:prstGeom prst="rect">
+              <a:avLst/>
+            </a:prstGeom>
+            <a:noFill/>
+          </p:spPr>
+          <p:txBody>
+            <a:bodyPr wrap="square" rtlCol="0">
+              <a:spAutoFit/>
+            </a:bodyPr>
+            <a:lstStyle/>
+            <a:p>
+              <a:pPr algn="ctr"/>
+              <a:r>
+                <a:rPr lang="en-US" sz="1200" dirty="0">
+                  <a:solidFill>
+                    <a:srgbClr val="FF0000"/>
+                  </a:solidFill>
+                </a:rPr>
+                <a:t>summary-</a:t>
+              </a:r>
+            </a:p>
+            <a:p>
+              <a:pPr algn="ctr"/>
+              <a:r>
+                <a:rPr lang="en-US" sz="1200" dirty="0">
+                  <a:solidFill>
+                    <a:srgbClr val="FF0000"/>
+                  </a:solidFill>
+                </a:rPr>
+                <a:t>chart__</a:t>
+              </a:r>
+              <a:r>
+                <a:rPr lang="en-US" sz="1200" dirty="0" err="1">
+                  <a:solidFill>
+                    <a:srgbClr val="FF0000"/>
+                  </a:solidFill>
+                </a:rPr>
+                <a:t>contrib</a:t>
+              </a:r>
+              <a:endParaRPr lang="en-SG" sz="1200" dirty="0">
+                <a:solidFill>
+                  <a:srgbClr val="FF0000"/>
+                </a:solidFill>
+              </a:endParaRPr>
+            </a:p>
+          </p:txBody>
+        </p:sp>
+        <p:cxnSp>
+          <p:nvCxnSpPr>
+            <p:cNvPr id="43" name="Straight Arrow Connector 42">
+              <a:extLst>
+                <a:ext uri="{FF2B5EF4-FFF2-40B4-BE49-F238E27FC236}">
+                  <a16:creationId xmlns:a16="http://schemas.microsoft.com/office/drawing/2014/main" id="{984AD6F2-A33B-8148-AEDA-A8EAEFD7DC95}"/>
+                </a:ext>
+              </a:extLst>
+            </p:cNvPr>
+            <p:cNvCxnSpPr>
+              <a:cxnSpLocks/>
+            </p:cNvCxnSpPr>
+            <p:nvPr/>
+          </p:nvCxnSpPr>
+          <p:spPr>
+            <a:xfrm>
+              <a:off x="1218350" y="4902561"/>
+              <a:ext cx="300327" cy="0"/>
+            </a:xfrm>
+            <a:prstGeom prst="straightConnector1">
+              <a:avLst/>
+            </a:prstGeom>
+            <a:ln>
+              <a:solidFill>
+                <a:srgbClr val="FF0000"/>
+              </a:solidFill>
+              <a:tailEnd type="triangle"/>
+            </a:ln>
+          </p:spPr>
+          <p:style>
+            <a:lnRef idx="3">
+              <a:schemeClr val="accent2"/>
+            </a:lnRef>
+            <a:fillRef idx="0">
+              <a:schemeClr val="accent2"/>
+            </a:fillRef>
+            <a:effectRef idx="2">
+              <a:schemeClr val="accent2"/>
+            </a:effectRef>
+            <a:fontRef idx="minor">
+              <a:schemeClr val="tx1"/>
+            </a:fontRef>
+          </p:style>
+        </p:cxnSp>
+      </p:grpSp>
+      <p:grpSp>
+        <p:nvGrpSpPr>
+          <p:cNvPr id="12" name="Group 11">
+            <a:extLst>
+              <a:ext uri="{FF2B5EF4-FFF2-40B4-BE49-F238E27FC236}">
+                <a16:creationId xmlns:a16="http://schemas.microsoft.com/office/drawing/2014/main" id="{9576B658-8EEC-4DE6-AB5F-3ECBBE3BA76B}"/>
+              </a:ext>
+            </a:extLst>
+          </p:cNvPr>
+          <p:cNvGrpSpPr/>
           <p:nvPr/>
-        </p:nvSpPr>
-        <p:spPr>
+        </p:nvGrpSpPr>
+        <p:grpSpPr>
           <a:xfrm>
-            <a:off x="7432929" y="161454"/>
-            <a:ext cx="2090928" cy="276999"/>
+            <a:off x="6140198" y="161454"/>
+            <a:ext cx="4612003" cy="5882157"/>
+            <a:chOff x="6140198" y="161454"/>
+            <a:chExt cx="4612003" cy="5882157"/>
           </a:xfrm>
-          <a:prstGeom prst="rect">
-            <a:avLst/>
-          </a:prstGeom>
-          <a:noFill/>
-        </p:spPr>
-        <p:txBody>
-          <a:bodyPr wrap="square" rtlCol="0">
-            <a:spAutoFit/>
-          </a:bodyPr>
-          <a:lstStyle/>
-          <a:p>
-            <a:pPr algn="ctr"/>
-            <a:r>
-              <a:rPr lang="en-US" sz="1200" dirty="0">
+        </p:grpSpPr>
+        <p:sp>
+          <p:nvSpPr>
+            <p:cNvPr id="32" name="TextBox 31">
+              <a:extLst>
+                <a:ext uri="{FF2B5EF4-FFF2-40B4-BE49-F238E27FC236}">
+                  <a16:creationId xmlns:a16="http://schemas.microsoft.com/office/drawing/2014/main" id="{4398EB41-E844-AC49-8C8F-94E761AA5F54}"/>
+                </a:ext>
+              </a:extLst>
+            </p:cNvPr>
+            <p:cNvSpPr txBox="1"/>
+            <p:nvPr/>
+          </p:nvSpPr>
+          <p:spPr>
+            <a:xfrm>
+              <a:off x="7432929" y="161454"/>
+              <a:ext cx="2090928" cy="276999"/>
+            </a:xfrm>
+            <a:prstGeom prst="rect">
+              <a:avLst/>
+            </a:prstGeom>
+            <a:noFill/>
+          </p:spPr>
+          <p:txBody>
+            <a:bodyPr wrap="square" rtlCol="0">
+              <a:spAutoFit/>
+            </a:bodyPr>
+            <a:lstStyle/>
+            <a:p>
+              <a:pPr algn="ctr"/>
+              <a:r>
+                <a:rPr lang="en-US" sz="1200" dirty="0">
+                  <a:solidFill>
+                    <a:schemeClr val="accent2"/>
+                  </a:solidFill>
+                </a:rPr>
+                <a:t>tabs-pane</a:t>
+              </a:r>
+              <a:endParaRPr lang="en-SG" sz="1200" dirty="0">
                 <a:solidFill>
                   <a:schemeClr val="accent2"/>
                 </a:solidFill>
-              </a:rPr>
-              <a:t>tabs-pane</a:t>
-            </a:r>
-            <a:endParaRPr lang="en-SG" sz="1200" dirty="0">
+              </a:endParaRPr>
+            </a:p>
+          </p:txBody>
+        </p:sp>
+        <p:sp>
+          <p:nvSpPr>
+            <p:cNvPr id="36" name="Rectangle 35">
+              <a:extLst>
+                <a:ext uri="{FF2B5EF4-FFF2-40B4-BE49-F238E27FC236}">
+                  <a16:creationId xmlns:a16="http://schemas.microsoft.com/office/drawing/2014/main" id="{B174F72C-650B-8E44-A379-A24D0DB5B758}"/>
+                </a:ext>
+              </a:extLst>
+            </p:cNvPr>
+            <p:cNvSpPr/>
+            <p:nvPr/>
+          </p:nvSpPr>
+          <p:spPr>
+            <a:xfrm>
+              <a:off x="6140198" y="814386"/>
+              <a:ext cx="4612003" cy="5229225"/>
+            </a:xfrm>
+            <a:prstGeom prst="rect">
+              <a:avLst/>
+            </a:prstGeom>
+            <a:noFill/>
+            <a:ln w="57150" cap="flat" cmpd="sng" algn="ctr">
               <a:solidFill>
                 <a:schemeClr val="accent2"/>
               </a:solidFill>
-            </a:endParaRPr>
-          </a:p>
-        </p:txBody>
-      </p:sp>
-      <p:sp>
-        <p:nvSpPr>
-          <p:cNvPr id="36" name="Rectangle 35">
-            <a:extLst>
-              <a:ext uri="{FF2B5EF4-FFF2-40B4-BE49-F238E27FC236}">
-                <a16:creationId xmlns:a16="http://schemas.microsoft.com/office/drawing/2014/main" id="{B174F72C-650B-8E44-A379-A24D0DB5B758}"/>
-              </a:ext>
-            </a:extLst>
-          </p:cNvPr>
-          <p:cNvSpPr/>
+              <a:prstDash val="solid"/>
+              <a:round/>
+              <a:headEnd type="none" w="med" len="med"/>
+              <a:tailEnd type="none" w="med" len="med"/>
+            </a:ln>
+          </p:spPr>
+          <p:style>
+            <a:lnRef idx="0">
+              <a:scrgbClr r="0" g="0" b="0"/>
+            </a:lnRef>
+            <a:fillRef idx="0">
+              <a:scrgbClr r="0" g="0" b="0"/>
+            </a:fillRef>
+            <a:effectRef idx="0">
+              <a:scrgbClr r="0" g="0" b="0"/>
+            </a:effectRef>
+            <a:fontRef idx="minor">
+              <a:schemeClr val="accent1"/>
+            </a:fontRef>
+          </p:style>
+          <p:txBody>
+            <a:bodyPr rtlCol="0" anchor="ctr"/>
+            <a:lstStyle/>
+            <a:p>
+              <a:pPr algn="ctr"/>
+              <a:endParaRPr lang="en-SG"/>
+            </a:p>
+          </p:txBody>
+        </p:sp>
+        <p:cxnSp>
+          <p:nvCxnSpPr>
+            <p:cNvPr id="50" name="Straight Arrow Connector 49">
+              <a:extLst>
+                <a:ext uri="{FF2B5EF4-FFF2-40B4-BE49-F238E27FC236}">
+                  <a16:creationId xmlns:a16="http://schemas.microsoft.com/office/drawing/2014/main" id="{F20E8FC5-C665-144F-B0BB-107E10758C59}"/>
+                </a:ext>
+              </a:extLst>
+            </p:cNvPr>
+            <p:cNvCxnSpPr/>
+            <p:nvPr/>
+          </p:nvCxnSpPr>
+          <p:spPr>
+            <a:xfrm>
+              <a:off x="8458331" y="465408"/>
+              <a:ext cx="0" cy="312842"/>
+            </a:xfrm>
+            <a:prstGeom prst="straightConnector1">
+              <a:avLst/>
+            </a:prstGeom>
+            <a:ln w="12700">
+              <a:solidFill>
+                <a:schemeClr val="accent2"/>
+              </a:solidFill>
+              <a:tailEnd type="triangle"/>
+            </a:ln>
+          </p:spPr>
+          <p:style>
+            <a:lnRef idx="1">
+              <a:schemeClr val="accent1"/>
+            </a:lnRef>
+            <a:fillRef idx="0">
+              <a:schemeClr val="accent1"/>
+            </a:fillRef>
+            <a:effectRef idx="0">
+              <a:schemeClr val="accent1"/>
+            </a:effectRef>
+            <a:fontRef idx="minor">
+              <a:schemeClr val="tx1"/>
+            </a:fontRef>
+          </p:style>
+        </p:cxnSp>
+      </p:grpSp>
+      <p:grpSp>
+        <p:nvGrpSpPr>
+          <p:cNvPr id="20" name="Group 19">
+            <a:extLst>
+              <a:ext uri="{FF2B5EF4-FFF2-40B4-BE49-F238E27FC236}">
+                <a16:creationId xmlns:a16="http://schemas.microsoft.com/office/drawing/2014/main" id="{1136471E-173E-4F19-B82A-29669B7EF3BF}"/>
+              </a:ext>
+            </a:extLst>
+          </p:cNvPr>
+          <p:cNvGrpSpPr/>
           <p:nvPr/>
-        </p:nvSpPr>
-        <p:spPr>
+        </p:nvGrpSpPr>
+        <p:grpSpPr>
           <a:xfrm>
-            <a:off x="6140198" y="814386"/>
-            <a:ext cx="4612003" cy="5229225"/>
+            <a:off x="6318491" y="1940998"/>
+            <a:ext cx="3586170" cy="319637"/>
+            <a:chOff x="6191491" y="1792813"/>
+            <a:chExt cx="3586170" cy="319637"/>
           </a:xfrm>
-          <a:prstGeom prst="rect">
-            <a:avLst/>
-          </a:prstGeom>
-          <a:noFill/>
-          <a:ln w="57150" cap="flat" cmpd="sng" algn="ctr">
-            <a:solidFill>
-              <a:schemeClr val="accent2"/>
-            </a:solidFill>
-            <a:prstDash val="solid"/>
-            <a:round/>
-            <a:headEnd type="none" w="med" len="med"/>
-            <a:tailEnd type="none" w="med" len="med"/>
-          </a:ln>
-        </p:spPr>
-        <p:style>
-          <a:lnRef idx="0">
-            <a:scrgbClr r="0" g="0" b="0"/>
-          </a:lnRef>
-          <a:fillRef idx="0">
-            <a:scrgbClr r="0" g="0" b="0"/>
-          </a:fillRef>
-          <a:effectRef idx="0">
-            <a:scrgbClr r="0" g="0" b="0"/>
-          </a:effectRef>
-          <a:fontRef idx="minor">
-            <a:schemeClr val="accent1"/>
-          </a:fontRef>
-        </p:style>
-        <p:txBody>
-          <a:bodyPr rtlCol="0" anchor="ctr"/>
-          <a:lstStyle/>
-          <a:p>
-            <a:pPr algn="ctr"/>
-            <a:endParaRPr lang="en-SG"/>
-          </a:p>
-        </p:txBody>
-      </p:sp>
-      <p:sp>
-        <p:nvSpPr>
-          <p:cNvPr id="40" name="TextBox 39">
-            <a:extLst>
-              <a:ext uri="{FF2B5EF4-FFF2-40B4-BE49-F238E27FC236}">
-                <a16:creationId xmlns:a16="http://schemas.microsoft.com/office/drawing/2014/main" id="{87B6C03F-369B-FC4B-A10B-9B5BFBCEF11A}"/>
-              </a:ext>
-            </a:extLst>
-          </p:cNvPr>
-          <p:cNvSpPr txBox="1"/>
-          <p:nvPr/>
-        </p:nvSpPr>
-        <p:spPr>
-          <a:xfrm>
-            <a:off x="1" y="1185282"/>
-            <a:ext cx="1422854" cy="276999"/>
-          </a:xfrm>
-          <a:prstGeom prst="rect">
-            <a:avLst/>
-          </a:prstGeom>
-          <a:noFill/>
-        </p:spPr>
-        <p:txBody>
-          <a:bodyPr wrap="square" rtlCol="0">
-            <a:spAutoFit/>
-          </a:bodyPr>
-          <a:lstStyle/>
-          <a:p>
-            <a:pPr algn="ctr"/>
-            <a:r>
-              <a:rPr lang="en-US" sz="1200" dirty="0">
-                <a:solidFill>
-                  <a:schemeClr val="accent6"/>
-                </a:solidFill>
-              </a:rPr>
-              <a:t>summary-picker</a:t>
-            </a:r>
-          </a:p>
-        </p:txBody>
-      </p:sp>
-      <p:sp>
-        <p:nvSpPr>
-          <p:cNvPr id="41" name="Rectangle 40">
-            <a:extLst>
-              <a:ext uri="{FF2B5EF4-FFF2-40B4-BE49-F238E27FC236}">
-                <a16:creationId xmlns:a16="http://schemas.microsoft.com/office/drawing/2014/main" id="{24AE4F15-738B-C34D-830A-5AA47285C7ED}"/>
-              </a:ext>
-            </a:extLst>
-          </p:cNvPr>
-          <p:cNvSpPr/>
-          <p:nvPr/>
-        </p:nvSpPr>
-        <p:spPr>
-          <a:xfrm>
-            <a:off x="1674004" y="896446"/>
-            <a:ext cx="4074863" cy="869029"/>
-          </a:xfrm>
-          <a:prstGeom prst="rect">
-            <a:avLst/>
-          </a:prstGeom>
-          <a:noFill/>
-          <a:ln w="12700" cap="flat" cmpd="sng" algn="ctr">
-            <a:solidFill>
-              <a:schemeClr val="accent6"/>
-            </a:solidFill>
-            <a:prstDash val="solid"/>
-            <a:round/>
-            <a:headEnd type="none" w="med" len="med"/>
-            <a:tailEnd type="none" w="med" len="med"/>
-          </a:ln>
-        </p:spPr>
-        <p:style>
-          <a:lnRef idx="0">
-            <a:scrgbClr r="0" g="0" b="0"/>
-          </a:lnRef>
-          <a:fillRef idx="0">
-            <a:scrgbClr r="0" g="0" b="0"/>
-          </a:fillRef>
-          <a:effectRef idx="0">
-            <a:scrgbClr r="0" g="0" b="0"/>
-          </a:effectRef>
-          <a:fontRef idx="minor">
-            <a:schemeClr val="accent6"/>
-          </a:fontRef>
-        </p:style>
-        <p:txBody>
-          <a:bodyPr rtlCol="0" anchor="ctr"/>
-          <a:lstStyle/>
-          <a:p>
-            <a:pPr algn="ctr"/>
-            <a:endParaRPr lang="en-SG"/>
-          </a:p>
-        </p:txBody>
-      </p:sp>
-      <p:sp>
-        <p:nvSpPr>
-          <p:cNvPr id="42" name="Rectangle 41">
-            <a:extLst>
-              <a:ext uri="{FF2B5EF4-FFF2-40B4-BE49-F238E27FC236}">
-                <a16:creationId xmlns:a16="http://schemas.microsoft.com/office/drawing/2014/main" id="{570EA449-180B-9046-8449-8C441F0729CF}"/>
-              </a:ext>
-            </a:extLst>
-          </p:cNvPr>
-          <p:cNvSpPr/>
-          <p:nvPr/>
-        </p:nvSpPr>
-        <p:spPr>
-          <a:xfrm>
-            <a:off x="1484661" y="1950544"/>
-            <a:ext cx="4504352" cy="449190"/>
-          </a:xfrm>
-          <a:prstGeom prst="rect">
-            <a:avLst/>
-          </a:prstGeom>
-          <a:noFill/>
-          <a:ln w="12700" cap="flat" cmpd="sng" algn="ctr">
-            <a:solidFill>
-              <a:srgbClr val="7030A0"/>
-            </a:solidFill>
-            <a:prstDash val="solid"/>
-            <a:round/>
-            <a:headEnd type="none" w="med" len="med"/>
-            <a:tailEnd type="none" w="med" len="med"/>
-          </a:ln>
-        </p:spPr>
-        <p:style>
-          <a:lnRef idx="0">
-            <a:scrgbClr r="0" g="0" b="0"/>
-          </a:lnRef>
-          <a:fillRef idx="0">
-            <a:scrgbClr r="0" g="0" b="0"/>
-          </a:fillRef>
-          <a:effectRef idx="0">
-            <a:scrgbClr r="0" g="0" b="0"/>
-          </a:effectRef>
-          <a:fontRef idx="minor">
-            <a:schemeClr val="accent4"/>
-          </a:fontRef>
-        </p:style>
-        <p:txBody>
-          <a:bodyPr rtlCol="0" anchor="ctr"/>
-          <a:lstStyle/>
-          <a:p>
-            <a:pPr algn="ctr"/>
-            <a:endParaRPr lang="en-SG"/>
-          </a:p>
-        </p:txBody>
-      </p:sp>
-      <p:sp>
-        <p:nvSpPr>
-          <p:cNvPr id="48" name="TextBox 47">
-            <a:extLst>
-              <a:ext uri="{FF2B5EF4-FFF2-40B4-BE49-F238E27FC236}">
-                <a16:creationId xmlns:a16="http://schemas.microsoft.com/office/drawing/2014/main" id="{A77BE544-7145-6949-94AF-AFCE5DA7C7AD}"/>
-              </a:ext>
-            </a:extLst>
-          </p:cNvPr>
-          <p:cNvSpPr txBox="1"/>
-          <p:nvPr/>
-        </p:nvSpPr>
-        <p:spPr>
-          <a:xfrm>
-            <a:off x="-13217" y="2026833"/>
-            <a:ext cx="1202954" cy="276999"/>
-          </a:xfrm>
-          <a:prstGeom prst="rect">
-            <a:avLst/>
-          </a:prstGeom>
-          <a:noFill/>
-        </p:spPr>
-        <p:txBody>
-          <a:bodyPr wrap="square" rtlCol="0">
-            <a:spAutoFit/>
-          </a:bodyPr>
-          <a:lstStyle/>
-          <a:p>
-            <a:pPr algn="ctr"/>
-            <a:r>
-              <a:rPr lang="en-US" sz="1200" dirty="0">
-                <a:solidFill>
-                  <a:srgbClr val="7030A0"/>
-                </a:solidFill>
-              </a:rPr>
-              <a:t>summary-chart</a:t>
-            </a:r>
-          </a:p>
-        </p:txBody>
-      </p:sp>
-      <p:sp>
-        <p:nvSpPr>
-          <p:cNvPr id="49" name="Rectangle 48">
-            <a:extLst>
-              <a:ext uri="{FF2B5EF4-FFF2-40B4-BE49-F238E27FC236}">
-                <a16:creationId xmlns:a16="http://schemas.microsoft.com/office/drawing/2014/main" id="{5720B1C7-874B-4E44-A7D1-E44FC02B40B3}"/>
-              </a:ext>
-            </a:extLst>
-          </p:cNvPr>
-          <p:cNvSpPr/>
-          <p:nvPr/>
-        </p:nvSpPr>
-        <p:spPr>
-          <a:xfrm>
-            <a:off x="1501594" y="4826286"/>
-            <a:ext cx="4482462" cy="276999"/>
-          </a:xfrm>
-          <a:prstGeom prst="rect">
-            <a:avLst/>
-          </a:prstGeom>
-          <a:noFill/>
-          <a:ln w="9525" cap="flat" cmpd="sng" algn="ctr">
-            <a:solidFill>
-              <a:schemeClr val="dk1"/>
-            </a:solidFill>
-            <a:prstDash val="solid"/>
-            <a:round/>
-            <a:headEnd type="none" w="med" len="med"/>
-            <a:tailEnd type="none" w="med" len="med"/>
-          </a:ln>
-        </p:spPr>
-        <p:style>
-          <a:lnRef idx="0">
-            <a:scrgbClr r="0" g="0" b="0"/>
-          </a:lnRef>
-          <a:fillRef idx="0">
-            <a:scrgbClr r="0" g="0" b="0"/>
-          </a:fillRef>
-          <a:effectRef idx="0">
-            <a:scrgbClr r="0" g="0" b="0"/>
-          </a:effectRef>
-          <a:fontRef idx="minor">
-            <a:schemeClr val="dk1"/>
-          </a:fontRef>
-        </p:style>
-        <p:txBody>
-          <a:bodyPr rtlCol="0" anchor="ctr"/>
-          <a:lstStyle/>
-          <a:p>
-            <a:pPr algn="ctr"/>
-            <a:endParaRPr lang="en-SG"/>
-          </a:p>
-        </p:txBody>
-      </p:sp>
-      <p:sp>
-        <p:nvSpPr>
-          <p:cNvPr id="51" name="TextBox 50">
-            <a:extLst>
-              <a:ext uri="{FF2B5EF4-FFF2-40B4-BE49-F238E27FC236}">
-                <a16:creationId xmlns:a16="http://schemas.microsoft.com/office/drawing/2014/main" id="{6C2AF7FB-234B-7347-967F-A89B873E0061}"/>
-              </a:ext>
-            </a:extLst>
-          </p:cNvPr>
-          <p:cNvSpPr txBox="1"/>
-          <p:nvPr/>
-        </p:nvSpPr>
-        <p:spPr>
-          <a:xfrm>
-            <a:off x="23285" y="4754389"/>
-            <a:ext cx="1589577" cy="461665"/>
-          </a:xfrm>
-          <a:prstGeom prst="rect">
-            <a:avLst/>
-          </a:prstGeom>
-          <a:noFill/>
-        </p:spPr>
-        <p:txBody>
-          <a:bodyPr wrap="square" rtlCol="0">
-            <a:spAutoFit/>
-          </a:bodyPr>
-          <a:lstStyle/>
-          <a:p>
-            <a:pPr algn="ctr"/>
-            <a:r>
-              <a:rPr lang="en-US" sz="1200" dirty="0"/>
-              <a:t>summary-</a:t>
-            </a:r>
-          </a:p>
-          <a:p>
-            <a:pPr algn="ctr"/>
-            <a:r>
-              <a:rPr lang="en-US" sz="1200" dirty="0"/>
-              <a:t>chart__</a:t>
-            </a:r>
-            <a:r>
-              <a:rPr lang="en-US" sz="1200" dirty="0" err="1"/>
-              <a:t>contrib</a:t>
-            </a:r>
-            <a:endParaRPr lang="en-SG" sz="1200" dirty="0"/>
-          </a:p>
-        </p:txBody>
-      </p:sp>
-      <p:sp>
-        <p:nvSpPr>
-          <p:cNvPr id="59" name="TextBox 58">
-            <a:extLst>
-              <a:ext uri="{FF2B5EF4-FFF2-40B4-BE49-F238E27FC236}">
-                <a16:creationId xmlns:a16="http://schemas.microsoft.com/office/drawing/2014/main" id="{9ED53A0E-FCFE-DE4A-9776-897FDA4E3D8F}"/>
-              </a:ext>
-            </a:extLst>
-          </p:cNvPr>
-          <p:cNvSpPr txBox="1"/>
-          <p:nvPr/>
-        </p:nvSpPr>
-        <p:spPr>
-          <a:xfrm>
-            <a:off x="3232326" y="2828987"/>
-            <a:ext cx="2516973" cy="276999"/>
-          </a:xfrm>
-          <a:prstGeom prst="rect">
-            <a:avLst/>
-          </a:prstGeom>
-          <a:noFill/>
-        </p:spPr>
-        <p:txBody>
-          <a:bodyPr wrap="square" rtlCol="0">
-            <a:spAutoFit/>
-          </a:bodyPr>
-          <a:lstStyle/>
-          <a:p>
-            <a:r>
-              <a:rPr lang="en-US" sz="1200" dirty="0">
-                <a:solidFill>
-                  <a:srgbClr val="FFC000"/>
-                </a:solidFill>
-              </a:rPr>
-              <a:t>summary-</a:t>
-            </a:r>
-            <a:r>
-              <a:rPr lang="en-US" sz="1200" dirty="0" err="1">
-                <a:solidFill>
-                  <a:srgbClr val="FFC000"/>
-                </a:solidFill>
-              </a:rPr>
-              <a:t>chart__ramp__slice</a:t>
-            </a:r>
-            <a:endParaRPr lang="en-SG" sz="1200" dirty="0">
-              <a:solidFill>
-                <a:srgbClr val="FFC000"/>
-              </a:solidFill>
-            </a:endParaRPr>
-          </a:p>
-        </p:txBody>
-      </p:sp>
-      <p:sp>
-        <p:nvSpPr>
-          <p:cNvPr id="60" name="Rectangle 59">
-            <a:extLst>
-              <a:ext uri="{FF2B5EF4-FFF2-40B4-BE49-F238E27FC236}">
-                <a16:creationId xmlns:a16="http://schemas.microsoft.com/office/drawing/2014/main" id="{0FE18B14-A8FF-CA40-9773-69CCCF32CE9A}"/>
-              </a:ext>
-            </a:extLst>
-          </p:cNvPr>
-          <p:cNvSpPr/>
-          <p:nvPr/>
-        </p:nvSpPr>
-        <p:spPr>
-          <a:xfrm>
-            <a:off x="1510797" y="2556435"/>
-            <a:ext cx="4482463" cy="305570"/>
-          </a:xfrm>
-          <a:prstGeom prst="rect">
-            <a:avLst/>
-          </a:prstGeom>
-          <a:noFill/>
-          <a:ln w="12700" cap="flat" cmpd="sng" algn="ctr">
-            <a:solidFill>
-              <a:schemeClr val="accent5"/>
-            </a:solidFill>
-            <a:prstDash val="solid"/>
-            <a:round/>
-            <a:headEnd type="none" w="med" len="med"/>
-            <a:tailEnd type="none" w="med" len="med"/>
-          </a:ln>
-        </p:spPr>
-        <p:style>
-          <a:lnRef idx="0">
-            <a:scrgbClr r="0" g="0" b="0"/>
-          </a:lnRef>
-          <a:fillRef idx="0">
-            <a:scrgbClr r="0" g="0" b="0"/>
-          </a:fillRef>
-          <a:effectRef idx="0">
-            <a:scrgbClr r="0" g="0" b="0"/>
-          </a:effectRef>
-          <a:fontRef idx="minor">
-            <a:schemeClr val="accent4"/>
-          </a:fontRef>
-        </p:style>
-        <p:txBody>
-          <a:bodyPr rtlCol="0" anchor="ctr"/>
-          <a:lstStyle/>
-          <a:p>
-            <a:pPr algn="ctr"/>
-            <a:endParaRPr lang="en-SG" dirty="0">
-              <a:highlight>
-                <a:srgbClr val="FFFF00"/>
-              </a:highlight>
-            </a:endParaRPr>
-          </a:p>
-        </p:txBody>
-      </p:sp>
-      <p:sp>
-        <p:nvSpPr>
-          <p:cNvPr id="62" name="TextBox 61">
-            <a:extLst>
-              <a:ext uri="{FF2B5EF4-FFF2-40B4-BE49-F238E27FC236}">
-                <a16:creationId xmlns:a16="http://schemas.microsoft.com/office/drawing/2014/main" id="{3C528547-1EDA-0344-9C22-58F28B4D7B80}"/>
-              </a:ext>
-            </a:extLst>
-          </p:cNvPr>
-          <p:cNvSpPr txBox="1"/>
-          <p:nvPr/>
-        </p:nvSpPr>
-        <p:spPr>
-          <a:xfrm>
-            <a:off x="0" y="2478387"/>
-            <a:ext cx="1243423" cy="461665"/>
-          </a:xfrm>
-          <a:prstGeom prst="rect">
-            <a:avLst/>
-          </a:prstGeom>
-          <a:noFill/>
-        </p:spPr>
-        <p:txBody>
-          <a:bodyPr wrap="square" rtlCol="0">
-            <a:spAutoFit/>
-          </a:bodyPr>
-          <a:lstStyle/>
-          <a:p>
-            <a:pPr algn="ctr"/>
-            <a:r>
-              <a:rPr lang="en-US" sz="1200" dirty="0">
-                <a:solidFill>
-                  <a:srgbClr val="0070C0"/>
-                </a:solidFill>
-              </a:rPr>
-              <a:t>summary-</a:t>
-            </a:r>
-            <a:r>
-              <a:rPr lang="en-US" sz="1200" dirty="0" err="1">
-                <a:solidFill>
-                  <a:srgbClr val="0070C0"/>
-                </a:solidFill>
-              </a:rPr>
-              <a:t>chart__ramp</a:t>
-            </a:r>
-            <a:endParaRPr lang="en-US" sz="1200" dirty="0">
-              <a:solidFill>
-                <a:srgbClr val="0070C0"/>
-              </a:solidFill>
-            </a:endParaRPr>
-          </a:p>
-        </p:txBody>
-      </p:sp>
-      <p:sp>
-        <p:nvSpPr>
-          <p:cNvPr id="69" name="TextBox 68">
-            <a:extLst>
-              <a:ext uri="{FF2B5EF4-FFF2-40B4-BE49-F238E27FC236}">
-                <a16:creationId xmlns:a16="http://schemas.microsoft.com/office/drawing/2014/main" id="{D26E4E26-EF97-A547-93AF-6C3384E7A51F}"/>
-              </a:ext>
-            </a:extLst>
-          </p:cNvPr>
-          <p:cNvSpPr txBox="1"/>
-          <p:nvPr/>
-        </p:nvSpPr>
-        <p:spPr>
-          <a:xfrm>
-            <a:off x="8697510" y="1792813"/>
-            <a:ext cx="1080151" cy="276999"/>
-          </a:xfrm>
-          <a:prstGeom prst="rect">
-            <a:avLst/>
-          </a:prstGeom>
-          <a:noFill/>
-        </p:spPr>
-        <p:txBody>
-          <a:bodyPr wrap="square" rtlCol="0">
-            <a:spAutoFit/>
-          </a:bodyPr>
-          <a:lstStyle/>
-          <a:p>
-            <a:r>
-              <a:rPr lang="en-US" sz="1200" dirty="0">
+        </p:grpSpPr>
+        <p:sp>
+          <p:nvSpPr>
+            <p:cNvPr id="69" name="TextBox 68">
+              <a:extLst>
+                <a:ext uri="{FF2B5EF4-FFF2-40B4-BE49-F238E27FC236}">
+                  <a16:creationId xmlns:a16="http://schemas.microsoft.com/office/drawing/2014/main" id="{D26E4E26-EF97-A547-93AF-6C3384E7A51F}"/>
+                </a:ext>
+              </a:extLst>
+            </p:cNvPr>
+            <p:cNvSpPr txBox="1"/>
+            <p:nvPr/>
+          </p:nvSpPr>
+          <p:spPr>
+            <a:xfrm>
+              <a:off x="8697510" y="1792813"/>
+              <a:ext cx="1080151" cy="276999"/>
+            </a:xfrm>
+            <a:prstGeom prst="rect">
+              <a:avLst/>
+            </a:prstGeom>
+            <a:noFill/>
+          </p:spPr>
+          <p:txBody>
+            <a:bodyPr wrap="square" rtlCol="0">
+              <a:spAutoFit/>
+            </a:bodyPr>
+            <a:lstStyle/>
+            <a:p>
+              <a:r>
+                <a:rPr lang="en-US" sz="1200" dirty="0">
+                  <a:solidFill>
+                    <a:schemeClr val="accent6">
+                      <a:lumMod val="75000"/>
+                    </a:schemeClr>
+                  </a:solidFill>
+                </a:rPr>
+                <a:t>glob filter</a:t>
+              </a:r>
+              <a:endParaRPr lang="en-SG" sz="1200" dirty="0">
                 <a:solidFill>
                   <a:schemeClr val="accent6">
                     <a:lumMod val="75000"/>
                   </a:schemeClr>
                 </a:solidFill>
-              </a:rPr>
-              <a:t>glob filter</a:t>
-            </a:r>
-            <a:endParaRPr lang="en-SG" sz="1200" dirty="0">
+              </a:endParaRPr>
+            </a:p>
+          </p:txBody>
+        </p:sp>
+        <p:sp>
+          <p:nvSpPr>
+            <p:cNvPr id="56" name="Rectangle 55">
+              <a:extLst>
+                <a:ext uri="{FF2B5EF4-FFF2-40B4-BE49-F238E27FC236}">
+                  <a16:creationId xmlns:a16="http://schemas.microsoft.com/office/drawing/2014/main" id="{302C24E7-F5CF-7D4F-9162-44F08F19CA6F}"/>
+                </a:ext>
+              </a:extLst>
+            </p:cNvPr>
+            <p:cNvSpPr/>
+            <p:nvPr/>
+          </p:nvSpPr>
+          <p:spPr>
+            <a:xfrm>
+              <a:off x="6191491" y="1835450"/>
+              <a:ext cx="2022818" cy="277000"/>
+            </a:xfrm>
+            <a:prstGeom prst="rect">
+              <a:avLst/>
+            </a:prstGeom>
+            <a:noFill/>
+            <a:ln w="12700" cap="flat" cmpd="sng" algn="ctr">
               <a:solidFill>
                 <a:schemeClr val="accent6">
                   <a:lumMod val="75000"/>
                 </a:schemeClr>
               </a:solidFill>
-            </a:endParaRPr>
-          </a:p>
-        </p:txBody>
-      </p:sp>
-      <p:sp>
-        <p:nvSpPr>
-          <p:cNvPr id="56" name="Rectangle 55">
-            <a:extLst>
-              <a:ext uri="{FF2B5EF4-FFF2-40B4-BE49-F238E27FC236}">
-                <a16:creationId xmlns:a16="http://schemas.microsoft.com/office/drawing/2014/main" id="{302C24E7-F5CF-7D4F-9162-44F08F19CA6F}"/>
-              </a:ext>
-            </a:extLst>
-          </p:cNvPr>
-          <p:cNvSpPr/>
+              <a:prstDash val="solid"/>
+              <a:round/>
+              <a:headEnd type="none" w="med" len="med"/>
+              <a:tailEnd type="none" w="med" len="med"/>
+            </a:ln>
+          </p:spPr>
+          <p:style>
+            <a:lnRef idx="0">
+              <a:scrgbClr r="0" g="0" b="0"/>
+            </a:lnRef>
+            <a:fillRef idx="0">
+              <a:scrgbClr r="0" g="0" b="0"/>
+            </a:fillRef>
+            <a:effectRef idx="0">
+              <a:scrgbClr r="0" g="0" b="0"/>
+            </a:effectRef>
+            <a:fontRef idx="minor">
+              <a:schemeClr val="accent6"/>
+            </a:fontRef>
+          </p:style>
+          <p:txBody>
+            <a:bodyPr rtlCol="0" anchor="ctr"/>
+            <a:lstStyle/>
+            <a:p>
+              <a:pPr algn="ctr"/>
+              <a:endParaRPr lang="en-SG"/>
+            </a:p>
+          </p:txBody>
+        </p:sp>
+        <p:cxnSp>
+          <p:nvCxnSpPr>
+            <p:cNvPr id="55" name="Straight Arrow Connector 54">
+              <a:extLst>
+                <a:ext uri="{FF2B5EF4-FFF2-40B4-BE49-F238E27FC236}">
+                  <a16:creationId xmlns:a16="http://schemas.microsoft.com/office/drawing/2014/main" id="{39E59FD8-6ED7-DE42-8608-75F1F9A40F07}"/>
+                </a:ext>
+              </a:extLst>
+            </p:cNvPr>
+            <p:cNvCxnSpPr>
+              <a:cxnSpLocks/>
+            </p:cNvCxnSpPr>
+            <p:nvPr/>
+          </p:nvCxnSpPr>
+          <p:spPr>
+            <a:xfrm flipH="1">
+              <a:off x="8272308" y="1944170"/>
+              <a:ext cx="436773" cy="0"/>
+            </a:xfrm>
+            <a:prstGeom prst="straightConnector1">
+              <a:avLst/>
+            </a:prstGeom>
+            <a:ln w="12700">
+              <a:solidFill>
+                <a:schemeClr val="accent6">
+                  <a:lumMod val="75000"/>
+                </a:schemeClr>
+              </a:solidFill>
+              <a:tailEnd type="triangle"/>
+            </a:ln>
+          </p:spPr>
+          <p:style>
+            <a:lnRef idx="1">
+              <a:schemeClr val="accent1"/>
+            </a:lnRef>
+            <a:fillRef idx="0">
+              <a:schemeClr val="accent1"/>
+            </a:fillRef>
+            <a:effectRef idx="0">
+              <a:schemeClr val="accent1"/>
+            </a:effectRef>
+            <a:fontRef idx="minor">
+              <a:schemeClr val="tx1"/>
+            </a:fontRef>
+          </p:style>
+        </p:cxnSp>
+      </p:grpSp>
+      <p:grpSp>
+        <p:nvGrpSpPr>
+          <p:cNvPr id="13" name="Group 12">
+            <a:extLst>
+              <a:ext uri="{FF2B5EF4-FFF2-40B4-BE49-F238E27FC236}">
+                <a16:creationId xmlns:a16="http://schemas.microsoft.com/office/drawing/2014/main" id="{4AB6A2D2-78C8-41B0-9EEF-4595CB4EFB11}"/>
+              </a:ext>
+            </a:extLst>
+          </p:cNvPr>
+          <p:cNvGrpSpPr/>
           <p:nvPr/>
-        </p:nvSpPr>
-        <p:spPr>
+        </p:nvGrpSpPr>
+        <p:grpSpPr>
           <a:xfrm>
-            <a:off x="6191491" y="1835450"/>
-            <a:ext cx="2022818" cy="277000"/>
+            <a:off x="6140198" y="3280581"/>
+            <a:ext cx="4289042" cy="276999"/>
+            <a:chOff x="6210157" y="3133527"/>
+            <a:chExt cx="3829487" cy="276999"/>
           </a:xfrm>
-          <a:prstGeom prst="rect">
-            <a:avLst/>
-          </a:prstGeom>
-          <a:noFill/>
-          <a:ln w="12700" cap="flat" cmpd="sng" algn="ctr">
-            <a:solidFill>
-              <a:schemeClr val="accent6">
-                <a:lumMod val="75000"/>
-              </a:schemeClr>
-            </a:solidFill>
-            <a:prstDash val="solid"/>
-            <a:round/>
-            <a:headEnd type="none" w="med" len="med"/>
-            <a:tailEnd type="none" w="med" len="med"/>
-          </a:ln>
-        </p:spPr>
-        <p:style>
-          <a:lnRef idx="0">
-            <a:scrgbClr r="0" g="0" b="0"/>
-          </a:lnRef>
-          <a:fillRef idx="0">
-            <a:scrgbClr r="0" g="0" b="0"/>
-          </a:fillRef>
-          <a:effectRef idx="0">
-            <a:scrgbClr r="0" g="0" b="0"/>
-          </a:effectRef>
-          <a:fontRef idx="minor">
-            <a:schemeClr val="accent6"/>
-          </a:fontRef>
-        </p:style>
-        <p:txBody>
-          <a:bodyPr rtlCol="0" anchor="ctr"/>
-          <a:lstStyle/>
-          <a:p>
-            <a:pPr algn="ctr"/>
-            <a:endParaRPr lang="en-SG"/>
-          </a:p>
-        </p:txBody>
-      </p:sp>
-      <p:sp>
-        <p:nvSpPr>
-          <p:cNvPr id="64" name="Rectangle 63">
-            <a:extLst>
-              <a:ext uri="{FF2B5EF4-FFF2-40B4-BE49-F238E27FC236}">
-                <a16:creationId xmlns:a16="http://schemas.microsoft.com/office/drawing/2014/main" id="{A2744CE9-0A67-9A43-A9BB-0CF02DB76205}"/>
-              </a:ext>
-            </a:extLst>
-          </p:cNvPr>
-          <p:cNvSpPr/>
+        </p:grpSpPr>
+        <p:sp>
+          <p:nvSpPr>
+            <p:cNvPr id="47" name="文本框 46">
+              <a:extLst>
+                <a:ext uri="{FF2B5EF4-FFF2-40B4-BE49-F238E27FC236}">
+                  <a16:creationId xmlns:a16="http://schemas.microsoft.com/office/drawing/2014/main" id="{8A40C309-DFD1-4333-84EB-9117C609942E}"/>
+                </a:ext>
+              </a:extLst>
+            </p:cNvPr>
+            <p:cNvSpPr txBox="1"/>
+            <p:nvPr/>
+          </p:nvSpPr>
+          <p:spPr>
+            <a:xfrm>
+              <a:off x="9190215" y="3133527"/>
+              <a:ext cx="849429" cy="276999"/>
+            </a:xfrm>
+            <a:prstGeom prst="rect">
+              <a:avLst/>
+            </a:prstGeom>
+            <a:noFill/>
+          </p:spPr>
+          <p:txBody>
+            <a:bodyPr wrap="square" rtlCol="0">
+              <a:spAutoFit/>
+            </a:bodyPr>
+            <a:lstStyle/>
+            <a:p>
+              <a:r>
+                <a:rPr lang="en-US" altLang="zh-CN" sz="1200" dirty="0">
+                  <a:solidFill>
+                    <a:srgbClr val="C00000"/>
+                  </a:solidFill>
+                </a:rPr>
+                <a:t>title</a:t>
+              </a:r>
+              <a:endParaRPr lang="zh-CN" altLang="en-US" sz="1200" dirty="0">
+                <a:solidFill>
+                  <a:srgbClr val="C00000"/>
+                </a:solidFill>
+              </a:endParaRPr>
+            </a:p>
+          </p:txBody>
+        </p:sp>
+        <p:sp>
+          <p:nvSpPr>
+            <p:cNvPr id="64" name="Rectangle 63">
+              <a:extLst>
+                <a:ext uri="{FF2B5EF4-FFF2-40B4-BE49-F238E27FC236}">
+                  <a16:creationId xmlns:a16="http://schemas.microsoft.com/office/drawing/2014/main" id="{A2744CE9-0A67-9A43-A9BB-0CF02DB76205}"/>
+                </a:ext>
+              </a:extLst>
+            </p:cNvPr>
+            <p:cNvSpPr/>
+            <p:nvPr/>
+          </p:nvSpPr>
+          <p:spPr>
+            <a:xfrm>
+              <a:off x="6210157" y="3176139"/>
+              <a:ext cx="2516653" cy="217707"/>
+            </a:xfrm>
+            <a:prstGeom prst="rect">
+              <a:avLst/>
+            </a:prstGeom>
+            <a:noFill/>
+            <a:ln w="12700" cap="flat" cmpd="sng" algn="ctr">
+              <a:solidFill>
+                <a:srgbClr val="C00000"/>
+              </a:solidFill>
+              <a:prstDash val="solid"/>
+              <a:round/>
+              <a:headEnd type="none" w="med" len="med"/>
+              <a:tailEnd type="none" w="med" len="med"/>
+            </a:ln>
+          </p:spPr>
+          <p:style>
+            <a:lnRef idx="0">
+              <a:scrgbClr r="0" g="0" b="0"/>
+            </a:lnRef>
+            <a:fillRef idx="0">
+              <a:scrgbClr r="0" g="0" b="0"/>
+            </a:fillRef>
+            <a:effectRef idx="0">
+              <a:scrgbClr r="0" g="0" b="0"/>
+            </a:effectRef>
+            <a:fontRef idx="minor">
+              <a:schemeClr val="accent6"/>
+            </a:fontRef>
+          </p:style>
+          <p:txBody>
+            <a:bodyPr rtlCol="0" anchor="ctr"/>
+            <a:lstStyle/>
+            <a:p>
+              <a:pPr algn="ctr"/>
+              <a:endParaRPr lang="en-SG"/>
+            </a:p>
+          </p:txBody>
+        </p:sp>
+        <p:cxnSp>
+          <p:nvCxnSpPr>
+            <p:cNvPr id="58" name="Straight Arrow Connector 57">
+              <a:extLst>
+                <a:ext uri="{FF2B5EF4-FFF2-40B4-BE49-F238E27FC236}">
+                  <a16:creationId xmlns:a16="http://schemas.microsoft.com/office/drawing/2014/main" id="{AFA0DA7C-E4AB-7640-B648-6DBC87E6B30F}"/>
+                </a:ext>
+              </a:extLst>
+            </p:cNvPr>
+            <p:cNvCxnSpPr>
+              <a:cxnSpLocks/>
+            </p:cNvCxnSpPr>
+            <p:nvPr/>
+          </p:nvCxnSpPr>
+          <p:spPr>
+            <a:xfrm flipH="1">
+              <a:off x="8757812" y="3280581"/>
+              <a:ext cx="436773" cy="0"/>
+            </a:xfrm>
+            <a:prstGeom prst="straightConnector1">
+              <a:avLst/>
+            </a:prstGeom>
+            <a:ln w="12700">
+              <a:solidFill>
+                <a:srgbClr val="C00000"/>
+              </a:solidFill>
+              <a:tailEnd type="triangle"/>
+            </a:ln>
+          </p:spPr>
+          <p:style>
+            <a:lnRef idx="1">
+              <a:schemeClr val="accent1"/>
+            </a:lnRef>
+            <a:fillRef idx="0">
+              <a:schemeClr val="accent1"/>
+            </a:fillRef>
+            <a:effectRef idx="0">
+              <a:schemeClr val="accent1"/>
+            </a:effectRef>
+            <a:fontRef idx="minor">
+              <a:schemeClr val="tx1"/>
+            </a:fontRef>
+          </p:style>
+        </p:cxnSp>
+      </p:grpSp>
+      <p:grpSp>
+        <p:nvGrpSpPr>
+          <p:cNvPr id="14" name="Group 13">
+            <a:extLst>
+              <a:ext uri="{FF2B5EF4-FFF2-40B4-BE49-F238E27FC236}">
+                <a16:creationId xmlns:a16="http://schemas.microsoft.com/office/drawing/2014/main" id="{C3A8EFEE-B563-4EA4-B0B6-B112CC1795A2}"/>
+              </a:ext>
+            </a:extLst>
+          </p:cNvPr>
+          <p:cNvGrpSpPr/>
           <p:nvPr/>
-        </p:nvSpPr>
-        <p:spPr>
+        </p:nvGrpSpPr>
+        <p:grpSpPr>
           <a:xfrm>
-            <a:off x="6210157" y="3176139"/>
-            <a:ext cx="2516653" cy="217707"/>
+            <a:off x="6186172" y="3280581"/>
+            <a:ext cx="5535411" cy="2358219"/>
+            <a:chOff x="6186172" y="3133515"/>
+            <a:chExt cx="5535411" cy="2217420"/>
           </a:xfrm>
-          <a:prstGeom prst="rect">
-            <a:avLst/>
-          </a:prstGeom>
-          <a:noFill/>
-          <a:ln w="12700" cap="flat" cmpd="sng" algn="ctr">
-            <a:solidFill>
-              <a:srgbClr val="C00000"/>
-            </a:solidFill>
-            <a:prstDash val="solid"/>
-            <a:round/>
-            <a:headEnd type="none" w="med" len="med"/>
-            <a:tailEnd type="none" w="med" len="med"/>
-          </a:ln>
-        </p:spPr>
-        <p:style>
-          <a:lnRef idx="0">
-            <a:scrgbClr r="0" g="0" b="0"/>
-          </a:lnRef>
-          <a:fillRef idx="0">
-            <a:scrgbClr r="0" g="0" b="0"/>
-          </a:fillRef>
-          <a:effectRef idx="0">
-            <a:scrgbClr r="0" g="0" b="0"/>
-          </a:effectRef>
-          <a:fontRef idx="minor">
-            <a:schemeClr val="accent6"/>
-          </a:fontRef>
-        </p:style>
-        <p:txBody>
-          <a:bodyPr rtlCol="0" anchor="ctr"/>
-          <a:lstStyle/>
-          <a:p>
-            <a:pPr algn="ctr"/>
-            <a:endParaRPr lang="en-SG"/>
-          </a:p>
-        </p:txBody>
-      </p:sp>
-      <p:sp>
-        <p:nvSpPr>
-          <p:cNvPr id="66" name="Rectangle 65">
-            <a:extLst>
-              <a:ext uri="{FF2B5EF4-FFF2-40B4-BE49-F238E27FC236}">
-                <a16:creationId xmlns:a16="http://schemas.microsoft.com/office/drawing/2014/main" id="{C141FFD1-6C95-3144-91D0-6661C4DDF579}"/>
-              </a:ext>
-            </a:extLst>
-          </p:cNvPr>
-          <p:cNvSpPr/>
+        </p:grpSpPr>
+        <p:sp>
+          <p:nvSpPr>
+            <p:cNvPr id="45" name="文本框 44">
+              <a:extLst>
+                <a:ext uri="{FF2B5EF4-FFF2-40B4-BE49-F238E27FC236}">
+                  <a16:creationId xmlns:a16="http://schemas.microsoft.com/office/drawing/2014/main" id="{A0A1A4A5-828A-4BF9-94DF-CD28CBD612CF}"/>
+                </a:ext>
+              </a:extLst>
+            </p:cNvPr>
+            <p:cNvSpPr txBox="1"/>
+            <p:nvPr/>
+          </p:nvSpPr>
+          <p:spPr>
+            <a:xfrm>
+              <a:off x="10971251" y="4126375"/>
+              <a:ext cx="750332" cy="276999"/>
+            </a:xfrm>
+            <a:prstGeom prst="rect">
+              <a:avLst/>
+            </a:prstGeom>
+            <a:noFill/>
+          </p:spPr>
+          <p:txBody>
+            <a:bodyPr wrap="square" rtlCol="0">
+              <a:spAutoFit/>
+            </a:bodyPr>
+            <a:lstStyle/>
+            <a:p>
+              <a:r>
+                <a:rPr lang="en-US" altLang="zh-CN" sz="1200" dirty="0">
+                  <a:solidFill>
+                    <a:srgbClr val="0070C0"/>
+                  </a:solidFill>
+                </a:rPr>
+                <a:t>file</a:t>
+              </a:r>
+              <a:endParaRPr lang="zh-CN" altLang="en-US" sz="1200" dirty="0">
+                <a:solidFill>
+                  <a:srgbClr val="0070C0"/>
+                </a:solidFill>
+              </a:endParaRPr>
+            </a:p>
+          </p:txBody>
+        </p:sp>
+        <p:sp>
+          <p:nvSpPr>
+            <p:cNvPr id="66" name="Rectangle 65">
+              <a:extLst>
+                <a:ext uri="{FF2B5EF4-FFF2-40B4-BE49-F238E27FC236}">
+                  <a16:creationId xmlns:a16="http://schemas.microsoft.com/office/drawing/2014/main" id="{C141FFD1-6C95-3144-91D0-6661C4DDF579}"/>
+                </a:ext>
+              </a:extLst>
+            </p:cNvPr>
+            <p:cNvSpPr/>
+            <p:nvPr/>
+          </p:nvSpPr>
+          <p:spPr>
+            <a:xfrm>
+              <a:off x="6186172" y="3133515"/>
+              <a:ext cx="4450097" cy="2217420"/>
+            </a:xfrm>
+            <a:prstGeom prst="rect">
+              <a:avLst/>
+            </a:prstGeom>
+            <a:noFill/>
+            <a:ln w="9525" cap="flat" cmpd="sng" algn="ctr">
+              <a:solidFill>
+                <a:srgbClr val="0070C0"/>
+              </a:solidFill>
+              <a:prstDash val="solid"/>
+              <a:round/>
+              <a:headEnd type="none" w="med" len="med"/>
+              <a:tailEnd type="none" w="med" len="med"/>
+            </a:ln>
+          </p:spPr>
+          <p:style>
+            <a:lnRef idx="0">
+              <a:scrgbClr r="0" g="0" b="0"/>
+            </a:lnRef>
+            <a:fillRef idx="0">
+              <a:scrgbClr r="0" g="0" b="0"/>
+            </a:fillRef>
+            <a:effectRef idx="0">
+              <a:scrgbClr r="0" g="0" b="0"/>
+            </a:effectRef>
+            <a:fontRef idx="minor">
+              <a:schemeClr val="accent1"/>
+            </a:fontRef>
+          </p:style>
+          <p:txBody>
+            <a:bodyPr rtlCol="0" anchor="ctr"/>
+            <a:lstStyle/>
+            <a:p>
+              <a:pPr algn="ctr"/>
+              <a:endParaRPr lang="en-SG"/>
+            </a:p>
+          </p:txBody>
+        </p:sp>
+        <p:cxnSp>
+          <p:nvCxnSpPr>
+            <p:cNvPr id="61" name="Straight Arrow Connector 60">
+              <a:extLst>
+                <a:ext uri="{FF2B5EF4-FFF2-40B4-BE49-F238E27FC236}">
+                  <a16:creationId xmlns:a16="http://schemas.microsoft.com/office/drawing/2014/main" id="{B3CB679E-8205-8D4E-8605-4305DBA22290}"/>
+                </a:ext>
+              </a:extLst>
+            </p:cNvPr>
+            <p:cNvCxnSpPr>
+              <a:cxnSpLocks/>
+            </p:cNvCxnSpPr>
+            <p:nvPr/>
+          </p:nvCxnSpPr>
+          <p:spPr>
+            <a:xfrm flipH="1" flipV="1">
+              <a:off x="10667719" y="4260483"/>
+              <a:ext cx="318046" cy="4392"/>
+            </a:xfrm>
+            <a:prstGeom prst="straightConnector1">
+              <a:avLst/>
+            </a:prstGeom>
+            <a:ln>
+              <a:tailEnd type="triangle"/>
+            </a:ln>
+          </p:spPr>
+          <p:style>
+            <a:lnRef idx="3">
+              <a:schemeClr val="accent1"/>
+            </a:lnRef>
+            <a:fillRef idx="0">
+              <a:schemeClr val="accent1"/>
+            </a:fillRef>
+            <a:effectRef idx="2">
+              <a:schemeClr val="accent1"/>
+            </a:effectRef>
+            <a:fontRef idx="minor">
+              <a:schemeClr val="tx1"/>
+            </a:fontRef>
+          </p:style>
+        </p:cxnSp>
+      </p:grpSp>
+      <p:grpSp>
+        <p:nvGrpSpPr>
+          <p:cNvPr id="15" name="Group 14">
+            <a:extLst>
+              <a:ext uri="{FF2B5EF4-FFF2-40B4-BE49-F238E27FC236}">
+                <a16:creationId xmlns:a16="http://schemas.microsoft.com/office/drawing/2014/main" id="{AA857E4A-0412-484B-AB41-9F54A2124762}"/>
+              </a:ext>
+            </a:extLst>
+          </p:cNvPr>
+          <p:cNvGrpSpPr/>
           <p:nvPr/>
-        </p:nvSpPr>
-        <p:spPr>
+        </p:nvGrpSpPr>
+        <p:grpSpPr>
           <a:xfrm>
-            <a:off x="6186172" y="3133515"/>
-            <a:ext cx="4450097" cy="2217420"/>
+            <a:off x="6228509" y="3577419"/>
+            <a:ext cx="5603272" cy="1766249"/>
+            <a:chOff x="6228509" y="3429000"/>
+            <a:chExt cx="5603272" cy="1584566"/>
           </a:xfrm>
-          <a:prstGeom prst="rect">
-            <a:avLst/>
-          </a:prstGeom>
-          <a:noFill/>
-          <a:ln w="12700" cap="flat" cmpd="sng" algn="ctr">
-            <a:solidFill>
-              <a:schemeClr val="accent4">
-                <a:lumMod val="50000"/>
-              </a:schemeClr>
-            </a:solidFill>
-            <a:prstDash val="solid"/>
-            <a:round/>
-            <a:headEnd type="none" w="med" len="med"/>
-            <a:tailEnd type="none" w="med" len="med"/>
-          </a:ln>
-        </p:spPr>
-        <p:style>
-          <a:lnRef idx="0">
-            <a:scrgbClr r="0" g="0" b="0"/>
-          </a:lnRef>
-          <a:fillRef idx="0">
-            <a:scrgbClr r="0" g="0" b="0"/>
-          </a:fillRef>
-          <a:effectRef idx="0">
-            <a:scrgbClr r="0" g="0" b="0"/>
-          </a:effectRef>
-          <a:fontRef idx="minor">
-            <a:schemeClr val="accent6"/>
-          </a:fontRef>
-        </p:style>
-        <p:txBody>
-          <a:bodyPr rtlCol="0" anchor="ctr"/>
-          <a:lstStyle/>
-          <a:p>
-            <a:pPr algn="ctr"/>
-            <a:endParaRPr lang="en-SG"/>
-          </a:p>
-        </p:txBody>
-      </p:sp>
-      <p:cxnSp>
-        <p:nvCxnSpPr>
-          <p:cNvPr id="4" name="Straight Arrow Connector 3">
-            <a:extLst>
-              <a:ext uri="{FF2B5EF4-FFF2-40B4-BE49-F238E27FC236}">
-                <a16:creationId xmlns:a16="http://schemas.microsoft.com/office/drawing/2014/main" id="{0E1E9E40-02F3-174C-97DB-3B6E1415124B}"/>
-              </a:ext>
-            </a:extLst>
-          </p:cNvPr>
-          <p:cNvCxnSpPr>
-            <a:cxnSpLocks/>
-          </p:cNvCxnSpPr>
-          <p:nvPr/>
-        </p:nvCxnSpPr>
-        <p:spPr>
-          <a:xfrm>
-            <a:off x="1294354" y="1335408"/>
-            <a:ext cx="352376" cy="0"/>
-          </a:xfrm>
-          <a:prstGeom prst="straightConnector1">
-            <a:avLst/>
-          </a:prstGeom>
-          <a:ln w="12700">
-            <a:solidFill>
+        </p:grpSpPr>
+        <p:sp>
+          <p:nvSpPr>
+            <p:cNvPr id="39" name="Rectangle 38">
+              <a:extLst>
+                <a:ext uri="{FF2B5EF4-FFF2-40B4-BE49-F238E27FC236}">
+                  <a16:creationId xmlns:a16="http://schemas.microsoft.com/office/drawing/2014/main" id="{F1DC792B-BA68-E146-9640-3B9BBA3D37BF}"/>
+                </a:ext>
+              </a:extLst>
+            </p:cNvPr>
+            <p:cNvSpPr/>
+            <p:nvPr/>
+          </p:nvSpPr>
+          <p:spPr>
+            <a:xfrm>
+              <a:off x="6228509" y="3429000"/>
+              <a:ext cx="4354826" cy="1584566"/>
+            </a:xfrm>
+            <a:prstGeom prst="rect">
+              <a:avLst/>
+            </a:prstGeom>
+            <a:noFill/>
+            <a:ln w="12700" cap="flat" cmpd="sng" algn="ctr">
+              <a:solidFill>
+                <a:schemeClr val="accent2">
+                  <a:lumMod val="60000"/>
+                  <a:lumOff val="40000"/>
+                </a:schemeClr>
+              </a:solidFill>
+              <a:prstDash val="solid"/>
+              <a:round/>
+              <a:headEnd type="none" w="med" len="med"/>
+              <a:tailEnd type="none" w="med" len="med"/>
+            </a:ln>
+          </p:spPr>
+          <p:style>
+            <a:lnRef idx="0">
+              <a:scrgbClr r="0" g="0" b="0"/>
+            </a:lnRef>
+            <a:fillRef idx="0">
+              <a:scrgbClr r="0" g="0" b="0"/>
+            </a:fillRef>
+            <a:effectRef idx="0">
+              <a:scrgbClr r="0" g="0" b="0"/>
+            </a:effectRef>
+            <a:fontRef idx="minor">
               <a:schemeClr val="accent6"/>
-            </a:solidFill>
-            <a:tailEnd type="triangle"/>
-          </a:ln>
-        </p:spPr>
-        <p:style>
-          <a:lnRef idx="1">
-            <a:schemeClr val="accent1"/>
-          </a:lnRef>
-          <a:fillRef idx="0">
-            <a:schemeClr val="accent1"/>
-          </a:fillRef>
-          <a:effectRef idx="0">
-            <a:schemeClr val="accent1"/>
-          </a:effectRef>
-          <a:fontRef idx="minor">
-            <a:schemeClr val="tx1"/>
-          </a:fontRef>
-        </p:style>
-      </p:cxnSp>
-      <p:cxnSp>
-        <p:nvCxnSpPr>
-          <p:cNvPr id="37" name="Straight Arrow Connector 36">
-            <a:extLst>
-              <a:ext uri="{FF2B5EF4-FFF2-40B4-BE49-F238E27FC236}">
-                <a16:creationId xmlns:a16="http://schemas.microsoft.com/office/drawing/2014/main" id="{DEEEF689-CF7E-7149-97BA-3D3957707314}"/>
-              </a:ext>
-            </a:extLst>
-          </p:cNvPr>
-          <p:cNvCxnSpPr>
-            <a:cxnSpLocks/>
-          </p:cNvCxnSpPr>
-          <p:nvPr/>
-        </p:nvCxnSpPr>
-        <p:spPr>
-          <a:xfrm>
-            <a:off x="1068915" y="2178394"/>
-            <a:ext cx="415745" cy="0"/>
-          </a:xfrm>
-          <a:prstGeom prst="straightConnector1">
-            <a:avLst/>
-          </a:prstGeom>
-          <a:ln w="12700">
-            <a:solidFill>
-              <a:srgbClr val="7030A0"/>
-            </a:solidFill>
-            <a:tailEnd type="triangle"/>
-          </a:ln>
-        </p:spPr>
-        <p:style>
-          <a:lnRef idx="1">
-            <a:schemeClr val="accent1"/>
-          </a:lnRef>
-          <a:fillRef idx="0">
-            <a:schemeClr val="accent1"/>
-          </a:fillRef>
-          <a:effectRef idx="0">
-            <a:schemeClr val="accent1"/>
-          </a:effectRef>
-          <a:fontRef idx="minor">
-            <a:schemeClr val="tx1"/>
-          </a:fontRef>
-        </p:style>
-      </p:cxnSp>
-      <p:cxnSp>
-        <p:nvCxnSpPr>
-          <p:cNvPr id="38" name="Straight Arrow Connector 37">
-            <a:extLst>
-              <a:ext uri="{FF2B5EF4-FFF2-40B4-BE49-F238E27FC236}">
-                <a16:creationId xmlns:a16="http://schemas.microsoft.com/office/drawing/2014/main" id="{9A9F6241-AC1E-1B48-8BC2-871CFFE15B1E}"/>
-              </a:ext>
-            </a:extLst>
-          </p:cNvPr>
-          <p:cNvCxnSpPr>
-            <a:cxnSpLocks/>
-          </p:cNvCxnSpPr>
-          <p:nvPr/>
-        </p:nvCxnSpPr>
-        <p:spPr>
-          <a:xfrm>
-            <a:off x="1073665" y="2714969"/>
-            <a:ext cx="437970" cy="0"/>
-          </a:xfrm>
-          <a:prstGeom prst="straightConnector1">
-            <a:avLst/>
-          </a:prstGeom>
-          <a:ln w="12700">
-            <a:solidFill>
-              <a:srgbClr val="0070C0"/>
-            </a:solidFill>
-            <a:tailEnd type="triangle"/>
-          </a:ln>
-        </p:spPr>
-        <p:style>
-          <a:lnRef idx="1">
-            <a:schemeClr val="accent1"/>
-          </a:lnRef>
-          <a:fillRef idx="0">
-            <a:schemeClr val="accent1"/>
-          </a:fillRef>
-          <a:effectRef idx="0">
-            <a:schemeClr val="accent1"/>
-          </a:effectRef>
-          <a:fontRef idx="minor">
-            <a:schemeClr val="tx1"/>
-          </a:fontRef>
-        </p:style>
-      </p:cxnSp>
-      <p:cxnSp>
-        <p:nvCxnSpPr>
-          <p:cNvPr id="43" name="Straight Arrow Connector 42">
-            <a:extLst>
-              <a:ext uri="{FF2B5EF4-FFF2-40B4-BE49-F238E27FC236}">
-                <a16:creationId xmlns:a16="http://schemas.microsoft.com/office/drawing/2014/main" id="{984AD6F2-A33B-8148-AEDA-A8EAEFD7DC95}"/>
-              </a:ext>
-            </a:extLst>
-          </p:cNvPr>
-          <p:cNvCxnSpPr>
-            <a:cxnSpLocks/>
-          </p:cNvCxnSpPr>
-          <p:nvPr/>
-        </p:nvCxnSpPr>
-        <p:spPr>
-          <a:xfrm>
-            <a:off x="1181270" y="4957641"/>
-            <a:ext cx="300327" cy="0"/>
-          </a:xfrm>
-          <a:prstGeom prst="straightConnector1">
-            <a:avLst/>
-          </a:prstGeom>
-          <a:ln w="12700">
-            <a:solidFill>
-              <a:schemeClr val="tx1"/>
-            </a:solidFill>
-            <a:tailEnd type="triangle"/>
-          </a:ln>
-        </p:spPr>
-        <p:style>
-          <a:lnRef idx="1">
-            <a:schemeClr val="accent1"/>
-          </a:lnRef>
-          <a:fillRef idx="0">
-            <a:schemeClr val="accent1"/>
-          </a:fillRef>
-          <a:effectRef idx="0">
-            <a:schemeClr val="accent1"/>
-          </a:effectRef>
-          <a:fontRef idx="minor">
-            <a:schemeClr val="tx1"/>
-          </a:fontRef>
-        </p:style>
-      </p:cxnSp>
-      <p:cxnSp>
-        <p:nvCxnSpPr>
-          <p:cNvPr id="10" name="Straight Arrow Connector 9">
-            <a:extLst>
-              <a:ext uri="{FF2B5EF4-FFF2-40B4-BE49-F238E27FC236}">
-                <a16:creationId xmlns:a16="http://schemas.microsoft.com/office/drawing/2014/main" id="{B3FA0071-1F3A-2C42-AE98-70438B56D7BF}"/>
-              </a:ext>
-            </a:extLst>
-          </p:cNvPr>
-          <p:cNvCxnSpPr/>
-          <p:nvPr/>
-        </p:nvCxnSpPr>
-        <p:spPr>
-          <a:xfrm>
-            <a:off x="3771899" y="483476"/>
-            <a:ext cx="0" cy="312842"/>
-          </a:xfrm>
-          <a:prstGeom prst="straightConnector1">
-            <a:avLst/>
-          </a:prstGeom>
-          <a:ln w="12700">
-            <a:tailEnd type="triangle"/>
-          </a:ln>
-        </p:spPr>
-        <p:style>
-          <a:lnRef idx="1">
-            <a:schemeClr val="accent1"/>
-          </a:lnRef>
-          <a:fillRef idx="0">
-            <a:schemeClr val="accent1"/>
-          </a:fillRef>
-          <a:effectRef idx="0">
-            <a:schemeClr val="accent1"/>
-          </a:effectRef>
-          <a:fontRef idx="minor">
-            <a:schemeClr val="tx1"/>
-          </a:fontRef>
-        </p:style>
-      </p:cxnSp>
-      <p:cxnSp>
-        <p:nvCxnSpPr>
-          <p:cNvPr id="50" name="Straight Arrow Connector 49">
-            <a:extLst>
-              <a:ext uri="{FF2B5EF4-FFF2-40B4-BE49-F238E27FC236}">
-                <a16:creationId xmlns:a16="http://schemas.microsoft.com/office/drawing/2014/main" id="{F20E8FC5-C665-144F-B0BB-107E10758C59}"/>
-              </a:ext>
-            </a:extLst>
-          </p:cNvPr>
-          <p:cNvCxnSpPr/>
-          <p:nvPr/>
-        </p:nvCxnSpPr>
-        <p:spPr>
-          <a:xfrm>
-            <a:off x="8458331" y="465408"/>
-            <a:ext cx="0" cy="312842"/>
-          </a:xfrm>
-          <a:prstGeom prst="straightConnector1">
-            <a:avLst/>
-          </a:prstGeom>
-          <a:ln w="12700">
-            <a:solidFill>
-              <a:schemeClr val="accent2"/>
-            </a:solidFill>
-            <a:tailEnd type="triangle"/>
-          </a:ln>
-        </p:spPr>
-        <p:style>
-          <a:lnRef idx="1">
-            <a:schemeClr val="accent1"/>
-          </a:lnRef>
-          <a:fillRef idx="0">
-            <a:schemeClr val="accent1"/>
-          </a:fillRef>
-          <a:effectRef idx="0">
-            <a:schemeClr val="accent1"/>
-          </a:effectRef>
-          <a:fontRef idx="minor">
-            <a:schemeClr val="tx1"/>
-          </a:fontRef>
-        </p:style>
-      </p:cxnSp>
-      <p:cxnSp>
-        <p:nvCxnSpPr>
-          <p:cNvPr id="55" name="Straight Arrow Connector 54">
-            <a:extLst>
-              <a:ext uri="{FF2B5EF4-FFF2-40B4-BE49-F238E27FC236}">
-                <a16:creationId xmlns:a16="http://schemas.microsoft.com/office/drawing/2014/main" id="{39E59FD8-6ED7-DE42-8608-75F1F9A40F07}"/>
-              </a:ext>
-            </a:extLst>
-          </p:cNvPr>
-          <p:cNvCxnSpPr>
-            <a:cxnSpLocks/>
-          </p:cNvCxnSpPr>
-          <p:nvPr/>
-        </p:nvCxnSpPr>
-        <p:spPr>
-          <a:xfrm flipH="1">
-            <a:off x="8272308" y="1944170"/>
-            <a:ext cx="436773" cy="0"/>
-          </a:xfrm>
-          <a:prstGeom prst="straightConnector1">
-            <a:avLst/>
-          </a:prstGeom>
-          <a:ln w="12700">
-            <a:solidFill>
-              <a:schemeClr val="accent6">
-                <a:lumMod val="75000"/>
-              </a:schemeClr>
-            </a:solidFill>
-            <a:tailEnd type="triangle"/>
-          </a:ln>
-        </p:spPr>
-        <p:style>
-          <a:lnRef idx="1">
-            <a:schemeClr val="accent1"/>
-          </a:lnRef>
-          <a:fillRef idx="0">
-            <a:schemeClr val="accent1"/>
-          </a:fillRef>
-          <a:effectRef idx="0">
-            <a:schemeClr val="accent1"/>
-          </a:effectRef>
-          <a:fontRef idx="minor">
-            <a:schemeClr val="tx1"/>
-          </a:fontRef>
-        </p:style>
-      </p:cxnSp>
-      <p:cxnSp>
-        <p:nvCxnSpPr>
-          <p:cNvPr id="58" name="Straight Arrow Connector 57">
-            <a:extLst>
-              <a:ext uri="{FF2B5EF4-FFF2-40B4-BE49-F238E27FC236}">
-                <a16:creationId xmlns:a16="http://schemas.microsoft.com/office/drawing/2014/main" id="{AFA0DA7C-E4AB-7640-B648-6DBC87E6B30F}"/>
-              </a:ext>
-            </a:extLst>
-          </p:cNvPr>
-          <p:cNvCxnSpPr>
-            <a:cxnSpLocks/>
-          </p:cNvCxnSpPr>
-          <p:nvPr/>
-        </p:nvCxnSpPr>
-        <p:spPr>
-          <a:xfrm flipH="1">
-            <a:off x="8757812" y="3280581"/>
-            <a:ext cx="436773" cy="0"/>
-          </a:xfrm>
-          <a:prstGeom prst="straightConnector1">
-            <a:avLst/>
-          </a:prstGeom>
-          <a:ln w="12700">
-            <a:solidFill>
-              <a:srgbClr val="C00000"/>
-            </a:solidFill>
-            <a:tailEnd type="triangle"/>
-          </a:ln>
-        </p:spPr>
-        <p:style>
-          <a:lnRef idx="1">
-            <a:schemeClr val="accent1"/>
-          </a:lnRef>
-          <a:fillRef idx="0">
-            <a:schemeClr val="accent1"/>
-          </a:fillRef>
-          <a:effectRef idx="0">
-            <a:schemeClr val="accent1"/>
-          </a:effectRef>
-          <a:fontRef idx="minor">
-            <a:schemeClr val="tx1"/>
-          </a:fontRef>
-        </p:style>
-      </p:cxnSp>
-      <p:cxnSp>
-        <p:nvCxnSpPr>
-          <p:cNvPr id="61" name="Straight Arrow Connector 60">
-            <a:extLst>
-              <a:ext uri="{FF2B5EF4-FFF2-40B4-BE49-F238E27FC236}">
-                <a16:creationId xmlns:a16="http://schemas.microsoft.com/office/drawing/2014/main" id="{B3CB679E-8205-8D4E-8605-4305DBA22290}"/>
-              </a:ext>
-            </a:extLst>
-          </p:cNvPr>
-          <p:cNvCxnSpPr>
-            <a:cxnSpLocks/>
-          </p:cNvCxnSpPr>
-          <p:nvPr/>
-        </p:nvCxnSpPr>
-        <p:spPr>
-          <a:xfrm flipH="1" flipV="1">
-            <a:off x="10667719" y="4260483"/>
-            <a:ext cx="318046" cy="4392"/>
-          </a:xfrm>
-          <a:prstGeom prst="straightConnector1">
-            <a:avLst/>
-          </a:prstGeom>
-          <a:ln w="12700">
-            <a:solidFill>
-              <a:schemeClr val="accent4">
-                <a:lumMod val="50000"/>
-              </a:schemeClr>
-            </a:solidFill>
-            <a:tailEnd type="triangle"/>
-          </a:ln>
-        </p:spPr>
-        <p:style>
-          <a:lnRef idx="1">
-            <a:schemeClr val="accent1"/>
-          </a:lnRef>
-          <a:fillRef idx="0">
-            <a:schemeClr val="accent1"/>
-          </a:fillRef>
-          <a:effectRef idx="0">
-            <a:schemeClr val="accent1"/>
-          </a:effectRef>
-          <a:fontRef idx="minor">
-            <a:schemeClr val="tx1"/>
-          </a:fontRef>
-        </p:style>
-      </p:cxnSp>
-      <p:cxnSp>
-        <p:nvCxnSpPr>
-          <p:cNvPr id="63" name="Straight Arrow Connector 62">
-            <a:extLst>
-              <a:ext uri="{FF2B5EF4-FFF2-40B4-BE49-F238E27FC236}">
-                <a16:creationId xmlns:a16="http://schemas.microsoft.com/office/drawing/2014/main" id="{510B956D-D846-A649-B354-69624F72C304}"/>
-              </a:ext>
-            </a:extLst>
-          </p:cNvPr>
-          <p:cNvCxnSpPr>
-            <a:cxnSpLocks/>
-          </p:cNvCxnSpPr>
-          <p:nvPr/>
-        </p:nvCxnSpPr>
-        <p:spPr>
-          <a:xfrm>
-            <a:off x="4284891" y="3125047"/>
-            <a:ext cx="0" cy="429266"/>
-          </a:xfrm>
-          <a:prstGeom prst="straightConnector1">
-            <a:avLst/>
-          </a:prstGeom>
-          <a:ln w="12700">
-            <a:solidFill>
-              <a:schemeClr val="accent4"/>
-            </a:solidFill>
-            <a:tailEnd type="triangle"/>
-          </a:ln>
-        </p:spPr>
-        <p:style>
-          <a:lnRef idx="1">
-            <a:schemeClr val="accent1"/>
-          </a:lnRef>
-          <a:fillRef idx="0">
-            <a:schemeClr val="accent1"/>
-          </a:fillRef>
-          <a:effectRef idx="0">
-            <a:schemeClr val="accent1"/>
-          </a:effectRef>
-          <a:fontRef idx="minor">
-            <a:schemeClr val="tx1"/>
-          </a:fontRef>
-        </p:style>
-      </p:cxnSp>
-      <p:sp>
-        <p:nvSpPr>
-          <p:cNvPr id="39" name="Rectangle 38">
-            <a:extLst>
-              <a:ext uri="{FF2B5EF4-FFF2-40B4-BE49-F238E27FC236}">
-                <a16:creationId xmlns:a16="http://schemas.microsoft.com/office/drawing/2014/main" id="{F1DC792B-BA68-E146-9640-3B9BBA3D37BF}"/>
-              </a:ext>
-            </a:extLst>
-          </p:cNvPr>
-          <p:cNvSpPr/>
-          <p:nvPr/>
-        </p:nvSpPr>
-        <p:spPr>
-          <a:xfrm>
-            <a:off x="6228509" y="3429000"/>
-            <a:ext cx="4354826" cy="1584566"/>
-          </a:xfrm>
-          <a:prstGeom prst="rect">
-            <a:avLst/>
-          </a:prstGeom>
-          <a:noFill/>
-          <a:ln w="12700" cap="flat" cmpd="sng" algn="ctr">
-            <a:solidFill>
-              <a:schemeClr val="accent2">
-                <a:lumMod val="60000"/>
-                <a:lumOff val="40000"/>
-              </a:schemeClr>
-            </a:solidFill>
-            <a:prstDash val="solid"/>
-            <a:round/>
-            <a:headEnd type="none" w="med" len="med"/>
-            <a:tailEnd type="none" w="med" len="med"/>
-          </a:ln>
-        </p:spPr>
-        <p:style>
-          <a:lnRef idx="0">
-            <a:scrgbClr r="0" g="0" b="0"/>
-          </a:lnRef>
-          <a:fillRef idx="0">
-            <a:scrgbClr r="0" g="0" b="0"/>
-          </a:fillRef>
-          <a:effectRef idx="0">
-            <a:scrgbClr r="0" g="0" b="0"/>
-          </a:effectRef>
-          <a:fontRef idx="minor">
-            <a:schemeClr val="accent6"/>
-          </a:fontRef>
-        </p:style>
-        <p:txBody>
-          <a:bodyPr rtlCol="0" anchor="ctr"/>
-          <a:lstStyle/>
-          <a:p>
-            <a:pPr algn="ctr"/>
-            <a:endParaRPr lang="en-SG"/>
-          </a:p>
-        </p:txBody>
-      </p:sp>
-      <p:sp>
-        <p:nvSpPr>
-          <p:cNvPr id="44" name="文本框 44">
-            <a:extLst>
-              <a:ext uri="{FF2B5EF4-FFF2-40B4-BE49-F238E27FC236}">
-                <a16:creationId xmlns:a16="http://schemas.microsoft.com/office/drawing/2014/main" id="{A899A3DB-A0EF-A042-8009-CDA2C0E753A2}"/>
-              </a:ext>
-            </a:extLst>
-          </p:cNvPr>
-          <p:cNvSpPr txBox="1"/>
-          <p:nvPr/>
-        </p:nvSpPr>
-        <p:spPr>
-          <a:xfrm>
-            <a:off x="10895046" y="3703036"/>
-            <a:ext cx="936735" cy="276999"/>
-          </a:xfrm>
-          <a:prstGeom prst="rect">
-            <a:avLst/>
-          </a:prstGeom>
-          <a:noFill/>
-          <a:ln>
+            </a:fontRef>
+          </p:style>
+          <p:txBody>
+            <a:bodyPr rtlCol="0" anchor="ctr"/>
+            <a:lstStyle/>
+            <a:p>
+              <a:pPr algn="ctr"/>
+              <a:endParaRPr lang="en-SG"/>
+            </a:p>
+          </p:txBody>
+        </p:sp>
+        <p:sp>
+          <p:nvSpPr>
+            <p:cNvPr id="44" name="文本框 44">
+              <a:extLst>
+                <a:ext uri="{FF2B5EF4-FFF2-40B4-BE49-F238E27FC236}">
+                  <a16:creationId xmlns:a16="http://schemas.microsoft.com/office/drawing/2014/main" id="{A899A3DB-A0EF-A042-8009-CDA2C0E753A2}"/>
+                </a:ext>
+              </a:extLst>
+            </p:cNvPr>
+            <p:cNvSpPr txBox="1"/>
+            <p:nvPr/>
+          </p:nvSpPr>
+          <p:spPr>
+            <a:xfrm>
+              <a:off x="10895046" y="3703036"/>
+              <a:ext cx="936735" cy="276999"/>
+            </a:xfrm>
+            <a:prstGeom prst="rect">
+              <a:avLst/>
+            </a:prstGeom>
             <a:noFill/>
-          </a:ln>
-        </p:spPr>
-        <p:txBody>
-          <a:bodyPr wrap="square" rtlCol="0">
-            <a:spAutoFit/>
-          </a:bodyPr>
-          <a:lstStyle/>
-          <a:p>
-            <a:r>
-              <a:rPr lang="en-US" altLang="zh-CN" sz="1200" dirty="0">
+            <a:ln>
+              <a:noFill/>
+            </a:ln>
+          </p:spPr>
+          <p:txBody>
+            <a:bodyPr wrap="square" rtlCol="0">
+              <a:spAutoFit/>
+            </a:bodyPr>
+            <a:lstStyle/>
+            <a:p>
+              <a:r>
+                <a:rPr lang="en-US" altLang="zh-CN" sz="1200" dirty="0">
+                  <a:solidFill>
+                    <a:schemeClr val="accent2">
+                      <a:lumMod val="60000"/>
+                      <a:lumOff val="40000"/>
+                    </a:schemeClr>
+                  </a:solidFill>
+                </a:rPr>
+                <a:t>segment</a:t>
+              </a:r>
+              <a:endParaRPr lang="zh-CN" altLang="en-US" sz="1200" dirty="0">
                 <a:solidFill>
                   <a:schemeClr val="accent2">
                     <a:lumMod val="60000"/>
                     <a:lumOff val="40000"/>
                   </a:schemeClr>
                 </a:solidFill>
-              </a:rPr>
-              <a:t>segment</a:t>
-            </a:r>
-            <a:endParaRPr lang="zh-CN" altLang="en-US" sz="1200" dirty="0">
+              </a:endParaRPr>
+            </a:p>
+          </p:txBody>
+        </p:sp>
+        <p:cxnSp>
+          <p:nvCxnSpPr>
+            <p:cNvPr id="46" name="Straight Arrow Connector 45">
+              <a:extLst>
+                <a:ext uri="{FF2B5EF4-FFF2-40B4-BE49-F238E27FC236}">
+                  <a16:creationId xmlns:a16="http://schemas.microsoft.com/office/drawing/2014/main" id="{BE7BD8BB-4C1B-DB44-A439-079C150A181C}"/>
+                </a:ext>
+              </a:extLst>
+            </p:cNvPr>
+            <p:cNvCxnSpPr>
+              <a:cxnSpLocks/>
+            </p:cNvCxnSpPr>
+            <p:nvPr/>
+          </p:nvCxnSpPr>
+          <p:spPr>
+            <a:xfrm flipH="1" flipV="1">
+              <a:off x="10591515" y="3862545"/>
+              <a:ext cx="318046" cy="4392"/>
+            </a:xfrm>
+            <a:prstGeom prst="straightConnector1">
+              <a:avLst/>
+            </a:prstGeom>
+            <a:ln w="12700">
               <a:solidFill>
                 <a:schemeClr val="accent2">
                   <a:lumMod val="60000"/>
                   <a:lumOff val="40000"/>
                 </a:schemeClr>
               </a:solidFill>
-            </a:endParaRPr>
-          </a:p>
-        </p:txBody>
-      </p:sp>
-      <p:cxnSp>
-        <p:nvCxnSpPr>
-          <p:cNvPr id="46" name="Straight Arrow Connector 45">
-            <a:extLst>
-              <a:ext uri="{FF2B5EF4-FFF2-40B4-BE49-F238E27FC236}">
-                <a16:creationId xmlns:a16="http://schemas.microsoft.com/office/drawing/2014/main" id="{BE7BD8BB-4C1B-DB44-A439-079C150A181C}"/>
-              </a:ext>
-            </a:extLst>
-          </p:cNvPr>
-          <p:cNvCxnSpPr>
-            <a:cxnSpLocks/>
-          </p:cNvCxnSpPr>
+              <a:tailEnd type="triangle"/>
+            </a:ln>
+          </p:spPr>
+          <p:style>
+            <a:lnRef idx="1">
+              <a:schemeClr val="accent1"/>
+            </a:lnRef>
+            <a:fillRef idx="0">
+              <a:schemeClr val="accent1"/>
+            </a:fillRef>
+            <a:effectRef idx="0">
+              <a:schemeClr val="accent1"/>
+            </a:effectRef>
+            <a:fontRef idx="minor">
+              <a:schemeClr val="tx1"/>
+            </a:fontRef>
+          </p:style>
+        </p:cxnSp>
+      </p:grpSp>
+      <p:grpSp>
+        <p:nvGrpSpPr>
+          <p:cNvPr id="19" name="Group 18">
+            <a:extLst>
+              <a:ext uri="{FF2B5EF4-FFF2-40B4-BE49-F238E27FC236}">
+                <a16:creationId xmlns:a16="http://schemas.microsoft.com/office/drawing/2014/main" id="{6472C614-37CA-49CB-8B68-0443BEA2A398}"/>
+              </a:ext>
+            </a:extLst>
+          </p:cNvPr>
+          <p:cNvGrpSpPr/>
           <p:nvPr/>
-        </p:nvCxnSpPr>
-        <p:spPr>
-          <a:xfrm flipH="1" flipV="1">
-            <a:off x="10591515" y="3862545"/>
-            <a:ext cx="318046" cy="4392"/>
+        </p:nvGrpSpPr>
+        <p:grpSpPr>
+          <a:xfrm>
+            <a:off x="3096259" y="4825892"/>
+            <a:ext cx="2516973" cy="878948"/>
+            <a:chOff x="3096259" y="4825892"/>
+            <a:chExt cx="2516973" cy="878948"/>
           </a:xfrm>
-          <a:prstGeom prst="straightConnector1">
-            <a:avLst/>
-          </a:prstGeom>
-          <a:ln w="12700">
-            <a:solidFill>
-              <a:schemeClr val="accent2">
-                <a:lumMod val="60000"/>
-                <a:lumOff val="40000"/>
-              </a:schemeClr>
-            </a:solidFill>
-            <a:tailEnd type="triangle"/>
-          </a:ln>
-        </p:spPr>
-        <p:style>
-          <a:lnRef idx="1">
-            <a:schemeClr val="accent1"/>
-          </a:lnRef>
-          <a:fillRef idx="0">
-            <a:schemeClr val="accent1"/>
-          </a:fillRef>
-          <a:effectRef idx="0">
-            <a:schemeClr val="accent1"/>
-          </a:effectRef>
-          <a:fontRef idx="minor">
-            <a:schemeClr val="tx1"/>
-          </a:fontRef>
-        </p:style>
-      </p:cxnSp>
+        </p:grpSpPr>
+        <p:grpSp>
+          <p:nvGrpSpPr>
+            <p:cNvPr id="9" name="Group 8">
+              <a:extLst>
+                <a:ext uri="{FF2B5EF4-FFF2-40B4-BE49-F238E27FC236}">
+                  <a16:creationId xmlns:a16="http://schemas.microsoft.com/office/drawing/2014/main" id="{7E4C7A32-ABEE-4E6F-BF40-019B25CBACA8}"/>
+                </a:ext>
+              </a:extLst>
+            </p:cNvPr>
+            <p:cNvGrpSpPr/>
+            <p:nvPr/>
+          </p:nvGrpSpPr>
+          <p:grpSpPr>
+            <a:xfrm>
+              <a:off x="3096259" y="4825892"/>
+              <a:ext cx="2516973" cy="517781"/>
+              <a:chOff x="3232326" y="2828987"/>
+              <a:chExt cx="2516973" cy="560386"/>
+            </a:xfrm>
+          </p:grpSpPr>
+          <p:sp>
+            <p:nvSpPr>
+              <p:cNvPr id="59" name="TextBox 58">
+                <a:extLst>
+                  <a:ext uri="{FF2B5EF4-FFF2-40B4-BE49-F238E27FC236}">
+                    <a16:creationId xmlns:a16="http://schemas.microsoft.com/office/drawing/2014/main" id="{9ED53A0E-FCFE-DE4A-9776-897FDA4E3D8F}"/>
+                  </a:ext>
+                </a:extLst>
+              </p:cNvPr>
+              <p:cNvSpPr txBox="1"/>
+              <p:nvPr/>
+            </p:nvSpPr>
+            <p:spPr>
+              <a:xfrm>
+                <a:off x="3232326" y="2828987"/>
+                <a:ext cx="2516973" cy="276999"/>
+              </a:xfrm>
+              <a:prstGeom prst="rect">
+                <a:avLst/>
+              </a:prstGeom>
+              <a:noFill/>
+            </p:spPr>
+            <p:txBody>
+              <a:bodyPr wrap="square" rtlCol="0">
+                <a:spAutoFit/>
+              </a:bodyPr>
+              <a:lstStyle/>
+              <a:p>
+                <a:r>
+                  <a:rPr lang="en-US" sz="1200" dirty="0">
+                    <a:solidFill>
+                      <a:schemeClr val="accent2"/>
+                    </a:solidFill>
+                  </a:rPr>
+                  <a:t>summary-</a:t>
+                </a:r>
+                <a:r>
+                  <a:rPr lang="en-US" sz="1200" dirty="0" err="1">
+                    <a:solidFill>
+                      <a:schemeClr val="accent2"/>
+                    </a:solidFill>
+                  </a:rPr>
+                  <a:t>chart__ramp__slice</a:t>
+                </a:r>
+                <a:endParaRPr lang="en-SG" sz="1200" dirty="0">
+                  <a:solidFill>
+                    <a:schemeClr val="accent2"/>
+                  </a:solidFill>
+                </a:endParaRPr>
+              </a:p>
+            </p:txBody>
+          </p:sp>
+          <p:cxnSp>
+            <p:nvCxnSpPr>
+              <p:cNvPr id="63" name="Straight Arrow Connector 62">
+                <a:extLst>
+                  <a:ext uri="{FF2B5EF4-FFF2-40B4-BE49-F238E27FC236}">
+                    <a16:creationId xmlns:a16="http://schemas.microsoft.com/office/drawing/2014/main" id="{510B956D-D846-A649-B354-69624F72C304}"/>
+                  </a:ext>
+                </a:extLst>
+              </p:cNvPr>
+              <p:cNvCxnSpPr>
+                <a:cxnSpLocks/>
+              </p:cNvCxnSpPr>
+              <p:nvPr/>
+            </p:nvCxnSpPr>
+            <p:spPr>
+              <a:xfrm>
+                <a:off x="4284891" y="3125047"/>
+                <a:ext cx="0" cy="264326"/>
+              </a:xfrm>
+              <a:prstGeom prst="straightConnector1">
+                <a:avLst/>
+              </a:prstGeom>
+              <a:ln>
+                <a:tailEnd type="triangle"/>
+              </a:ln>
+            </p:spPr>
+            <p:style>
+              <a:lnRef idx="3">
+                <a:schemeClr val="accent2"/>
+              </a:lnRef>
+              <a:fillRef idx="0">
+                <a:schemeClr val="accent2"/>
+              </a:fillRef>
+              <a:effectRef idx="2">
+                <a:schemeClr val="accent2"/>
+              </a:effectRef>
+              <a:fontRef idx="minor">
+                <a:schemeClr val="tx1"/>
+              </a:fontRef>
+            </p:style>
+          </p:cxnSp>
+        </p:grpSp>
+        <p:sp>
+          <p:nvSpPr>
+            <p:cNvPr id="18" name="Oval 17">
+              <a:extLst>
+                <a:ext uri="{FF2B5EF4-FFF2-40B4-BE49-F238E27FC236}">
+                  <a16:creationId xmlns:a16="http://schemas.microsoft.com/office/drawing/2014/main" id="{835E379B-178A-45D1-B2A3-1445046FB173}"/>
+                </a:ext>
+              </a:extLst>
+            </p:cNvPr>
+            <p:cNvSpPr/>
+            <p:nvPr/>
+          </p:nvSpPr>
+          <p:spPr>
+            <a:xfrm>
+              <a:off x="4043680" y="5350935"/>
+              <a:ext cx="162560" cy="353905"/>
+            </a:xfrm>
+            <a:prstGeom prst="ellipse">
+              <a:avLst/>
+            </a:prstGeom>
+            <a:noFill/>
+            <a:ln w="9525" cap="flat" cmpd="sng" algn="ctr">
+              <a:solidFill>
+                <a:schemeClr val="accent2"/>
+              </a:solidFill>
+              <a:prstDash val="solid"/>
+              <a:round/>
+              <a:headEnd type="none" w="med" len="med"/>
+              <a:tailEnd type="none" w="med" len="med"/>
+            </a:ln>
+          </p:spPr>
+          <p:style>
+            <a:lnRef idx="0">
+              <a:scrgbClr r="0" g="0" b="0"/>
+            </a:lnRef>
+            <a:fillRef idx="0">
+              <a:scrgbClr r="0" g="0" b="0"/>
+            </a:fillRef>
+            <a:effectRef idx="0">
+              <a:scrgbClr r="0" g="0" b="0"/>
+            </a:effectRef>
+            <a:fontRef idx="minor">
+              <a:schemeClr val="accent2"/>
+            </a:fontRef>
+          </p:style>
+          <p:txBody>
+            <a:bodyPr rtlCol="0" anchor="ctr"/>
+            <a:lstStyle/>
+            <a:p>
+              <a:pPr algn="ctr"/>
+              <a:endParaRPr lang="en-SG"/>
+            </a:p>
+          </p:txBody>
+        </p:sp>
+      </p:grpSp>
+      <p:grpSp>
+        <p:nvGrpSpPr>
+          <p:cNvPr id="7" name="Group 6">
+            <a:extLst>
+              <a:ext uri="{FF2B5EF4-FFF2-40B4-BE49-F238E27FC236}">
+                <a16:creationId xmlns:a16="http://schemas.microsoft.com/office/drawing/2014/main" id="{FD49A8D1-E3C2-46F6-A2DF-B8878801CE90}"/>
+              </a:ext>
+            </a:extLst>
+          </p:cNvPr>
+          <p:cNvGrpSpPr/>
+          <p:nvPr/>
+        </p:nvGrpSpPr>
+        <p:grpSpPr>
+          <a:xfrm>
+            <a:off x="-38617" y="1945463"/>
+            <a:ext cx="6002230" cy="617235"/>
+            <a:chOff x="-13217" y="1950544"/>
+            <a:chExt cx="6002230" cy="449190"/>
+          </a:xfrm>
+        </p:grpSpPr>
+        <p:sp>
+          <p:nvSpPr>
+            <p:cNvPr id="42" name="Rectangle 41">
+              <a:extLst>
+                <a:ext uri="{FF2B5EF4-FFF2-40B4-BE49-F238E27FC236}">
+                  <a16:creationId xmlns:a16="http://schemas.microsoft.com/office/drawing/2014/main" id="{570EA449-180B-9046-8449-8C441F0729CF}"/>
+                </a:ext>
+              </a:extLst>
+            </p:cNvPr>
+            <p:cNvSpPr/>
+            <p:nvPr/>
+          </p:nvSpPr>
+          <p:spPr>
+            <a:xfrm>
+              <a:off x="1484661" y="1950544"/>
+              <a:ext cx="4504352" cy="449190"/>
+            </a:xfrm>
+            <a:prstGeom prst="rect">
+              <a:avLst/>
+            </a:prstGeom>
+            <a:noFill/>
+            <a:ln w="12700" cap="flat" cmpd="sng" algn="ctr">
+              <a:solidFill>
+                <a:srgbClr val="7030A0"/>
+              </a:solidFill>
+              <a:prstDash val="solid"/>
+              <a:round/>
+              <a:headEnd type="none" w="med" len="med"/>
+              <a:tailEnd type="none" w="med" len="med"/>
+            </a:ln>
+          </p:spPr>
+          <p:style>
+            <a:lnRef idx="0">
+              <a:scrgbClr r="0" g="0" b="0"/>
+            </a:lnRef>
+            <a:fillRef idx="0">
+              <a:scrgbClr r="0" g="0" b="0"/>
+            </a:fillRef>
+            <a:effectRef idx="0">
+              <a:scrgbClr r="0" g="0" b="0"/>
+            </a:effectRef>
+            <a:fontRef idx="minor">
+              <a:schemeClr val="accent4"/>
+            </a:fontRef>
+          </p:style>
+          <p:txBody>
+            <a:bodyPr rtlCol="0" anchor="ctr"/>
+            <a:lstStyle/>
+            <a:p>
+              <a:pPr algn="ctr"/>
+              <a:endParaRPr lang="en-SG"/>
+            </a:p>
+          </p:txBody>
+        </p:sp>
+        <p:sp>
+          <p:nvSpPr>
+            <p:cNvPr id="48" name="TextBox 47">
+              <a:extLst>
+                <a:ext uri="{FF2B5EF4-FFF2-40B4-BE49-F238E27FC236}">
+                  <a16:creationId xmlns:a16="http://schemas.microsoft.com/office/drawing/2014/main" id="{A77BE544-7145-6949-94AF-AFCE5DA7C7AD}"/>
+                </a:ext>
+              </a:extLst>
+            </p:cNvPr>
+            <p:cNvSpPr txBox="1"/>
+            <p:nvPr/>
+          </p:nvSpPr>
+          <p:spPr>
+            <a:xfrm>
+              <a:off x="-13217" y="2026833"/>
+              <a:ext cx="1202954" cy="276999"/>
+            </a:xfrm>
+            <a:prstGeom prst="rect">
+              <a:avLst/>
+            </a:prstGeom>
+            <a:noFill/>
+          </p:spPr>
+          <p:txBody>
+            <a:bodyPr wrap="square" rtlCol="0">
+              <a:spAutoFit/>
+            </a:bodyPr>
+            <a:lstStyle/>
+            <a:p>
+              <a:pPr algn="ctr"/>
+              <a:r>
+                <a:rPr lang="en-US" sz="1200" dirty="0">
+                  <a:solidFill>
+                    <a:srgbClr val="7030A0"/>
+                  </a:solidFill>
+                </a:rPr>
+                <a:t>summary-chart</a:t>
+              </a:r>
+            </a:p>
+          </p:txBody>
+        </p:sp>
+        <p:cxnSp>
+          <p:nvCxnSpPr>
+            <p:cNvPr id="37" name="Straight Arrow Connector 36">
+              <a:extLst>
+                <a:ext uri="{FF2B5EF4-FFF2-40B4-BE49-F238E27FC236}">
+                  <a16:creationId xmlns:a16="http://schemas.microsoft.com/office/drawing/2014/main" id="{DEEEF689-CF7E-7149-97BA-3D3957707314}"/>
+                </a:ext>
+              </a:extLst>
+            </p:cNvPr>
+            <p:cNvCxnSpPr>
+              <a:cxnSpLocks/>
+            </p:cNvCxnSpPr>
+            <p:nvPr/>
+          </p:nvCxnSpPr>
+          <p:spPr>
+            <a:xfrm>
+              <a:off x="1068915" y="2178394"/>
+              <a:ext cx="415745" cy="0"/>
+            </a:xfrm>
+            <a:prstGeom prst="straightConnector1">
+              <a:avLst/>
+            </a:prstGeom>
+            <a:ln w="12700">
+              <a:solidFill>
+                <a:srgbClr val="7030A0"/>
+              </a:solidFill>
+              <a:tailEnd type="triangle"/>
+            </a:ln>
+          </p:spPr>
+          <p:style>
+            <a:lnRef idx="1">
+              <a:schemeClr val="accent1"/>
+            </a:lnRef>
+            <a:fillRef idx="0">
+              <a:schemeClr val="accent1"/>
+            </a:fillRef>
+            <a:effectRef idx="0">
+              <a:schemeClr val="accent1"/>
+            </a:effectRef>
+            <a:fontRef idx="minor">
+              <a:schemeClr val="tx1"/>
+            </a:fontRef>
+          </p:style>
+        </p:cxnSp>
+      </p:grpSp>
+      <p:grpSp>
+        <p:nvGrpSpPr>
+          <p:cNvPr id="6" name="Group 5">
+            <a:extLst>
+              <a:ext uri="{FF2B5EF4-FFF2-40B4-BE49-F238E27FC236}">
+                <a16:creationId xmlns:a16="http://schemas.microsoft.com/office/drawing/2014/main" id="{CD10DD3E-6792-4495-93AD-55D6F9AF041C}"/>
+              </a:ext>
+            </a:extLst>
+          </p:cNvPr>
+          <p:cNvGrpSpPr/>
+          <p:nvPr/>
+        </p:nvGrpSpPr>
+        <p:grpSpPr>
+          <a:xfrm>
+            <a:off x="1" y="896446"/>
+            <a:ext cx="5748866" cy="869029"/>
+            <a:chOff x="1" y="896446"/>
+            <a:chExt cx="5748866" cy="869029"/>
+          </a:xfrm>
+        </p:grpSpPr>
+        <p:sp>
+          <p:nvSpPr>
+            <p:cNvPr id="40" name="TextBox 39">
+              <a:extLst>
+                <a:ext uri="{FF2B5EF4-FFF2-40B4-BE49-F238E27FC236}">
+                  <a16:creationId xmlns:a16="http://schemas.microsoft.com/office/drawing/2014/main" id="{87B6C03F-369B-FC4B-A10B-9B5BFBCEF11A}"/>
+                </a:ext>
+              </a:extLst>
+            </p:cNvPr>
+            <p:cNvSpPr txBox="1"/>
+            <p:nvPr/>
+          </p:nvSpPr>
+          <p:spPr>
+            <a:xfrm>
+              <a:off x="1" y="1185282"/>
+              <a:ext cx="1422854" cy="276999"/>
+            </a:xfrm>
+            <a:prstGeom prst="rect">
+              <a:avLst/>
+            </a:prstGeom>
+            <a:noFill/>
+          </p:spPr>
+          <p:txBody>
+            <a:bodyPr wrap="square" rtlCol="0">
+              <a:spAutoFit/>
+            </a:bodyPr>
+            <a:lstStyle/>
+            <a:p>
+              <a:pPr algn="ctr"/>
+              <a:r>
+                <a:rPr lang="en-US" sz="1200" dirty="0">
+                  <a:solidFill>
+                    <a:schemeClr val="accent6"/>
+                  </a:solidFill>
+                </a:rPr>
+                <a:t>summary-picker</a:t>
+              </a:r>
+            </a:p>
+          </p:txBody>
+        </p:sp>
+        <p:sp>
+          <p:nvSpPr>
+            <p:cNvPr id="41" name="Rectangle 40">
+              <a:extLst>
+                <a:ext uri="{FF2B5EF4-FFF2-40B4-BE49-F238E27FC236}">
+                  <a16:creationId xmlns:a16="http://schemas.microsoft.com/office/drawing/2014/main" id="{24AE4F15-738B-C34D-830A-5AA47285C7ED}"/>
+                </a:ext>
+              </a:extLst>
+            </p:cNvPr>
+            <p:cNvSpPr/>
+            <p:nvPr/>
+          </p:nvSpPr>
+          <p:spPr>
+            <a:xfrm>
+              <a:off x="1674004" y="896446"/>
+              <a:ext cx="4074863" cy="869029"/>
+            </a:xfrm>
+            <a:prstGeom prst="rect">
+              <a:avLst/>
+            </a:prstGeom>
+            <a:noFill/>
+            <a:ln w="12700" cap="flat" cmpd="sng" algn="ctr">
+              <a:solidFill>
+                <a:schemeClr val="accent6"/>
+              </a:solidFill>
+              <a:prstDash val="solid"/>
+              <a:round/>
+              <a:headEnd type="none" w="med" len="med"/>
+              <a:tailEnd type="none" w="med" len="med"/>
+            </a:ln>
+          </p:spPr>
+          <p:style>
+            <a:lnRef idx="0">
+              <a:scrgbClr r="0" g="0" b="0"/>
+            </a:lnRef>
+            <a:fillRef idx="0">
+              <a:scrgbClr r="0" g="0" b="0"/>
+            </a:fillRef>
+            <a:effectRef idx="0">
+              <a:scrgbClr r="0" g="0" b="0"/>
+            </a:effectRef>
+            <a:fontRef idx="minor">
+              <a:schemeClr val="accent6"/>
+            </a:fontRef>
+          </p:style>
+          <p:txBody>
+            <a:bodyPr rtlCol="0" anchor="ctr"/>
+            <a:lstStyle/>
+            <a:p>
+              <a:pPr algn="ctr"/>
+              <a:endParaRPr lang="en-SG"/>
+            </a:p>
+          </p:txBody>
+        </p:sp>
+        <p:cxnSp>
+          <p:nvCxnSpPr>
+            <p:cNvPr id="4" name="Straight Arrow Connector 3">
+              <a:extLst>
+                <a:ext uri="{FF2B5EF4-FFF2-40B4-BE49-F238E27FC236}">
+                  <a16:creationId xmlns:a16="http://schemas.microsoft.com/office/drawing/2014/main" id="{0E1E9E40-02F3-174C-97DB-3B6E1415124B}"/>
+                </a:ext>
+              </a:extLst>
+            </p:cNvPr>
+            <p:cNvCxnSpPr>
+              <a:cxnSpLocks/>
+            </p:cNvCxnSpPr>
+            <p:nvPr/>
+          </p:nvCxnSpPr>
+          <p:spPr>
+            <a:xfrm>
+              <a:off x="1294354" y="1335408"/>
+              <a:ext cx="352376" cy="0"/>
+            </a:xfrm>
+            <a:prstGeom prst="straightConnector1">
+              <a:avLst/>
+            </a:prstGeom>
+            <a:ln w="12700">
+              <a:solidFill>
+                <a:schemeClr val="accent6"/>
+              </a:solidFill>
+              <a:tailEnd type="triangle"/>
+            </a:ln>
+          </p:spPr>
+          <p:style>
+            <a:lnRef idx="1">
+              <a:schemeClr val="accent1"/>
+            </a:lnRef>
+            <a:fillRef idx="0">
+              <a:schemeClr val="accent1"/>
+            </a:fillRef>
+            <a:effectRef idx="0">
+              <a:schemeClr val="accent1"/>
+            </a:effectRef>
+            <a:fontRef idx="minor">
+              <a:schemeClr val="tx1"/>
+            </a:fontRef>
+          </p:style>
+        </p:cxnSp>
+      </p:grpSp>
     </p:spTree>
     <p:extLst>
       <p:ext uri="{BB962C8B-B14F-4D97-AF65-F5344CB8AC3E}">
-        <p14:creationId xmlns:p14="http://schemas.microsoft.com/office/powerpoint/2010/main" val="2052385819"/>
+        <p14:creationId xmlns:p14="http://schemas.microsoft.com/office/powerpoint/2010/main" val="1284972534"/>
       </p:ext>
     </p:extLst>
   </p:cSld>

--- a/docs/diagrams/report-summary.pptx
+++ b/docs/diagrams/report-summary.pptx
@@ -261,7 +261,7 @@
           <a:p>
             <a:fld id="{D5F4EE06-143D-4C2F-8831-1CDA21FFE47B}" type="datetimeFigureOut">
               <a:rPr lang="en-SG" smtClean="0"/>
-              <a:t>30/7/2019</a:t>
+              <a:t>31/7/2019</a:t>
             </a:fld>
             <a:endParaRPr lang="en-SG"/>
           </a:p>
@@ -461,7 +461,7 @@
           <a:p>
             <a:fld id="{D5F4EE06-143D-4C2F-8831-1CDA21FFE47B}" type="datetimeFigureOut">
               <a:rPr lang="en-SG" smtClean="0"/>
-              <a:t>30/7/2019</a:t>
+              <a:t>31/7/2019</a:t>
             </a:fld>
             <a:endParaRPr lang="en-SG"/>
           </a:p>
@@ -671,7 +671,7 @@
           <a:p>
             <a:fld id="{D5F4EE06-143D-4C2F-8831-1CDA21FFE47B}" type="datetimeFigureOut">
               <a:rPr lang="en-SG" smtClean="0"/>
-              <a:t>30/7/2019</a:t>
+              <a:t>31/7/2019</a:t>
             </a:fld>
             <a:endParaRPr lang="en-SG"/>
           </a:p>
@@ -871,7 +871,7 @@
           <a:p>
             <a:fld id="{D5F4EE06-143D-4C2F-8831-1CDA21FFE47B}" type="datetimeFigureOut">
               <a:rPr lang="en-SG" smtClean="0"/>
-              <a:t>30/7/2019</a:t>
+              <a:t>31/7/2019</a:t>
             </a:fld>
             <a:endParaRPr lang="en-SG"/>
           </a:p>
@@ -1147,7 +1147,7 @@
           <a:p>
             <a:fld id="{D5F4EE06-143D-4C2F-8831-1CDA21FFE47B}" type="datetimeFigureOut">
               <a:rPr lang="en-SG" smtClean="0"/>
-              <a:t>30/7/2019</a:t>
+              <a:t>31/7/2019</a:t>
             </a:fld>
             <a:endParaRPr lang="en-SG"/>
           </a:p>
@@ -1415,7 +1415,7 @@
           <a:p>
             <a:fld id="{D5F4EE06-143D-4C2F-8831-1CDA21FFE47B}" type="datetimeFigureOut">
               <a:rPr lang="en-SG" smtClean="0"/>
-              <a:t>30/7/2019</a:t>
+              <a:t>31/7/2019</a:t>
             </a:fld>
             <a:endParaRPr lang="en-SG"/>
           </a:p>
@@ -1830,7 +1830,7 @@
           <a:p>
             <a:fld id="{D5F4EE06-143D-4C2F-8831-1CDA21FFE47B}" type="datetimeFigureOut">
               <a:rPr lang="en-SG" smtClean="0"/>
-              <a:t>30/7/2019</a:t>
+              <a:t>31/7/2019</a:t>
             </a:fld>
             <a:endParaRPr lang="en-SG"/>
           </a:p>
@@ -1972,7 +1972,7 @@
           <a:p>
             <a:fld id="{D5F4EE06-143D-4C2F-8831-1CDA21FFE47B}" type="datetimeFigureOut">
               <a:rPr lang="en-SG" smtClean="0"/>
-              <a:t>30/7/2019</a:t>
+              <a:t>31/7/2019</a:t>
             </a:fld>
             <a:endParaRPr lang="en-SG"/>
           </a:p>
@@ -2085,7 +2085,7 @@
           <a:p>
             <a:fld id="{D5F4EE06-143D-4C2F-8831-1CDA21FFE47B}" type="datetimeFigureOut">
               <a:rPr lang="en-SG" smtClean="0"/>
-              <a:t>30/7/2019</a:t>
+              <a:t>31/7/2019</a:t>
             </a:fld>
             <a:endParaRPr lang="en-SG"/>
           </a:p>
@@ -2398,7 +2398,7 @@
           <a:p>
             <a:fld id="{D5F4EE06-143D-4C2F-8831-1CDA21FFE47B}" type="datetimeFigureOut">
               <a:rPr lang="en-SG" smtClean="0"/>
-              <a:t>30/7/2019</a:t>
+              <a:t>31/7/2019</a:t>
             </a:fld>
             <a:endParaRPr lang="en-SG"/>
           </a:p>
@@ -2687,7 +2687,7 @@
           <a:p>
             <a:fld id="{D5F4EE06-143D-4C2F-8831-1CDA21FFE47B}" type="datetimeFigureOut">
               <a:rPr lang="en-SG" smtClean="0"/>
-              <a:t>30/7/2019</a:t>
+              <a:t>31/7/2019</a:t>
             </a:fld>
             <a:endParaRPr lang="en-SG"/>
           </a:p>
@@ -2930,7 +2930,7 @@
           <a:p>
             <a:fld id="{D5F4EE06-143D-4C2F-8831-1CDA21FFE47B}" type="datetimeFigureOut">
               <a:rPr lang="en-SG" smtClean="0"/>
-              <a:t>30/7/2019</a:t>
+              <a:t>31/7/2019</a:t>
             </a:fld>
             <a:endParaRPr lang="en-SG"/>
           </a:p>
@@ -3349,10 +3349,10 @@
       </p:grpSpPr>
       <p:pic>
         <p:nvPicPr>
-          <p:cNvPr id="16" name="Picture 15">
-            <a:extLst>
-              <a:ext uri="{FF2B5EF4-FFF2-40B4-BE49-F238E27FC236}">
-                <a16:creationId xmlns:a16="http://schemas.microsoft.com/office/drawing/2014/main" id="{A2D81E3F-A898-460A-BDB1-6F6C963535DF}"/>
+          <p:cNvPr id="21" name="Picture 20">
+            <a:extLst>
+              <a:ext uri="{FF2B5EF4-FFF2-40B4-BE49-F238E27FC236}">
+                <a16:creationId xmlns:a16="http://schemas.microsoft.com/office/drawing/2014/main" id="{C70048C1-877A-4052-9F36-3B353B08517D}"/>
               </a:ext>
             </a:extLst>
           </p:cNvPr>
@@ -3369,8 +3369,8 @@
         </p:blipFill>
         <p:spPr>
           <a:xfrm>
-            <a:off x="1398875" y="818708"/>
-            <a:ext cx="9308464" cy="5236012"/>
+            <a:off x="1439799" y="809886"/>
+            <a:ext cx="9343414" cy="5255671"/>
           </a:xfrm>
           <a:prstGeom prst="rect">
             <a:avLst/>

--- a/docs/diagrams/report-summary.pptx
+++ b/docs/diagrams/report-summary.pptx
@@ -5,7 +5,7 @@
     <p:sldMasterId id="2147483648" r:id="rId1"/>
   </p:sldMasterIdLst>
   <p:sldIdLst>
-    <p:sldId id="256" r:id="rId2"/>
+    <p:sldId id="257" r:id="rId2"/>
   </p:sldIdLst>
   <p:sldSz cx="12192000" cy="6858000"/>
   <p:notesSz cx="6858000" cy="9144000"/>
@@ -261,7 +261,7 @@
           <a:p>
             <a:fld id="{D5F4EE06-143D-4C2F-8831-1CDA21FFE47B}" type="datetimeFigureOut">
               <a:rPr lang="en-SG" smtClean="0"/>
-              <a:t>22/7/19</a:t>
+              <a:t>31/7/2019</a:t>
             </a:fld>
             <a:endParaRPr lang="en-SG"/>
           </a:p>
@@ -461,7 +461,7 @@
           <a:p>
             <a:fld id="{D5F4EE06-143D-4C2F-8831-1CDA21FFE47B}" type="datetimeFigureOut">
               <a:rPr lang="en-SG" smtClean="0"/>
-              <a:t>22/7/19</a:t>
+              <a:t>31/7/2019</a:t>
             </a:fld>
             <a:endParaRPr lang="en-SG"/>
           </a:p>
@@ -671,7 +671,7 @@
           <a:p>
             <a:fld id="{D5F4EE06-143D-4C2F-8831-1CDA21FFE47B}" type="datetimeFigureOut">
               <a:rPr lang="en-SG" smtClean="0"/>
-              <a:t>22/7/19</a:t>
+              <a:t>31/7/2019</a:t>
             </a:fld>
             <a:endParaRPr lang="en-SG"/>
           </a:p>
@@ -871,7 +871,7 @@
           <a:p>
             <a:fld id="{D5F4EE06-143D-4C2F-8831-1CDA21FFE47B}" type="datetimeFigureOut">
               <a:rPr lang="en-SG" smtClean="0"/>
-              <a:t>22/7/19</a:t>
+              <a:t>31/7/2019</a:t>
             </a:fld>
             <a:endParaRPr lang="en-SG"/>
           </a:p>
@@ -1147,7 +1147,7 @@
           <a:p>
             <a:fld id="{D5F4EE06-143D-4C2F-8831-1CDA21FFE47B}" type="datetimeFigureOut">
               <a:rPr lang="en-SG" smtClean="0"/>
-              <a:t>22/7/19</a:t>
+              <a:t>31/7/2019</a:t>
             </a:fld>
             <a:endParaRPr lang="en-SG"/>
           </a:p>
@@ -1415,7 +1415,7 @@
           <a:p>
             <a:fld id="{D5F4EE06-143D-4C2F-8831-1CDA21FFE47B}" type="datetimeFigureOut">
               <a:rPr lang="en-SG" smtClean="0"/>
-              <a:t>22/7/19</a:t>
+              <a:t>31/7/2019</a:t>
             </a:fld>
             <a:endParaRPr lang="en-SG"/>
           </a:p>
@@ -1830,7 +1830,7 @@
           <a:p>
             <a:fld id="{D5F4EE06-143D-4C2F-8831-1CDA21FFE47B}" type="datetimeFigureOut">
               <a:rPr lang="en-SG" smtClean="0"/>
-              <a:t>22/7/19</a:t>
+              <a:t>31/7/2019</a:t>
             </a:fld>
             <a:endParaRPr lang="en-SG"/>
           </a:p>
@@ -1972,7 +1972,7 @@
           <a:p>
             <a:fld id="{D5F4EE06-143D-4C2F-8831-1CDA21FFE47B}" type="datetimeFigureOut">
               <a:rPr lang="en-SG" smtClean="0"/>
-              <a:t>22/7/19</a:t>
+              <a:t>31/7/2019</a:t>
             </a:fld>
             <a:endParaRPr lang="en-SG"/>
           </a:p>
@@ -2085,7 +2085,7 @@
           <a:p>
             <a:fld id="{D5F4EE06-143D-4C2F-8831-1CDA21FFE47B}" type="datetimeFigureOut">
               <a:rPr lang="en-SG" smtClean="0"/>
-              <a:t>22/7/19</a:t>
+              <a:t>31/7/2019</a:t>
             </a:fld>
             <a:endParaRPr lang="en-SG"/>
           </a:p>
@@ -2398,7 +2398,7 @@
           <a:p>
             <a:fld id="{D5F4EE06-143D-4C2F-8831-1CDA21FFE47B}" type="datetimeFigureOut">
               <a:rPr lang="en-SG" smtClean="0"/>
-              <a:t>22/7/19</a:t>
+              <a:t>31/7/2019</a:t>
             </a:fld>
             <a:endParaRPr lang="en-SG"/>
           </a:p>
@@ -2687,7 +2687,7 @@
           <a:p>
             <a:fld id="{D5F4EE06-143D-4C2F-8831-1CDA21FFE47B}" type="datetimeFigureOut">
               <a:rPr lang="en-SG" smtClean="0"/>
-              <a:t>22/7/19</a:t>
+              <a:t>31/7/2019</a:t>
             </a:fld>
             <a:endParaRPr lang="en-SG"/>
           </a:p>
@@ -2930,7 +2930,7 @@
           <a:p>
             <a:fld id="{D5F4EE06-143D-4C2F-8831-1CDA21FFE47B}" type="datetimeFigureOut">
               <a:rPr lang="en-SG" smtClean="0"/>
-              <a:t>22/7/19</a:t>
+              <a:t>31/7/2019</a:t>
             </a:fld>
             <a:endParaRPr lang="en-SG"/>
           </a:p>
@@ -3349,10 +3349,10 @@
       </p:grpSpPr>
       <p:pic>
         <p:nvPicPr>
-          <p:cNvPr id="5" name="Picture 4">
-            <a:extLst>
-              <a:ext uri="{FF2B5EF4-FFF2-40B4-BE49-F238E27FC236}">
-                <a16:creationId xmlns:a16="http://schemas.microsoft.com/office/drawing/2014/main" id="{57D8E422-39B9-AD4D-AEBC-CAD2FD032214}"/>
+          <p:cNvPr id="21" name="Picture 20">
+            <a:extLst>
+              <a:ext uri="{FF2B5EF4-FFF2-40B4-BE49-F238E27FC236}">
+                <a16:creationId xmlns:a16="http://schemas.microsoft.com/office/drawing/2014/main" id="{C70048C1-877A-4052-9F36-3B353B08517D}"/>
               </a:ext>
             </a:extLst>
           </p:cNvPr>
@@ -3369,1574 +3369,1877 @@
         </p:blipFill>
         <p:spPr>
           <a:xfrm>
-            <a:off x="1422855" y="798089"/>
-            <a:ext cx="9317337" cy="5245522"/>
+            <a:off x="1439799" y="809886"/>
+            <a:ext cx="9343414" cy="5255671"/>
           </a:xfrm>
           <a:prstGeom prst="rect">
             <a:avLst/>
           </a:prstGeom>
-          <a:ln w="12700">
-            <a:solidFill>
-              <a:schemeClr val="tx1"/>
-            </a:solidFill>
-          </a:ln>
         </p:spPr>
       </p:pic>
-      <p:sp>
-        <p:nvSpPr>
-          <p:cNvPr id="34" name="Rectangle 33">
-            <a:extLst>
-              <a:ext uri="{FF2B5EF4-FFF2-40B4-BE49-F238E27FC236}">
-                <a16:creationId xmlns:a16="http://schemas.microsoft.com/office/drawing/2014/main" id="{A39783FF-1234-8446-AB32-9380684BB1B3}"/>
-              </a:ext>
-            </a:extLst>
-          </p:cNvPr>
-          <p:cNvSpPr/>
+      <p:grpSp>
+        <p:nvGrpSpPr>
+          <p:cNvPr id="8" name="Group 7">
+            <a:extLst>
+              <a:ext uri="{FF2B5EF4-FFF2-40B4-BE49-F238E27FC236}">
+                <a16:creationId xmlns:a16="http://schemas.microsoft.com/office/drawing/2014/main" id="{5D133CED-5E0F-4C30-8754-1D33D3C5FA63}"/>
+              </a:ext>
+            </a:extLst>
+          </p:cNvPr>
+          <p:cNvGrpSpPr/>
           <p:nvPr/>
-        </p:nvSpPr>
-        <p:spPr>
+        </p:nvGrpSpPr>
+        <p:grpSpPr>
           <a:xfrm>
-            <a:off x="1408787" y="814386"/>
-            <a:ext cx="4643017" cy="5229225"/>
+            <a:off x="-23377" y="2663948"/>
+            <a:ext cx="5993260" cy="461665"/>
+            <a:chOff x="0" y="2478387"/>
+            <a:chExt cx="5993260" cy="461665"/>
           </a:xfrm>
-          <a:prstGeom prst="rect">
-            <a:avLst/>
-          </a:prstGeom>
-          <a:noFill/>
-          <a:ln w="57150" cap="flat" cmpd="sng" algn="ctr">
-            <a:solidFill>
+        </p:grpSpPr>
+        <p:sp>
+          <p:nvSpPr>
+            <p:cNvPr id="60" name="Rectangle 59">
+              <a:extLst>
+                <a:ext uri="{FF2B5EF4-FFF2-40B4-BE49-F238E27FC236}">
+                  <a16:creationId xmlns:a16="http://schemas.microsoft.com/office/drawing/2014/main" id="{0FE18B14-A8FF-CA40-9773-69CCCF32CE9A}"/>
+                </a:ext>
+              </a:extLst>
+            </p:cNvPr>
+            <p:cNvSpPr/>
+            <p:nvPr/>
+          </p:nvSpPr>
+          <p:spPr>
+            <a:xfrm>
+              <a:off x="1510797" y="2556435"/>
+              <a:ext cx="4482463" cy="305570"/>
+            </a:xfrm>
+            <a:prstGeom prst="rect">
+              <a:avLst/>
+            </a:prstGeom>
+            <a:noFill/>
+            <a:ln w="12700" cap="flat" cmpd="sng" algn="ctr">
+              <a:solidFill>
+                <a:schemeClr val="accent5"/>
+              </a:solidFill>
+              <a:prstDash val="solid"/>
+              <a:round/>
+              <a:headEnd type="none" w="med" len="med"/>
+              <a:tailEnd type="none" w="med" len="med"/>
+            </a:ln>
+          </p:spPr>
+          <p:style>
+            <a:lnRef idx="0">
+              <a:scrgbClr r="0" g="0" b="0"/>
+            </a:lnRef>
+            <a:fillRef idx="0">
+              <a:scrgbClr r="0" g="0" b="0"/>
+            </a:fillRef>
+            <a:effectRef idx="0">
+              <a:scrgbClr r="0" g="0" b="0"/>
+            </a:effectRef>
+            <a:fontRef idx="minor">
+              <a:schemeClr val="accent4"/>
+            </a:fontRef>
+          </p:style>
+          <p:txBody>
+            <a:bodyPr rtlCol="0" anchor="ctr"/>
+            <a:lstStyle/>
+            <a:p>
+              <a:pPr algn="ctr"/>
+              <a:endParaRPr lang="en-SG" dirty="0">
+                <a:highlight>
+                  <a:srgbClr val="FFFF00"/>
+                </a:highlight>
+              </a:endParaRPr>
+            </a:p>
+          </p:txBody>
+        </p:sp>
+        <p:sp>
+          <p:nvSpPr>
+            <p:cNvPr id="62" name="TextBox 61">
+              <a:extLst>
+                <a:ext uri="{FF2B5EF4-FFF2-40B4-BE49-F238E27FC236}">
+                  <a16:creationId xmlns:a16="http://schemas.microsoft.com/office/drawing/2014/main" id="{3C528547-1EDA-0344-9C22-58F28B4D7B80}"/>
+                </a:ext>
+              </a:extLst>
+            </p:cNvPr>
+            <p:cNvSpPr txBox="1"/>
+            <p:nvPr/>
+          </p:nvSpPr>
+          <p:spPr>
+            <a:xfrm>
+              <a:off x="0" y="2478387"/>
+              <a:ext cx="1243423" cy="461665"/>
+            </a:xfrm>
+            <a:prstGeom prst="rect">
+              <a:avLst/>
+            </a:prstGeom>
+            <a:noFill/>
+          </p:spPr>
+          <p:txBody>
+            <a:bodyPr wrap="square" rtlCol="0">
+              <a:spAutoFit/>
+            </a:bodyPr>
+            <a:lstStyle/>
+            <a:p>
+              <a:pPr algn="ctr"/>
+              <a:r>
+                <a:rPr lang="en-US" sz="1200" dirty="0">
+                  <a:solidFill>
+                    <a:srgbClr val="0070C0"/>
+                  </a:solidFill>
+                </a:rPr>
+                <a:t>summary-</a:t>
+              </a:r>
+              <a:r>
+                <a:rPr lang="en-US" sz="1200" dirty="0" err="1">
+                  <a:solidFill>
+                    <a:srgbClr val="0070C0"/>
+                  </a:solidFill>
+                </a:rPr>
+                <a:t>chart__ramp</a:t>
+              </a:r>
+              <a:endParaRPr lang="en-US" sz="1200" dirty="0">
+                <a:solidFill>
+                  <a:srgbClr val="0070C0"/>
+                </a:solidFill>
+              </a:endParaRPr>
+            </a:p>
+          </p:txBody>
+        </p:sp>
+        <p:cxnSp>
+          <p:nvCxnSpPr>
+            <p:cNvPr id="38" name="Straight Arrow Connector 37">
+              <a:extLst>
+                <a:ext uri="{FF2B5EF4-FFF2-40B4-BE49-F238E27FC236}">
+                  <a16:creationId xmlns:a16="http://schemas.microsoft.com/office/drawing/2014/main" id="{9A9F6241-AC1E-1B48-8BC2-871CFFE15B1E}"/>
+                </a:ext>
+              </a:extLst>
+            </p:cNvPr>
+            <p:cNvCxnSpPr>
+              <a:cxnSpLocks/>
+            </p:cNvCxnSpPr>
+            <p:nvPr/>
+          </p:nvCxnSpPr>
+          <p:spPr>
+            <a:xfrm>
+              <a:off x="1073665" y="2714969"/>
+              <a:ext cx="437970" cy="0"/>
+            </a:xfrm>
+            <a:prstGeom prst="straightConnector1">
+              <a:avLst/>
+            </a:prstGeom>
+            <a:ln w="12700">
+              <a:solidFill>
+                <a:srgbClr val="0070C0"/>
+              </a:solidFill>
+              <a:tailEnd type="triangle"/>
+            </a:ln>
+          </p:spPr>
+          <p:style>
+            <a:lnRef idx="1">
               <a:schemeClr val="accent1"/>
-            </a:solidFill>
-            <a:prstDash val="solid"/>
-            <a:round/>
-            <a:headEnd type="none" w="med" len="med"/>
-            <a:tailEnd type="none" w="med" len="med"/>
-          </a:ln>
-        </p:spPr>
-        <p:style>
-          <a:lnRef idx="0">
-            <a:scrgbClr r="0" g="0" b="0"/>
-          </a:lnRef>
-          <a:fillRef idx="0">
-            <a:scrgbClr r="0" g="0" b="0"/>
-          </a:fillRef>
-          <a:effectRef idx="0">
-            <a:scrgbClr r="0" g="0" b="0"/>
-          </a:effectRef>
-          <a:fontRef idx="minor">
-            <a:schemeClr val="accent1"/>
-          </a:fontRef>
-        </p:style>
-        <p:txBody>
-          <a:bodyPr rtlCol="0" anchor="ctr"/>
-          <a:lstStyle/>
-          <a:p>
-            <a:pPr algn="ctr"/>
-            <a:endParaRPr lang="en-SG"/>
-          </a:p>
-        </p:txBody>
-      </p:sp>
-      <p:sp>
-        <p:nvSpPr>
-          <p:cNvPr id="45" name="文本框 44">
-            <a:extLst>
-              <a:ext uri="{FF2B5EF4-FFF2-40B4-BE49-F238E27FC236}">
-                <a16:creationId xmlns:a16="http://schemas.microsoft.com/office/drawing/2014/main" id="{A0A1A4A5-828A-4BF9-94DF-CD28CBD612CF}"/>
-              </a:ext>
-            </a:extLst>
-          </p:cNvPr>
-          <p:cNvSpPr txBox="1"/>
+            </a:lnRef>
+            <a:fillRef idx="0">
+              <a:schemeClr val="accent1"/>
+            </a:fillRef>
+            <a:effectRef idx="0">
+              <a:schemeClr val="accent1"/>
+            </a:effectRef>
+            <a:fontRef idx="minor">
+              <a:schemeClr val="tx1"/>
+            </a:fontRef>
+          </p:style>
+        </p:cxnSp>
+      </p:grpSp>
+      <p:grpSp>
+        <p:nvGrpSpPr>
+          <p:cNvPr id="3" name="Group 2">
+            <a:extLst>
+              <a:ext uri="{FF2B5EF4-FFF2-40B4-BE49-F238E27FC236}">
+                <a16:creationId xmlns:a16="http://schemas.microsoft.com/office/drawing/2014/main" id="{11C31F51-CBC3-4351-9FFF-0513C9964E6B}"/>
+              </a:ext>
+            </a:extLst>
+          </p:cNvPr>
+          <p:cNvGrpSpPr/>
           <p:nvPr/>
-        </p:nvSpPr>
-        <p:spPr>
+        </p:nvGrpSpPr>
+        <p:grpSpPr>
           <a:xfrm>
-            <a:off x="10971251" y="4126375"/>
-            <a:ext cx="750332" cy="276999"/>
+            <a:off x="1408787" y="163993"/>
+            <a:ext cx="4643017" cy="5879618"/>
+            <a:chOff x="1408787" y="163993"/>
+            <a:chExt cx="4643017" cy="5879618"/>
           </a:xfrm>
-          <a:prstGeom prst="rect">
-            <a:avLst/>
-          </a:prstGeom>
-          <a:noFill/>
-        </p:spPr>
-        <p:txBody>
-          <a:bodyPr wrap="square" rtlCol="0">
-            <a:spAutoFit/>
-          </a:bodyPr>
-          <a:lstStyle/>
-          <a:p>
-            <a:r>
-              <a:rPr lang="en-US" altLang="zh-CN" sz="1200" dirty="0">
-                <a:solidFill>
-                  <a:schemeClr val="accent4">
-                    <a:lumMod val="75000"/>
-                  </a:schemeClr>
-                </a:solidFill>
-              </a:rPr>
-              <a:t>file</a:t>
-            </a:r>
-            <a:endParaRPr lang="zh-CN" altLang="en-US" sz="1200" dirty="0">
+        </p:grpSpPr>
+        <p:sp>
+          <p:nvSpPr>
+            <p:cNvPr id="34" name="Rectangle 33">
+              <a:extLst>
+                <a:ext uri="{FF2B5EF4-FFF2-40B4-BE49-F238E27FC236}">
+                  <a16:creationId xmlns:a16="http://schemas.microsoft.com/office/drawing/2014/main" id="{A39783FF-1234-8446-AB32-9380684BB1B3}"/>
+                </a:ext>
+              </a:extLst>
+            </p:cNvPr>
+            <p:cNvSpPr/>
+            <p:nvPr/>
+          </p:nvSpPr>
+          <p:spPr>
+            <a:xfrm>
+              <a:off x="1408787" y="814386"/>
+              <a:ext cx="4643017" cy="5229225"/>
+            </a:xfrm>
+            <a:prstGeom prst="rect">
+              <a:avLst/>
+            </a:prstGeom>
+            <a:noFill/>
+            <a:ln w="57150" cap="flat" cmpd="sng" algn="ctr">
               <a:solidFill>
-                <a:schemeClr val="accent4">
-                  <a:lumMod val="75000"/>
-                </a:schemeClr>
+                <a:schemeClr val="accent1"/>
               </a:solidFill>
-            </a:endParaRPr>
-          </a:p>
-        </p:txBody>
-      </p:sp>
-      <p:sp>
-        <p:nvSpPr>
-          <p:cNvPr id="47" name="文本框 46">
-            <a:extLst>
-              <a:ext uri="{FF2B5EF4-FFF2-40B4-BE49-F238E27FC236}">
-                <a16:creationId xmlns:a16="http://schemas.microsoft.com/office/drawing/2014/main" id="{8A40C309-DFD1-4333-84EB-9117C609942E}"/>
-              </a:ext>
-            </a:extLst>
-          </p:cNvPr>
-          <p:cNvSpPr txBox="1"/>
-          <p:nvPr/>
-        </p:nvSpPr>
-        <p:spPr>
-          <a:xfrm>
-            <a:off x="9190215" y="3133527"/>
-            <a:ext cx="849429" cy="276999"/>
-          </a:xfrm>
-          <a:prstGeom prst="rect">
-            <a:avLst/>
-          </a:prstGeom>
-          <a:noFill/>
-        </p:spPr>
-        <p:txBody>
-          <a:bodyPr wrap="square" rtlCol="0">
-            <a:spAutoFit/>
-          </a:bodyPr>
-          <a:lstStyle/>
-          <a:p>
-            <a:r>
-              <a:rPr lang="en-US" altLang="zh-CN" sz="1200" dirty="0">
-                <a:solidFill>
-                  <a:srgbClr val="C00000"/>
-                </a:solidFill>
-              </a:rPr>
-              <a:t>title</a:t>
-            </a:r>
-            <a:endParaRPr lang="zh-CN" altLang="en-US" sz="1200" dirty="0">
-              <a:solidFill>
-                <a:srgbClr val="C00000"/>
-              </a:solidFill>
-            </a:endParaRPr>
-          </a:p>
-        </p:txBody>
-      </p:sp>
-      <p:sp>
-        <p:nvSpPr>
-          <p:cNvPr id="24" name="TextBox 23">
-            <a:extLst>
-              <a:ext uri="{FF2B5EF4-FFF2-40B4-BE49-F238E27FC236}">
-                <a16:creationId xmlns:a16="http://schemas.microsoft.com/office/drawing/2014/main" id="{450BEBC7-C0C7-CF48-95D5-47FDD988DA61}"/>
-              </a:ext>
-            </a:extLst>
-          </p:cNvPr>
-          <p:cNvSpPr txBox="1"/>
-          <p:nvPr/>
-        </p:nvSpPr>
-        <p:spPr>
-          <a:xfrm>
-            <a:off x="2726436" y="163993"/>
-            <a:ext cx="2090928" cy="276999"/>
-          </a:xfrm>
-          <a:prstGeom prst="rect">
-            <a:avLst/>
-          </a:prstGeom>
-          <a:noFill/>
-        </p:spPr>
-        <p:txBody>
-          <a:bodyPr wrap="square" rtlCol="0">
-            <a:spAutoFit/>
-          </a:bodyPr>
-          <a:lstStyle/>
-          <a:p>
-            <a:pPr algn="ctr"/>
-            <a:r>
-              <a:rPr lang="en-US" sz="1200" dirty="0">
+              <a:prstDash val="solid"/>
+              <a:round/>
+              <a:headEnd type="none" w="med" len="med"/>
+              <a:tailEnd type="none" w="med" len="med"/>
+            </a:ln>
+          </p:spPr>
+          <p:style>
+            <a:lnRef idx="0">
+              <a:scrgbClr r="0" g="0" b="0"/>
+            </a:lnRef>
+            <a:fillRef idx="0">
+              <a:scrgbClr r="0" g="0" b="0"/>
+            </a:fillRef>
+            <a:effectRef idx="0">
+              <a:scrgbClr r="0" g="0" b="0"/>
+            </a:effectRef>
+            <a:fontRef idx="minor">
+              <a:schemeClr val="accent1"/>
+            </a:fontRef>
+          </p:style>
+          <p:txBody>
+            <a:bodyPr rtlCol="0" anchor="ctr"/>
+            <a:lstStyle/>
+            <a:p>
+              <a:pPr algn="ctr"/>
+              <a:endParaRPr lang="en-SG"/>
+            </a:p>
+          </p:txBody>
+        </p:sp>
+        <p:sp>
+          <p:nvSpPr>
+            <p:cNvPr id="24" name="TextBox 23">
+              <a:extLst>
+                <a:ext uri="{FF2B5EF4-FFF2-40B4-BE49-F238E27FC236}">
+                  <a16:creationId xmlns:a16="http://schemas.microsoft.com/office/drawing/2014/main" id="{450BEBC7-C0C7-CF48-95D5-47FDD988DA61}"/>
+                </a:ext>
+              </a:extLst>
+            </p:cNvPr>
+            <p:cNvSpPr txBox="1"/>
+            <p:nvPr/>
+          </p:nvSpPr>
+          <p:spPr>
+            <a:xfrm>
+              <a:off x="2726436" y="163993"/>
+              <a:ext cx="2090928" cy="276999"/>
+            </a:xfrm>
+            <a:prstGeom prst="rect">
+              <a:avLst/>
+            </a:prstGeom>
+            <a:noFill/>
+          </p:spPr>
+          <p:txBody>
+            <a:bodyPr wrap="square" rtlCol="0">
+              <a:spAutoFit/>
+            </a:bodyPr>
+            <a:lstStyle/>
+            <a:p>
+              <a:pPr algn="ctr"/>
+              <a:r>
+                <a:rPr lang="en-US" sz="1200" dirty="0">
+                  <a:solidFill>
+                    <a:schemeClr val="accent1"/>
+                  </a:solidFill>
+                </a:rPr>
+                <a:t>summary</a:t>
+              </a:r>
+              <a:endParaRPr lang="en-SG" sz="1200" dirty="0">
                 <a:solidFill>
                   <a:schemeClr val="accent1"/>
                 </a:solidFill>
-              </a:rPr>
-              <a:t>summary</a:t>
-            </a:r>
-            <a:endParaRPr lang="en-SG" sz="1200" dirty="0">
+              </a:endParaRPr>
+            </a:p>
+          </p:txBody>
+        </p:sp>
+        <p:cxnSp>
+          <p:nvCxnSpPr>
+            <p:cNvPr id="10" name="Straight Arrow Connector 9">
+              <a:extLst>
+                <a:ext uri="{FF2B5EF4-FFF2-40B4-BE49-F238E27FC236}">
+                  <a16:creationId xmlns:a16="http://schemas.microsoft.com/office/drawing/2014/main" id="{B3FA0071-1F3A-2C42-AE98-70438B56D7BF}"/>
+                </a:ext>
+              </a:extLst>
+            </p:cNvPr>
+            <p:cNvCxnSpPr/>
+            <p:nvPr/>
+          </p:nvCxnSpPr>
+          <p:spPr>
+            <a:xfrm>
+              <a:off x="3771899" y="483476"/>
+              <a:ext cx="0" cy="312842"/>
+            </a:xfrm>
+            <a:prstGeom prst="straightConnector1">
+              <a:avLst/>
+            </a:prstGeom>
+            <a:ln w="12700">
+              <a:tailEnd type="triangle"/>
+            </a:ln>
+          </p:spPr>
+          <p:style>
+            <a:lnRef idx="1">
+              <a:schemeClr val="accent1"/>
+            </a:lnRef>
+            <a:fillRef idx="0">
+              <a:schemeClr val="accent1"/>
+            </a:fillRef>
+            <a:effectRef idx="0">
+              <a:schemeClr val="accent1"/>
+            </a:effectRef>
+            <a:fontRef idx="minor">
+              <a:schemeClr val="tx1"/>
+            </a:fontRef>
+          </p:style>
+        </p:cxnSp>
+      </p:grpSp>
+      <p:grpSp>
+        <p:nvGrpSpPr>
+          <p:cNvPr id="11" name="Group 10">
+            <a:extLst>
+              <a:ext uri="{FF2B5EF4-FFF2-40B4-BE49-F238E27FC236}">
+                <a16:creationId xmlns:a16="http://schemas.microsoft.com/office/drawing/2014/main" id="{C1F45C8F-B952-411B-87C8-0483AF1159D2}"/>
+              </a:ext>
+            </a:extLst>
+          </p:cNvPr>
+          <p:cNvGrpSpPr/>
+          <p:nvPr/>
+        </p:nvGrpSpPr>
+        <p:grpSpPr>
+          <a:xfrm>
+            <a:off x="-95350" y="3984016"/>
+            <a:ext cx="5986599" cy="461665"/>
+            <a:chOff x="-47215" y="4402230"/>
+            <a:chExt cx="5986599" cy="973524"/>
+          </a:xfrm>
+        </p:grpSpPr>
+        <p:sp>
+          <p:nvSpPr>
+            <p:cNvPr id="49" name="Rectangle 48">
+              <a:extLst>
+                <a:ext uri="{FF2B5EF4-FFF2-40B4-BE49-F238E27FC236}">
+                  <a16:creationId xmlns:a16="http://schemas.microsoft.com/office/drawing/2014/main" id="{5720B1C7-874B-4E44-A7D1-E44FC02B40B3}"/>
+                </a:ext>
+              </a:extLst>
+            </p:cNvPr>
+            <p:cNvSpPr/>
+            <p:nvPr/>
+          </p:nvSpPr>
+          <p:spPr>
+            <a:xfrm>
+              <a:off x="1456922" y="4812267"/>
+              <a:ext cx="4482462" cy="277000"/>
+            </a:xfrm>
+            <a:prstGeom prst="rect">
+              <a:avLst/>
+            </a:prstGeom>
+            <a:noFill/>
+            <a:ln w="9525" cap="flat" cmpd="sng" algn="ctr">
               <a:solidFill>
-                <a:schemeClr val="accent1"/>
+                <a:srgbClr val="FF0000"/>
               </a:solidFill>
-            </a:endParaRPr>
-          </a:p>
-        </p:txBody>
-      </p:sp>
-      <p:sp>
-        <p:nvSpPr>
-          <p:cNvPr id="32" name="TextBox 31">
-            <a:extLst>
-              <a:ext uri="{FF2B5EF4-FFF2-40B4-BE49-F238E27FC236}">
-                <a16:creationId xmlns:a16="http://schemas.microsoft.com/office/drawing/2014/main" id="{4398EB41-E844-AC49-8C8F-94E761AA5F54}"/>
-              </a:ext>
-            </a:extLst>
-          </p:cNvPr>
-          <p:cNvSpPr txBox="1"/>
+              <a:prstDash val="solid"/>
+              <a:round/>
+              <a:headEnd type="none" w="med" len="med"/>
+              <a:tailEnd type="none" w="med" len="med"/>
+            </a:ln>
+          </p:spPr>
+          <p:style>
+            <a:lnRef idx="0">
+              <a:scrgbClr r="0" g="0" b="0"/>
+            </a:lnRef>
+            <a:fillRef idx="0">
+              <a:scrgbClr r="0" g="0" b="0"/>
+            </a:fillRef>
+            <a:effectRef idx="0">
+              <a:scrgbClr r="0" g="0" b="0"/>
+            </a:effectRef>
+            <a:fontRef idx="minor">
+              <a:schemeClr val="dk1"/>
+            </a:fontRef>
+          </p:style>
+          <p:txBody>
+            <a:bodyPr rtlCol="0" anchor="ctr"/>
+            <a:lstStyle/>
+            <a:p>
+              <a:pPr algn="ctr"/>
+              <a:endParaRPr lang="en-SG"/>
+            </a:p>
+          </p:txBody>
+        </p:sp>
+        <p:sp>
+          <p:nvSpPr>
+            <p:cNvPr id="51" name="TextBox 50">
+              <a:extLst>
+                <a:ext uri="{FF2B5EF4-FFF2-40B4-BE49-F238E27FC236}">
+                  <a16:creationId xmlns:a16="http://schemas.microsoft.com/office/drawing/2014/main" id="{6C2AF7FB-234B-7347-967F-A89B873E0061}"/>
+                </a:ext>
+              </a:extLst>
+            </p:cNvPr>
+            <p:cNvSpPr txBox="1"/>
+            <p:nvPr/>
+          </p:nvSpPr>
+          <p:spPr>
+            <a:xfrm>
+              <a:off x="-47215" y="4402230"/>
+              <a:ext cx="1589577" cy="973524"/>
+            </a:xfrm>
+            <a:prstGeom prst="rect">
+              <a:avLst/>
+            </a:prstGeom>
+            <a:noFill/>
+          </p:spPr>
+          <p:txBody>
+            <a:bodyPr wrap="square" rtlCol="0">
+              <a:spAutoFit/>
+            </a:bodyPr>
+            <a:lstStyle/>
+            <a:p>
+              <a:pPr algn="ctr"/>
+              <a:r>
+                <a:rPr lang="en-US" sz="1200" dirty="0">
+                  <a:solidFill>
+                    <a:srgbClr val="FF0000"/>
+                  </a:solidFill>
+                </a:rPr>
+                <a:t>summary-</a:t>
+              </a:r>
+            </a:p>
+            <a:p>
+              <a:pPr algn="ctr"/>
+              <a:r>
+                <a:rPr lang="en-US" sz="1200" dirty="0">
+                  <a:solidFill>
+                    <a:srgbClr val="FF0000"/>
+                  </a:solidFill>
+                </a:rPr>
+                <a:t>chart__</a:t>
+              </a:r>
+              <a:r>
+                <a:rPr lang="en-US" sz="1200" dirty="0" err="1">
+                  <a:solidFill>
+                    <a:srgbClr val="FF0000"/>
+                  </a:solidFill>
+                </a:rPr>
+                <a:t>contrib</a:t>
+              </a:r>
+              <a:endParaRPr lang="en-SG" sz="1200" dirty="0">
+                <a:solidFill>
+                  <a:srgbClr val="FF0000"/>
+                </a:solidFill>
+              </a:endParaRPr>
+            </a:p>
+          </p:txBody>
+        </p:sp>
+        <p:cxnSp>
+          <p:nvCxnSpPr>
+            <p:cNvPr id="43" name="Straight Arrow Connector 42">
+              <a:extLst>
+                <a:ext uri="{FF2B5EF4-FFF2-40B4-BE49-F238E27FC236}">
+                  <a16:creationId xmlns:a16="http://schemas.microsoft.com/office/drawing/2014/main" id="{984AD6F2-A33B-8148-AEDA-A8EAEFD7DC95}"/>
+                </a:ext>
+              </a:extLst>
+            </p:cNvPr>
+            <p:cNvCxnSpPr>
+              <a:cxnSpLocks/>
+            </p:cNvCxnSpPr>
+            <p:nvPr/>
+          </p:nvCxnSpPr>
+          <p:spPr>
+            <a:xfrm>
+              <a:off x="1218350" y="4902561"/>
+              <a:ext cx="300327" cy="0"/>
+            </a:xfrm>
+            <a:prstGeom prst="straightConnector1">
+              <a:avLst/>
+            </a:prstGeom>
+            <a:ln>
+              <a:solidFill>
+                <a:srgbClr val="FF0000"/>
+              </a:solidFill>
+              <a:tailEnd type="triangle"/>
+            </a:ln>
+          </p:spPr>
+          <p:style>
+            <a:lnRef idx="3">
+              <a:schemeClr val="accent2"/>
+            </a:lnRef>
+            <a:fillRef idx="0">
+              <a:schemeClr val="accent2"/>
+            </a:fillRef>
+            <a:effectRef idx="2">
+              <a:schemeClr val="accent2"/>
+            </a:effectRef>
+            <a:fontRef idx="minor">
+              <a:schemeClr val="tx1"/>
+            </a:fontRef>
+          </p:style>
+        </p:cxnSp>
+      </p:grpSp>
+      <p:grpSp>
+        <p:nvGrpSpPr>
+          <p:cNvPr id="12" name="Group 11">
+            <a:extLst>
+              <a:ext uri="{FF2B5EF4-FFF2-40B4-BE49-F238E27FC236}">
+                <a16:creationId xmlns:a16="http://schemas.microsoft.com/office/drawing/2014/main" id="{9576B658-8EEC-4DE6-AB5F-3ECBBE3BA76B}"/>
+              </a:ext>
+            </a:extLst>
+          </p:cNvPr>
+          <p:cNvGrpSpPr/>
           <p:nvPr/>
-        </p:nvSpPr>
-        <p:spPr>
+        </p:nvGrpSpPr>
+        <p:grpSpPr>
           <a:xfrm>
-            <a:off x="7432929" y="161454"/>
-            <a:ext cx="2090928" cy="276999"/>
+            <a:off x="6140198" y="161454"/>
+            <a:ext cx="4612003" cy="5882157"/>
+            <a:chOff x="6140198" y="161454"/>
+            <a:chExt cx="4612003" cy="5882157"/>
           </a:xfrm>
-          <a:prstGeom prst="rect">
-            <a:avLst/>
-          </a:prstGeom>
-          <a:noFill/>
-        </p:spPr>
-        <p:txBody>
-          <a:bodyPr wrap="square" rtlCol="0">
-            <a:spAutoFit/>
-          </a:bodyPr>
-          <a:lstStyle/>
-          <a:p>
-            <a:pPr algn="ctr"/>
-            <a:r>
-              <a:rPr lang="en-US" sz="1200" dirty="0">
+        </p:grpSpPr>
+        <p:sp>
+          <p:nvSpPr>
+            <p:cNvPr id="32" name="TextBox 31">
+              <a:extLst>
+                <a:ext uri="{FF2B5EF4-FFF2-40B4-BE49-F238E27FC236}">
+                  <a16:creationId xmlns:a16="http://schemas.microsoft.com/office/drawing/2014/main" id="{4398EB41-E844-AC49-8C8F-94E761AA5F54}"/>
+                </a:ext>
+              </a:extLst>
+            </p:cNvPr>
+            <p:cNvSpPr txBox="1"/>
+            <p:nvPr/>
+          </p:nvSpPr>
+          <p:spPr>
+            <a:xfrm>
+              <a:off x="7432929" y="161454"/>
+              <a:ext cx="2090928" cy="276999"/>
+            </a:xfrm>
+            <a:prstGeom prst="rect">
+              <a:avLst/>
+            </a:prstGeom>
+            <a:noFill/>
+          </p:spPr>
+          <p:txBody>
+            <a:bodyPr wrap="square" rtlCol="0">
+              <a:spAutoFit/>
+            </a:bodyPr>
+            <a:lstStyle/>
+            <a:p>
+              <a:pPr algn="ctr"/>
+              <a:r>
+                <a:rPr lang="en-US" sz="1200" dirty="0">
+                  <a:solidFill>
+                    <a:schemeClr val="accent2"/>
+                  </a:solidFill>
+                </a:rPr>
+                <a:t>tabs-pane</a:t>
+              </a:r>
+              <a:endParaRPr lang="en-SG" sz="1200" dirty="0">
                 <a:solidFill>
                   <a:schemeClr val="accent2"/>
                 </a:solidFill>
-              </a:rPr>
-              <a:t>tabs-pane</a:t>
-            </a:r>
-            <a:endParaRPr lang="en-SG" sz="1200" dirty="0">
+              </a:endParaRPr>
+            </a:p>
+          </p:txBody>
+        </p:sp>
+        <p:sp>
+          <p:nvSpPr>
+            <p:cNvPr id="36" name="Rectangle 35">
+              <a:extLst>
+                <a:ext uri="{FF2B5EF4-FFF2-40B4-BE49-F238E27FC236}">
+                  <a16:creationId xmlns:a16="http://schemas.microsoft.com/office/drawing/2014/main" id="{B174F72C-650B-8E44-A379-A24D0DB5B758}"/>
+                </a:ext>
+              </a:extLst>
+            </p:cNvPr>
+            <p:cNvSpPr/>
+            <p:nvPr/>
+          </p:nvSpPr>
+          <p:spPr>
+            <a:xfrm>
+              <a:off x="6140198" y="814386"/>
+              <a:ext cx="4612003" cy="5229225"/>
+            </a:xfrm>
+            <a:prstGeom prst="rect">
+              <a:avLst/>
+            </a:prstGeom>
+            <a:noFill/>
+            <a:ln w="57150" cap="flat" cmpd="sng" algn="ctr">
               <a:solidFill>
                 <a:schemeClr val="accent2"/>
               </a:solidFill>
-            </a:endParaRPr>
-          </a:p>
-        </p:txBody>
-      </p:sp>
-      <p:sp>
-        <p:nvSpPr>
-          <p:cNvPr id="36" name="Rectangle 35">
-            <a:extLst>
-              <a:ext uri="{FF2B5EF4-FFF2-40B4-BE49-F238E27FC236}">
-                <a16:creationId xmlns:a16="http://schemas.microsoft.com/office/drawing/2014/main" id="{B174F72C-650B-8E44-A379-A24D0DB5B758}"/>
-              </a:ext>
-            </a:extLst>
-          </p:cNvPr>
-          <p:cNvSpPr/>
+              <a:prstDash val="solid"/>
+              <a:round/>
+              <a:headEnd type="none" w="med" len="med"/>
+              <a:tailEnd type="none" w="med" len="med"/>
+            </a:ln>
+          </p:spPr>
+          <p:style>
+            <a:lnRef idx="0">
+              <a:scrgbClr r="0" g="0" b="0"/>
+            </a:lnRef>
+            <a:fillRef idx="0">
+              <a:scrgbClr r="0" g="0" b="0"/>
+            </a:fillRef>
+            <a:effectRef idx="0">
+              <a:scrgbClr r="0" g="0" b="0"/>
+            </a:effectRef>
+            <a:fontRef idx="minor">
+              <a:schemeClr val="accent1"/>
+            </a:fontRef>
+          </p:style>
+          <p:txBody>
+            <a:bodyPr rtlCol="0" anchor="ctr"/>
+            <a:lstStyle/>
+            <a:p>
+              <a:pPr algn="ctr"/>
+              <a:endParaRPr lang="en-SG"/>
+            </a:p>
+          </p:txBody>
+        </p:sp>
+        <p:cxnSp>
+          <p:nvCxnSpPr>
+            <p:cNvPr id="50" name="Straight Arrow Connector 49">
+              <a:extLst>
+                <a:ext uri="{FF2B5EF4-FFF2-40B4-BE49-F238E27FC236}">
+                  <a16:creationId xmlns:a16="http://schemas.microsoft.com/office/drawing/2014/main" id="{F20E8FC5-C665-144F-B0BB-107E10758C59}"/>
+                </a:ext>
+              </a:extLst>
+            </p:cNvPr>
+            <p:cNvCxnSpPr/>
+            <p:nvPr/>
+          </p:nvCxnSpPr>
+          <p:spPr>
+            <a:xfrm>
+              <a:off x="8458331" y="465408"/>
+              <a:ext cx="0" cy="312842"/>
+            </a:xfrm>
+            <a:prstGeom prst="straightConnector1">
+              <a:avLst/>
+            </a:prstGeom>
+            <a:ln w="12700">
+              <a:solidFill>
+                <a:schemeClr val="accent2"/>
+              </a:solidFill>
+              <a:tailEnd type="triangle"/>
+            </a:ln>
+          </p:spPr>
+          <p:style>
+            <a:lnRef idx="1">
+              <a:schemeClr val="accent1"/>
+            </a:lnRef>
+            <a:fillRef idx="0">
+              <a:schemeClr val="accent1"/>
+            </a:fillRef>
+            <a:effectRef idx="0">
+              <a:schemeClr val="accent1"/>
+            </a:effectRef>
+            <a:fontRef idx="minor">
+              <a:schemeClr val="tx1"/>
+            </a:fontRef>
+          </p:style>
+        </p:cxnSp>
+      </p:grpSp>
+      <p:grpSp>
+        <p:nvGrpSpPr>
+          <p:cNvPr id="20" name="Group 19">
+            <a:extLst>
+              <a:ext uri="{FF2B5EF4-FFF2-40B4-BE49-F238E27FC236}">
+                <a16:creationId xmlns:a16="http://schemas.microsoft.com/office/drawing/2014/main" id="{1136471E-173E-4F19-B82A-29669B7EF3BF}"/>
+              </a:ext>
+            </a:extLst>
+          </p:cNvPr>
+          <p:cNvGrpSpPr/>
           <p:nvPr/>
-        </p:nvSpPr>
-        <p:spPr>
+        </p:nvGrpSpPr>
+        <p:grpSpPr>
           <a:xfrm>
-            <a:off x="6140198" y="814386"/>
-            <a:ext cx="4612003" cy="5229225"/>
+            <a:off x="6318491" y="1940998"/>
+            <a:ext cx="3586170" cy="319637"/>
+            <a:chOff x="6191491" y="1792813"/>
+            <a:chExt cx="3586170" cy="319637"/>
           </a:xfrm>
-          <a:prstGeom prst="rect">
-            <a:avLst/>
-          </a:prstGeom>
-          <a:noFill/>
-          <a:ln w="57150" cap="flat" cmpd="sng" algn="ctr">
-            <a:solidFill>
-              <a:schemeClr val="accent2"/>
-            </a:solidFill>
-            <a:prstDash val="solid"/>
-            <a:round/>
-            <a:headEnd type="none" w="med" len="med"/>
-            <a:tailEnd type="none" w="med" len="med"/>
-          </a:ln>
-        </p:spPr>
-        <p:style>
-          <a:lnRef idx="0">
-            <a:scrgbClr r="0" g="0" b="0"/>
-          </a:lnRef>
-          <a:fillRef idx="0">
-            <a:scrgbClr r="0" g="0" b="0"/>
-          </a:fillRef>
-          <a:effectRef idx="0">
-            <a:scrgbClr r="0" g="0" b="0"/>
-          </a:effectRef>
-          <a:fontRef idx="minor">
-            <a:schemeClr val="accent1"/>
-          </a:fontRef>
-        </p:style>
-        <p:txBody>
-          <a:bodyPr rtlCol="0" anchor="ctr"/>
-          <a:lstStyle/>
-          <a:p>
-            <a:pPr algn="ctr"/>
-            <a:endParaRPr lang="en-SG"/>
-          </a:p>
-        </p:txBody>
-      </p:sp>
-      <p:sp>
-        <p:nvSpPr>
-          <p:cNvPr id="40" name="TextBox 39">
-            <a:extLst>
-              <a:ext uri="{FF2B5EF4-FFF2-40B4-BE49-F238E27FC236}">
-                <a16:creationId xmlns:a16="http://schemas.microsoft.com/office/drawing/2014/main" id="{87B6C03F-369B-FC4B-A10B-9B5BFBCEF11A}"/>
-              </a:ext>
-            </a:extLst>
-          </p:cNvPr>
-          <p:cNvSpPr txBox="1"/>
-          <p:nvPr/>
-        </p:nvSpPr>
-        <p:spPr>
-          <a:xfrm>
-            <a:off x="1" y="1185282"/>
-            <a:ext cx="1422854" cy="276999"/>
-          </a:xfrm>
-          <a:prstGeom prst="rect">
-            <a:avLst/>
-          </a:prstGeom>
-          <a:noFill/>
-        </p:spPr>
-        <p:txBody>
-          <a:bodyPr wrap="square" rtlCol="0">
-            <a:spAutoFit/>
-          </a:bodyPr>
-          <a:lstStyle/>
-          <a:p>
-            <a:pPr algn="ctr"/>
-            <a:r>
-              <a:rPr lang="en-US" sz="1200" dirty="0">
-                <a:solidFill>
-                  <a:schemeClr val="accent6"/>
-                </a:solidFill>
-              </a:rPr>
-              <a:t>summary-picker</a:t>
-            </a:r>
-          </a:p>
-        </p:txBody>
-      </p:sp>
-      <p:sp>
-        <p:nvSpPr>
-          <p:cNvPr id="41" name="Rectangle 40">
-            <a:extLst>
-              <a:ext uri="{FF2B5EF4-FFF2-40B4-BE49-F238E27FC236}">
-                <a16:creationId xmlns:a16="http://schemas.microsoft.com/office/drawing/2014/main" id="{24AE4F15-738B-C34D-830A-5AA47285C7ED}"/>
-              </a:ext>
-            </a:extLst>
-          </p:cNvPr>
-          <p:cNvSpPr/>
-          <p:nvPr/>
-        </p:nvSpPr>
-        <p:spPr>
-          <a:xfrm>
-            <a:off x="1674004" y="896446"/>
-            <a:ext cx="4074863" cy="869029"/>
-          </a:xfrm>
-          <a:prstGeom prst="rect">
-            <a:avLst/>
-          </a:prstGeom>
-          <a:noFill/>
-          <a:ln w="12700" cap="flat" cmpd="sng" algn="ctr">
-            <a:solidFill>
-              <a:schemeClr val="accent6"/>
-            </a:solidFill>
-            <a:prstDash val="solid"/>
-            <a:round/>
-            <a:headEnd type="none" w="med" len="med"/>
-            <a:tailEnd type="none" w="med" len="med"/>
-          </a:ln>
-        </p:spPr>
-        <p:style>
-          <a:lnRef idx="0">
-            <a:scrgbClr r="0" g="0" b="0"/>
-          </a:lnRef>
-          <a:fillRef idx="0">
-            <a:scrgbClr r="0" g="0" b="0"/>
-          </a:fillRef>
-          <a:effectRef idx="0">
-            <a:scrgbClr r="0" g="0" b="0"/>
-          </a:effectRef>
-          <a:fontRef idx="minor">
-            <a:schemeClr val="accent6"/>
-          </a:fontRef>
-        </p:style>
-        <p:txBody>
-          <a:bodyPr rtlCol="0" anchor="ctr"/>
-          <a:lstStyle/>
-          <a:p>
-            <a:pPr algn="ctr"/>
-            <a:endParaRPr lang="en-SG"/>
-          </a:p>
-        </p:txBody>
-      </p:sp>
-      <p:sp>
-        <p:nvSpPr>
-          <p:cNvPr id="42" name="Rectangle 41">
-            <a:extLst>
-              <a:ext uri="{FF2B5EF4-FFF2-40B4-BE49-F238E27FC236}">
-                <a16:creationId xmlns:a16="http://schemas.microsoft.com/office/drawing/2014/main" id="{570EA449-180B-9046-8449-8C441F0729CF}"/>
-              </a:ext>
-            </a:extLst>
-          </p:cNvPr>
-          <p:cNvSpPr/>
-          <p:nvPr/>
-        </p:nvSpPr>
-        <p:spPr>
-          <a:xfrm>
-            <a:off x="1484661" y="1950544"/>
-            <a:ext cx="4504352" cy="449190"/>
-          </a:xfrm>
-          <a:prstGeom prst="rect">
-            <a:avLst/>
-          </a:prstGeom>
-          <a:noFill/>
-          <a:ln w="12700" cap="flat" cmpd="sng" algn="ctr">
-            <a:solidFill>
-              <a:srgbClr val="7030A0"/>
-            </a:solidFill>
-            <a:prstDash val="solid"/>
-            <a:round/>
-            <a:headEnd type="none" w="med" len="med"/>
-            <a:tailEnd type="none" w="med" len="med"/>
-          </a:ln>
-        </p:spPr>
-        <p:style>
-          <a:lnRef idx="0">
-            <a:scrgbClr r="0" g="0" b="0"/>
-          </a:lnRef>
-          <a:fillRef idx="0">
-            <a:scrgbClr r="0" g="0" b="0"/>
-          </a:fillRef>
-          <a:effectRef idx="0">
-            <a:scrgbClr r="0" g="0" b="0"/>
-          </a:effectRef>
-          <a:fontRef idx="minor">
-            <a:schemeClr val="accent4"/>
-          </a:fontRef>
-        </p:style>
-        <p:txBody>
-          <a:bodyPr rtlCol="0" anchor="ctr"/>
-          <a:lstStyle/>
-          <a:p>
-            <a:pPr algn="ctr"/>
-            <a:endParaRPr lang="en-SG"/>
-          </a:p>
-        </p:txBody>
-      </p:sp>
-      <p:sp>
-        <p:nvSpPr>
-          <p:cNvPr id="48" name="TextBox 47">
-            <a:extLst>
-              <a:ext uri="{FF2B5EF4-FFF2-40B4-BE49-F238E27FC236}">
-                <a16:creationId xmlns:a16="http://schemas.microsoft.com/office/drawing/2014/main" id="{A77BE544-7145-6949-94AF-AFCE5DA7C7AD}"/>
-              </a:ext>
-            </a:extLst>
-          </p:cNvPr>
-          <p:cNvSpPr txBox="1"/>
-          <p:nvPr/>
-        </p:nvSpPr>
-        <p:spPr>
-          <a:xfrm>
-            <a:off x="-13217" y="2026833"/>
-            <a:ext cx="1202954" cy="276999"/>
-          </a:xfrm>
-          <a:prstGeom prst="rect">
-            <a:avLst/>
-          </a:prstGeom>
-          <a:noFill/>
-        </p:spPr>
-        <p:txBody>
-          <a:bodyPr wrap="square" rtlCol="0">
-            <a:spAutoFit/>
-          </a:bodyPr>
-          <a:lstStyle/>
-          <a:p>
-            <a:pPr algn="ctr"/>
-            <a:r>
-              <a:rPr lang="en-US" sz="1200" dirty="0">
-                <a:solidFill>
-                  <a:srgbClr val="7030A0"/>
-                </a:solidFill>
-              </a:rPr>
-              <a:t>summary-chart</a:t>
-            </a:r>
-          </a:p>
-        </p:txBody>
-      </p:sp>
-      <p:sp>
-        <p:nvSpPr>
-          <p:cNvPr id="49" name="Rectangle 48">
-            <a:extLst>
-              <a:ext uri="{FF2B5EF4-FFF2-40B4-BE49-F238E27FC236}">
-                <a16:creationId xmlns:a16="http://schemas.microsoft.com/office/drawing/2014/main" id="{5720B1C7-874B-4E44-A7D1-E44FC02B40B3}"/>
-              </a:ext>
-            </a:extLst>
-          </p:cNvPr>
-          <p:cNvSpPr/>
-          <p:nvPr/>
-        </p:nvSpPr>
-        <p:spPr>
-          <a:xfrm>
-            <a:off x="1501594" y="4826286"/>
-            <a:ext cx="4482462" cy="276999"/>
-          </a:xfrm>
-          <a:prstGeom prst="rect">
-            <a:avLst/>
-          </a:prstGeom>
-          <a:noFill/>
-          <a:ln w="9525" cap="flat" cmpd="sng" algn="ctr">
-            <a:solidFill>
-              <a:schemeClr val="dk1"/>
-            </a:solidFill>
-            <a:prstDash val="solid"/>
-            <a:round/>
-            <a:headEnd type="none" w="med" len="med"/>
-            <a:tailEnd type="none" w="med" len="med"/>
-          </a:ln>
-        </p:spPr>
-        <p:style>
-          <a:lnRef idx="0">
-            <a:scrgbClr r="0" g="0" b="0"/>
-          </a:lnRef>
-          <a:fillRef idx="0">
-            <a:scrgbClr r="0" g="0" b="0"/>
-          </a:fillRef>
-          <a:effectRef idx="0">
-            <a:scrgbClr r="0" g="0" b="0"/>
-          </a:effectRef>
-          <a:fontRef idx="minor">
-            <a:schemeClr val="dk1"/>
-          </a:fontRef>
-        </p:style>
-        <p:txBody>
-          <a:bodyPr rtlCol="0" anchor="ctr"/>
-          <a:lstStyle/>
-          <a:p>
-            <a:pPr algn="ctr"/>
-            <a:endParaRPr lang="en-SG"/>
-          </a:p>
-        </p:txBody>
-      </p:sp>
-      <p:sp>
-        <p:nvSpPr>
-          <p:cNvPr id="51" name="TextBox 50">
-            <a:extLst>
-              <a:ext uri="{FF2B5EF4-FFF2-40B4-BE49-F238E27FC236}">
-                <a16:creationId xmlns:a16="http://schemas.microsoft.com/office/drawing/2014/main" id="{6C2AF7FB-234B-7347-967F-A89B873E0061}"/>
-              </a:ext>
-            </a:extLst>
-          </p:cNvPr>
-          <p:cNvSpPr txBox="1"/>
-          <p:nvPr/>
-        </p:nvSpPr>
-        <p:spPr>
-          <a:xfrm>
-            <a:off x="23285" y="4754389"/>
-            <a:ext cx="1589577" cy="461665"/>
-          </a:xfrm>
-          <a:prstGeom prst="rect">
-            <a:avLst/>
-          </a:prstGeom>
-          <a:noFill/>
-        </p:spPr>
-        <p:txBody>
-          <a:bodyPr wrap="square" rtlCol="0">
-            <a:spAutoFit/>
-          </a:bodyPr>
-          <a:lstStyle/>
-          <a:p>
-            <a:pPr algn="ctr"/>
-            <a:r>
-              <a:rPr lang="en-US" sz="1200" dirty="0"/>
-              <a:t>summary-</a:t>
-            </a:r>
-          </a:p>
-          <a:p>
-            <a:pPr algn="ctr"/>
-            <a:r>
-              <a:rPr lang="en-US" sz="1200" dirty="0"/>
-              <a:t>chart__</a:t>
-            </a:r>
-            <a:r>
-              <a:rPr lang="en-US" sz="1200" dirty="0" err="1"/>
-              <a:t>contrib</a:t>
-            </a:r>
-            <a:endParaRPr lang="en-SG" sz="1200" dirty="0"/>
-          </a:p>
-        </p:txBody>
-      </p:sp>
-      <p:sp>
-        <p:nvSpPr>
-          <p:cNvPr id="59" name="TextBox 58">
-            <a:extLst>
-              <a:ext uri="{FF2B5EF4-FFF2-40B4-BE49-F238E27FC236}">
-                <a16:creationId xmlns:a16="http://schemas.microsoft.com/office/drawing/2014/main" id="{9ED53A0E-FCFE-DE4A-9776-897FDA4E3D8F}"/>
-              </a:ext>
-            </a:extLst>
-          </p:cNvPr>
-          <p:cNvSpPr txBox="1"/>
-          <p:nvPr/>
-        </p:nvSpPr>
-        <p:spPr>
-          <a:xfrm>
-            <a:off x="3232326" y="2828987"/>
-            <a:ext cx="2516973" cy="276999"/>
-          </a:xfrm>
-          <a:prstGeom prst="rect">
-            <a:avLst/>
-          </a:prstGeom>
-          <a:noFill/>
-        </p:spPr>
-        <p:txBody>
-          <a:bodyPr wrap="square" rtlCol="0">
-            <a:spAutoFit/>
-          </a:bodyPr>
-          <a:lstStyle/>
-          <a:p>
-            <a:r>
-              <a:rPr lang="en-US" sz="1200" dirty="0">
-                <a:solidFill>
-                  <a:srgbClr val="FFC000"/>
-                </a:solidFill>
-              </a:rPr>
-              <a:t>summary-</a:t>
-            </a:r>
-            <a:r>
-              <a:rPr lang="en-US" sz="1200" dirty="0" err="1">
-                <a:solidFill>
-                  <a:srgbClr val="FFC000"/>
-                </a:solidFill>
-              </a:rPr>
-              <a:t>chart__ramp__slice</a:t>
-            </a:r>
-            <a:endParaRPr lang="en-SG" sz="1200" dirty="0">
-              <a:solidFill>
-                <a:srgbClr val="FFC000"/>
-              </a:solidFill>
-            </a:endParaRPr>
-          </a:p>
-        </p:txBody>
-      </p:sp>
-      <p:sp>
-        <p:nvSpPr>
-          <p:cNvPr id="60" name="Rectangle 59">
-            <a:extLst>
-              <a:ext uri="{FF2B5EF4-FFF2-40B4-BE49-F238E27FC236}">
-                <a16:creationId xmlns:a16="http://schemas.microsoft.com/office/drawing/2014/main" id="{0FE18B14-A8FF-CA40-9773-69CCCF32CE9A}"/>
-              </a:ext>
-            </a:extLst>
-          </p:cNvPr>
-          <p:cNvSpPr/>
-          <p:nvPr/>
-        </p:nvSpPr>
-        <p:spPr>
-          <a:xfrm>
-            <a:off x="1510797" y="2556435"/>
-            <a:ext cx="4482463" cy="305570"/>
-          </a:xfrm>
-          <a:prstGeom prst="rect">
-            <a:avLst/>
-          </a:prstGeom>
-          <a:noFill/>
-          <a:ln w="12700" cap="flat" cmpd="sng" algn="ctr">
-            <a:solidFill>
-              <a:schemeClr val="accent5"/>
-            </a:solidFill>
-            <a:prstDash val="solid"/>
-            <a:round/>
-            <a:headEnd type="none" w="med" len="med"/>
-            <a:tailEnd type="none" w="med" len="med"/>
-          </a:ln>
-        </p:spPr>
-        <p:style>
-          <a:lnRef idx="0">
-            <a:scrgbClr r="0" g="0" b="0"/>
-          </a:lnRef>
-          <a:fillRef idx="0">
-            <a:scrgbClr r="0" g="0" b="0"/>
-          </a:fillRef>
-          <a:effectRef idx="0">
-            <a:scrgbClr r="0" g="0" b="0"/>
-          </a:effectRef>
-          <a:fontRef idx="minor">
-            <a:schemeClr val="accent4"/>
-          </a:fontRef>
-        </p:style>
-        <p:txBody>
-          <a:bodyPr rtlCol="0" anchor="ctr"/>
-          <a:lstStyle/>
-          <a:p>
-            <a:pPr algn="ctr"/>
-            <a:endParaRPr lang="en-SG" dirty="0">
-              <a:highlight>
-                <a:srgbClr val="FFFF00"/>
-              </a:highlight>
-            </a:endParaRPr>
-          </a:p>
-        </p:txBody>
-      </p:sp>
-      <p:sp>
-        <p:nvSpPr>
-          <p:cNvPr id="62" name="TextBox 61">
-            <a:extLst>
-              <a:ext uri="{FF2B5EF4-FFF2-40B4-BE49-F238E27FC236}">
-                <a16:creationId xmlns:a16="http://schemas.microsoft.com/office/drawing/2014/main" id="{3C528547-1EDA-0344-9C22-58F28B4D7B80}"/>
-              </a:ext>
-            </a:extLst>
-          </p:cNvPr>
-          <p:cNvSpPr txBox="1"/>
-          <p:nvPr/>
-        </p:nvSpPr>
-        <p:spPr>
-          <a:xfrm>
-            <a:off x="0" y="2478387"/>
-            <a:ext cx="1243423" cy="461665"/>
-          </a:xfrm>
-          <a:prstGeom prst="rect">
-            <a:avLst/>
-          </a:prstGeom>
-          <a:noFill/>
-        </p:spPr>
-        <p:txBody>
-          <a:bodyPr wrap="square" rtlCol="0">
-            <a:spAutoFit/>
-          </a:bodyPr>
-          <a:lstStyle/>
-          <a:p>
-            <a:pPr algn="ctr"/>
-            <a:r>
-              <a:rPr lang="en-US" sz="1200" dirty="0">
-                <a:solidFill>
-                  <a:srgbClr val="0070C0"/>
-                </a:solidFill>
-              </a:rPr>
-              <a:t>summary-</a:t>
-            </a:r>
-            <a:r>
-              <a:rPr lang="en-US" sz="1200" dirty="0" err="1">
-                <a:solidFill>
-                  <a:srgbClr val="0070C0"/>
-                </a:solidFill>
-              </a:rPr>
-              <a:t>chart__ramp</a:t>
-            </a:r>
-            <a:endParaRPr lang="en-US" sz="1200" dirty="0">
-              <a:solidFill>
-                <a:srgbClr val="0070C0"/>
-              </a:solidFill>
-            </a:endParaRPr>
-          </a:p>
-        </p:txBody>
-      </p:sp>
-      <p:sp>
-        <p:nvSpPr>
-          <p:cNvPr id="69" name="TextBox 68">
-            <a:extLst>
-              <a:ext uri="{FF2B5EF4-FFF2-40B4-BE49-F238E27FC236}">
-                <a16:creationId xmlns:a16="http://schemas.microsoft.com/office/drawing/2014/main" id="{D26E4E26-EF97-A547-93AF-6C3384E7A51F}"/>
-              </a:ext>
-            </a:extLst>
-          </p:cNvPr>
-          <p:cNvSpPr txBox="1"/>
-          <p:nvPr/>
-        </p:nvSpPr>
-        <p:spPr>
-          <a:xfrm>
-            <a:off x="8697510" y="1792813"/>
-            <a:ext cx="1080151" cy="276999"/>
-          </a:xfrm>
-          <a:prstGeom prst="rect">
-            <a:avLst/>
-          </a:prstGeom>
-          <a:noFill/>
-        </p:spPr>
-        <p:txBody>
-          <a:bodyPr wrap="square" rtlCol="0">
-            <a:spAutoFit/>
-          </a:bodyPr>
-          <a:lstStyle/>
-          <a:p>
-            <a:r>
-              <a:rPr lang="en-US" sz="1200" dirty="0">
+        </p:grpSpPr>
+        <p:sp>
+          <p:nvSpPr>
+            <p:cNvPr id="69" name="TextBox 68">
+              <a:extLst>
+                <a:ext uri="{FF2B5EF4-FFF2-40B4-BE49-F238E27FC236}">
+                  <a16:creationId xmlns:a16="http://schemas.microsoft.com/office/drawing/2014/main" id="{D26E4E26-EF97-A547-93AF-6C3384E7A51F}"/>
+                </a:ext>
+              </a:extLst>
+            </p:cNvPr>
+            <p:cNvSpPr txBox="1"/>
+            <p:nvPr/>
+          </p:nvSpPr>
+          <p:spPr>
+            <a:xfrm>
+              <a:off x="8697510" y="1792813"/>
+              <a:ext cx="1080151" cy="276999"/>
+            </a:xfrm>
+            <a:prstGeom prst="rect">
+              <a:avLst/>
+            </a:prstGeom>
+            <a:noFill/>
+          </p:spPr>
+          <p:txBody>
+            <a:bodyPr wrap="square" rtlCol="0">
+              <a:spAutoFit/>
+            </a:bodyPr>
+            <a:lstStyle/>
+            <a:p>
+              <a:r>
+                <a:rPr lang="en-US" sz="1200" dirty="0">
+                  <a:solidFill>
+                    <a:schemeClr val="accent6">
+                      <a:lumMod val="75000"/>
+                    </a:schemeClr>
+                  </a:solidFill>
+                </a:rPr>
+                <a:t>glob filter</a:t>
+              </a:r>
+              <a:endParaRPr lang="en-SG" sz="1200" dirty="0">
                 <a:solidFill>
                   <a:schemeClr val="accent6">
                     <a:lumMod val="75000"/>
                   </a:schemeClr>
                 </a:solidFill>
-              </a:rPr>
-              <a:t>glob filter</a:t>
-            </a:r>
-            <a:endParaRPr lang="en-SG" sz="1200" dirty="0">
+              </a:endParaRPr>
+            </a:p>
+          </p:txBody>
+        </p:sp>
+        <p:sp>
+          <p:nvSpPr>
+            <p:cNvPr id="56" name="Rectangle 55">
+              <a:extLst>
+                <a:ext uri="{FF2B5EF4-FFF2-40B4-BE49-F238E27FC236}">
+                  <a16:creationId xmlns:a16="http://schemas.microsoft.com/office/drawing/2014/main" id="{302C24E7-F5CF-7D4F-9162-44F08F19CA6F}"/>
+                </a:ext>
+              </a:extLst>
+            </p:cNvPr>
+            <p:cNvSpPr/>
+            <p:nvPr/>
+          </p:nvSpPr>
+          <p:spPr>
+            <a:xfrm>
+              <a:off x="6191491" y="1835450"/>
+              <a:ext cx="2022818" cy="277000"/>
+            </a:xfrm>
+            <a:prstGeom prst="rect">
+              <a:avLst/>
+            </a:prstGeom>
+            <a:noFill/>
+            <a:ln w="12700" cap="flat" cmpd="sng" algn="ctr">
               <a:solidFill>
                 <a:schemeClr val="accent6">
                   <a:lumMod val="75000"/>
                 </a:schemeClr>
               </a:solidFill>
-            </a:endParaRPr>
-          </a:p>
-        </p:txBody>
-      </p:sp>
-      <p:sp>
-        <p:nvSpPr>
-          <p:cNvPr id="56" name="Rectangle 55">
-            <a:extLst>
-              <a:ext uri="{FF2B5EF4-FFF2-40B4-BE49-F238E27FC236}">
-                <a16:creationId xmlns:a16="http://schemas.microsoft.com/office/drawing/2014/main" id="{302C24E7-F5CF-7D4F-9162-44F08F19CA6F}"/>
-              </a:ext>
-            </a:extLst>
-          </p:cNvPr>
-          <p:cNvSpPr/>
+              <a:prstDash val="solid"/>
+              <a:round/>
+              <a:headEnd type="none" w="med" len="med"/>
+              <a:tailEnd type="none" w="med" len="med"/>
+            </a:ln>
+          </p:spPr>
+          <p:style>
+            <a:lnRef idx="0">
+              <a:scrgbClr r="0" g="0" b="0"/>
+            </a:lnRef>
+            <a:fillRef idx="0">
+              <a:scrgbClr r="0" g="0" b="0"/>
+            </a:fillRef>
+            <a:effectRef idx="0">
+              <a:scrgbClr r="0" g="0" b="0"/>
+            </a:effectRef>
+            <a:fontRef idx="minor">
+              <a:schemeClr val="accent6"/>
+            </a:fontRef>
+          </p:style>
+          <p:txBody>
+            <a:bodyPr rtlCol="0" anchor="ctr"/>
+            <a:lstStyle/>
+            <a:p>
+              <a:pPr algn="ctr"/>
+              <a:endParaRPr lang="en-SG"/>
+            </a:p>
+          </p:txBody>
+        </p:sp>
+        <p:cxnSp>
+          <p:nvCxnSpPr>
+            <p:cNvPr id="55" name="Straight Arrow Connector 54">
+              <a:extLst>
+                <a:ext uri="{FF2B5EF4-FFF2-40B4-BE49-F238E27FC236}">
+                  <a16:creationId xmlns:a16="http://schemas.microsoft.com/office/drawing/2014/main" id="{39E59FD8-6ED7-DE42-8608-75F1F9A40F07}"/>
+                </a:ext>
+              </a:extLst>
+            </p:cNvPr>
+            <p:cNvCxnSpPr>
+              <a:cxnSpLocks/>
+            </p:cNvCxnSpPr>
+            <p:nvPr/>
+          </p:nvCxnSpPr>
+          <p:spPr>
+            <a:xfrm flipH="1">
+              <a:off x="8272308" y="1944170"/>
+              <a:ext cx="436773" cy="0"/>
+            </a:xfrm>
+            <a:prstGeom prst="straightConnector1">
+              <a:avLst/>
+            </a:prstGeom>
+            <a:ln w="12700">
+              <a:solidFill>
+                <a:schemeClr val="accent6">
+                  <a:lumMod val="75000"/>
+                </a:schemeClr>
+              </a:solidFill>
+              <a:tailEnd type="triangle"/>
+            </a:ln>
+          </p:spPr>
+          <p:style>
+            <a:lnRef idx="1">
+              <a:schemeClr val="accent1"/>
+            </a:lnRef>
+            <a:fillRef idx="0">
+              <a:schemeClr val="accent1"/>
+            </a:fillRef>
+            <a:effectRef idx="0">
+              <a:schemeClr val="accent1"/>
+            </a:effectRef>
+            <a:fontRef idx="minor">
+              <a:schemeClr val="tx1"/>
+            </a:fontRef>
+          </p:style>
+        </p:cxnSp>
+      </p:grpSp>
+      <p:grpSp>
+        <p:nvGrpSpPr>
+          <p:cNvPr id="13" name="Group 12">
+            <a:extLst>
+              <a:ext uri="{FF2B5EF4-FFF2-40B4-BE49-F238E27FC236}">
+                <a16:creationId xmlns:a16="http://schemas.microsoft.com/office/drawing/2014/main" id="{4AB6A2D2-78C8-41B0-9EEF-4595CB4EFB11}"/>
+              </a:ext>
+            </a:extLst>
+          </p:cNvPr>
+          <p:cNvGrpSpPr/>
           <p:nvPr/>
-        </p:nvSpPr>
-        <p:spPr>
+        </p:nvGrpSpPr>
+        <p:grpSpPr>
           <a:xfrm>
-            <a:off x="6191491" y="1835450"/>
-            <a:ext cx="2022818" cy="277000"/>
+            <a:off x="6140198" y="3280581"/>
+            <a:ext cx="4289042" cy="276999"/>
+            <a:chOff x="6210157" y="3133527"/>
+            <a:chExt cx="3829487" cy="276999"/>
           </a:xfrm>
-          <a:prstGeom prst="rect">
-            <a:avLst/>
-          </a:prstGeom>
-          <a:noFill/>
-          <a:ln w="12700" cap="flat" cmpd="sng" algn="ctr">
-            <a:solidFill>
-              <a:schemeClr val="accent6">
-                <a:lumMod val="75000"/>
-              </a:schemeClr>
-            </a:solidFill>
-            <a:prstDash val="solid"/>
-            <a:round/>
-            <a:headEnd type="none" w="med" len="med"/>
-            <a:tailEnd type="none" w="med" len="med"/>
-          </a:ln>
-        </p:spPr>
-        <p:style>
-          <a:lnRef idx="0">
-            <a:scrgbClr r="0" g="0" b="0"/>
-          </a:lnRef>
-          <a:fillRef idx="0">
-            <a:scrgbClr r="0" g="0" b="0"/>
-          </a:fillRef>
-          <a:effectRef idx="0">
-            <a:scrgbClr r="0" g="0" b="0"/>
-          </a:effectRef>
-          <a:fontRef idx="minor">
-            <a:schemeClr val="accent6"/>
-          </a:fontRef>
-        </p:style>
-        <p:txBody>
-          <a:bodyPr rtlCol="0" anchor="ctr"/>
-          <a:lstStyle/>
-          <a:p>
-            <a:pPr algn="ctr"/>
-            <a:endParaRPr lang="en-SG"/>
-          </a:p>
-        </p:txBody>
-      </p:sp>
-      <p:sp>
-        <p:nvSpPr>
-          <p:cNvPr id="64" name="Rectangle 63">
-            <a:extLst>
-              <a:ext uri="{FF2B5EF4-FFF2-40B4-BE49-F238E27FC236}">
-                <a16:creationId xmlns:a16="http://schemas.microsoft.com/office/drawing/2014/main" id="{A2744CE9-0A67-9A43-A9BB-0CF02DB76205}"/>
-              </a:ext>
-            </a:extLst>
-          </p:cNvPr>
-          <p:cNvSpPr/>
+        </p:grpSpPr>
+        <p:sp>
+          <p:nvSpPr>
+            <p:cNvPr id="47" name="文本框 46">
+              <a:extLst>
+                <a:ext uri="{FF2B5EF4-FFF2-40B4-BE49-F238E27FC236}">
+                  <a16:creationId xmlns:a16="http://schemas.microsoft.com/office/drawing/2014/main" id="{8A40C309-DFD1-4333-84EB-9117C609942E}"/>
+                </a:ext>
+              </a:extLst>
+            </p:cNvPr>
+            <p:cNvSpPr txBox="1"/>
+            <p:nvPr/>
+          </p:nvSpPr>
+          <p:spPr>
+            <a:xfrm>
+              <a:off x="9190215" y="3133527"/>
+              <a:ext cx="849429" cy="276999"/>
+            </a:xfrm>
+            <a:prstGeom prst="rect">
+              <a:avLst/>
+            </a:prstGeom>
+            <a:noFill/>
+          </p:spPr>
+          <p:txBody>
+            <a:bodyPr wrap="square" rtlCol="0">
+              <a:spAutoFit/>
+            </a:bodyPr>
+            <a:lstStyle/>
+            <a:p>
+              <a:r>
+                <a:rPr lang="en-US" altLang="zh-CN" sz="1200" dirty="0">
+                  <a:solidFill>
+                    <a:srgbClr val="C00000"/>
+                  </a:solidFill>
+                </a:rPr>
+                <a:t>title</a:t>
+              </a:r>
+              <a:endParaRPr lang="zh-CN" altLang="en-US" sz="1200" dirty="0">
+                <a:solidFill>
+                  <a:srgbClr val="C00000"/>
+                </a:solidFill>
+              </a:endParaRPr>
+            </a:p>
+          </p:txBody>
+        </p:sp>
+        <p:sp>
+          <p:nvSpPr>
+            <p:cNvPr id="64" name="Rectangle 63">
+              <a:extLst>
+                <a:ext uri="{FF2B5EF4-FFF2-40B4-BE49-F238E27FC236}">
+                  <a16:creationId xmlns:a16="http://schemas.microsoft.com/office/drawing/2014/main" id="{A2744CE9-0A67-9A43-A9BB-0CF02DB76205}"/>
+                </a:ext>
+              </a:extLst>
+            </p:cNvPr>
+            <p:cNvSpPr/>
+            <p:nvPr/>
+          </p:nvSpPr>
+          <p:spPr>
+            <a:xfrm>
+              <a:off x="6210157" y="3176139"/>
+              <a:ext cx="2516653" cy="217707"/>
+            </a:xfrm>
+            <a:prstGeom prst="rect">
+              <a:avLst/>
+            </a:prstGeom>
+            <a:noFill/>
+            <a:ln w="12700" cap="flat" cmpd="sng" algn="ctr">
+              <a:solidFill>
+                <a:srgbClr val="C00000"/>
+              </a:solidFill>
+              <a:prstDash val="solid"/>
+              <a:round/>
+              <a:headEnd type="none" w="med" len="med"/>
+              <a:tailEnd type="none" w="med" len="med"/>
+            </a:ln>
+          </p:spPr>
+          <p:style>
+            <a:lnRef idx="0">
+              <a:scrgbClr r="0" g="0" b="0"/>
+            </a:lnRef>
+            <a:fillRef idx="0">
+              <a:scrgbClr r="0" g="0" b="0"/>
+            </a:fillRef>
+            <a:effectRef idx="0">
+              <a:scrgbClr r="0" g="0" b="0"/>
+            </a:effectRef>
+            <a:fontRef idx="minor">
+              <a:schemeClr val="accent6"/>
+            </a:fontRef>
+          </p:style>
+          <p:txBody>
+            <a:bodyPr rtlCol="0" anchor="ctr"/>
+            <a:lstStyle/>
+            <a:p>
+              <a:pPr algn="ctr"/>
+              <a:endParaRPr lang="en-SG"/>
+            </a:p>
+          </p:txBody>
+        </p:sp>
+        <p:cxnSp>
+          <p:nvCxnSpPr>
+            <p:cNvPr id="58" name="Straight Arrow Connector 57">
+              <a:extLst>
+                <a:ext uri="{FF2B5EF4-FFF2-40B4-BE49-F238E27FC236}">
+                  <a16:creationId xmlns:a16="http://schemas.microsoft.com/office/drawing/2014/main" id="{AFA0DA7C-E4AB-7640-B648-6DBC87E6B30F}"/>
+                </a:ext>
+              </a:extLst>
+            </p:cNvPr>
+            <p:cNvCxnSpPr>
+              <a:cxnSpLocks/>
+            </p:cNvCxnSpPr>
+            <p:nvPr/>
+          </p:nvCxnSpPr>
+          <p:spPr>
+            <a:xfrm flipH="1">
+              <a:off x="8757812" y="3280581"/>
+              <a:ext cx="436773" cy="0"/>
+            </a:xfrm>
+            <a:prstGeom prst="straightConnector1">
+              <a:avLst/>
+            </a:prstGeom>
+            <a:ln w="12700">
+              <a:solidFill>
+                <a:srgbClr val="C00000"/>
+              </a:solidFill>
+              <a:tailEnd type="triangle"/>
+            </a:ln>
+          </p:spPr>
+          <p:style>
+            <a:lnRef idx="1">
+              <a:schemeClr val="accent1"/>
+            </a:lnRef>
+            <a:fillRef idx="0">
+              <a:schemeClr val="accent1"/>
+            </a:fillRef>
+            <a:effectRef idx="0">
+              <a:schemeClr val="accent1"/>
+            </a:effectRef>
+            <a:fontRef idx="minor">
+              <a:schemeClr val="tx1"/>
+            </a:fontRef>
+          </p:style>
+        </p:cxnSp>
+      </p:grpSp>
+      <p:grpSp>
+        <p:nvGrpSpPr>
+          <p:cNvPr id="14" name="Group 13">
+            <a:extLst>
+              <a:ext uri="{FF2B5EF4-FFF2-40B4-BE49-F238E27FC236}">
+                <a16:creationId xmlns:a16="http://schemas.microsoft.com/office/drawing/2014/main" id="{C3A8EFEE-B563-4EA4-B0B6-B112CC1795A2}"/>
+              </a:ext>
+            </a:extLst>
+          </p:cNvPr>
+          <p:cNvGrpSpPr/>
           <p:nvPr/>
-        </p:nvSpPr>
-        <p:spPr>
+        </p:nvGrpSpPr>
+        <p:grpSpPr>
           <a:xfrm>
-            <a:off x="6210157" y="3176139"/>
-            <a:ext cx="2516653" cy="217707"/>
+            <a:off x="6186172" y="3280581"/>
+            <a:ext cx="5535411" cy="2358219"/>
+            <a:chOff x="6186172" y="3133515"/>
+            <a:chExt cx="5535411" cy="2217420"/>
           </a:xfrm>
-          <a:prstGeom prst="rect">
-            <a:avLst/>
-          </a:prstGeom>
-          <a:noFill/>
-          <a:ln w="12700" cap="flat" cmpd="sng" algn="ctr">
-            <a:solidFill>
-              <a:srgbClr val="C00000"/>
-            </a:solidFill>
-            <a:prstDash val="solid"/>
-            <a:round/>
-            <a:headEnd type="none" w="med" len="med"/>
-            <a:tailEnd type="none" w="med" len="med"/>
-          </a:ln>
-        </p:spPr>
-        <p:style>
-          <a:lnRef idx="0">
-            <a:scrgbClr r="0" g="0" b="0"/>
-          </a:lnRef>
-          <a:fillRef idx="0">
-            <a:scrgbClr r="0" g="0" b="0"/>
-          </a:fillRef>
-          <a:effectRef idx="0">
-            <a:scrgbClr r="0" g="0" b="0"/>
-          </a:effectRef>
-          <a:fontRef idx="minor">
-            <a:schemeClr val="accent6"/>
-          </a:fontRef>
-        </p:style>
-        <p:txBody>
-          <a:bodyPr rtlCol="0" anchor="ctr"/>
-          <a:lstStyle/>
-          <a:p>
-            <a:pPr algn="ctr"/>
-            <a:endParaRPr lang="en-SG"/>
-          </a:p>
-        </p:txBody>
-      </p:sp>
-      <p:sp>
-        <p:nvSpPr>
-          <p:cNvPr id="66" name="Rectangle 65">
-            <a:extLst>
-              <a:ext uri="{FF2B5EF4-FFF2-40B4-BE49-F238E27FC236}">
-                <a16:creationId xmlns:a16="http://schemas.microsoft.com/office/drawing/2014/main" id="{C141FFD1-6C95-3144-91D0-6661C4DDF579}"/>
-              </a:ext>
-            </a:extLst>
-          </p:cNvPr>
-          <p:cNvSpPr/>
+        </p:grpSpPr>
+        <p:sp>
+          <p:nvSpPr>
+            <p:cNvPr id="45" name="文本框 44">
+              <a:extLst>
+                <a:ext uri="{FF2B5EF4-FFF2-40B4-BE49-F238E27FC236}">
+                  <a16:creationId xmlns:a16="http://schemas.microsoft.com/office/drawing/2014/main" id="{A0A1A4A5-828A-4BF9-94DF-CD28CBD612CF}"/>
+                </a:ext>
+              </a:extLst>
+            </p:cNvPr>
+            <p:cNvSpPr txBox="1"/>
+            <p:nvPr/>
+          </p:nvSpPr>
+          <p:spPr>
+            <a:xfrm>
+              <a:off x="10971251" y="4126375"/>
+              <a:ext cx="750332" cy="276999"/>
+            </a:xfrm>
+            <a:prstGeom prst="rect">
+              <a:avLst/>
+            </a:prstGeom>
+            <a:noFill/>
+          </p:spPr>
+          <p:txBody>
+            <a:bodyPr wrap="square" rtlCol="0">
+              <a:spAutoFit/>
+            </a:bodyPr>
+            <a:lstStyle/>
+            <a:p>
+              <a:r>
+                <a:rPr lang="en-US" altLang="zh-CN" sz="1200" dirty="0">
+                  <a:solidFill>
+                    <a:srgbClr val="0070C0"/>
+                  </a:solidFill>
+                </a:rPr>
+                <a:t>file</a:t>
+              </a:r>
+              <a:endParaRPr lang="zh-CN" altLang="en-US" sz="1200" dirty="0">
+                <a:solidFill>
+                  <a:srgbClr val="0070C0"/>
+                </a:solidFill>
+              </a:endParaRPr>
+            </a:p>
+          </p:txBody>
+        </p:sp>
+        <p:sp>
+          <p:nvSpPr>
+            <p:cNvPr id="66" name="Rectangle 65">
+              <a:extLst>
+                <a:ext uri="{FF2B5EF4-FFF2-40B4-BE49-F238E27FC236}">
+                  <a16:creationId xmlns:a16="http://schemas.microsoft.com/office/drawing/2014/main" id="{C141FFD1-6C95-3144-91D0-6661C4DDF579}"/>
+                </a:ext>
+              </a:extLst>
+            </p:cNvPr>
+            <p:cNvSpPr/>
+            <p:nvPr/>
+          </p:nvSpPr>
+          <p:spPr>
+            <a:xfrm>
+              <a:off x="6186172" y="3133515"/>
+              <a:ext cx="4450097" cy="2217420"/>
+            </a:xfrm>
+            <a:prstGeom prst="rect">
+              <a:avLst/>
+            </a:prstGeom>
+            <a:noFill/>
+            <a:ln w="9525" cap="flat" cmpd="sng" algn="ctr">
+              <a:solidFill>
+                <a:srgbClr val="0070C0"/>
+              </a:solidFill>
+              <a:prstDash val="solid"/>
+              <a:round/>
+              <a:headEnd type="none" w="med" len="med"/>
+              <a:tailEnd type="none" w="med" len="med"/>
+            </a:ln>
+          </p:spPr>
+          <p:style>
+            <a:lnRef idx="0">
+              <a:scrgbClr r="0" g="0" b="0"/>
+            </a:lnRef>
+            <a:fillRef idx="0">
+              <a:scrgbClr r="0" g="0" b="0"/>
+            </a:fillRef>
+            <a:effectRef idx="0">
+              <a:scrgbClr r="0" g="0" b="0"/>
+            </a:effectRef>
+            <a:fontRef idx="minor">
+              <a:schemeClr val="accent1"/>
+            </a:fontRef>
+          </p:style>
+          <p:txBody>
+            <a:bodyPr rtlCol="0" anchor="ctr"/>
+            <a:lstStyle/>
+            <a:p>
+              <a:pPr algn="ctr"/>
+              <a:endParaRPr lang="en-SG"/>
+            </a:p>
+          </p:txBody>
+        </p:sp>
+        <p:cxnSp>
+          <p:nvCxnSpPr>
+            <p:cNvPr id="61" name="Straight Arrow Connector 60">
+              <a:extLst>
+                <a:ext uri="{FF2B5EF4-FFF2-40B4-BE49-F238E27FC236}">
+                  <a16:creationId xmlns:a16="http://schemas.microsoft.com/office/drawing/2014/main" id="{B3CB679E-8205-8D4E-8605-4305DBA22290}"/>
+                </a:ext>
+              </a:extLst>
+            </p:cNvPr>
+            <p:cNvCxnSpPr>
+              <a:cxnSpLocks/>
+            </p:cNvCxnSpPr>
+            <p:nvPr/>
+          </p:nvCxnSpPr>
+          <p:spPr>
+            <a:xfrm flipH="1" flipV="1">
+              <a:off x="10667719" y="4260483"/>
+              <a:ext cx="318046" cy="4392"/>
+            </a:xfrm>
+            <a:prstGeom prst="straightConnector1">
+              <a:avLst/>
+            </a:prstGeom>
+            <a:ln>
+              <a:tailEnd type="triangle"/>
+            </a:ln>
+          </p:spPr>
+          <p:style>
+            <a:lnRef idx="3">
+              <a:schemeClr val="accent1"/>
+            </a:lnRef>
+            <a:fillRef idx="0">
+              <a:schemeClr val="accent1"/>
+            </a:fillRef>
+            <a:effectRef idx="2">
+              <a:schemeClr val="accent1"/>
+            </a:effectRef>
+            <a:fontRef idx="minor">
+              <a:schemeClr val="tx1"/>
+            </a:fontRef>
+          </p:style>
+        </p:cxnSp>
+      </p:grpSp>
+      <p:grpSp>
+        <p:nvGrpSpPr>
+          <p:cNvPr id="15" name="Group 14">
+            <a:extLst>
+              <a:ext uri="{FF2B5EF4-FFF2-40B4-BE49-F238E27FC236}">
+                <a16:creationId xmlns:a16="http://schemas.microsoft.com/office/drawing/2014/main" id="{AA857E4A-0412-484B-AB41-9F54A2124762}"/>
+              </a:ext>
+            </a:extLst>
+          </p:cNvPr>
+          <p:cNvGrpSpPr/>
           <p:nvPr/>
-        </p:nvSpPr>
-        <p:spPr>
+        </p:nvGrpSpPr>
+        <p:grpSpPr>
           <a:xfrm>
-            <a:off x="6186172" y="3133515"/>
-            <a:ext cx="4450097" cy="2217420"/>
+            <a:off x="6228509" y="3577419"/>
+            <a:ext cx="5603272" cy="1766249"/>
+            <a:chOff x="6228509" y="3429000"/>
+            <a:chExt cx="5603272" cy="1584566"/>
           </a:xfrm>
-          <a:prstGeom prst="rect">
-            <a:avLst/>
-          </a:prstGeom>
-          <a:noFill/>
-          <a:ln w="12700" cap="flat" cmpd="sng" algn="ctr">
-            <a:solidFill>
-              <a:schemeClr val="accent4">
-                <a:lumMod val="50000"/>
-              </a:schemeClr>
-            </a:solidFill>
-            <a:prstDash val="solid"/>
-            <a:round/>
-            <a:headEnd type="none" w="med" len="med"/>
-            <a:tailEnd type="none" w="med" len="med"/>
-          </a:ln>
-        </p:spPr>
-        <p:style>
-          <a:lnRef idx="0">
-            <a:scrgbClr r="0" g="0" b="0"/>
-          </a:lnRef>
-          <a:fillRef idx="0">
-            <a:scrgbClr r="0" g="0" b="0"/>
-          </a:fillRef>
-          <a:effectRef idx="0">
-            <a:scrgbClr r="0" g="0" b="0"/>
-          </a:effectRef>
-          <a:fontRef idx="minor">
-            <a:schemeClr val="accent6"/>
-          </a:fontRef>
-        </p:style>
-        <p:txBody>
-          <a:bodyPr rtlCol="0" anchor="ctr"/>
-          <a:lstStyle/>
-          <a:p>
-            <a:pPr algn="ctr"/>
-            <a:endParaRPr lang="en-SG"/>
-          </a:p>
-        </p:txBody>
-      </p:sp>
-      <p:cxnSp>
-        <p:nvCxnSpPr>
-          <p:cNvPr id="4" name="Straight Arrow Connector 3">
-            <a:extLst>
-              <a:ext uri="{FF2B5EF4-FFF2-40B4-BE49-F238E27FC236}">
-                <a16:creationId xmlns:a16="http://schemas.microsoft.com/office/drawing/2014/main" id="{0E1E9E40-02F3-174C-97DB-3B6E1415124B}"/>
-              </a:ext>
-            </a:extLst>
-          </p:cNvPr>
-          <p:cNvCxnSpPr>
-            <a:cxnSpLocks/>
-          </p:cNvCxnSpPr>
-          <p:nvPr/>
-        </p:nvCxnSpPr>
-        <p:spPr>
-          <a:xfrm>
-            <a:off x="1294354" y="1335408"/>
-            <a:ext cx="352376" cy="0"/>
-          </a:xfrm>
-          <a:prstGeom prst="straightConnector1">
-            <a:avLst/>
-          </a:prstGeom>
-          <a:ln w="12700">
-            <a:solidFill>
+        </p:grpSpPr>
+        <p:sp>
+          <p:nvSpPr>
+            <p:cNvPr id="39" name="Rectangle 38">
+              <a:extLst>
+                <a:ext uri="{FF2B5EF4-FFF2-40B4-BE49-F238E27FC236}">
+                  <a16:creationId xmlns:a16="http://schemas.microsoft.com/office/drawing/2014/main" id="{F1DC792B-BA68-E146-9640-3B9BBA3D37BF}"/>
+                </a:ext>
+              </a:extLst>
+            </p:cNvPr>
+            <p:cNvSpPr/>
+            <p:nvPr/>
+          </p:nvSpPr>
+          <p:spPr>
+            <a:xfrm>
+              <a:off x="6228509" y="3429000"/>
+              <a:ext cx="4354826" cy="1584566"/>
+            </a:xfrm>
+            <a:prstGeom prst="rect">
+              <a:avLst/>
+            </a:prstGeom>
+            <a:noFill/>
+            <a:ln w="12700" cap="flat" cmpd="sng" algn="ctr">
+              <a:solidFill>
+                <a:schemeClr val="accent2">
+                  <a:lumMod val="60000"/>
+                  <a:lumOff val="40000"/>
+                </a:schemeClr>
+              </a:solidFill>
+              <a:prstDash val="solid"/>
+              <a:round/>
+              <a:headEnd type="none" w="med" len="med"/>
+              <a:tailEnd type="none" w="med" len="med"/>
+            </a:ln>
+          </p:spPr>
+          <p:style>
+            <a:lnRef idx="0">
+              <a:scrgbClr r="0" g="0" b="0"/>
+            </a:lnRef>
+            <a:fillRef idx="0">
+              <a:scrgbClr r="0" g="0" b="0"/>
+            </a:fillRef>
+            <a:effectRef idx="0">
+              <a:scrgbClr r="0" g="0" b="0"/>
+            </a:effectRef>
+            <a:fontRef idx="minor">
               <a:schemeClr val="accent6"/>
-            </a:solidFill>
-            <a:tailEnd type="triangle"/>
-          </a:ln>
-        </p:spPr>
-        <p:style>
-          <a:lnRef idx="1">
-            <a:schemeClr val="accent1"/>
-          </a:lnRef>
-          <a:fillRef idx="0">
-            <a:schemeClr val="accent1"/>
-          </a:fillRef>
-          <a:effectRef idx="0">
-            <a:schemeClr val="accent1"/>
-          </a:effectRef>
-          <a:fontRef idx="minor">
-            <a:schemeClr val="tx1"/>
-          </a:fontRef>
-        </p:style>
-      </p:cxnSp>
-      <p:cxnSp>
-        <p:nvCxnSpPr>
-          <p:cNvPr id="37" name="Straight Arrow Connector 36">
-            <a:extLst>
-              <a:ext uri="{FF2B5EF4-FFF2-40B4-BE49-F238E27FC236}">
-                <a16:creationId xmlns:a16="http://schemas.microsoft.com/office/drawing/2014/main" id="{DEEEF689-CF7E-7149-97BA-3D3957707314}"/>
-              </a:ext>
-            </a:extLst>
-          </p:cNvPr>
-          <p:cNvCxnSpPr>
-            <a:cxnSpLocks/>
-          </p:cNvCxnSpPr>
-          <p:nvPr/>
-        </p:nvCxnSpPr>
-        <p:spPr>
-          <a:xfrm>
-            <a:off x="1068915" y="2178394"/>
-            <a:ext cx="415745" cy="0"/>
-          </a:xfrm>
-          <a:prstGeom prst="straightConnector1">
-            <a:avLst/>
-          </a:prstGeom>
-          <a:ln w="12700">
-            <a:solidFill>
-              <a:srgbClr val="7030A0"/>
-            </a:solidFill>
-            <a:tailEnd type="triangle"/>
-          </a:ln>
-        </p:spPr>
-        <p:style>
-          <a:lnRef idx="1">
-            <a:schemeClr val="accent1"/>
-          </a:lnRef>
-          <a:fillRef idx="0">
-            <a:schemeClr val="accent1"/>
-          </a:fillRef>
-          <a:effectRef idx="0">
-            <a:schemeClr val="accent1"/>
-          </a:effectRef>
-          <a:fontRef idx="minor">
-            <a:schemeClr val="tx1"/>
-          </a:fontRef>
-        </p:style>
-      </p:cxnSp>
-      <p:cxnSp>
-        <p:nvCxnSpPr>
-          <p:cNvPr id="38" name="Straight Arrow Connector 37">
-            <a:extLst>
-              <a:ext uri="{FF2B5EF4-FFF2-40B4-BE49-F238E27FC236}">
-                <a16:creationId xmlns:a16="http://schemas.microsoft.com/office/drawing/2014/main" id="{9A9F6241-AC1E-1B48-8BC2-871CFFE15B1E}"/>
-              </a:ext>
-            </a:extLst>
-          </p:cNvPr>
-          <p:cNvCxnSpPr>
-            <a:cxnSpLocks/>
-          </p:cNvCxnSpPr>
-          <p:nvPr/>
-        </p:nvCxnSpPr>
-        <p:spPr>
-          <a:xfrm>
-            <a:off x="1073665" y="2714969"/>
-            <a:ext cx="437970" cy="0"/>
-          </a:xfrm>
-          <a:prstGeom prst="straightConnector1">
-            <a:avLst/>
-          </a:prstGeom>
-          <a:ln w="12700">
-            <a:solidFill>
-              <a:srgbClr val="0070C0"/>
-            </a:solidFill>
-            <a:tailEnd type="triangle"/>
-          </a:ln>
-        </p:spPr>
-        <p:style>
-          <a:lnRef idx="1">
-            <a:schemeClr val="accent1"/>
-          </a:lnRef>
-          <a:fillRef idx="0">
-            <a:schemeClr val="accent1"/>
-          </a:fillRef>
-          <a:effectRef idx="0">
-            <a:schemeClr val="accent1"/>
-          </a:effectRef>
-          <a:fontRef idx="minor">
-            <a:schemeClr val="tx1"/>
-          </a:fontRef>
-        </p:style>
-      </p:cxnSp>
-      <p:cxnSp>
-        <p:nvCxnSpPr>
-          <p:cNvPr id="43" name="Straight Arrow Connector 42">
-            <a:extLst>
-              <a:ext uri="{FF2B5EF4-FFF2-40B4-BE49-F238E27FC236}">
-                <a16:creationId xmlns:a16="http://schemas.microsoft.com/office/drawing/2014/main" id="{984AD6F2-A33B-8148-AEDA-A8EAEFD7DC95}"/>
-              </a:ext>
-            </a:extLst>
-          </p:cNvPr>
-          <p:cNvCxnSpPr>
-            <a:cxnSpLocks/>
-          </p:cNvCxnSpPr>
-          <p:nvPr/>
-        </p:nvCxnSpPr>
-        <p:spPr>
-          <a:xfrm>
-            <a:off x="1181270" y="4957641"/>
-            <a:ext cx="300327" cy="0"/>
-          </a:xfrm>
-          <a:prstGeom prst="straightConnector1">
-            <a:avLst/>
-          </a:prstGeom>
-          <a:ln w="12700">
-            <a:solidFill>
-              <a:schemeClr val="tx1"/>
-            </a:solidFill>
-            <a:tailEnd type="triangle"/>
-          </a:ln>
-        </p:spPr>
-        <p:style>
-          <a:lnRef idx="1">
-            <a:schemeClr val="accent1"/>
-          </a:lnRef>
-          <a:fillRef idx="0">
-            <a:schemeClr val="accent1"/>
-          </a:fillRef>
-          <a:effectRef idx="0">
-            <a:schemeClr val="accent1"/>
-          </a:effectRef>
-          <a:fontRef idx="minor">
-            <a:schemeClr val="tx1"/>
-          </a:fontRef>
-        </p:style>
-      </p:cxnSp>
-      <p:cxnSp>
-        <p:nvCxnSpPr>
-          <p:cNvPr id="10" name="Straight Arrow Connector 9">
-            <a:extLst>
-              <a:ext uri="{FF2B5EF4-FFF2-40B4-BE49-F238E27FC236}">
-                <a16:creationId xmlns:a16="http://schemas.microsoft.com/office/drawing/2014/main" id="{B3FA0071-1F3A-2C42-AE98-70438B56D7BF}"/>
-              </a:ext>
-            </a:extLst>
-          </p:cNvPr>
-          <p:cNvCxnSpPr/>
-          <p:nvPr/>
-        </p:nvCxnSpPr>
-        <p:spPr>
-          <a:xfrm>
-            <a:off x="3771899" y="483476"/>
-            <a:ext cx="0" cy="312842"/>
-          </a:xfrm>
-          <a:prstGeom prst="straightConnector1">
-            <a:avLst/>
-          </a:prstGeom>
-          <a:ln w="12700">
-            <a:tailEnd type="triangle"/>
-          </a:ln>
-        </p:spPr>
-        <p:style>
-          <a:lnRef idx="1">
-            <a:schemeClr val="accent1"/>
-          </a:lnRef>
-          <a:fillRef idx="0">
-            <a:schemeClr val="accent1"/>
-          </a:fillRef>
-          <a:effectRef idx="0">
-            <a:schemeClr val="accent1"/>
-          </a:effectRef>
-          <a:fontRef idx="minor">
-            <a:schemeClr val="tx1"/>
-          </a:fontRef>
-        </p:style>
-      </p:cxnSp>
-      <p:cxnSp>
-        <p:nvCxnSpPr>
-          <p:cNvPr id="50" name="Straight Arrow Connector 49">
-            <a:extLst>
-              <a:ext uri="{FF2B5EF4-FFF2-40B4-BE49-F238E27FC236}">
-                <a16:creationId xmlns:a16="http://schemas.microsoft.com/office/drawing/2014/main" id="{F20E8FC5-C665-144F-B0BB-107E10758C59}"/>
-              </a:ext>
-            </a:extLst>
-          </p:cNvPr>
-          <p:cNvCxnSpPr/>
-          <p:nvPr/>
-        </p:nvCxnSpPr>
-        <p:spPr>
-          <a:xfrm>
-            <a:off x="8458331" y="465408"/>
-            <a:ext cx="0" cy="312842"/>
-          </a:xfrm>
-          <a:prstGeom prst="straightConnector1">
-            <a:avLst/>
-          </a:prstGeom>
-          <a:ln w="12700">
-            <a:solidFill>
-              <a:schemeClr val="accent2"/>
-            </a:solidFill>
-            <a:tailEnd type="triangle"/>
-          </a:ln>
-        </p:spPr>
-        <p:style>
-          <a:lnRef idx="1">
-            <a:schemeClr val="accent1"/>
-          </a:lnRef>
-          <a:fillRef idx="0">
-            <a:schemeClr val="accent1"/>
-          </a:fillRef>
-          <a:effectRef idx="0">
-            <a:schemeClr val="accent1"/>
-          </a:effectRef>
-          <a:fontRef idx="minor">
-            <a:schemeClr val="tx1"/>
-          </a:fontRef>
-        </p:style>
-      </p:cxnSp>
-      <p:cxnSp>
-        <p:nvCxnSpPr>
-          <p:cNvPr id="55" name="Straight Arrow Connector 54">
-            <a:extLst>
-              <a:ext uri="{FF2B5EF4-FFF2-40B4-BE49-F238E27FC236}">
-                <a16:creationId xmlns:a16="http://schemas.microsoft.com/office/drawing/2014/main" id="{39E59FD8-6ED7-DE42-8608-75F1F9A40F07}"/>
-              </a:ext>
-            </a:extLst>
-          </p:cNvPr>
-          <p:cNvCxnSpPr>
-            <a:cxnSpLocks/>
-          </p:cNvCxnSpPr>
-          <p:nvPr/>
-        </p:nvCxnSpPr>
-        <p:spPr>
-          <a:xfrm flipH="1">
-            <a:off x="8272308" y="1944170"/>
-            <a:ext cx="436773" cy="0"/>
-          </a:xfrm>
-          <a:prstGeom prst="straightConnector1">
-            <a:avLst/>
-          </a:prstGeom>
-          <a:ln w="12700">
-            <a:solidFill>
-              <a:schemeClr val="accent6">
-                <a:lumMod val="75000"/>
-              </a:schemeClr>
-            </a:solidFill>
-            <a:tailEnd type="triangle"/>
-          </a:ln>
-        </p:spPr>
-        <p:style>
-          <a:lnRef idx="1">
-            <a:schemeClr val="accent1"/>
-          </a:lnRef>
-          <a:fillRef idx="0">
-            <a:schemeClr val="accent1"/>
-          </a:fillRef>
-          <a:effectRef idx="0">
-            <a:schemeClr val="accent1"/>
-          </a:effectRef>
-          <a:fontRef idx="minor">
-            <a:schemeClr val="tx1"/>
-          </a:fontRef>
-        </p:style>
-      </p:cxnSp>
-      <p:cxnSp>
-        <p:nvCxnSpPr>
-          <p:cNvPr id="58" name="Straight Arrow Connector 57">
-            <a:extLst>
-              <a:ext uri="{FF2B5EF4-FFF2-40B4-BE49-F238E27FC236}">
-                <a16:creationId xmlns:a16="http://schemas.microsoft.com/office/drawing/2014/main" id="{AFA0DA7C-E4AB-7640-B648-6DBC87E6B30F}"/>
-              </a:ext>
-            </a:extLst>
-          </p:cNvPr>
-          <p:cNvCxnSpPr>
-            <a:cxnSpLocks/>
-          </p:cNvCxnSpPr>
-          <p:nvPr/>
-        </p:nvCxnSpPr>
-        <p:spPr>
-          <a:xfrm flipH="1">
-            <a:off x="8757812" y="3280581"/>
-            <a:ext cx="436773" cy="0"/>
-          </a:xfrm>
-          <a:prstGeom prst="straightConnector1">
-            <a:avLst/>
-          </a:prstGeom>
-          <a:ln w="12700">
-            <a:solidFill>
-              <a:srgbClr val="C00000"/>
-            </a:solidFill>
-            <a:tailEnd type="triangle"/>
-          </a:ln>
-        </p:spPr>
-        <p:style>
-          <a:lnRef idx="1">
-            <a:schemeClr val="accent1"/>
-          </a:lnRef>
-          <a:fillRef idx="0">
-            <a:schemeClr val="accent1"/>
-          </a:fillRef>
-          <a:effectRef idx="0">
-            <a:schemeClr val="accent1"/>
-          </a:effectRef>
-          <a:fontRef idx="minor">
-            <a:schemeClr val="tx1"/>
-          </a:fontRef>
-        </p:style>
-      </p:cxnSp>
-      <p:cxnSp>
-        <p:nvCxnSpPr>
-          <p:cNvPr id="61" name="Straight Arrow Connector 60">
-            <a:extLst>
-              <a:ext uri="{FF2B5EF4-FFF2-40B4-BE49-F238E27FC236}">
-                <a16:creationId xmlns:a16="http://schemas.microsoft.com/office/drawing/2014/main" id="{B3CB679E-8205-8D4E-8605-4305DBA22290}"/>
-              </a:ext>
-            </a:extLst>
-          </p:cNvPr>
-          <p:cNvCxnSpPr>
-            <a:cxnSpLocks/>
-          </p:cNvCxnSpPr>
-          <p:nvPr/>
-        </p:nvCxnSpPr>
-        <p:spPr>
-          <a:xfrm flipH="1" flipV="1">
-            <a:off x="10667719" y="4260483"/>
-            <a:ext cx="318046" cy="4392"/>
-          </a:xfrm>
-          <a:prstGeom prst="straightConnector1">
-            <a:avLst/>
-          </a:prstGeom>
-          <a:ln w="12700">
-            <a:solidFill>
-              <a:schemeClr val="accent4">
-                <a:lumMod val="50000"/>
-              </a:schemeClr>
-            </a:solidFill>
-            <a:tailEnd type="triangle"/>
-          </a:ln>
-        </p:spPr>
-        <p:style>
-          <a:lnRef idx="1">
-            <a:schemeClr val="accent1"/>
-          </a:lnRef>
-          <a:fillRef idx="0">
-            <a:schemeClr val="accent1"/>
-          </a:fillRef>
-          <a:effectRef idx="0">
-            <a:schemeClr val="accent1"/>
-          </a:effectRef>
-          <a:fontRef idx="minor">
-            <a:schemeClr val="tx1"/>
-          </a:fontRef>
-        </p:style>
-      </p:cxnSp>
-      <p:cxnSp>
-        <p:nvCxnSpPr>
-          <p:cNvPr id="63" name="Straight Arrow Connector 62">
-            <a:extLst>
-              <a:ext uri="{FF2B5EF4-FFF2-40B4-BE49-F238E27FC236}">
-                <a16:creationId xmlns:a16="http://schemas.microsoft.com/office/drawing/2014/main" id="{510B956D-D846-A649-B354-69624F72C304}"/>
-              </a:ext>
-            </a:extLst>
-          </p:cNvPr>
-          <p:cNvCxnSpPr>
-            <a:cxnSpLocks/>
-          </p:cNvCxnSpPr>
-          <p:nvPr/>
-        </p:nvCxnSpPr>
-        <p:spPr>
-          <a:xfrm>
-            <a:off x="4284891" y="3125047"/>
-            <a:ext cx="0" cy="429266"/>
-          </a:xfrm>
-          <a:prstGeom prst="straightConnector1">
-            <a:avLst/>
-          </a:prstGeom>
-          <a:ln w="12700">
-            <a:solidFill>
-              <a:schemeClr val="accent4"/>
-            </a:solidFill>
-            <a:tailEnd type="triangle"/>
-          </a:ln>
-        </p:spPr>
-        <p:style>
-          <a:lnRef idx="1">
-            <a:schemeClr val="accent1"/>
-          </a:lnRef>
-          <a:fillRef idx="0">
-            <a:schemeClr val="accent1"/>
-          </a:fillRef>
-          <a:effectRef idx="0">
-            <a:schemeClr val="accent1"/>
-          </a:effectRef>
-          <a:fontRef idx="minor">
-            <a:schemeClr val="tx1"/>
-          </a:fontRef>
-        </p:style>
-      </p:cxnSp>
-      <p:sp>
-        <p:nvSpPr>
-          <p:cNvPr id="39" name="Rectangle 38">
-            <a:extLst>
-              <a:ext uri="{FF2B5EF4-FFF2-40B4-BE49-F238E27FC236}">
-                <a16:creationId xmlns:a16="http://schemas.microsoft.com/office/drawing/2014/main" id="{F1DC792B-BA68-E146-9640-3B9BBA3D37BF}"/>
-              </a:ext>
-            </a:extLst>
-          </p:cNvPr>
-          <p:cNvSpPr/>
-          <p:nvPr/>
-        </p:nvSpPr>
-        <p:spPr>
-          <a:xfrm>
-            <a:off x="6228509" y="3429000"/>
-            <a:ext cx="4354826" cy="1584566"/>
-          </a:xfrm>
-          <a:prstGeom prst="rect">
-            <a:avLst/>
-          </a:prstGeom>
-          <a:noFill/>
-          <a:ln w="12700" cap="flat" cmpd="sng" algn="ctr">
-            <a:solidFill>
-              <a:schemeClr val="accent2">
-                <a:lumMod val="60000"/>
-                <a:lumOff val="40000"/>
-              </a:schemeClr>
-            </a:solidFill>
-            <a:prstDash val="solid"/>
-            <a:round/>
-            <a:headEnd type="none" w="med" len="med"/>
-            <a:tailEnd type="none" w="med" len="med"/>
-          </a:ln>
-        </p:spPr>
-        <p:style>
-          <a:lnRef idx="0">
-            <a:scrgbClr r="0" g="0" b="0"/>
-          </a:lnRef>
-          <a:fillRef idx="0">
-            <a:scrgbClr r="0" g="0" b="0"/>
-          </a:fillRef>
-          <a:effectRef idx="0">
-            <a:scrgbClr r="0" g="0" b="0"/>
-          </a:effectRef>
-          <a:fontRef idx="minor">
-            <a:schemeClr val="accent6"/>
-          </a:fontRef>
-        </p:style>
-        <p:txBody>
-          <a:bodyPr rtlCol="0" anchor="ctr"/>
-          <a:lstStyle/>
-          <a:p>
-            <a:pPr algn="ctr"/>
-            <a:endParaRPr lang="en-SG"/>
-          </a:p>
-        </p:txBody>
-      </p:sp>
-      <p:sp>
-        <p:nvSpPr>
-          <p:cNvPr id="44" name="文本框 44">
-            <a:extLst>
-              <a:ext uri="{FF2B5EF4-FFF2-40B4-BE49-F238E27FC236}">
-                <a16:creationId xmlns:a16="http://schemas.microsoft.com/office/drawing/2014/main" id="{A899A3DB-A0EF-A042-8009-CDA2C0E753A2}"/>
-              </a:ext>
-            </a:extLst>
-          </p:cNvPr>
-          <p:cNvSpPr txBox="1"/>
-          <p:nvPr/>
-        </p:nvSpPr>
-        <p:spPr>
-          <a:xfrm>
-            <a:off x="10895046" y="3703036"/>
-            <a:ext cx="936735" cy="276999"/>
-          </a:xfrm>
-          <a:prstGeom prst="rect">
-            <a:avLst/>
-          </a:prstGeom>
-          <a:noFill/>
-          <a:ln>
+            </a:fontRef>
+          </p:style>
+          <p:txBody>
+            <a:bodyPr rtlCol="0" anchor="ctr"/>
+            <a:lstStyle/>
+            <a:p>
+              <a:pPr algn="ctr"/>
+              <a:endParaRPr lang="en-SG"/>
+            </a:p>
+          </p:txBody>
+        </p:sp>
+        <p:sp>
+          <p:nvSpPr>
+            <p:cNvPr id="44" name="文本框 44">
+              <a:extLst>
+                <a:ext uri="{FF2B5EF4-FFF2-40B4-BE49-F238E27FC236}">
+                  <a16:creationId xmlns:a16="http://schemas.microsoft.com/office/drawing/2014/main" id="{A899A3DB-A0EF-A042-8009-CDA2C0E753A2}"/>
+                </a:ext>
+              </a:extLst>
+            </p:cNvPr>
+            <p:cNvSpPr txBox="1"/>
+            <p:nvPr/>
+          </p:nvSpPr>
+          <p:spPr>
+            <a:xfrm>
+              <a:off x="10895046" y="3703036"/>
+              <a:ext cx="936735" cy="276999"/>
+            </a:xfrm>
+            <a:prstGeom prst="rect">
+              <a:avLst/>
+            </a:prstGeom>
             <a:noFill/>
-          </a:ln>
-        </p:spPr>
-        <p:txBody>
-          <a:bodyPr wrap="square" rtlCol="0">
-            <a:spAutoFit/>
-          </a:bodyPr>
-          <a:lstStyle/>
-          <a:p>
-            <a:r>
-              <a:rPr lang="en-US" altLang="zh-CN" sz="1200" dirty="0">
+            <a:ln>
+              <a:noFill/>
+            </a:ln>
+          </p:spPr>
+          <p:txBody>
+            <a:bodyPr wrap="square" rtlCol="0">
+              <a:spAutoFit/>
+            </a:bodyPr>
+            <a:lstStyle/>
+            <a:p>
+              <a:r>
+                <a:rPr lang="en-US" altLang="zh-CN" sz="1200" dirty="0">
+                  <a:solidFill>
+                    <a:schemeClr val="accent2">
+                      <a:lumMod val="60000"/>
+                      <a:lumOff val="40000"/>
+                    </a:schemeClr>
+                  </a:solidFill>
+                </a:rPr>
+                <a:t>segment</a:t>
+              </a:r>
+              <a:endParaRPr lang="zh-CN" altLang="en-US" sz="1200" dirty="0">
                 <a:solidFill>
                   <a:schemeClr val="accent2">
                     <a:lumMod val="60000"/>
                     <a:lumOff val="40000"/>
                   </a:schemeClr>
                 </a:solidFill>
-              </a:rPr>
-              <a:t>segment</a:t>
-            </a:r>
-            <a:endParaRPr lang="zh-CN" altLang="en-US" sz="1200" dirty="0">
+              </a:endParaRPr>
+            </a:p>
+          </p:txBody>
+        </p:sp>
+        <p:cxnSp>
+          <p:nvCxnSpPr>
+            <p:cNvPr id="46" name="Straight Arrow Connector 45">
+              <a:extLst>
+                <a:ext uri="{FF2B5EF4-FFF2-40B4-BE49-F238E27FC236}">
+                  <a16:creationId xmlns:a16="http://schemas.microsoft.com/office/drawing/2014/main" id="{BE7BD8BB-4C1B-DB44-A439-079C150A181C}"/>
+                </a:ext>
+              </a:extLst>
+            </p:cNvPr>
+            <p:cNvCxnSpPr>
+              <a:cxnSpLocks/>
+            </p:cNvCxnSpPr>
+            <p:nvPr/>
+          </p:nvCxnSpPr>
+          <p:spPr>
+            <a:xfrm flipH="1" flipV="1">
+              <a:off x="10591515" y="3862545"/>
+              <a:ext cx="318046" cy="4392"/>
+            </a:xfrm>
+            <a:prstGeom prst="straightConnector1">
+              <a:avLst/>
+            </a:prstGeom>
+            <a:ln w="12700">
               <a:solidFill>
                 <a:schemeClr val="accent2">
                   <a:lumMod val="60000"/>
                   <a:lumOff val="40000"/>
                 </a:schemeClr>
               </a:solidFill>
-            </a:endParaRPr>
-          </a:p>
-        </p:txBody>
-      </p:sp>
-      <p:cxnSp>
-        <p:nvCxnSpPr>
-          <p:cNvPr id="46" name="Straight Arrow Connector 45">
-            <a:extLst>
-              <a:ext uri="{FF2B5EF4-FFF2-40B4-BE49-F238E27FC236}">
-                <a16:creationId xmlns:a16="http://schemas.microsoft.com/office/drawing/2014/main" id="{BE7BD8BB-4C1B-DB44-A439-079C150A181C}"/>
-              </a:ext>
-            </a:extLst>
-          </p:cNvPr>
-          <p:cNvCxnSpPr>
-            <a:cxnSpLocks/>
-          </p:cNvCxnSpPr>
+              <a:tailEnd type="triangle"/>
+            </a:ln>
+          </p:spPr>
+          <p:style>
+            <a:lnRef idx="1">
+              <a:schemeClr val="accent1"/>
+            </a:lnRef>
+            <a:fillRef idx="0">
+              <a:schemeClr val="accent1"/>
+            </a:fillRef>
+            <a:effectRef idx="0">
+              <a:schemeClr val="accent1"/>
+            </a:effectRef>
+            <a:fontRef idx="minor">
+              <a:schemeClr val="tx1"/>
+            </a:fontRef>
+          </p:style>
+        </p:cxnSp>
+      </p:grpSp>
+      <p:grpSp>
+        <p:nvGrpSpPr>
+          <p:cNvPr id="19" name="Group 18">
+            <a:extLst>
+              <a:ext uri="{FF2B5EF4-FFF2-40B4-BE49-F238E27FC236}">
+                <a16:creationId xmlns:a16="http://schemas.microsoft.com/office/drawing/2014/main" id="{6472C614-37CA-49CB-8B68-0443BEA2A398}"/>
+              </a:ext>
+            </a:extLst>
+          </p:cNvPr>
+          <p:cNvGrpSpPr/>
           <p:nvPr/>
-        </p:nvCxnSpPr>
-        <p:spPr>
-          <a:xfrm flipH="1" flipV="1">
-            <a:off x="10591515" y="3862545"/>
-            <a:ext cx="318046" cy="4392"/>
+        </p:nvGrpSpPr>
+        <p:grpSpPr>
+          <a:xfrm>
+            <a:off x="3096259" y="4825892"/>
+            <a:ext cx="2516973" cy="878948"/>
+            <a:chOff x="3096259" y="4825892"/>
+            <a:chExt cx="2516973" cy="878948"/>
           </a:xfrm>
-          <a:prstGeom prst="straightConnector1">
-            <a:avLst/>
-          </a:prstGeom>
-          <a:ln w="12700">
-            <a:solidFill>
-              <a:schemeClr val="accent2">
-                <a:lumMod val="60000"/>
-                <a:lumOff val="40000"/>
-              </a:schemeClr>
-            </a:solidFill>
-            <a:tailEnd type="triangle"/>
-          </a:ln>
-        </p:spPr>
-        <p:style>
-          <a:lnRef idx="1">
-            <a:schemeClr val="accent1"/>
-          </a:lnRef>
-          <a:fillRef idx="0">
-            <a:schemeClr val="accent1"/>
-          </a:fillRef>
-          <a:effectRef idx="0">
-            <a:schemeClr val="accent1"/>
-          </a:effectRef>
-          <a:fontRef idx="minor">
-            <a:schemeClr val="tx1"/>
-          </a:fontRef>
-        </p:style>
-      </p:cxnSp>
+        </p:grpSpPr>
+        <p:grpSp>
+          <p:nvGrpSpPr>
+            <p:cNvPr id="9" name="Group 8">
+              <a:extLst>
+                <a:ext uri="{FF2B5EF4-FFF2-40B4-BE49-F238E27FC236}">
+                  <a16:creationId xmlns:a16="http://schemas.microsoft.com/office/drawing/2014/main" id="{7E4C7A32-ABEE-4E6F-BF40-019B25CBACA8}"/>
+                </a:ext>
+              </a:extLst>
+            </p:cNvPr>
+            <p:cNvGrpSpPr/>
+            <p:nvPr/>
+          </p:nvGrpSpPr>
+          <p:grpSpPr>
+            <a:xfrm>
+              <a:off x="3096259" y="4825892"/>
+              <a:ext cx="2516973" cy="517781"/>
+              <a:chOff x="3232326" y="2828987"/>
+              <a:chExt cx="2516973" cy="560386"/>
+            </a:xfrm>
+          </p:grpSpPr>
+          <p:sp>
+            <p:nvSpPr>
+              <p:cNvPr id="59" name="TextBox 58">
+                <a:extLst>
+                  <a:ext uri="{FF2B5EF4-FFF2-40B4-BE49-F238E27FC236}">
+                    <a16:creationId xmlns:a16="http://schemas.microsoft.com/office/drawing/2014/main" id="{9ED53A0E-FCFE-DE4A-9776-897FDA4E3D8F}"/>
+                  </a:ext>
+                </a:extLst>
+              </p:cNvPr>
+              <p:cNvSpPr txBox="1"/>
+              <p:nvPr/>
+            </p:nvSpPr>
+            <p:spPr>
+              <a:xfrm>
+                <a:off x="3232326" y="2828987"/>
+                <a:ext cx="2516973" cy="276999"/>
+              </a:xfrm>
+              <a:prstGeom prst="rect">
+                <a:avLst/>
+              </a:prstGeom>
+              <a:noFill/>
+            </p:spPr>
+            <p:txBody>
+              <a:bodyPr wrap="square" rtlCol="0">
+                <a:spAutoFit/>
+              </a:bodyPr>
+              <a:lstStyle/>
+              <a:p>
+                <a:r>
+                  <a:rPr lang="en-US" sz="1200" dirty="0">
+                    <a:solidFill>
+                      <a:schemeClr val="accent2"/>
+                    </a:solidFill>
+                  </a:rPr>
+                  <a:t>summary-</a:t>
+                </a:r>
+                <a:r>
+                  <a:rPr lang="en-US" sz="1200" dirty="0" err="1">
+                    <a:solidFill>
+                      <a:schemeClr val="accent2"/>
+                    </a:solidFill>
+                  </a:rPr>
+                  <a:t>chart__ramp__slice</a:t>
+                </a:r>
+                <a:endParaRPr lang="en-SG" sz="1200" dirty="0">
+                  <a:solidFill>
+                    <a:schemeClr val="accent2"/>
+                  </a:solidFill>
+                </a:endParaRPr>
+              </a:p>
+            </p:txBody>
+          </p:sp>
+          <p:cxnSp>
+            <p:nvCxnSpPr>
+              <p:cNvPr id="63" name="Straight Arrow Connector 62">
+                <a:extLst>
+                  <a:ext uri="{FF2B5EF4-FFF2-40B4-BE49-F238E27FC236}">
+                    <a16:creationId xmlns:a16="http://schemas.microsoft.com/office/drawing/2014/main" id="{510B956D-D846-A649-B354-69624F72C304}"/>
+                  </a:ext>
+                </a:extLst>
+              </p:cNvPr>
+              <p:cNvCxnSpPr>
+                <a:cxnSpLocks/>
+              </p:cNvCxnSpPr>
+              <p:nvPr/>
+            </p:nvCxnSpPr>
+            <p:spPr>
+              <a:xfrm>
+                <a:off x="4284891" y="3125047"/>
+                <a:ext cx="0" cy="264326"/>
+              </a:xfrm>
+              <a:prstGeom prst="straightConnector1">
+                <a:avLst/>
+              </a:prstGeom>
+              <a:ln>
+                <a:tailEnd type="triangle"/>
+              </a:ln>
+            </p:spPr>
+            <p:style>
+              <a:lnRef idx="3">
+                <a:schemeClr val="accent2"/>
+              </a:lnRef>
+              <a:fillRef idx="0">
+                <a:schemeClr val="accent2"/>
+              </a:fillRef>
+              <a:effectRef idx="2">
+                <a:schemeClr val="accent2"/>
+              </a:effectRef>
+              <a:fontRef idx="minor">
+                <a:schemeClr val="tx1"/>
+              </a:fontRef>
+            </p:style>
+          </p:cxnSp>
+        </p:grpSp>
+        <p:sp>
+          <p:nvSpPr>
+            <p:cNvPr id="18" name="Oval 17">
+              <a:extLst>
+                <a:ext uri="{FF2B5EF4-FFF2-40B4-BE49-F238E27FC236}">
+                  <a16:creationId xmlns:a16="http://schemas.microsoft.com/office/drawing/2014/main" id="{835E379B-178A-45D1-B2A3-1445046FB173}"/>
+                </a:ext>
+              </a:extLst>
+            </p:cNvPr>
+            <p:cNvSpPr/>
+            <p:nvPr/>
+          </p:nvSpPr>
+          <p:spPr>
+            <a:xfrm>
+              <a:off x="4043680" y="5350935"/>
+              <a:ext cx="162560" cy="353905"/>
+            </a:xfrm>
+            <a:prstGeom prst="ellipse">
+              <a:avLst/>
+            </a:prstGeom>
+            <a:noFill/>
+            <a:ln w="9525" cap="flat" cmpd="sng" algn="ctr">
+              <a:solidFill>
+                <a:schemeClr val="accent2"/>
+              </a:solidFill>
+              <a:prstDash val="solid"/>
+              <a:round/>
+              <a:headEnd type="none" w="med" len="med"/>
+              <a:tailEnd type="none" w="med" len="med"/>
+            </a:ln>
+          </p:spPr>
+          <p:style>
+            <a:lnRef idx="0">
+              <a:scrgbClr r="0" g="0" b="0"/>
+            </a:lnRef>
+            <a:fillRef idx="0">
+              <a:scrgbClr r="0" g="0" b="0"/>
+            </a:fillRef>
+            <a:effectRef idx="0">
+              <a:scrgbClr r="0" g="0" b="0"/>
+            </a:effectRef>
+            <a:fontRef idx="minor">
+              <a:schemeClr val="accent2"/>
+            </a:fontRef>
+          </p:style>
+          <p:txBody>
+            <a:bodyPr rtlCol="0" anchor="ctr"/>
+            <a:lstStyle/>
+            <a:p>
+              <a:pPr algn="ctr"/>
+              <a:endParaRPr lang="en-SG"/>
+            </a:p>
+          </p:txBody>
+        </p:sp>
+      </p:grpSp>
+      <p:grpSp>
+        <p:nvGrpSpPr>
+          <p:cNvPr id="7" name="Group 6">
+            <a:extLst>
+              <a:ext uri="{FF2B5EF4-FFF2-40B4-BE49-F238E27FC236}">
+                <a16:creationId xmlns:a16="http://schemas.microsoft.com/office/drawing/2014/main" id="{FD49A8D1-E3C2-46F6-A2DF-B8878801CE90}"/>
+              </a:ext>
+            </a:extLst>
+          </p:cNvPr>
+          <p:cNvGrpSpPr/>
+          <p:nvPr/>
+        </p:nvGrpSpPr>
+        <p:grpSpPr>
+          <a:xfrm>
+            <a:off x="-38617" y="1945463"/>
+            <a:ext cx="6002230" cy="617235"/>
+            <a:chOff x="-13217" y="1950544"/>
+            <a:chExt cx="6002230" cy="449190"/>
+          </a:xfrm>
+        </p:grpSpPr>
+        <p:sp>
+          <p:nvSpPr>
+            <p:cNvPr id="42" name="Rectangle 41">
+              <a:extLst>
+                <a:ext uri="{FF2B5EF4-FFF2-40B4-BE49-F238E27FC236}">
+                  <a16:creationId xmlns:a16="http://schemas.microsoft.com/office/drawing/2014/main" id="{570EA449-180B-9046-8449-8C441F0729CF}"/>
+                </a:ext>
+              </a:extLst>
+            </p:cNvPr>
+            <p:cNvSpPr/>
+            <p:nvPr/>
+          </p:nvSpPr>
+          <p:spPr>
+            <a:xfrm>
+              <a:off x="1484661" y="1950544"/>
+              <a:ext cx="4504352" cy="449190"/>
+            </a:xfrm>
+            <a:prstGeom prst="rect">
+              <a:avLst/>
+            </a:prstGeom>
+            <a:noFill/>
+            <a:ln w="12700" cap="flat" cmpd="sng" algn="ctr">
+              <a:solidFill>
+                <a:srgbClr val="7030A0"/>
+              </a:solidFill>
+              <a:prstDash val="solid"/>
+              <a:round/>
+              <a:headEnd type="none" w="med" len="med"/>
+              <a:tailEnd type="none" w="med" len="med"/>
+            </a:ln>
+          </p:spPr>
+          <p:style>
+            <a:lnRef idx="0">
+              <a:scrgbClr r="0" g="0" b="0"/>
+            </a:lnRef>
+            <a:fillRef idx="0">
+              <a:scrgbClr r="0" g="0" b="0"/>
+            </a:fillRef>
+            <a:effectRef idx="0">
+              <a:scrgbClr r="0" g="0" b="0"/>
+            </a:effectRef>
+            <a:fontRef idx="minor">
+              <a:schemeClr val="accent4"/>
+            </a:fontRef>
+          </p:style>
+          <p:txBody>
+            <a:bodyPr rtlCol="0" anchor="ctr"/>
+            <a:lstStyle/>
+            <a:p>
+              <a:pPr algn="ctr"/>
+              <a:endParaRPr lang="en-SG"/>
+            </a:p>
+          </p:txBody>
+        </p:sp>
+        <p:sp>
+          <p:nvSpPr>
+            <p:cNvPr id="48" name="TextBox 47">
+              <a:extLst>
+                <a:ext uri="{FF2B5EF4-FFF2-40B4-BE49-F238E27FC236}">
+                  <a16:creationId xmlns:a16="http://schemas.microsoft.com/office/drawing/2014/main" id="{A77BE544-7145-6949-94AF-AFCE5DA7C7AD}"/>
+                </a:ext>
+              </a:extLst>
+            </p:cNvPr>
+            <p:cNvSpPr txBox="1"/>
+            <p:nvPr/>
+          </p:nvSpPr>
+          <p:spPr>
+            <a:xfrm>
+              <a:off x="-13217" y="2026833"/>
+              <a:ext cx="1202954" cy="276999"/>
+            </a:xfrm>
+            <a:prstGeom prst="rect">
+              <a:avLst/>
+            </a:prstGeom>
+            <a:noFill/>
+          </p:spPr>
+          <p:txBody>
+            <a:bodyPr wrap="square" rtlCol="0">
+              <a:spAutoFit/>
+            </a:bodyPr>
+            <a:lstStyle/>
+            <a:p>
+              <a:pPr algn="ctr"/>
+              <a:r>
+                <a:rPr lang="en-US" sz="1200" dirty="0">
+                  <a:solidFill>
+                    <a:srgbClr val="7030A0"/>
+                  </a:solidFill>
+                </a:rPr>
+                <a:t>summary-chart</a:t>
+              </a:r>
+            </a:p>
+          </p:txBody>
+        </p:sp>
+        <p:cxnSp>
+          <p:nvCxnSpPr>
+            <p:cNvPr id="37" name="Straight Arrow Connector 36">
+              <a:extLst>
+                <a:ext uri="{FF2B5EF4-FFF2-40B4-BE49-F238E27FC236}">
+                  <a16:creationId xmlns:a16="http://schemas.microsoft.com/office/drawing/2014/main" id="{DEEEF689-CF7E-7149-97BA-3D3957707314}"/>
+                </a:ext>
+              </a:extLst>
+            </p:cNvPr>
+            <p:cNvCxnSpPr>
+              <a:cxnSpLocks/>
+            </p:cNvCxnSpPr>
+            <p:nvPr/>
+          </p:nvCxnSpPr>
+          <p:spPr>
+            <a:xfrm>
+              <a:off x="1068915" y="2178394"/>
+              <a:ext cx="415745" cy="0"/>
+            </a:xfrm>
+            <a:prstGeom prst="straightConnector1">
+              <a:avLst/>
+            </a:prstGeom>
+            <a:ln w="12700">
+              <a:solidFill>
+                <a:srgbClr val="7030A0"/>
+              </a:solidFill>
+              <a:tailEnd type="triangle"/>
+            </a:ln>
+          </p:spPr>
+          <p:style>
+            <a:lnRef idx="1">
+              <a:schemeClr val="accent1"/>
+            </a:lnRef>
+            <a:fillRef idx="0">
+              <a:schemeClr val="accent1"/>
+            </a:fillRef>
+            <a:effectRef idx="0">
+              <a:schemeClr val="accent1"/>
+            </a:effectRef>
+            <a:fontRef idx="minor">
+              <a:schemeClr val="tx1"/>
+            </a:fontRef>
+          </p:style>
+        </p:cxnSp>
+      </p:grpSp>
+      <p:grpSp>
+        <p:nvGrpSpPr>
+          <p:cNvPr id="6" name="Group 5">
+            <a:extLst>
+              <a:ext uri="{FF2B5EF4-FFF2-40B4-BE49-F238E27FC236}">
+                <a16:creationId xmlns:a16="http://schemas.microsoft.com/office/drawing/2014/main" id="{CD10DD3E-6792-4495-93AD-55D6F9AF041C}"/>
+              </a:ext>
+            </a:extLst>
+          </p:cNvPr>
+          <p:cNvGrpSpPr/>
+          <p:nvPr/>
+        </p:nvGrpSpPr>
+        <p:grpSpPr>
+          <a:xfrm>
+            <a:off x="1" y="896446"/>
+            <a:ext cx="5748866" cy="869029"/>
+            <a:chOff x="1" y="896446"/>
+            <a:chExt cx="5748866" cy="869029"/>
+          </a:xfrm>
+        </p:grpSpPr>
+        <p:sp>
+          <p:nvSpPr>
+            <p:cNvPr id="40" name="TextBox 39">
+              <a:extLst>
+                <a:ext uri="{FF2B5EF4-FFF2-40B4-BE49-F238E27FC236}">
+                  <a16:creationId xmlns:a16="http://schemas.microsoft.com/office/drawing/2014/main" id="{87B6C03F-369B-FC4B-A10B-9B5BFBCEF11A}"/>
+                </a:ext>
+              </a:extLst>
+            </p:cNvPr>
+            <p:cNvSpPr txBox="1"/>
+            <p:nvPr/>
+          </p:nvSpPr>
+          <p:spPr>
+            <a:xfrm>
+              <a:off x="1" y="1185282"/>
+              <a:ext cx="1422854" cy="276999"/>
+            </a:xfrm>
+            <a:prstGeom prst="rect">
+              <a:avLst/>
+            </a:prstGeom>
+            <a:noFill/>
+          </p:spPr>
+          <p:txBody>
+            <a:bodyPr wrap="square" rtlCol="0">
+              <a:spAutoFit/>
+            </a:bodyPr>
+            <a:lstStyle/>
+            <a:p>
+              <a:pPr algn="ctr"/>
+              <a:r>
+                <a:rPr lang="en-US" sz="1200" dirty="0">
+                  <a:solidFill>
+                    <a:schemeClr val="accent6"/>
+                  </a:solidFill>
+                </a:rPr>
+                <a:t>summary-picker</a:t>
+              </a:r>
+            </a:p>
+          </p:txBody>
+        </p:sp>
+        <p:sp>
+          <p:nvSpPr>
+            <p:cNvPr id="41" name="Rectangle 40">
+              <a:extLst>
+                <a:ext uri="{FF2B5EF4-FFF2-40B4-BE49-F238E27FC236}">
+                  <a16:creationId xmlns:a16="http://schemas.microsoft.com/office/drawing/2014/main" id="{24AE4F15-738B-C34D-830A-5AA47285C7ED}"/>
+                </a:ext>
+              </a:extLst>
+            </p:cNvPr>
+            <p:cNvSpPr/>
+            <p:nvPr/>
+          </p:nvSpPr>
+          <p:spPr>
+            <a:xfrm>
+              <a:off x="1674004" y="896446"/>
+              <a:ext cx="4074863" cy="869029"/>
+            </a:xfrm>
+            <a:prstGeom prst="rect">
+              <a:avLst/>
+            </a:prstGeom>
+            <a:noFill/>
+            <a:ln w="12700" cap="flat" cmpd="sng" algn="ctr">
+              <a:solidFill>
+                <a:schemeClr val="accent6"/>
+              </a:solidFill>
+              <a:prstDash val="solid"/>
+              <a:round/>
+              <a:headEnd type="none" w="med" len="med"/>
+              <a:tailEnd type="none" w="med" len="med"/>
+            </a:ln>
+          </p:spPr>
+          <p:style>
+            <a:lnRef idx="0">
+              <a:scrgbClr r="0" g="0" b="0"/>
+            </a:lnRef>
+            <a:fillRef idx="0">
+              <a:scrgbClr r="0" g="0" b="0"/>
+            </a:fillRef>
+            <a:effectRef idx="0">
+              <a:scrgbClr r="0" g="0" b="0"/>
+            </a:effectRef>
+            <a:fontRef idx="minor">
+              <a:schemeClr val="accent6"/>
+            </a:fontRef>
+          </p:style>
+          <p:txBody>
+            <a:bodyPr rtlCol="0" anchor="ctr"/>
+            <a:lstStyle/>
+            <a:p>
+              <a:pPr algn="ctr"/>
+              <a:endParaRPr lang="en-SG"/>
+            </a:p>
+          </p:txBody>
+        </p:sp>
+        <p:cxnSp>
+          <p:nvCxnSpPr>
+            <p:cNvPr id="4" name="Straight Arrow Connector 3">
+              <a:extLst>
+                <a:ext uri="{FF2B5EF4-FFF2-40B4-BE49-F238E27FC236}">
+                  <a16:creationId xmlns:a16="http://schemas.microsoft.com/office/drawing/2014/main" id="{0E1E9E40-02F3-174C-97DB-3B6E1415124B}"/>
+                </a:ext>
+              </a:extLst>
+            </p:cNvPr>
+            <p:cNvCxnSpPr>
+              <a:cxnSpLocks/>
+            </p:cNvCxnSpPr>
+            <p:nvPr/>
+          </p:nvCxnSpPr>
+          <p:spPr>
+            <a:xfrm>
+              <a:off x="1294354" y="1335408"/>
+              <a:ext cx="352376" cy="0"/>
+            </a:xfrm>
+            <a:prstGeom prst="straightConnector1">
+              <a:avLst/>
+            </a:prstGeom>
+            <a:ln w="12700">
+              <a:solidFill>
+                <a:schemeClr val="accent6"/>
+              </a:solidFill>
+              <a:tailEnd type="triangle"/>
+            </a:ln>
+          </p:spPr>
+          <p:style>
+            <a:lnRef idx="1">
+              <a:schemeClr val="accent1"/>
+            </a:lnRef>
+            <a:fillRef idx="0">
+              <a:schemeClr val="accent1"/>
+            </a:fillRef>
+            <a:effectRef idx="0">
+              <a:schemeClr val="accent1"/>
+            </a:effectRef>
+            <a:fontRef idx="minor">
+              <a:schemeClr val="tx1"/>
+            </a:fontRef>
+          </p:style>
+        </p:cxnSp>
+      </p:grpSp>
     </p:spTree>
     <p:extLst>
       <p:ext uri="{BB962C8B-B14F-4D97-AF65-F5344CB8AC3E}">
-        <p14:creationId xmlns:p14="http://schemas.microsoft.com/office/powerpoint/2010/main" val="2052385819"/>
+        <p14:creationId xmlns:p14="http://schemas.microsoft.com/office/powerpoint/2010/main" val="1284972534"/>
       </p:ext>
     </p:extLst>
   </p:cSld>

--- a/docs/diagrams/report-summary.pptx
+++ b/docs/diagrams/report-summary.pptx
@@ -5,7 +5,7 @@
     <p:sldMasterId id="2147483648" r:id="rId1"/>
   </p:sldMasterIdLst>
   <p:sldIdLst>
-    <p:sldId id="257" r:id="rId2"/>
+    <p:sldId id="258" r:id="rId2"/>
   </p:sldIdLst>
   <p:sldSz cx="12192000" cy="6858000"/>
   <p:notesSz cx="6858000" cy="9144000"/>
@@ -261,7 +261,7 @@
           <a:p>
             <a:fld id="{D5F4EE06-143D-4C2F-8831-1CDA21FFE47B}" type="datetimeFigureOut">
               <a:rPr lang="en-SG" smtClean="0"/>
-              <a:t>31/7/2019</a:t>
+              <a:t>18/3/20</a:t>
             </a:fld>
             <a:endParaRPr lang="en-SG"/>
           </a:p>
@@ -461,7 +461,7 @@
           <a:p>
             <a:fld id="{D5F4EE06-143D-4C2F-8831-1CDA21FFE47B}" type="datetimeFigureOut">
               <a:rPr lang="en-SG" smtClean="0"/>
-              <a:t>31/7/2019</a:t>
+              <a:t>18/3/20</a:t>
             </a:fld>
             <a:endParaRPr lang="en-SG"/>
           </a:p>
@@ -671,7 +671,7 @@
           <a:p>
             <a:fld id="{D5F4EE06-143D-4C2F-8831-1CDA21FFE47B}" type="datetimeFigureOut">
               <a:rPr lang="en-SG" smtClean="0"/>
-              <a:t>31/7/2019</a:t>
+              <a:t>18/3/20</a:t>
             </a:fld>
             <a:endParaRPr lang="en-SG"/>
           </a:p>
@@ -871,7 +871,7 @@
           <a:p>
             <a:fld id="{D5F4EE06-143D-4C2F-8831-1CDA21FFE47B}" type="datetimeFigureOut">
               <a:rPr lang="en-SG" smtClean="0"/>
-              <a:t>31/7/2019</a:t>
+              <a:t>18/3/20</a:t>
             </a:fld>
             <a:endParaRPr lang="en-SG"/>
           </a:p>
@@ -1147,7 +1147,7 @@
           <a:p>
             <a:fld id="{D5F4EE06-143D-4C2F-8831-1CDA21FFE47B}" type="datetimeFigureOut">
               <a:rPr lang="en-SG" smtClean="0"/>
-              <a:t>31/7/2019</a:t>
+              <a:t>18/3/20</a:t>
             </a:fld>
             <a:endParaRPr lang="en-SG"/>
           </a:p>
@@ -1415,7 +1415,7 @@
           <a:p>
             <a:fld id="{D5F4EE06-143D-4C2F-8831-1CDA21FFE47B}" type="datetimeFigureOut">
               <a:rPr lang="en-SG" smtClean="0"/>
-              <a:t>31/7/2019</a:t>
+              <a:t>18/3/20</a:t>
             </a:fld>
             <a:endParaRPr lang="en-SG"/>
           </a:p>
@@ -1830,7 +1830,7 @@
           <a:p>
             <a:fld id="{D5F4EE06-143D-4C2F-8831-1CDA21FFE47B}" type="datetimeFigureOut">
               <a:rPr lang="en-SG" smtClean="0"/>
-              <a:t>31/7/2019</a:t>
+              <a:t>18/3/20</a:t>
             </a:fld>
             <a:endParaRPr lang="en-SG"/>
           </a:p>
@@ -1972,7 +1972,7 @@
           <a:p>
             <a:fld id="{D5F4EE06-143D-4C2F-8831-1CDA21FFE47B}" type="datetimeFigureOut">
               <a:rPr lang="en-SG" smtClean="0"/>
-              <a:t>31/7/2019</a:t>
+              <a:t>18/3/20</a:t>
             </a:fld>
             <a:endParaRPr lang="en-SG"/>
           </a:p>
@@ -2085,7 +2085,7 @@
           <a:p>
             <a:fld id="{D5F4EE06-143D-4C2F-8831-1CDA21FFE47B}" type="datetimeFigureOut">
               <a:rPr lang="en-SG" smtClean="0"/>
-              <a:t>31/7/2019</a:t>
+              <a:t>18/3/20</a:t>
             </a:fld>
             <a:endParaRPr lang="en-SG"/>
           </a:p>
@@ -2398,7 +2398,7 @@
           <a:p>
             <a:fld id="{D5F4EE06-143D-4C2F-8831-1CDA21FFE47B}" type="datetimeFigureOut">
               <a:rPr lang="en-SG" smtClean="0"/>
-              <a:t>31/7/2019</a:t>
+              <a:t>18/3/20</a:t>
             </a:fld>
             <a:endParaRPr lang="en-SG"/>
           </a:p>
@@ -2687,7 +2687,7 @@
           <a:p>
             <a:fld id="{D5F4EE06-143D-4C2F-8831-1CDA21FFE47B}" type="datetimeFigureOut">
               <a:rPr lang="en-SG" smtClean="0"/>
-              <a:t>31/7/2019</a:t>
+              <a:t>18/3/20</a:t>
             </a:fld>
             <a:endParaRPr lang="en-SG"/>
           </a:p>
@@ -2930,7 +2930,7 @@
           <a:p>
             <a:fld id="{D5F4EE06-143D-4C2F-8831-1CDA21FFE47B}" type="datetimeFigureOut">
               <a:rPr lang="en-SG" smtClean="0"/>
-              <a:t>31/7/2019</a:t>
+              <a:t>18/3/20</a:t>
             </a:fld>
             <a:endParaRPr lang="en-SG"/>
           </a:p>
@@ -3349,10 +3349,10 @@
       </p:grpSpPr>
       <p:pic>
         <p:nvPicPr>
-          <p:cNvPr id="21" name="Picture 20">
-            <a:extLst>
-              <a:ext uri="{FF2B5EF4-FFF2-40B4-BE49-F238E27FC236}">
-                <a16:creationId xmlns:a16="http://schemas.microsoft.com/office/drawing/2014/main" id="{C70048C1-877A-4052-9F36-3B353B08517D}"/>
+          <p:cNvPr id="4" name="Picture 3" descr="A screenshot of a social media post&#10;&#10;Description automatically generated">
+            <a:extLst>
+              <a:ext uri="{FF2B5EF4-FFF2-40B4-BE49-F238E27FC236}">
+                <a16:creationId xmlns:a16="http://schemas.microsoft.com/office/drawing/2014/main" id="{26E605C5-D5F2-324F-9332-2CCC12B90D6B}"/>
               </a:ext>
             </a:extLst>
           </p:cNvPr>
@@ -3362,15 +3362,21 @@
           <p:nvPr/>
         </p:nvPicPr>
         <p:blipFill>
-          <a:blip r:embed="rId2"/>
+          <a:blip r:embed="rId2">
+            <a:extLst>
+              <a:ext uri="{28A0092B-C50C-407E-A947-70E740481C1C}">
+                <a14:useLocalDpi xmlns:a14="http://schemas.microsoft.com/office/drawing/2010/main" val="0"/>
+              </a:ext>
+            </a:extLst>
+          </a:blip>
           <a:stretch>
             <a:fillRect/>
           </a:stretch>
         </p:blipFill>
         <p:spPr>
           <a:xfrm>
-            <a:off x="1439799" y="809886"/>
-            <a:ext cx="9343414" cy="5255671"/>
+            <a:off x="1187572" y="643466"/>
+            <a:ext cx="9813566" cy="5569200"/>
           </a:xfrm>
           <a:prstGeom prst="rect">
             <a:avLst/>
@@ -3379,10 +3385,10 @@
       </p:pic>
       <p:grpSp>
         <p:nvGrpSpPr>
-          <p:cNvPr id="8" name="Group 7">
-            <a:extLst>
-              <a:ext uri="{FF2B5EF4-FFF2-40B4-BE49-F238E27FC236}">
-                <a16:creationId xmlns:a16="http://schemas.microsoft.com/office/drawing/2014/main" id="{5D133CED-5E0F-4C30-8754-1D33D3C5FA63}"/>
+          <p:cNvPr id="5" name="Group 4">
+            <a:extLst>
+              <a:ext uri="{FF2B5EF4-FFF2-40B4-BE49-F238E27FC236}">
+                <a16:creationId xmlns:a16="http://schemas.microsoft.com/office/drawing/2014/main" id="{471AB6CB-768E-124E-8715-4CAD00A07CBA}"/>
               </a:ext>
             </a:extLst>
           </p:cNvPr>
@@ -3391,194 +3397,18 @@
         </p:nvGrpSpPr>
         <p:grpSpPr>
           <a:xfrm>
-            <a:off x="-23377" y="2663948"/>
-            <a:ext cx="5993260" cy="461665"/>
-            <a:chOff x="0" y="2478387"/>
-            <a:chExt cx="5993260" cy="461665"/>
+            <a:off x="1125964" y="-18025"/>
+            <a:ext cx="4968392" cy="6230691"/>
+            <a:chOff x="1408787" y="206478"/>
+            <a:chExt cx="4643017" cy="5837133"/>
           </a:xfrm>
         </p:grpSpPr>
         <p:sp>
           <p:nvSpPr>
-            <p:cNvPr id="60" name="Rectangle 59">
+            <p:cNvPr id="6" name="Rectangle 5">
               <a:extLst>
                 <a:ext uri="{FF2B5EF4-FFF2-40B4-BE49-F238E27FC236}">
-                  <a16:creationId xmlns:a16="http://schemas.microsoft.com/office/drawing/2014/main" id="{0FE18B14-A8FF-CA40-9773-69CCCF32CE9A}"/>
-                </a:ext>
-              </a:extLst>
-            </p:cNvPr>
-            <p:cNvSpPr/>
-            <p:nvPr/>
-          </p:nvSpPr>
-          <p:spPr>
-            <a:xfrm>
-              <a:off x="1510797" y="2556435"/>
-              <a:ext cx="4482463" cy="305570"/>
-            </a:xfrm>
-            <a:prstGeom prst="rect">
-              <a:avLst/>
-            </a:prstGeom>
-            <a:noFill/>
-            <a:ln w="12700" cap="flat" cmpd="sng" algn="ctr">
-              <a:solidFill>
-                <a:schemeClr val="accent5"/>
-              </a:solidFill>
-              <a:prstDash val="solid"/>
-              <a:round/>
-              <a:headEnd type="none" w="med" len="med"/>
-              <a:tailEnd type="none" w="med" len="med"/>
-            </a:ln>
-          </p:spPr>
-          <p:style>
-            <a:lnRef idx="0">
-              <a:scrgbClr r="0" g="0" b="0"/>
-            </a:lnRef>
-            <a:fillRef idx="0">
-              <a:scrgbClr r="0" g="0" b="0"/>
-            </a:fillRef>
-            <a:effectRef idx="0">
-              <a:scrgbClr r="0" g="0" b="0"/>
-            </a:effectRef>
-            <a:fontRef idx="minor">
-              <a:schemeClr val="accent4"/>
-            </a:fontRef>
-          </p:style>
-          <p:txBody>
-            <a:bodyPr rtlCol="0" anchor="ctr"/>
-            <a:lstStyle/>
-            <a:p>
-              <a:pPr algn="ctr"/>
-              <a:endParaRPr lang="en-SG" dirty="0">
-                <a:highlight>
-                  <a:srgbClr val="FFFF00"/>
-                </a:highlight>
-              </a:endParaRPr>
-            </a:p>
-          </p:txBody>
-        </p:sp>
-        <p:sp>
-          <p:nvSpPr>
-            <p:cNvPr id="62" name="TextBox 61">
-              <a:extLst>
-                <a:ext uri="{FF2B5EF4-FFF2-40B4-BE49-F238E27FC236}">
-                  <a16:creationId xmlns:a16="http://schemas.microsoft.com/office/drawing/2014/main" id="{3C528547-1EDA-0344-9C22-58F28B4D7B80}"/>
-                </a:ext>
-              </a:extLst>
-            </p:cNvPr>
-            <p:cNvSpPr txBox="1"/>
-            <p:nvPr/>
-          </p:nvSpPr>
-          <p:spPr>
-            <a:xfrm>
-              <a:off x="0" y="2478387"/>
-              <a:ext cx="1243423" cy="461665"/>
-            </a:xfrm>
-            <a:prstGeom prst="rect">
-              <a:avLst/>
-            </a:prstGeom>
-            <a:noFill/>
-          </p:spPr>
-          <p:txBody>
-            <a:bodyPr wrap="square" rtlCol="0">
-              <a:spAutoFit/>
-            </a:bodyPr>
-            <a:lstStyle/>
-            <a:p>
-              <a:pPr algn="ctr"/>
-              <a:r>
-                <a:rPr lang="en-US" sz="1200" dirty="0">
-                  <a:solidFill>
-                    <a:srgbClr val="0070C0"/>
-                  </a:solidFill>
-                </a:rPr>
-                <a:t>summary-</a:t>
-              </a:r>
-              <a:r>
-                <a:rPr lang="en-US" sz="1200" dirty="0" err="1">
-                  <a:solidFill>
-                    <a:srgbClr val="0070C0"/>
-                  </a:solidFill>
-                </a:rPr>
-                <a:t>chart__ramp</a:t>
-              </a:r>
-              <a:endParaRPr lang="en-US" sz="1200" dirty="0">
-                <a:solidFill>
-                  <a:srgbClr val="0070C0"/>
-                </a:solidFill>
-              </a:endParaRPr>
-            </a:p>
-          </p:txBody>
-        </p:sp>
-        <p:cxnSp>
-          <p:nvCxnSpPr>
-            <p:cNvPr id="38" name="Straight Arrow Connector 37">
-              <a:extLst>
-                <a:ext uri="{FF2B5EF4-FFF2-40B4-BE49-F238E27FC236}">
-                  <a16:creationId xmlns:a16="http://schemas.microsoft.com/office/drawing/2014/main" id="{9A9F6241-AC1E-1B48-8BC2-871CFFE15B1E}"/>
-                </a:ext>
-              </a:extLst>
-            </p:cNvPr>
-            <p:cNvCxnSpPr>
-              <a:cxnSpLocks/>
-            </p:cNvCxnSpPr>
-            <p:nvPr/>
-          </p:nvCxnSpPr>
-          <p:spPr>
-            <a:xfrm>
-              <a:off x="1073665" y="2714969"/>
-              <a:ext cx="437970" cy="0"/>
-            </a:xfrm>
-            <a:prstGeom prst="straightConnector1">
-              <a:avLst/>
-            </a:prstGeom>
-            <a:ln w="12700">
-              <a:solidFill>
-                <a:srgbClr val="0070C0"/>
-              </a:solidFill>
-              <a:tailEnd type="triangle"/>
-            </a:ln>
-          </p:spPr>
-          <p:style>
-            <a:lnRef idx="1">
-              <a:schemeClr val="accent1"/>
-            </a:lnRef>
-            <a:fillRef idx="0">
-              <a:schemeClr val="accent1"/>
-            </a:fillRef>
-            <a:effectRef idx="0">
-              <a:schemeClr val="accent1"/>
-            </a:effectRef>
-            <a:fontRef idx="minor">
-              <a:schemeClr val="tx1"/>
-            </a:fontRef>
-          </p:style>
-        </p:cxnSp>
-      </p:grpSp>
-      <p:grpSp>
-        <p:nvGrpSpPr>
-          <p:cNvPr id="3" name="Group 2">
-            <a:extLst>
-              <a:ext uri="{FF2B5EF4-FFF2-40B4-BE49-F238E27FC236}">
-                <a16:creationId xmlns:a16="http://schemas.microsoft.com/office/drawing/2014/main" id="{11C31F51-CBC3-4351-9FFF-0513C9964E6B}"/>
-              </a:ext>
-            </a:extLst>
-          </p:cNvPr>
-          <p:cNvGrpSpPr/>
-          <p:nvPr/>
-        </p:nvGrpSpPr>
-        <p:grpSpPr>
-          <a:xfrm>
-            <a:off x="1408787" y="163993"/>
-            <a:ext cx="4643017" cy="5879618"/>
-            <a:chOff x="1408787" y="163993"/>
-            <a:chExt cx="4643017" cy="5879618"/>
-          </a:xfrm>
-        </p:grpSpPr>
-        <p:sp>
-          <p:nvSpPr>
-            <p:cNvPr id="34" name="Rectangle 33">
-              <a:extLst>
-                <a:ext uri="{FF2B5EF4-FFF2-40B4-BE49-F238E27FC236}">
-                  <a16:creationId xmlns:a16="http://schemas.microsoft.com/office/drawing/2014/main" id="{A39783FF-1234-8446-AB32-9380684BB1B3}"/>
+                  <a16:creationId xmlns:a16="http://schemas.microsoft.com/office/drawing/2014/main" id="{4433ECE4-AF1E-7242-8599-12E081F8ED98}"/>
                 </a:ext>
               </a:extLst>
             </p:cNvPr>
@@ -3629,10 +3459,10 @@
         </p:sp>
         <p:sp>
           <p:nvSpPr>
-            <p:cNvPr id="24" name="TextBox 23">
+            <p:cNvPr id="7" name="TextBox 6">
               <a:extLst>
                 <a:ext uri="{FF2B5EF4-FFF2-40B4-BE49-F238E27FC236}">
-                  <a16:creationId xmlns:a16="http://schemas.microsoft.com/office/drawing/2014/main" id="{450BEBC7-C0C7-CF48-95D5-47FDD988DA61}"/>
+                  <a16:creationId xmlns:a16="http://schemas.microsoft.com/office/drawing/2014/main" id="{0D541A5D-1CE6-1E42-9255-D1611F9491FE}"/>
                 </a:ext>
               </a:extLst>
             </p:cNvPr>
@@ -3641,7 +3471,7 @@
           </p:nvSpPr>
           <p:spPr>
             <a:xfrm>
-              <a:off x="2726436" y="163993"/>
+              <a:off x="2726435" y="206478"/>
               <a:ext cx="2090928" cy="276999"/>
             </a:xfrm>
             <a:prstGeom prst="rect">
@@ -3674,10 +3504,10 @@
         </p:sp>
         <p:cxnSp>
           <p:nvCxnSpPr>
-            <p:cNvPr id="10" name="Straight Arrow Connector 9">
+            <p:cNvPr id="8" name="Straight Arrow Connector 7">
               <a:extLst>
                 <a:ext uri="{FF2B5EF4-FFF2-40B4-BE49-F238E27FC236}">
-                  <a16:creationId xmlns:a16="http://schemas.microsoft.com/office/drawing/2014/main" id="{B3FA0071-1F3A-2C42-AE98-70438B56D7BF}"/>
+                  <a16:creationId xmlns:a16="http://schemas.microsoft.com/office/drawing/2014/main" id="{C54F2613-5865-604D-A27B-1B4D004503AD}"/>
                 </a:ext>
               </a:extLst>
             </p:cNvPr>
@@ -3714,10 +3544,10 @@
       </p:grpSp>
       <p:grpSp>
         <p:nvGrpSpPr>
-          <p:cNvPr id="11" name="Group 10">
-            <a:extLst>
-              <a:ext uri="{FF2B5EF4-FFF2-40B4-BE49-F238E27FC236}">
-                <a16:creationId xmlns:a16="http://schemas.microsoft.com/office/drawing/2014/main" id="{C1F45C8F-B952-411B-87C8-0483AF1159D2}"/>
+          <p:cNvPr id="9" name="Group 8">
+            <a:extLst>
+              <a:ext uri="{FF2B5EF4-FFF2-40B4-BE49-F238E27FC236}">
+                <a16:creationId xmlns:a16="http://schemas.microsoft.com/office/drawing/2014/main" id="{41F7B8B8-B5D8-EB43-851C-52BD104CB459}"/>
               </a:ext>
             </a:extLst>
           </p:cNvPr>
@@ -3726,18 +3556,199 @@
         </p:nvGrpSpPr>
         <p:grpSpPr>
           <a:xfrm>
-            <a:off x="-95350" y="3984016"/>
-            <a:ext cx="5986599" cy="461665"/>
-            <a:chOff x="-47215" y="4402230"/>
-            <a:chExt cx="5986599" cy="973524"/>
+            <a:off x="3752515" y="4930021"/>
+            <a:ext cx="2671528" cy="641500"/>
+            <a:chOff x="4067544" y="5032307"/>
+            <a:chExt cx="2671528" cy="641500"/>
+          </a:xfrm>
+        </p:grpSpPr>
+        <p:grpSp>
+          <p:nvGrpSpPr>
+            <p:cNvPr id="10" name="Group 9">
+              <a:extLst>
+                <a:ext uri="{FF2B5EF4-FFF2-40B4-BE49-F238E27FC236}">
+                  <a16:creationId xmlns:a16="http://schemas.microsoft.com/office/drawing/2014/main" id="{CC89DF0F-13F1-D04D-A84C-1DB40AC95C09}"/>
+                </a:ext>
+              </a:extLst>
+            </p:cNvPr>
+            <p:cNvGrpSpPr/>
+            <p:nvPr/>
+          </p:nvGrpSpPr>
+          <p:grpSpPr>
+            <a:xfrm>
+              <a:off x="4148824" y="5032307"/>
+              <a:ext cx="2590248" cy="265393"/>
+              <a:chOff x="4284891" y="3052391"/>
+              <a:chExt cx="2590248" cy="287231"/>
+            </a:xfrm>
+          </p:grpSpPr>
+          <p:sp>
+            <p:nvSpPr>
+              <p:cNvPr id="12" name="TextBox 11">
+                <a:extLst>
+                  <a:ext uri="{FF2B5EF4-FFF2-40B4-BE49-F238E27FC236}">
+                    <a16:creationId xmlns:a16="http://schemas.microsoft.com/office/drawing/2014/main" id="{2D18E2BF-3957-9249-8263-63213C6DF2CE}"/>
+                  </a:ext>
+                </a:extLst>
+              </p:cNvPr>
+              <p:cNvSpPr txBox="1"/>
+              <p:nvPr/>
+            </p:nvSpPr>
+            <p:spPr>
+              <a:xfrm>
+                <a:off x="4358166" y="3052391"/>
+                <a:ext cx="2516973" cy="276997"/>
+              </a:xfrm>
+              <a:prstGeom prst="rect">
+                <a:avLst/>
+              </a:prstGeom>
+              <a:noFill/>
+            </p:spPr>
+            <p:txBody>
+              <a:bodyPr wrap="square" rtlCol="0">
+                <a:spAutoFit/>
+              </a:bodyPr>
+              <a:lstStyle/>
+              <a:p>
+                <a:r>
+                  <a:rPr lang="en-US" sz="1200" dirty="0">
+                    <a:solidFill>
+                      <a:schemeClr val="accent2"/>
+                    </a:solidFill>
+                  </a:rPr>
+                  <a:t>summary-chart__ramp__slice</a:t>
+                </a:r>
+                <a:endParaRPr lang="en-SG" sz="1200" dirty="0">
+                  <a:solidFill>
+                    <a:schemeClr val="accent2"/>
+                  </a:solidFill>
+                </a:endParaRPr>
+              </a:p>
+            </p:txBody>
+          </p:sp>
+          <p:cxnSp>
+            <p:nvCxnSpPr>
+              <p:cNvPr id="13" name="Straight Arrow Connector 12">
+                <a:extLst>
+                  <a:ext uri="{FF2B5EF4-FFF2-40B4-BE49-F238E27FC236}">
+                    <a16:creationId xmlns:a16="http://schemas.microsoft.com/office/drawing/2014/main" id="{4A4901A1-7DDB-8E43-BBC6-82CCE4CB7C93}"/>
+                  </a:ext>
+                </a:extLst>
+              </p:cNvPr>
+              <p:cNvCxnSpPr>
+                <a:cxnSpLocks/>
+              </p:cNvCxnSpPr>
+              <p:nvPr/>
+            </p:nvCxnSpPr>
+            <p:spPr>
+              <a:xfrm flipH="1">
+                <a:off x="4284891" y="3219653"/>
+                <a:ext cx="146550" cy="119969"/>
+              </a:xfrm>
+              <a:prstGeom prst="straightConnector1">
+                <a:avLst/>
+              </a:prstGeom>
+              <a:ln>
+                <a:tailEnd type="triangle"/>
+              </a:ln>
+            </p:spPr>
+            <p:style>
+              <a:lnRef idx="3">
+                <a:schemeClr val="accent2"/>
+              </a:lnRef>
+              <a:fillRef idx="0">
+                <a:schemeClr val="accent2"/>
+              </a:fillRef>
+              <a:effectRef idx="2">
+                <a:schemeClr val="accent2"/>
+              </a:effectRef>
+              <a:fontRef idx="minor">
+                <a:schemeClr val="tx1"/>
+              </a:fontRef>
+            </p:style>
+          </p:cxnSp>
+        </p:grpSp>
+        <p:sp>
+          <p:nvSpPr>
+            <p:cNvPr id="11" name="Oval 10">
+              <a:extLst>
+                <a:ext uri="{FF2B5EF4-FFF2-40B4-BE49-F238E27FC236}">
+                  <a16:creationId xmlns:a16="http://schemas.microsoft.com/office/drawing/2014/main" id="{DF3A0927-321C-DE4D-9A16-ADF373EB7BF2}"/>
+                </a:ext>
+              </a:extLst>
+            </p:cNvPr>
+            <p:cNvSpPr/>
+            <p:nvPr/>
+          </p:nvSpPr>
+          <p:spPr>
+            <a:xfrm>
+              <a:off x="4067544" y="5319902"/>
+              <a:ext cx="162560" cy="353905"/>
+            </a:xfrm>
+            <a:prstGeom prst="ellipse">
+              <a:avLst/>
+            </a:prstGeom>
+            <a:noFill/>
+            <a:ln w="9525" cap="flat" cmpd="sng" algn="ctr">
+              <a:solidFill>
+                <a:schemeClr val="accent2"/>
+              </a:solidFill>
+              <a:prstDash val="solid"/>
+              <a:round/>
+              <a:headEnd type="none" w="med" len="med"/>
+              <a:tailEnd type="none" w="med" len="med"/>
+            </a:ln>
+          </p:spPr>
+          <p:style>
+            <a:lnRef idx="0">
+              <a:scrgbClr r="0" g="0" b="0"/>
+            </a:lnRef>
+            <a:fillRef idx="0">
+              <a:scrgbClr r="0" g="0" b="0"/>
+            </a:fillRef>
+            <a:effectRef idx="0">
+              <a:scrgbClr r="0" g="0" b="0"/>
+            </a:effectRef>
+            <a:fontRef idx="minor">
+              <a:schemeClr val="accent2"/>
+            </a:fontRef>
+          </p:style>
+          <p:txBody>
+            <a:bodyPr rtlCol="0" anchor="ctr"/>
+            <a:lstStyle/>
+            <a:p>
+              <a:pPr algn="ctr"/>
+              <a:endParaRPr lang="en-SG"/>
+            </a:p>
+          </p:txBody>
+        </p:sp>
+      </p:grpSp>
+      <p:grpSp>
+        <p:nvGrpSpPr>
+          <p:cNvPr id="15" name="Group 14">
+            <a:extLst>
+              <a:ext uri="{FF2B5EF4-FFF2-40B4-BE49-F238E27FC236}">
+                <a16:creationId xmlns:a16="http://schemas.microsoft.com/office/drawing/2014/main" id="{31E0EFD7-032F-9541-8CA1-50F13CD64F0D}"/>
+              </a:ext>
+            </a:extLst>
+          </p:cNvPr>
+          <p:cNvGrpSpPr/>
+          <p:nvPr/>
+        </p:nvGrpSpPr>
+        <p:grpSpPr>
+          <a:xfrm>
+            <a:off x="-246591" y="4709910"/>
+            <a:ext cx="6216474" cy="461665"/>
+            <a:chOff x="-22782" y="4493483"/>
+            <a:chExt cx="5962166" cy="973524"/>
           </a:xfrm>
         </p:grpSpPr>
         <p:sp>
           <p:nvSpPr>
-            <p:cNvPr id="49" name="Rectangle 48">
+            <p:cNvPr id="16" name="Rectangle 15">
               <a:extLst>
                 <a:ext uri="{FF2B5EF4-FFF2-40B4-BE49-F238E27FC236}">
-                  <a16:creationId xmlns:a16="http://schemas.microsoft.com/office/drawing/2014/main" id="{5720B1C7-874B-4E44-A7D1-E44FC02B40B3}"/>
+                  <a16:creationId xmlns:a16="http://schemas.microsoft.com/office/drawing/2014/main" id="{FA926DF4-3EE1-C143-8D6C-FEED000A119A}"/>
                 </a:ext>
               </a:extLst>
             </p:cNvPr>
@@ -3788,10 +3799,10 @@
         </p:sp>
         <p:sp>
           <p:nvSpPr>
-            <p:cNvPr id="51" name="TextBox 50">
+            <p:cNvPr id="17" name="TextBox 16">
               <a:extLst>
                 <a:ext uri="{FF2B5EF4-FFF2-40B4-BE49-F238E27FC236}">
-                  <a16:creationId xmlns:a16="http://schemas.microsoft.com/office/drawing/2014/main" id="{6C2AF7FB-234B-7347-967F-A89B873E0061}"/>
+                  <a16:creationId xmlns:a16="http://schemas.microsoft.com/office/drawing/2014/main" id="{3CFED60C-2BD8-934C-BE1A-855E73BF5527}"/>
                 </a:ext>
               </a:extLst>
             </p:cNvPr>
@@ -3800,7 +3811,7 @@
           </p:nvSpPr>
           <p:spPr>
             <a:xfrm>
-              <a:off x="-47215" y="4402230"/>
+              <a:off x="-22782" y="4493483"/>
               <a:ext cx="1589577" cy="973524"/>
             </a:xfrm>
             <a:prstGeom prst="rect">
@@ -3827,20 +3838,12 @@
             <a:p>
               <a:pPr algn="ctr"/>
               <a:r>
-                <a:rPr lang="en-US" sz="1200" dirty="0">
-                  <a:solidFill>
-                    <a:srgbClr val="FF0000"/>
-                  </a:solidFill>
-                </a:rPr>
-                <a:t>chart__</a:t>
-              </a:r>
-              <a:r>
                 <a:rPr lang="en-US" sz="1200" dirty="0" err="1">
                   <a:solidFill>
                     <a:srgbClr val="FF0000"/>
                   </a:solidFill>
                 </a:rPr>
-                <a:t>contrib</a:t>
+                <a:t>chart__contrib</a:t>
               </a:r>
               <a:endParaRPr lang="en-SG" sz="1200" dirty="0">
                 <a:solidFill>
@@ -3852,10 +3855,10 @@
         </p:sp>
         <p:cxnSp>
           <p:nvCxnSpPr>
-            <p:cNvPr id="43" name="Straight Arrow Connector 42">
+            <p:cNvPr id="18" name="Straight Arrow Connector 17">
               <a:extLst>
                 <a:ext uri="{FF2B5EF4-FFF2-40B4-BE49-F238E27FC236}">
-                  <a16:creationId xmlns:a16="http://schemas.microsoft.com/office/drawing/2014/main" id="{984AD6F2-A33B-8148-AEDA-A8EAEFD7DC95}"/>
+                  <a16:creationId xmlns:a16="http://schemas.microsoft.com/office/drawing/2014/main" id="{B4097E8B-CD59-2947-8354-E6D196C86BFE}"/>
                 </a:ext>
               </a:extLst>
             </p:cNvPr>
@@ -3866,7 +3869,7 @@
           </p:nvCxnSpPr>
           <p:spPr>
             <a:xfrm>
-              <a:off x="1218350" y="4902561"/>
+              <a:off x="1156595" y="4950977"/>
               <a:ext cx="300327" cy="0"/>
             </a:xfrm>
             <a:prstGeom prst="straightConnector1">
@@ -3897,10 +3900,10 @@
       </p:grpSp>
       <p:grpSp>
         <p:nvGrpSpPr>
-          <p:cNvPr id="12" name="Group 11">
-            <a:extLst>
-              <a:ext uri="{FF2B5EF4-FFF2-40B4-BE49-F238E27FC236}">
-                <a16:creationId xmlns:a16="http://schemas.microsoft.com/office/drawing/2014/main" id="{9576B658-8EEC-4DE6-AB5F-3ECBBE3BA76B}"/>
+          <p:cNvPr id="19" name="Group 18">
+            <a:extLst>
+              <a:ext uri="{FF2B5EF4-FFF2-40B4-BE49-F238E27FC236}">
+                <a16:creationId xmlns:a16="http://schemas.microsoft.com/office/drawing/2014/main" id="{9D8435D8-E040-EA4A-9FA0-065500710CDE}"/>
               </a:ext>
             </a:extLst>
           </p:cNvPr>
@@ -3909,18 +3912,76 @@
         </p:nvGrpSpPr>
         <p:grpSpPr>
           <a:xfrm>
-            <a:off x="6140198" y="161454"/>
-            <a:ext cx="4612003" cy="5882157"/>
-            <a:chOff x="6140198" y="161454"/>
-            <a:chExt cx="4612003" cy="5882157"/>
+            <a:off x="-69994" y="3880737"/>
+            <a:ext cx="6029465" cy="461665"/>
+            <a:chOff x="-36205" y="2478387"/>
+            <a:chExt cx="6029465" cy="461665"/>
           </a:xfrm>
         </p:grpSpPr>
         <p:sp>
           <p:nvSpPr>
-            <p:cNvPr id="32" name="TextBox 31">
+            <p:cNvPr id="20" name="Rectangle 19">
               <a:extLst>
                 <a:ext uri="{FF2B5EF4-FFF2-40B4-BE49-F238E27FC236}">
-                  <a16:creationId xmlns:a16="http://schemas.microsoft.com/office/drawing/2014/main" id="{4398EB41-E844-AC49-8C8F-94E761AA5F54}"/>
+                  <a16:creationId xmlns:a16="http://schemas.microsoft.com/office/drawing/2014/main" id="{B586C6C5-51E0-DA44-9947-ACE182E2EED2}"/>
+                </a:ext>
+              </a:extLst>
+            </p:cNvPr>
+            <p:cNvSpPr/>
+            <p:nvPr/>
+          </p:nvSpPr>
+          <p:spPr>
+            <a:xfrm>
+              <a:off x="1319605" y="2556435"/>
+              <a:ext cx="4673655" cy="305570"/>
+            </a:xfrm>
+            <a:prstGeom prst="rect">
+              <a:avLst/>
+            </a:prstGeom>
+            <a:noFill/>
+            <a:ln w="12700" cap="flat" cmpd="sng" algn="ctr">
+              <a:solidFill>
+                <a:schemeClr val="accent5"/>
+              </a:solidFill>
+              <a:prstDash val="solid"/>
+              <a:round/>
+              <a:headEnd type="none" w="med" len="med"/>
+              <a:tailEnd type="none" w="med" len="med"/>
+            </a:ln>
+          </p:spPr>
+          <p:style>
+            <a:lnRef idx="0">
+              <a:scrgbClr r="0" g="0" b="0"/>
+            </a:lnRef>
+            <a:fillRef idx="0">
+              <a:scrgbClr r="0" g="0" b="0"/>
+            </a:fillRef>
+            <a:effectRef idx="0">
+              <a:scrgbClr r="0" g="0" b="0"/>
+            </a:effectRef>
+            <a:fontRef idx="minor">
+              <a:schemeClr val="accent4"/>
+            </a:fontRef>
+          </p:style>
+          <p:txBody>
+            <a:bodyPr rtlCol="0" anchor="ctr"/>
+            <a:lstStyle/>
+            <a:p>
+              <a:pPr algn="ctr"/>
+              <a:endParaRPr lang="en-SG" dirty="0">
+                <a:highlight>
+                  <a:srgbClr val="FFFF00"/>
+                </a:highlight>
+              </a:endParaRPr>
+            </a:p>
+          </p:txBody>
+        </p:sp>
+        <p:sp>
+          <p:nvSpPr>
+            <p:cNvPr id="21" name="TextBox 20">
+              <a:extLst>
+                <a:ext uri="{FF2B5EF4-FFF2-40B4-BE49-F238E27FC236}">
+                  <a16:creationId xmlns:a16="http://schemas.microsoft.com/office/drawing/2014/main" id="{E92B86BC-79B0-CB44-814C-12E49A7A93E2}"/>
                 </a:ext>
               </a:extLst>
             </p:cNvPr>
@@ -3929,7 +3990,443 @@
           </p:nvSpPr>
           <p:spPr>
             <a:xfrm>
-              <a:off x="7432929" y="161454"/>
+              <a:off x="-36205" y="2478387"/>
+              <a:ext cx="1243423" cy="461665"/>
+            </a:xfrm>
+            <a:prstGeom prst="rect">
+              <a:avLst/>
+            </a:prstGeom>
+            <a:noFill/>
+          </p:spPr>
+          <p:txBody>
+            <a:bodyPr wrap="square" rtlCol="0">
+              <a:spAutoFit/>
+            </a:bodyPr>
+            <a:lstStyle/>
+            <a:p>
+              <a:pPr algn="ctr"/>
+              <a:r>
+                <a:rPr lang="en-US" sz="1200" dirty="0">
+                  <a:solidFill>
+                    <a:srgbClr val="0070C0"/>
+                  </a:solidFill>
+                </a:rPr>
+                <a:t>summary-</a:t>
+              </a:r>
+              <a:r>
+                <a:rPr lang="en-US" sz="1200" dirty="0" err="1">
+                  <a:solidFill>
+                    <a:srgbClr val="0070C0"/>
+                  </a:solidFill>
+                </a:rPr>
+                <a:t>chart__ramp</a:t>
+              </a:r>
+              <a:endParaRPr lang="en-US" sz="1200" dirty="0">
+                <a:solidFill>
+                  <a:srgbClr val="0070C0"/>
+                </a:solidFill>
+              </a:endParaRPr>
+            </a:p>
+          </p:txBody>
+        </p:sp>
+        <p:cxnSp>
+          <p:nvCxnSpPr>
+            <p:cNvPr id="22" name="Straight Arrow Connector 21">
+              <a:extLst>
+                <a:ext uri="{FF2B5EF4-FFF2-40B4-BE49-F238E27FC236}">
+                  <a16:creationId xmlns:a16="http://schemas.microsoft.com/office/drawing/2014/main" id="{CE4C773B-834F-574E-B232-52C546DF9B87}"/>
+                </a:ext>
+              </a:extLst>
+            </p:cNvPr>
+            <p:cNvCxnSpPr>
+              <a:cxnSpLocks/>
+            </p:cNvCxnSpPr>
+            <p:nvPr/>
+          </p:nvCxnSpPr>
+          <p:spPr>
+            <a:xfrm>
+              <a:off x="948189" y="2709220"/>
+              <a:ext cx="357273" cy="0"/>
+            </a:xfrm>
+            <a:prstGeom prst="straightConnector1">
+              <a:avLst/>
+            </a:prstGeom>
+            <a:ln w="12700">
+              <a:solidFill>
+                <a:srgbClr val="0070C0"/>
+              </a:solidFill>
+              <a:tailEnd type="triangle"/>
+            </a:ln>
+          </p:spPr>
+          <p:style>
+            <a:lnRef idx="1">
+              <a:schemeClr val="accent1"/>
+            </a:lnRef>
+            <a:fillRef idx="0">
+              <a:schemeClr val="accent1"/>
+            </a:fillRef>
+            <a:effectRef idx="0">
+              <a:schemeClr val="accent1"/>
+            </a:effectRef>
+            <a:fontRef idx="minor">
+              <a:schemeClr val="tx1"/>
+            </a:fontRef>
+          </p:style>
+        </p:cxnSp>
+      </p:grpSp>
+      <p:grpSp>
+        <p:nvGrpSpPr>
+          <p:cNvPr id="27" name="Group 26">
+            <a:extLst>
+              <a:ext uri="{FF2B5EF4-FFF2-40B4-BE49-F238E27FC236}">
+                <a16:creationId xmlns:a16="http://schemas.microsoft.com/office/drawing/2014/main" id="{9109B921-C563-124D-860D-23B4DD52D9C2}"/>
+              </a:ext>
+            </a:extLst>
+          </p:cNvPr>
+          <p:cNvGrpSpPr/>
+          <p:nvPr/>
+        </p:nvGrpSpPr>
+        <p:grpSpPr>
+          <a:xfrm>
+            <a:off x="-41611" y="2917696"/>
+            <a:ext cx="6011494" cy="809672"/>
+            <a:chOff x="-22481" y="1810500"/>
+            <a:chExt cx="6011494" cy="589235"/>
+          </a:xfrm>
+        </p:grpSpPr>
+        <p:sp>
+          <p:nvSpPr>
+            <p:cNvPr id="28" name="Rectangle 27">
+              <a:extLst>
+                <a:ext uri="{FF2B5EF4-FFF2-40B4-BE49-F238E27FC236}">
+                  <a16:creationId xmlns:a16="http://schemas.microsoft.com/office/drawing/2014/main" id="{7BC5F1A1-A976-AD4E-A7D5-9E50BF4F23DD}"/>
+                </a:ext>
+              </a:extLst>
+            </p:cNvPr>
+            <p:cNvSpPr/>
+            <p:nvPr/>
+          </p:nvSpPr>
+          <p:spPr>
+            <a:xfrm>
+              <a:off x="1304946" y="1810500"/>
+              <a:ext cx="4684067" cy="589235"/>
+            </a:xfrm>
+            <a:prstGeom prst="rect">
+              <a:avLst/>
+            </a:prstGeom>
+            <a:noFill/>
+            <a:ln w="12700" cap="flat" cmpd="sng" algn="ctr">
+              <a:solidFill>
+                <a:srgbClr val="7030A0"/>
+              </a:solidFill>
+              <a:prstDash val="solid"/>
+              <a:round/>
+              <a:headEnd type="none" w="med" len="med"/>
+              <a:tailEnd type="none" w="med" len="med"/>
+            </a:ln>
+          </p:spPr>
+          <p:style>
+            <a:lnRef idx="0">
+              <a:scrgbClr r="0" g="0" b="0"/>
+            </a:lnRef>
+            <a:fillRef idx="0">
+              <a:scrgbClr r="0" g="0" b="0"/>
+            </a:fillRef>
+            <a:effectRef idx="0">
+              <a:scrgbClr r="0" g="0" b="0"/>
+            </a:effectRef>
+            <a:fontRef idx="minor">
+              <a:schemeClr val="accent4"/>
+            </a:fontRef>
+          </p:style>
+          <p:txBody>
+            <a:bodyPr rtlCol="0" anchor="ctr"/>
+            <a:lstStyle/>
+            <a:p>
+              <a:pPr algn="ctr"/>
+              <a:endParaRPr lang="en-SG"/>
+            </a:p>
+          </p:txBody>
+        </p:sp>
+        <p:sp>
+          <p:nvSpPr>
+            <p:cNvPr id="29" name="TextBox 28">
+              <a:extLst>
+                <a:ext uri="{FF2B5EF4-FFF2-40B4-BE49-F238E27FC236}">
+                  <a16:creationId xmlns:a16="http://schemas.microsoft.com/office/drawing/2014/main" id="{7041ECD1-9EE2-DA43-8927-EF9A831ECDEF}"/>
+                </a:ext>
+              </a:extLst>
+            </p:cNvPr>
+            <p:cNvSpPr txBox="1"/>
+            <p:nvPr/>
+          </p:nvSpPr>
+          <p:spPr>
+            <a:xfrm>
+              <a:off x="-22481" y="1826517"/>
+              <a:ext cx="1202954" cy="276999"/>
+            </a:xfrm>
+            <a:prstGeom prst="rect">
+              <a:avLst/>
+            </a:prstGeom>
+            <a:noFill/>
+          </p:spPr>
+          <p:txBody>
+            <a:bodyPr wrap="square" rtlCol="0">
+              <a:spAutoFit/>
+            </a:bodyPr>
+            <a:lstStyle/>
+            <a:p>
+              <a:pPr algn="ctr"/>
+              <a:r>
+                <a:rPr lang="en-US" sz="1200" dirty="0">
+                  <a:solidFill>
+                    <a:srgbClr val="7030A0"/>
+                  </a:solidFill>
+                </a:rPr>
+                <a:t>summary-chart</a:t>
+              </a:r>
+            </a:p>
+          </p:txBody>
+        </p:sp>
+        <p:cxnSp>
+          <p:nvCxnSpPr>
+            <p:cNvPr id="30" name="Straight Arrow Connector 29">
+              <a:extLst>
+                <a:ext uri="{FF2B5EF4-FFF2-40B4-BE49-F238E27FC236}">
+                  <a16:creationId xmlns:a16="http://schemas.microsoft.com/office/drawing/2014/main" id="{A9A78508-DEA7-B542-B332-93A70A8F2B1E}"/>
+                </a:ext>
+              </a:extLst>
+            </p:cNvPr>
+            <p:cNvCxnSpPr>
+              <a:cxnSpLocks/>
+            </p:cNvCxnSpPr>
+            <p:nvPr/>
+          </p:nvCxnSpPr>
+          <p:spPr>
+            <a:xfrm>
+              <a:off x="875058" y="1983879"/>
+              <a:ext cx="415745" cy="0"/>
+            </a:xfrm>
+            <a:prstGeom prst="straightConnector1">
+              <a:avLst/>
+            </a:prstGeom>
+            <a:ln w="12700">
+              <a:solidFill>
+                <a:srgbClr val="7030A0"/>
+              </a:solidFill>
+              <a:tailEnd type="triangle"/>
+            </a:ln>
+          </p:spPr>
+          <p:style>
+            <a:lnRef idx="1">
+              <a:schemeClr val="accent1"/>
+            </a:lnRef>
+            <a:fillRef idx="0">
+              <a:schemeClr val="accent1"/>
+            </a:fillRef>
+            <a:effectRef idx="0">
+              <a:schemeClr val="accent1"/>
+            </a:effectRef>
+            <a:fontRef idx="minor">
+              <a:schemeClr val="tx1"/>
+            </a:fontRef>
+          </p:style>
+        </p:cxnSp>
+      </p:grpSp>
+      <p:grpSp>
+        <p:nvGrpSpPr>
+          <p:cNvPr id="31" name="Group 30">
+            <a:extLst>
+              <a:ext uri="{FF2B5EF4-FFF2-40B4-BE49-F238E27FC236}">
+                <a16:creationId xmlns:a16="http://schemas.microsoft.com/office/drawing/2014/main" id="{4F644B75-5FAF-7F4C-A942-C5166F59A62E}"/>
+              </a:ext>
+            </a:extLst>
+          </p:cNvPr>
+          <p:cNvGrpSpPr/>
+          <p:nvPr/>
+        </p:nvGrpSpPr>
+        <p:grpSpPr>
+          <a:xfrm>
+            <a:off x="-183442" y="836757"/>
+            <a:ext cx="6142914" cy="869029"/>
+            <a:chOff x="-183442" y="836757"/>
+            <a:chExt cx="6142914" cy="869029"/>
+          </a:xfrm>
+        </p:grpSpPr>
+        <p:sp>
+          <p:nvSpPr>
+            <p:cNvPr id="32" name="TextBox 31">
+              <a:extLst>
+                <a:ext uri="{FF2B5EF4-FFF2-40B4-BE49-F238E27FC236}">
+                  <a16:creationId xmlns:a16="http://schemas.microsoft.com/office/drawing/2014/main" id="{9844C54E-38E8-E841-96EB-C2D346D0D9A7}"/>
+                </a:ext>
+              </a:extLst>
+            </p:cNvPr>
+            <p:cNvSpPr txBox="1"/>
+            <p:nvPr/>
+          </p:nvSpPr>
+          <p:spPr>
+            <a:xfrm>
+              <a:off x="-183442" y="1116990"/>
+              <a:ext cx="1422854" cy="276999"/>
+            </a:xfrm>
+            <a:prstGeom prst="rect">
+              <a:avLst/>
+            </a:prstGeom>
+            <a:noFill/>
+          </p:spPr>
+          <p:txBody>
+            <a:bodyPr wrap="square" rtlCol="0">
+              <a:spAutoFit/>
+            </a:bodyPr>
+            <a:lstStyle/>
+            <a:p>
+              <a:pPr algn="ctr"/>
+              <a:r>
+                <a:rPr lang="en-US" sz="1200" dirty="0">
+                  <a:solidFill>
+                    <a:schemeClr val="accent6"/>
+                  </a:solidFill>
+                </a:rPr>
+                <a:t>summary-picker</a:t>
+              </a:r>
+            </a:p>
+          </p:txBody>
+        </p:sp>
+        <p:sp>
+          <p:nvSpPr>
+            <p:cNvPr id="33" name="Rectangle 32">
+              <a:extLst>
+                <a:ext uri="{FF2B5EF4-FFF2-40B4-BE49-F238E27FC236}">
+                  <a16:creationId xmlns:a16="http://schemas.microsoft.com/office/drawing/2014/main" id="{52A713DA-8CB2-C540-9468-B2BAB7343634}"/>
+                </a:ext>
+              </a:extLst>
+            </p:cNvPr>
+            <p:cNvSpPr/>
+            <p:nvPr/>
+          </p:nvSpPr>
+          <p:spPr>
+            <a:xfrm>
+              <a:off x="1410788" y="836757"/>
+              <a:ext cx="4548684" cy="869029"/>
+            </a:xfrm>
+            <a:prstGeom prst="rect">
+              <a:avLst/>
+            </a:prstGeom>
+            <a:noFill/>
+            <a:ln w="12700" cap="flat" cmpd="sng" algn="ctr">
+              <a:solidFill>
+                <a:schemeClr val="accent6"/>
+              </a:solidFill>
+              <a:prstDash val="solid"/>
+              <a:round/>
+              <a:headEnd type="none" w="med" len="med"/>
+              <a:tailEnd type="none" w="med" len="med"/>
+            </a:ln>
+          </p:spPr>
+          <p:style>
+            <a:lnRef idx="0">
+              <a:scrgbClr r="0" g="0" b="0"/>
+            </a:lnRef>
+            <a:fillRef idx="0">
+              <a:scrgbClr r="0" g="0" b="0"/>
+            </a:fillRef>
+            <a:effectRef idx="0">
+              <a:scrgbClr r="0" g="0" b="0"/>
+            </a:effectRef>
+            <a:fontRef idx="minor">
+              <a:schemeClr val="accent6"/>
+            </a:fontRef>
+          </p:style>
+          <p:txBody>
+            <a:bodyPr rtlCol="0" anchor="ctr"/>
+            <a:lstStyle/>
+            <a:p>
+              <a:pPr algn="ctr"/>
+              <a:endParaRPr lang="en-SG"/>
+            </a:p>
+          </p:txBody>
+        </p:sp>
+        <p:cxnSp>
+          <p:nvCxnSpPr>
+            <p:cNvPr id="34" name="Straight Arrow Connector 33">
+              <a:extLst>
+                <a:ext uri="{FF2B5EF4-FFF2-40B4-BE49-F238E27FC236}">
+                  <a16:creationId xmlns:a16="http://schemas.microsoft.com/office/drawing/2014/main" id="{0E273499-67FF-4448-B68C-E8B5D84D54C8}"/>
+                </a:ext>
+              </a:extLst>
+            </p:cNvPr>
+            <p:cNvCxnSpPr>
+              <a:cxnSpLocks/>
+            </p:cNvCxnSpPr>
+            <p:nvPr/>
+          </p:nvCxnSpPr>
+          <p:spPr>
+            <a:xfrm>
+              <a:off x="983091" y="1341477"/>
+              <a:ext cx="406477" cy="0"/>
+            </a:xfrm>
+            <a:prstGeom prst="straightConnector1">
+              <a:avLst/>
+            </a:prstGeom>
+            <a:ln w="12700">
+              <a:solidFill>
+                <a:schemeClr val="accent6"/>
+              </a:solidFill>
+              <a:tailEnd type="triangle"/>
+            </a:ln>
+          </p:spPr>
+          <p:style>
+            <a:lnRef idx="1">
+              <a:schemeClr val="accent1"/>
+            </a:lnRef>
+            <a:fillRef idx="0">
+              <a:schemeClr val="accent1"/>
+            </a:fillRef>
+            <a:effectRef idx="0">
+              <a:schemeClr val="accent1"/>
+            </a:effectRef>
+            <a:fontRef idx="minor">
+              <a:schemeClr val="tx1"/>
+            </a:fontRef>
+          </p:style>
+        </p:cxnSp>
+      </p:grpSp>
+      <p:grpSp>
+        <p:nvGrpSpPr>
+          <p:cNvPr id="37" name="Group 36">
+            <a:extLst>
+              <a:ext uri="{FF2B5EF4-FFF2-40B4-BE49-F238E27FC236}">
+                <a16:creationId xmlns:a16="http://schemas.microsoft.com/office/drawing/2014/main" id="{41C55C19-AC2F-4C4F-9EA9-3DFDC0FDE9B5}"/>
+              </a:ext>
+            </a:extLst>
+          </p:cNvPr>
+          <p:cNvGrpSpPr/>
+          <p:nvPr/>
+        </p:nvGrpSpPr>
+        <p:grpSpPr>
+          <a:xfrm>
+            <a:off x="6192600" y="-18025"/>
+            <a:ext cx="4860929" cy="6230691"/>
+            <a:chOff x="6140198" y="9525"/>
+            <a:chExt cx="4612003" cy="6034086"/>
+          </a:xfrm>
+        </p:grpSpPr>
+        <p:sp>
+          <p:nvSpPr>
+            <p:cNvPr id="38" name="TextBox 37">
+              <a:extLst>
+                <a:ext uri="{FF2B5EF4-FFF2-40B4-BE49-F238E27FC236}">
+                  <a16:creationId xmlns:a16="http://schemas.microsoft.com/office/drawing/2014/main" id="{8B58E452-BB72-AA44-9FE2-F4A7E4B124AF}"/>
+                </a:ext>
+              </a:extLst>
+            </p:cNvPr>
+            <p:cNvSpPr txBox="1"/>
+            <p:nvPr/>
+          </p:nvSpPr>
+          <p:spPr>
+            <a:xfrm>
+              <a:off x="7433976" y="9525"/>
               <a:ext cx="2090928" cy="276999"/>
             </a:xfrm>
             <a:prstGeom prst="rect">
@@ -3962,10 +4459,10 @@
         </p:sp>
         <p:sp>
           <p:nvSpPr>
-            <p:cNvPr id="36" name="Rectangle 35">
+            <p:cNvPr id="39" name="Rectangle 38">
               <a:extLst>
                 <a:ext uri="{FF2B5EF4-FFF2-40B4-BE49-F238E27FC236}">
-                  <a16:creationId xmlns:a16="http://schemas.microsoft.com/office/drawing/2014/main" id="{B174F72C-650B-8E44-A379-A24D0DB5B758}"/>
+                  <a16:creationId xmlns:a16="http://schemas.microsoft.com/office/drawing/2014/main" id="{594D0A70-9FCB-4645-B424-E81E9CA53919}"/>
                 </a:ext>
               </a:extLst>
             </p:cNvPr>
@@ -3974,8 +4471,8 @@
           </p:nvSpPr>
           <p:spPr>
             <a:xfrm>
-              <a:off x="6140198" y="814386"/>
-              <a:ext cx="4612003" cy="5229225"/>
+              <a:off x="6140198" y="630870"/>
+              <a:ext cx="4612003" cy="5412741"/>
             </a:xfrm>
             <a:prstGeom prst="rect">
               <a:avLst/>
@@ -4016,10 +4513,10 @@
         </p:sp>
         <p:cxnSp>
           <p:nvCxnSpPr>
-            <p:cNvPr id="50" name="Straight Arrow Connector 49">
+            <p:cNvPr id="40" name="Straight Arrow Connector 39">
               <a:extLst>
                 <a:ext uri="{FF2B5EF4-FFF2-40B4-BE49-F238E27FC236}">
-                  <a16:creationId xmlns:a16="http://schemas.microsoft.com/office/drawing/2014/main" id="{F20E8FC5-C665-144F-B0BB-107E10758C59}"/>
+                  <a16:creationId xmlns:a16="http://schemas.microsoft.com/office/drawing/2014/main" id="{5A048185-9C43-4449-84F1-DD2586EA6495}"/>
                 </a:ext>
               </a:extLst>
             </p:cNvPr>
@@ -4028,7 +4525,7 @@
           </p:nvCxnSpPr>
           <p:spPr>
             <a:xfrm>
-              <a:off x="8458331" y="465408"/>
+              <a:off x="8446967" y="227998"/>
               <a:ext cx="0" cy="312842"/>
             </a:xfrm>
             <a:prstGeom prst="straightConnector1">
@@ -4059,10 +4556,10 @@
       </p:grpSp>
       <p:grpSp>
         <p:nvGrpSpPr>
-          <p:cNvPr id="20" name="Group 19">
-            <a:extLst>
-              <a:ext uri="{FF2B5EF4-FFF2-40B4-BE49-F238E27FC236}">
-                <a16:creationId xmlns:a16="http://schemas.microsoft.com/office/drawing/2014/main" id="{1136471E-173E-4F19-B82A-29669B7EF3BF}"/>
+          <p:cNvPr id="41" name="Group 40">
+            <a:extLst>
+              <a:ext uri="{FF2B5EF4-FFF2-40B4-BE49-F238E27FC236}">
+                <a16:creationId xmlns:a16="http://schemas.microsoft.com/office/drawing/2014/main" id="{E941E471-5B0E-A847-9618-38792E8BB4D5}"/>
               </a:ext>
             </a:extLst>
           </p:cNvPr>
@@ -4071,7 +4568,7 @@
         </p:nvGrpSpPr>
         <p:grpSpPr>
           <a:xfrm>
-            <a:off x="6318491" y="1940998"/>
+            <a:off x="6577283" y="2061768"/>
             <a:ext cx="3586170" cy="319637"/>
             <a:chOff x="6191491" y="1792813"/>
             <a:chExt cx="3586170" cy="319637"/>
@@ -4079,10 +4576,10 @@
         </p:grpSpPr>
         <p:sp>
           <p:nvSpPr>
-            <p:cNvPr id="69" name="TextBox 68">
+            <p:cNvPr id="42" name="TextBox 41">
               <a:extLst>
                 <a:ext uri="{FF2B5EF4-FFF2-40B4-BE49-F238E27FC236}">
-                  <a16:creationId xmlns:a16="http://schemas.microsoft.com/office/drawing/2014/main" id="{D26E4E26-EF97-A547-93AF-6C3384E7A51F}"/>
+                  <a16:creationId xmlns:a16="http://schemas.microsoft.com/office/drawing/2014/main" id="{3A385B74-6F80-9B44-B1CF-0CC775AB0A1F}"/>
                 </a:ext>
               </a:extLst>
             </p:cNvPr>
@@ -4127,10 +4624,10 @@
         </p:sp>
         <p:sp>
           <p:nvSpPr>
-            <p:cNvPr id="56" name="Rectangle 55">
+            <p:cNvPr id="43" name="Rectangle 42">
               <a:extLst>
                 <a:ext uri="{FF2B5EF4-FFF2-40B4-BE49-F238E27FC236}">
-                  <a16:creationId xmlns:a16="http://schemas.microsoft.com/office/drawing/2014/main" id="{302C24E7-F5CF-7D4F-9162-44F08F19CA6F}"/>
+                  <a16:creationId xmlns:a16="http://schemas.microsoft.com/office/drawing/2014/main" id="{B6EBC651-B2E0-D843-8C02-8C4F07064948}"/>
                 </a:ext>
               </a:extLst>
             </p:cNvPr>
@@ -4183,10 +4680,10 @@
         </p:sp>
         <p:cxnSp>
           <p:nvCxnSpPr>
-            <p:cNvPr id="55" name="Straight Arrow Connector 54">
+            <p:cNvPr id="44" name="Straight Arrow Connector 43">
               <a:extLst>
                 <a:ext uri="{FF2B5EF4-FFF2-40B4-BE49-F238E27FC236}">
-                  <a16:creationId xmlns:a16="http://schemas.microsoft.com/office/drawing/2014/main" id="{39E59FD8-6ED7-DE42-8608-75F1F9A40F07}"/>
+                  <a16:creationId xmlns:a16="http://schemas.microsoft.com/office/drawing/2014/main" id="{F1C31E19-5BC4-F845-BF6D-6CF7F31296B1}"/>
                 </a:ext>
               </a:extLst>
             </p:cNvPr>
@@ -4230,10 +4727,10 @@
       </p:grpSp>
       <p:grpSp>
         <p:nvGrpSpPr>
-          <p:cNvPr id="13" name="Group 12">
-            <a:extLst>
-              <a:ext uri="{FF2B5EF4-FFF2-40B4-BE49-F238E27FC236}">
-                <a16:creationId xmlns:a16="http://schemas.microsoft.com/office/drawing/2014/main" id="{4AB6A2D2-78C8-41B0-9EEF-4595CB4EFB11}"/>
+          <p:cNvPr id="45" name="Group 44">
+            <a:extLst>
+              <a:ext uri="{FF2B5EF4-FFF2-40B4-BE49-F238E27FC236}">
+                <a16:creationId xmlns:a16="http://schemas.microsoft.com/office/drawing/2014/main" id="{75992FD7-230D-C041-8072-DAE5D7B183DF}"/>
               </a:ext>
             </a:extLst>
           </p:cNvPr>
@@ -4242,18 +4739,18 @@
         </p:nvGrpSpPr>
         <p:grpSpPr>
           <a:xfrm>
-            <a:off x="6140198" y="3280581"/>
-            <a:ext cx="4289042" cy="276999"/>
+            <a:off x="6305920" y="2801205"/>
+            <a:ext cx="5287982" cy="276999"/>
             <a:chOff x="6210157" y="3133527"/>
             <a:chExt cx="3829487" cy="276999"/>
           </a:xfrm>
         </p:grpSpPr>
         <p:sp>
           <p:nvSpPr>
-            <p:cNvPr id="47" name="文本框 46">
+            <p:cNvPr id="46" name="文本框 46">
               <a:extLst>
                 <a:ext uri="{FF2B5EF4-FFF2-40B4-BE49-F238E27FC236}">
-                  <a16:creationId xmlns:a16="http://schemas.microsoft.com/office/drawing/2014/main" id="{8A40C309-DFD1-4333-84EB-9117C609942E}"/>
+                  <a16:creationId xmlns:a16="http://schemas.microsoft.com/office/drawing/2014/main" id="{D6BD97AF-1A89-6046-B363-FB06361A9D86}"/>
                 </a:ext>
               </a:extLst>
             </p:cNvPr>
@@ -4294,10 +4791,10 @@
         </p:sp>
         <p:sp>
           <p:nvSpPr>
-            <p:cNvPr id="64" name="Rectangle 63">
+            <p:cNvPr id="47" name="Rectangle 46">
               <a:extLst>
                 <a:ext uri="{FF2B5EF4-FFF2-40B4-BE49-F238E27FC236}">
-                  <a16:creationId xmlns:a16="http://schemas.microsoft.com/office/drawing/2014/main" id="{A2744CE9-0A67-9A43-A9BB-0CF02DB76205}"/>
+                  <a16:creationId xmlns:a16="http://schemas.microsoft.com/office/drawing/2014/main" id="{6DD2A09C-0008-AB4C-AF07-E66C44CF11CC}"/>
                 </a:ext>
               </a:extLst>
             </p:cNvPr>
@@ -4348,10 +4845,10 @@
         </p:sp>
         <p:cxnSp>
           <p:nvCxnSpPr>
-            <p:cNvPr id="58" name="Straight Arrow Connector 57">
+            <p:cNvPr id="48" name="Straight Arrow Connector 47">
               <a:extLst>
                 <a:ext uri="{FF2B5EF4-FFF2-40B4-BE49-F238E27FC236}">
-                  <a16:creationId xmlns:a16="http://schemas.microsoft.com/office/drawing/2014/main" id="{AFA0DA7C-E4AB-7640-B648-6DBC87E6B30F}"/>
+                  <a16:creationId xmlns:a16="http://schemas.microsoft.com/office/drawing/2014/main" id="{6655E9C7-FB5D-6840-9108-F3B36C394909}"/>
                 </a:ext>
               </a:extLst>
             </p:cNvPr>
@@ -4393,10 +4890,10 @@
       </p:grpSp>
       <p:grpSp>
         <p:nvGrpSpPr>
-          <p:cNvPr id="14" name="Group 13">
-            <a:extLst>
-              <a:ext uri="{FF2B5EF4-FFF2-40B4-BE49-F238E27FC236}">
-                <a16:creationId xmlns:a16="http://schemas.microsoft.com/office/drawing/2014/main" id="{C3A8EFEE-B563-4EA4-B0B6-B112CC1795A2}"/>
+          <p:cNvPr id="49" name="Group 48">
+            <a:extLst>
+              <a:ext uri="{FF2B5EF4-FFF2-40B4-BE49-F238E27FC236}">
+                <a16:creationId xmlns:a16="http://schemas.microsoft.com/office/drawing/2014/main" id="{7F950C7A-C0BD-5747-88FF-F91CA5ED0503}"/>
               </a:ext>
             </a:extLst>
           </p:cNvPr>
@@ -4405,62 +4902,18 @@
         </p:nvGrpSpPr>
         <p:grpSpPr>
           <a:xfrm>
-            <a:off x="6186172" y="3280581"/>
-            <a:ext cx="5535411" cy="2358219"/>
-            <a:chOff x="6186172" y="3133515"/>
-            <a:chExt cx="5535411" cy="2217420"/>
+            <a:off x="6338083" y="4709909"/>
+            <a:ext cx="5720060" cy="914473"/>
+            <a:chOff x="6142549" y="4184273"/>
+            <a:chExt cx="5720060" cy="820407"/>
           </a:xfrm>
         </p:grpSpPr>
         <p:sp>
           <p:nvSpPr>
-            <p:cNvPr id="45" name="文本框 44">
+            <p:cNvPr id="50" name="Rectangle 49">
               <a:extLst>
                 <a:ext uri="{FF2B5EF4-FFF2-40B4-BE49-F238E27FC236}">
-                  <a16:creationId xmlns:a16="http://schemas.microsoft.com/office/drawing/2014/main" id="{A0A1A4A5-828A-4BF9-94DF-CD28CBD612CF}"/>
-                </a:ext>
-              </a:extLst>
-            </p:cNvPr>
-            <p:cNvSpPr txBox="1"/>
-            <p:nvPr/>
-          </p:nvSpPr>
-          <p:spPr>
-            <a:xfrm>
-              <a:off x="10971251" y="4126375"/>
-              <a:ext cx="750332" cy="276999"/>
-            </a:xfrm>
-            <a:prstGeom prst="rect">
-              <a:avLst/>
-            </a:prstGeom>
-            <a:noFill/>
-          </p:spPr>
-          <p:txBody>
-            <a:bodyPr wrap="square" rtlCol="0">
-              <a:spAutoFit/>
-            </a:bodyPr>
-            <a:lstStyle/>
-            <a:p>
-              <a:r>
-                <a:rPr lang="en-US" altLang="zh-CN" sz="1200" dirty="0">
-                  <a:solidFill>
-                    <a:srgbClr val="0070C0"/>
-                  </a:solidFill>
-                </a:rPr>
-                <a:t>file</a:t>
-              </a:r>
-              <a:endParaRPr lang="zh-CN" altLang="en-US" sz="1200" dirty="0">
-                <a:solidFill>
-                  <a:srgbClr val="0070C0"/>
-                </a:solidFill>
-              </a:endParaRPr>
-            </a:p>
-          </p:txBody>
-        </p:sp>
-        <p:sp>
-          <p:nvSpPr>
-            <p:cNvPr id="66" name="Rectangle 65">
-              <a:extLst>
-                <a:ext uri="{FF2B5EF4-FFF2-40B4-BE49-F238E27FC236}">
-                  <a16:creationId xmlns:a16="http://schemas.microsoft.com/office/drawing/2014/main" id="{C141FFD1-6C95-3144-91D0-6661C4DDF579}"/>
+                  <a16:creationId xmlns:a16="http://schemas.microsoft.com/office/drawing/2014/main" id="{7211F22B-2952-154A-9483-F66F1B6E4407}"/>
                 </a:ext>
               </a:extLst>
             </p:cNvPr>
@@ -4469,124 +4922,8 @@
           </p:nvSpPr>
           <p:spPr>
             <a:xfrm>
-              <a:off x="6186172" y="3133515"/>
-              <a:ext cx="4450097" cy="2217420"/>
-            </a:xfrm>
-            <a:prstGeom prst="rect">
-              <a:avLst/>
-            </a:prstGeom>
-            <a:noFill/>
-            <a:ln w="9525" cap="flat" cmpd="sng" algn="ctr">
-              <a:solidFill>
-                <a:srgbClr val="0070C0"/>
-              </a:solidFill>
-              <a:prstDash val="solid"/>
-              <a:round/>
-              <a:headEnd type="none" w="med" len="med"/>
-              <a:tailEnd type="none" w="med" len="med"/>
-            </a:ln>
-          </p:spPr>
-          <p:style>
-            <a:lnRef idx="0">
-              <a:scrgbClr r="0" g="0" b="0"/>
-            </a:lnRef>
-            <a:fillRef idx="0">
-              <a:scrgbClr r="0" g="0" b="0"/>
-            </a:fillRef>
-            <a:effectRef idx="0">
-              <a:scrgbClr r="0" g="0" b="0"/>
-            </a:effectRef>
-            <a:fontRef idx="minor">
-              <a:schemeClr val="accent1"/>
-            </a:fontRef>
-          </p:style>
-          <p:txBody>
-            <a:bodyPr rtlCol="0" anchor="ctr"/>
-            <a:lstStyle/>
-            <a:p>
-              <a:pPr algn="ctr"/>
-              <a:endParaRPr lang="en-SG"/>
-            </a:p>
-          </p:txBody>
-        </p:sp>
-        <p:cxnSp>
-          <p:nvCxnSpPr>
-            <p:cNvPr id="61" name="Straight Arrow Connector 60">
-              <a:extLst>
-                <a:ext uri="{FF2B5EF4-FFF2-40B4-BE49-F238E27FC236}">
-                  <a16:creationId xmlns:a16="http://schemas.microsoft.com/office/drawing/2014/main" id="{B3CB679E-8205-8D4E-8605-4305DBA22290}"/>
-                </a:ext>
-              </a:extLst>
-            </p:cNvPr>
-            <p:cNvCxnSpPr>
-              <a:cxnSpLocks/>
-            </p:cNvCxnSpPr>
-            <p:nvPr/>
-          </p:nvCxnSpPr>
-          <p:spPr>
-            <a:xfrm flipH="1" flipV="1">
-              <a:off x="10667719" y="4260483"/>
-              <a:ext cx="318046" cy="4392"/>
-            </a:xfrm>
-            <a:prstGeom prst="straightConnector1">
-              <a:avLst/>
-            </a:prstGeom>
-            <a:ln>
-              <a:tailEnd type="triangle"/>
-            </a:ln>
-          </p:spPr>
-          <p:style>
-            <a:lnRef idx="3">
-              <a:schemeClr val="accent1"/>
-            </a:lnRef>
-            <a:fillRef idx="0">
-              <a:schemeClr val="accent1"/>
-            </a:fillRef>
-            <a:effectRef idx="2">
-              <a:schemeClr val="accent1"/>
-            </a:effectRef>
-            <a:fontRef idx="minor">
-              <a:schemeClr val="tx1"/>
-            </a:fontRef>
-          </p:style>
-        </p:cxnSp>
-      </p:grpSp>
-      <p:grpSp>
-        <p:nvGrpSpPr>
-          <p:cNvPr id="15" name="Group 14">
-            <a:extLst>
-              <a:ext uri="{FF2B5EF4-FFF2-40B4-BE49-F238E27FC236}">
-                <a16:creationId xmlns:a16="http://schemas.microsoft.com/office/drawing/2014/main" id="{AA857E4A-0412-484B-AB41-9F54A2124762}"/>
-              </a:ext>
-            </a:extLst>
-          </p:cNvPr>
-          <p:cNvGrpSpPr/>
-          <p:nvPr/>
-        </p:nvGrpSpPr>
-        <p:grpSpPr>
-          <a:xfrm>
-            <a:off x="6228509" y="3577419"/>
-            <a:ext cx="5603272" cy="1766249"/>
-            <a:chOff x="6228509" y="3429000"/>
-            <a:chExt cx="5603272" cy="1584566"/>
-          </a:xfrm>
-        </p:grpSpPr>
-        <p:sp>
-          <p:nvSpPr>
-            <p:cNvPr id="39" name="Rectangle 38">
-              <a:extLst>
-                <a:ext uri="{FF2B5EF4-FFF2-40B4-BE49-F238E27FC236}">
-                  <a16:creationId xmlns:a16="http://schemas.microsoft.com/office/drawing/2014/main" id="{F1DC792B-BA68-E146-9640-3B9BBA3D37BF}"/>
-                </a:ext>
-              </a:extLst>
-            </p:cNvPr>
-            <p:cNvSpPr/>
-            <p:nvPr/>
-          </p:nvSpPr>
-          <p:spPr>
-            <a:xfrm>
-              <a:off x="6228509" y="3429000"/>
-              <a:ext cx="4354826" cy="1584566"/>
+              <a:off x="6142549" y="4184273"/>
+              <a:ext cx="4492213" cy="820407"/>
             </a:xfrm>
             <a:prstGeom prst="rect">
               <a:avLst/>
@@ -4630,10 +4967,10 @@
         </p:sp>
         <p:sp>
           <p:nvSpPr>
-            <p:cNvPr id="44" name="文本框 44">
+            <p:cNvPr id="51" name="文本框 44">
               <a:extLst>
                 <a:ext uri="{FF2B5EF4-FFF2-40B4-BE49-F238E27FC236}">
-                  <a16:creationId xmlns:a16="http://schemas.microsoft.com/office/drawing/2014/main" id="{A899A3DB-A0EF-A042-8009-CDA2C0E753A2}"/>
+                  <a16:creationId xmlns:a16="http://schemas.microsoft.com/office/drawing/2014/main" id="{884534D8-F44D-FC45-85F0-3566FE0647A4}"/>
                 </a:ext>
               </a:extLst>
             </p:cNvPr>
@@ -4642,7 +4979,7 @@
           </p:nvSpPr>
           <p:spPr>
             <a:xfrm>
-              <a:off x="10895046" y="3703036"/>
+              <a:off x="10925874" y="4378819"/>
               <a:ext cx="936735" cy="276999"/>
             </a:xfrm>
             <a:prstGeom prst="rect">
@@ -4683,10 +5020,10 @@
         </p:sp>
         <p:cxnSp>
           <p:nvCxnSpPr>
-            <p:cNvPr id="46" name="Straight Arrow Connector 45">
+            <p:cNvPr id="52" name="Straight Arrow Connector 51">
               <a:extLst>
                 <a:ext uri="{FF2B5EF4-FFF2-40B4-BE49-F238E27FC236}">
-                  <a16:creationId xmlns:a16="http://schemas.microsoft.com/office/drawing/2014/main" id="{BE7BD8BB-4C1B-DB44-A439-079C150A181C}"/>
+                  <a16:creationId xmlns:a16="http://schemas.microsoft.com/office/drawing/2014/main" id="{FED97547-1EE1-B545-9C9A-63EBC08D34AD}"/>
                 </a:ext>
               </a:extLst>
             </p:cNvPr>
@@ -4697,7 +5034,7 @@
           </p:nvCxnSpPr>
           <p:spPr>
             <a:xfrm flipH="1" flipV="1">
-              <a:off x="10591515" y="3862545"/>
+              <a:off x="10651112" y="4507112"/>
               <a:ext cx="318046" cy="4392"/>
             </a:xfrm>
             <a:prstGeom prst="straightConnector1">
@@ -4731,10 +5068,10 @@
       </p:grpSp>
       <p:grpSp>
         <p:nvGrpSpPr>
-          <p:cNvPr id="19" name="Group 18">
-            <a:extLst>
-              <a:ext uri="{FF2B5EF4-FFF2-40B4-BE49-F238E27FC236}">
-                <a16:creationId xmlns:a16="http://schemas.microsoft.com/office/drawing/2014/main" id="{6472C614-37CA-49CB-8B68-0443BEA2A398}"/>
+          <p:cNvPr id="53" name="Group 52">
+            <a:extLst>
+              <a:ext uri="{FF2B5EF4-FFF2-40B4-BE49-F238E27FC236}">
+                <a16:creationId xmlns:a16="http://schemas.microsoft.com/office/drawing/2014/main" id="{9153BCC1-584A-9543-BDD7-4E2D4B3D5FD9}"/>
               </a:ext>
             </a:extLst>
           </p:cNvPr>
@@ -4743,132 +5080,62 @@
         </p:nvGrpSpPr>
         <p:grpSpPr>
           <a:xfrm>
-            <a:off x="3096259" y="4825892"/>
-            <a:ext cx="2516973" cy="878948"/>
-            <a:chOff x="3096259" y="4825892"/>
-            <a:chExt cx="2516973" cy="878948"/>
+            <a:off x="6284057" y="3607427"/>
+            <a:ext cx="5701288" cy="811366"/>
+            <a:chOff x="6164309" y="3142906"/>
+            <a:chExt cx="5701288" cy="762923"/>
           </a:xfrm>
         </p:grpSpPr>
-        <p:grpSp>
-          <p:nvGrpSpPr>
-            <p:cNvPr id="9" name="Group 8">
+        <p:sp>
+          <p:nvSpPr>
+            <p:cNvPr id="54" name="文本框 44">
               <a:extLst>
                 <a:ext uri="{FF2B5EF4-FFF2-40B4-BE49-F238E27FC236}">
-                  <a16:creationId xmlns:a16="http://schemas.microsoft.com/office/drawing/2014/main" id="{7E4C7A32-ABEE-4E6F-BF40-019B25CBACA8}"/>
+                  <a16:creationId xmlns:a16="http://schemas.microsoft.com/office/drawing/2014/main" id="{A8C84989-613B-6D4C-82AE-77EDB6333FD1}"/>
                 </a:ext>
               </a:extLst>
             </p:cNvPr>
-            <p:cNvGrpSpPr/>
+            <p:cNvSpPr txBox="1"/>
             <p:nvPr/>
-          </p:nvGrpSpPr>
-          <p:grpSpPr>
+          </p:nvSpPr>
+          <p:spPr>
             <a:xfrm>
-              <a:off x="3096259" y="4825892"/>
-              <a:ext cx="2516973" cy="517781"/>
-              <a:chOff x="3232326" y="2828987"/>
-              <a:chExt cx="2516973" cy="560386"/>
+              <a:off x="11115265" y="3330393"/>
+              <a:ext cx="750332" cy="276999"/>
             </a:xfrm>
-          </p:grpSpPr>
-          <p:sp>
-            <p:nvSpPr>
-              <p:cNvPr id="59" name="TextBox 58">
-                <a:extLst>
-                  <a:ext uri="{FF2B5EF4-FFF2-40B4-BE49-F238E27FC236}">
-                    <a16:creationId xmlns:a16="http://schemas.microsoft.com/office/drawing/2014/main" id="{9ED53A0E-FCFE-DE4A-9776-897FDA4E3D8F}"/>
-                  </a:ext>
-                </a:extLst>
-              </p:cNvPr>
-              <p:cNvSpPr txBox="1"/>
-              <p:nvPr/>
-            </p:nvSpPr>
-            <p:spPr>
-              <a:xfrm>
-                <a:off x="3232326" y="2828987"/>
-                <a:ext cx="2516973" cy="276999"/>
-              </a:xfrm>
-              <a:prstGeom prst="rect">
-                <a:avLst/>
-              </a:prstGeom>
-              <a:noFill/>
-            </p:spPr>
-            <p:txBody>
-              <a:bodyPr wrap="square" rtlCol="0">
-                <a:spAutoFit/>
-              </a:bodyPr>
-              <a:lstStyle/>
-              <a:p>
-                <a:r>
-                  <a:rPr lang="en-US" sz="1200" dirty="0">
-                    <a:solidFill>
-                      <a:schemeClr val="accent2"/>
-                    </a:solidFill>
-                  </a:rPr>
-                  <a:t>summary-</a:t>
-                </a:r>
-                <a:r>
-                  <a:rPr lang="en-US" sz="1200" dirty="0" err="1">
-                    <a:solidFill>
-                      <a:schemeClr val="accent2"/>
-                    </a:solidFill>
-                  </a:rPr>
-                  <a:t>chart__ramp__slice</a:t>
-                </a:r>
-                <a:endParaRPr lang="en-SG" sz="1200" dirty="0">
+            <a:prstGeom prst="rect">
+              <a:avLst/>
+            </a:prstGeom>
+            <a:noFill/>
+          </p:spPr>
+          <p:txBody>
+            <a:bodyPr wrap="square" rtlCol="0">
+              <a:spAutoFit/>
+            </a:bodyPr>
+            <a:lstStyle/>
+            <a:p>
+              <a:r>
+                <a:rPr lang="en-US" altLang="zh-CN" sz="1200" dirty="0">
                   <a:solidFill>
-                    <a:schemeClr val="accent2"/>
+                    <a:srgbClr val="0070C0"/>
                   </a:solidFill>
-                </a:endParaRPr>
-              </a:p>
-            </p:txBody>
-          </p:sp>
-          <p:cxnSp>
-            <p:nvCxnSpPr>
-              <p:cNvPr id="63" name="Straight Arrow Connector 62">
-                <a:extLst>
-                  <a:ext uri="{FF2B5EF4-FFF2-40B4-BE49-F238E27FC236}">
-                    <a16:creationId xmlns:a16="http://schemas.microsoft.com/office/drawing/2014/main" id="{510B956D-D846-A649-B354-69624F72C304}"/>
-                  </a:ext>
-                </a:extLst>
-              </p:cNvPr>
-              <p:cNvCxnSpPr>
-                <a:cxnSpLocks/>
-              </p:cNvCxnSpPr>
-              <p:nvPr/>
-            </p:nvCxnSpPr>
-            <p:spPr>
-              <a:xfrm>
-                <a:off x="4284891" y="3125047"/>
-                <a:ext cx="0" cy="264326"/>
-              </a:xfrm>
-              <a:prstGeom prst="straightConnector1">
-                <a:avLst/>
-              </a:prstGeom>
-              <a:ln>
-                <a:tailEnd type="triangle"/>
-              </a:ln>
-            </p:spPr>
-            <p:style>
-              <a:lnRef idx="3">
-                <a:schemeClr val="accent2"/>
-              </a:lnRef>
-              <a:fillRef idx="0">
-                <a:schemeClr val="accent2"/>
-              </a:fillRef>
-              <a:effectRef idx="2">
-                <a:schemeClr val="accent2"/>
-              </a:effectRef>
-              <a:fontRef idx="minor">
-                <a:schemeClr val="tx1"/>
-              </a:fontRef>
-            </p:style>
-          </p:cxnSp>
-        </p:grpSp>
+                </a:rPr>
+                <a:t>file</a:t>
+              </a:r>
+              <a:endParaRPr lang="zh-CN" altLang="en-US" sz="1200" dirty="0">
+                <a:solidFill>
+                  <a:srgbClr val="0070C0"/>
+                </a:solidFill>
+              </a:endParaRPr>
+            </a:p>
+          </p:txBody>
+        </p:sp>
         <p:sp>
           <p:nvSpPr>
-            <p:cNvPr id="18" name="Oval 17">
+            <p:cNvPr id="55" name="Rectangle 54">
               <a:extLst>
                 <a:ext uri="{FF2B5EF4-FFF2-40B4-BE49-F238E27FC236}">
-                  <a16:creationId xmlns:a16="http://schemas.microsoft.com/office/drawing/2014/main" id="{835E379B-178A-45D1-B2A3-1445046FB173}"/>
+                  <a16:creationId xmlns:a16="http://schemas.microsoft.com/office/drawing/2014/main" id="{785E5DC8-25B2-B043-8549-C3AD8DE1729B}"/>
                 </a:ext>
               </a:extLst>
             </p:cNvPr>
@@ -4877,16 +5144,16 @@
           </p:nvSpPr>
           <p:spPr>
             <a:xfrm>
-              <a:off x="4043680" y="5350935"/>
-              <a:ext cx="162560" cy="353905"/>
+              <a:off x="6164309" y="3142906"/>
+              <a:ext cx="4600264" cy="762923"/>
             </a:xfrm>
-            <a:prstGeom prst="ellipse">
+            <a:prstGeom prst="rect">
               <a:avLst/>
             </a:prstGeom>
             <a:noFill/>
             <a:ln w="9525" cap="flat" cmpd="sng" algn="ctr">
               <a:solidFill>
-                <a:schemeClr val="accent2"/>
+                <a:srgbClr val="0070C0"/>
               </a:solidFill>
               <a:prstDash val="solid"/>
               <a:round/>
@@ -4905,281 +5172,7 @@
               <a:scrgbClr r="0" g="0" b="0"/>
             </a:effectRef>
             <a:fontRef idx="minor">
-              <a:schemeClr val="accent2"/>
-            </a:fontRef>
-          </p:style>
-          <p:txBody>
-            <a:bodyPr rtlCol="0" anchor="ctr"/>
-            <a:lstStyle/>
-            <a:p>
-              <a:pPr algn="ctr"/>
-              <a:endParaRPr lang="en-SG"/>
-            </a:p>
-          </p:txBody>
-        </p:sp>
-      </p:grpSp>
-      <p:grpSp>
-        <p:nvGrpSpPr>
-          <p:cNvPr id="7" name="Group 6">
-            <a:extLst>
-              <a:ext uri="{FF2B5EF4-FFF2-40B4-BE49-F238E27FC236}">
-                <a16:creationId xmlns:a16="http://schemas.microsoft.com/office/drawing/2014/main" id="{FD49A8D1-E3C2-46F6-A2DF-B8878801CE90}"/>
-              </a:ext>
-            </a:extLst>
-          </p:cNvPr>
-          <p:cNvGrpSpPr/>
-          <p:nvPr/>
-        </p:nvGrpSpPr>
-        <p:grpSpPr>
-          <a:xfrm>
-            <a:off x="-38617" y="1945463"/>
-            <a:ext cx="6002230" cy="617235"/>
-            <a:chOff x="-13217" y="1950544"/>
-            <a:chExt cx="6002230" cy="449190"/>
-          </a:xfrm>
-        </p:grpSpPr>
-        <p:sp>
-          <p:nvSpPr>
-            <p:cNvPr id="42" name="Rectangle 41">
-              <a:extLst>
-                <a:ext uri="{FF2B5EF4-FFF2-40B4-BE49-F238E27FC236}">
-                  <a16:creationId xmlns:a16="http://schemas.microsoft.com/office/drawing/2014/main" id="{570EA449-180B-9046-8449-8C441F0729CF}"/>
-                </a:ext>
-              </a:extLst>
-            </p:cNvPr>
-            <p:cNvSpPr/>
-            <p:nvPr/>
-          </p:nvSpPr>
-          <p:spPr>
-            <a:xfrm>
-              <a:off x="1484661" y="1950544"/>
-              <a:ext cx="4504352" cy="449190"/>
-            </a:xfrm>
-            <a:prstGeom prst="rect">
-              <a:avLst/>
-            </a:prstGeom>
-            <a:noFill/>
-            <a:ln w="12700" cap="flat" cmpd="sng" algn="ctr">
-              <a:solidFill>
-                <a:srgbClr val="7030A0"/>
-              </a:solidFill>
-              <a:prstDash val="solid"/>
-              <a:round/>
-              <a:headEnd type="none" w="med" len="med"/>
-              <a:tailEnd type="none" w="med" len="med"/>
-            </a:ln>
-          </p:spPr>
-          <p:style>
-            <a:lnRef idx="0">
-              <a:scrgbClr r="0" g="0" b="0"/>
-            </a:lnRef>
-            <a:fillRef idx="0">
-              <a:scrgbClr r="0" g="0" b="0"/>
-            </a:fillRef>
-            <a:effectRef idx="0">
-              <a:scrgbClr r="0" g="0" b="0"/>
-            </a:effectRef>
-            <a:fontRef idx="minor">
-              <a:schemeClr val="accent4"/>
-            </a:fontRef>
-          </p:style>
-          <p:txBody>
-            <a:bodyPr rtlCol="0" anchor="ctr"/>
-            <a:lstStyle/>
-            <a:p>
-              <a:pPr algn="ctr"/>
-              <a:endParaRPr lang="en-SG"/>
-            </a:p>
-          </p:txBody>
-        </p:sp>
-        <p:sp>
-          <p:nvSpPr>
-            <p:cNvPr id="48" name="TextBox 47">
-              <a:extLst>
-                <a:ext uri="{FF2B5EF4-FFF2-40B4-BE49-F238E27FC236}">
-                  <a16:creationId xmlns:a16="http://schemas.microsoft.com/office/drawing/2014/main" id="{A77BE544-7145-6949-94AF-AFCE5DA7C7AD}"/>
-                </a:ext>
-              </a:extLst>
-            </p:cNvPr>
-            <p:cNvSpPr txBox="1"/>
-            <p:nvPr/>
-          </p:nvSpPr>
-          <p:spPr>
-            <a:xfrm>
-              <a:off x="-13217" y="2026833"/>
-              <a:ext cx="1202954" cy="276999"/>
-            </a:xfrm>
-            <a:prstGeom prst="rect">
-              <a:avLst/>
-            </a:prstGeom>
-            <a:noFill/>
-          </p:spPr>
-          <p:txBody>
-            <a:bodyPr wrap="square" rtlCol="0">
-              <a:spAutoFit/>
-            </a:bodyPr>
-            <a:lstStyle/>
-            <a:p>
-              <a:pPr algn="ctr"/>
-              <a:r>
-                <a:rPr lang="en-US" sz="1200" dirty="0">
-                  <a:solidFill>
-                    <a:srgbClr val="7030A0"/>
-                  </a:solidFill>
-                </a:rPr>
-                <a:t>summary-chart</a:t>
-              </a:r>
-            </a:p>
-          </p:txBody>
-        </p:sp>
-        <p:cxnSp>
-          <p:nvCxnSpPr>
-            <p:cNvPr id="37" name="Straight Arrow Connector 36">
-              <a:extLst>
-                <a:ext uri="{FF2B5EF4-FFF2-40B4-BE49-F238E27FC236}">
-                  <a16:creationId xmlns:a16="http://schemas.microsoft.com/office/drawing/2014/main" id="{DEEEF689-CF7E-7149-97BA-3D3957707314}"/>
-                </a:ext>
-              </a:extLst>
-            </p:cNvPr>
-            <p:cNvCxnSpPr>
-              <a:cxnSpLocks/>
-            </p:cNvCxnSpPr>
-            <p:nvPr/>
-          </p:nvCxnSpPr>
-          <p:spPr>
-            <a:xfrm>
-              <a:off x="1068915" y="2178394"/>
-              <a:ext cx="415745" cy="0"/>
-            </a:xfrm>
-            <a:prstGeom prst="straightConnector1">
-              <a:avLst/>
-            </a:prstGeom>
-            <a:ln w="12700">
-              <a:solidFill>
-                <a:srgbClr val="7030A0"/>
-              </a:solidFill>
-              <a:tailEnd type="triangle"/>
-            </a:ln>
-          </p:spPr>
-          <p:style>
-            <a:lnRef idx="1">
               <a:schemeClr val="accent1"/>
-            </a:lnRef>
-            <a:fillRef idx="0">
-              <a:schemeClr val="accent1"/>
-            </a:fillRef>
-            <a:effectRef idx="0">
-              <a:schemeClr val="accent1"/>
-            </a:effectRef>
-            <a:fontRef idx="minor">
-              <a:schemeClr val="tx1"/>
-            </a:fontRef>
-          </p:style>
-        </p:cxnSp>
-      </p:grpSp>
-      <p:grpSp>
-        <p:nvGrpSpPr>
-          <p:cNvPr id="6" name="Group 5">
-            <a:extLst>
-              <a:ext uri="{FF2B5EF4-FFF2-40B4-BE49-F238E27FC236}">
-                <a16:creationId xmlns:a16="http://schemas.microsoft.com/office/drawing/2014/main" id="{CD10DD3E-6792-4495-93AD-55D6F9AF041C}"/>
-              </a:ext>
-            </a:extLst>
-          </p:cNvPr>
-          <p:cNvGrpSpPr/>
-          <p:nvPr/>
-        </p:nvGrpSpPr>
-        <p:grpSpPr>
-          <a:xfrm>
-            <a:off x="1" y="896446"/>
-            <a:ext cx="5748866" cy="869029"/>
-            <a:chOff x="1" y="896446"/>
-            <a:chExt cx="5748866" cy="869029"/>
-          </a:xfrm>
-        </p:grpSpPr>
-        <p:sp>
-          <p:nvSpPr>
-            <p:cNvPr id="40" name="TextBox 39">
-              <a:extLst>
-                <a:ext uri="{FF2B5EF4-FFF2-40B4-BE49-F238E27FC236}">
-                  <a16:creationId xmlns:a16="http://schemas.microsoft.com/office/drawing/2014/main" id="{87B6C03F-369B-FC4B-A10B-9B5BFBCEF11A}"/>
-                </a:ext>
-              </a:extLst>
-            </p:cNvPr>
-            <p:cNvSpPr txBox="1"/>
-            <p:nvPr/>
-          </p:nvSpPr>
-          <p:spPr>
-            <a:xfrm>
-              <a:off x="1" y="1185282"/>
-              <a:ext cx="1422854" cy="276999"/>
-            </a:xfrm>
-            <a:prstGeom prst="rect">
-              <a:avLst/>
-            </a:prstGeom>
-            <a:noFill/>
-          </p:spPr>
-          <p:txBody>
-            <a:bodyPr wrap="square" rtlCol="0">
-              <a:spAutoFit/>
-            </a:bodyPr>
-            <a:lstStyle/>
-            <a:p>
-              <a:pPr algn="ctr"/>
-              <a:r>
-                <a:rPr lang="en-US" sz="1200" dirty="0">
-                  <a:solidFill>
-                    <a:schemeClr val="accent6"/>
-                  </a:solidFill>
-                </a:rPr>
-                <a:t>summary-picker</a:t>
-              </a:r>
-            </a:p>
-          </p:txBody>
-        </p:sp>
-        <p:sp>
-          <p:nvSpPr>
-            <p:cNvPr id="41" name="Rectangle 40">
-              <a:extLst>
-                <a:ext uri="{FF2B5EF4-FFF2-40B4-BE49-F238E27FC236}">
-                  <a16:creationId xmlns:a16="http://schemas.microsoft.com/office/drawing/2014/main" id="{24AE4F15-738B-C34D-830A-5AA47285C7ED}"/>
-                </a:ext>
-              </a:extLst>
-            </p:cNvPr>
-            <p:cNvSpPr/>
-            <p:nvPr/>
-          </p:nvSpPr>
-          <p:spPr>
-            <a:xfrm>
-              <a:off x="1674004" y="896446"/>
-              <a:ext cx="4074863" cy="869029"/>
-            </a:xfrm>
-            <a:prstGeom prst="rect">
-              <a:avLst/>
-            </a:prstGeom>
-            <a:noFill/>
-            <a:ln w="12700" cap="flat" cmpd="sng" algn="ctr">
-              <a:solidFill>
-                <a:schemeClr val="accent6"/>
-              </a:solidFill>
-              <a:prstDash val="solid"/>
-              <a:round/>
-              <a:headEnd type="none" w="med" len="med"/>
-              <a:tailEnd type="none" w="med" len="med"/>
-            </a:ln>
-          </p:spPr>
-          <p:style>
-            <a:lnRef idx="0">
-              <a:scrgbClr r="0" g="0" b="0"/>
-            </a:lnRef>
-            <a:fillRef idx="0">
-              <a:scrgbClr r="0" g="0" b="0"/>
-            </a:fillRef>
-            <a:effectRef idx="0">
-              <a:scrgbClr r="0" g="0" b="0"/>
-            </a:effectRef>
-            <a:fontRef idx="minor">
-              <a:schemeClr val="accent6"/>
             </a:fontRef>
           </p:style>
           <p:txBody>
@@ -5193,10 +5186,10 @@
         </p:sp>
         <p:cxnSp>
           <p:nvCxnSpPr>
-            <p:cNvPr id="4" name="Straight Arrow Connector 3">
+            <p:cNvPr id="56" name="Straight Arrow Connector 55">
               <a:extLst>
                 <a:ext uri="{FF2B5EF4-FFF2-40B4-BE49-F238E27FC236}">
-                  <a16:creationId xmlns:a16="http://schemas.microsoft.com/office/drawing/2014/main" id="{0E1E9E40-02F3-174C-97DB-3B6E1415124B}"/>
+                  <a16:creationId xmlns:a16="http://schemas.microsoft.com/office/drawing/2014/main" id="{708EF322-9BFF-534E-A6B1-1220E7C2B791}"/>
                 </a:ext>
               </a:extLst>
             </p:cNvPr>
@@ -5206,28 +5199,25 @@
             <p:nvPr/>
           </p:nvCxnSpPr>
           <p:spPr>
-            <a:xfrm>
-              <a:off x="1294354" y="1335408"/>
-              <a:ext cx="352376" cy="0"/>
+            <a:xfrm flipH="1" flipV="1">
+              <a:off x="10797219" y="3468893"/>
+              <a:ext cx="318046" cy="4392"/>
             </a:xfrm>
             <a:prstGeom prst="straightConnector1">
               <a:avLst/>
             </a:prstGeom>
-            <a:ln w="12700">
-              <a:solidFill>
-                <a:schemeClr val="accent6"/>
-              </a:solidFill>
+            <a:ln>
               <a:tailEnd type="triangle"/>
             </a:ln>
           </p:spPr>
           <p:style>
-            <a:lnRef idx="1">
+            <a:lnRef idx="3">
               <a:schemeClr val="accent1"/>
             </a:lnRef>
             <a:fillRef idx="0">
               <a:schemeClr val="accent1"/>
             </a:fillRef>
-            <a:effectRef idx="0">
+            <a:effectRef idx="2">
               <a:schemeClr val="accent1"/>
             </a:effectRef>
             <a:fontRef idx="minor">
@@ -5239,7 +5229,7 @@
     </p:spTree>
     <p:extLst>
       <p:ext uri="{BB962C8B-B14F-4D97-AF65-F5344CB8AC3E}">
-        <p14:creationId xmlns:p14="http://schemas.microsoft.com/office/powerpoint/2010/main" val="1284972534"/>
+        <p14:creationId xmlns:p14="http://schemas.microsoft.com/office/powerpoint/2010/main" val="658930705"/>
       </p:ext>
     </p:extLst>
   </p:cSld>

--- a/docs/diagrams/report-summary.pptx
+++ b/docs/diagrams/report-summary.pptx
@@ -261,7 +261,7 @@
           <a:p>
             <a:fld id="{D5F4EE06-143D-4C2F-8831-1CDA21FFE47B}" type="datetimeFigureOut">
               <a:rPr lang="en-SG" smtClean="0"/>
-              <a:t>18/3/20</a:t>
+              <a:t>23/4/20</a:t>
             </a:fld>
             <a:endParaRPr lang="en-SG"/>
           </a:p>
@@ -461,7 +461,7 @@
           <a:p>
             <a:fld id="{D5F4EE06-143D-4C2F-8831-1CDA21FFE47B}" type="datetimeFigureOut">
               <a:rPr lang="en-SG" smtClean="0"/>
-              <a:t>18/3/20</a:t>
+              <a:t>23/4/20</a:t>
             </a:fld>
             <a:endParaRPr lang="en-SG"/>
           </a:p>
@@ -671,7 +671,7 @@
           <a:p>
             <a:fld id="{D5F4EE06-143D-4C2F-8831-1CDA21FFE47B}" type="datetimeFigureOut">
               <a:rPr lang="en-SG" smtClean="0"/>
-              <a:t>18/3/20</a:t>
+              <a:t>23/4/20</a:t>
             </a:fld>
             <a:endParaRPr lang="en-SG"/>
           </a:p>
@@ -871,7 +871,7 @@
           <a:p>
             <a:fld id="{D5F4EE06-143D-4C2F-8831-1CDA21FFE47B}" type="datetimeFigureOut">
               <a:rPr lang="en-SG" smtClean="0"/>
-              <a:t>18/3/20</a:t>
+              <a:t>23/4/20</a:t>
             </a:fld>
             <a:endParaRPr lang="en-SG"/>
           </a:p>
@@ -1147,7 +1147,7 @@
           <a:p>
             <a:fld id="{D5F4EE06-143D-4C2F-8831-1CDA21FFE47B}" type="datetimeFigureOut">
               <a:rPr lang="en-SG" smtClean="0"/>
-              <a:t>18/3/20</a:t>
+              <a:t>23/4/20</a:t>
             </a:fld>
             <a:endParaRPr lang="en-SG"/>
           </a:p>
@@ -1415,7 +1415,7 @@
           <a:p>
             <a:fld id="{D5F4EE06-143D-4C2F-8831-1CDA21FFE47B}" type="datetimeFigureOut">
               <a:rPr lang="en-SG" smtClean="0"/>
-              <a:t>18/3/20</a:t>
+              <a:t>23/4/20</a:t>
             </a:fld>
             <a:endParaRPr lang="en-SG"/>
           </a:p>
@@ -1830,7 +1830,7 @@
           <a:p>
             <a:fld id="{D5F4EE06-143D-4C2F-8831-1CDA21FFE47B}" type="datetimeFigureOut">
               <a:rPr lang="en-SG" smtClean="0"/>
-              <a:t>18/3/20</a:t>
+              <a:t>23/4/20</a:t>
             </a:fld>
             <a:endParaRPr lang="en-SG"/>
           </a:p>
@@ -1972,7 +1972,7 @@
           <a:p>
             <a:fld id="{D5F4EE06-143D-4C2F-8831-1CDA21FFE47B}" type="datetimeFigureOut">
               <a:rPr lang="en-SG" smtClean="0"/>
-              <a:t>18/3/20</a:t>
+              <a:t>23/4/20</a:t>
             </a:fld>
             <a:endParaRPr lang="en-SG"/>
           </a:p>
@@ -2085,7 +2085,7 @@
           <a:p>
             <a:fld id="{D5F4EE06-143D-4C2F-8831-1CDA21FFE47B}" type="datetimeFigureOut">
               <a:rPr lang="en-SG" smtClean="0"/>
-              <a:t>18/3/20</a:t>
+              <a:t>23/4/20</a:t>
             </a:fld>
             <a:endParaRPr lang="en-SG"/>
           </a:p>
@@ -2398,7 +2398,7 @@
           <a:p>
             <a:fld id="{D5F4EE06-143D-4C2F-8831-1CDA21FFE47B}" type="datetimeFigureOut">
               <a:rPr lang="en-SG" smtClean="0"/>
-              <a:t>18/3/20</a:t>
+              <a:t>23/4/20</a:t>
             </a:fld>
             <a:endParaRPr lang="en-SG"/>
           </a:p>
@@ -2687,7 +2687,7 @@
           <a:p>
             <a:fld id="{D5F4EE06-143D-4C2F-8831-1CDA21FFE47B}" type="datetimeFigureOut">
               <a:rPr lang="en-SG" smtClean="0"/>
-              <a:t>18/3/20</a:t>
+              <a:t>23/4/20</a:t>
             </a:fld>
             <a:endParaRPr lang="en-SG"/>
           </a:p>
@@ -2930,7 +2930,7 @@
           <a:p>
             <a:fld id="{D5F4EE06-143D-4C2F-8831-1CDA21FFE47B}" type="datetimeFigureOut">
               <a:rPr lang="en-SG" smtClean="0"/>
-              <a:t>18/3/20</a:t>
+              <a:t>23/4/20</a:t>
             </a:fld>
             <a:endParaRPr lang="en-SG"/>
           </a:p>
@@ -3349,7 +3349,7 @@
       </p:grpSpPr>
       <p:pic>
         <p:nvPicPr>
-          <p:cNvPr id="4" name="Picture 3" descr="A screenshot of a social media post&#10;&#10;Description automatically generated">
+          <p:cNvPr id="4" name="Picture 3">
             <a:extLst>
               <a:ext uri="{FF2B5EF4-FFF2-40B4-BE49-F238E27FC236}">
                 <a16:creationId xmlns:a16="http://schemas.microsoft.com/office/drawing/2014/main" id="{26E605C5-D5F2-324F-9332-2CCC12B90D6B}"/>
@@ -3369,14 +3369,13 @@
               </a:ext>
             </a:extLst>
           </a:blip>
-          <a:stretch>
-            <a:fillRect/>
-          </a:stretch>
+          <a:srcRect/>
+          <a:stretch/>
         </p:blipFill>
         <p:spPr>
           <a:xfrm>
-            <a:off x="1187572" y="643466"/>
-            <a:ext cx="9813566" cy="5569200"/>
+            <a:off x="1187572" y="665843"/>
+            <a:ext cx="9813566" cy="5524446"/>
           </a:xfrm>
           <a:prstGeom prst="rect">
             <a:avLst/>
@@ -3556,7 +3555,7 @@
         </p:nvGrpSpPr>
         <p:grpSpPr>
           <a:xfrm>
-            <a:off x="3752515" y="4930021"/>
+            <a:off x="3356860" y="5141034"/>
             <a:ext cx="2671528" cy="641500"/>
             <a:chOff x="4067544" y="5032307"/>
             <a:chExt cx="2671528" cy="641500"/>
@@ -3737,7 +3736,7 @@
         </p:nvGrpSpPr>
         <p:grpSpPr>
           <a:xfrm>
-            <a:off x="-246591" y="4709910"/>
+            <a:off x="-246591" y="4938507"/>
             <a:ext cx="6216474" cy="461665"/>
             <a:chOff x="-22782" y="4493483"/>
             <a:chExt cx="5962166" cy="973524"/>
@@ -3912,7 +3911,7 @@
         </p:nvGrpSpPr>
         <p:grpSpPr>
           <a:xfrm>
-            <a:off x="-69994" y="3880737"/>
+            <a:off x="-69994" y="4065374"/>
             <a:ext cx="6029465" cy="461665"/>
             <a:chOff x="-36205" y="2478387"/>
             <a:chExt cx="6029465" cy="461665"/>
@@ -4088,7 +4087,7 @@
         </p:nvGrpSpPr>
         <p:grpSpPr>
           <a:xfrm>
-            <a:off x="-41611" y="2917696"/>
+            <a:off x="-41611" y="3102333"/>
             <a:ext cx="6011494" cy="809672"/>
             <a:chOff x="-22481" y="1810500"/>
             <a:chExt cx="6011494" cy="589235"/>
@@ -4248,9 +4247,9 @@
         <p:grpSpPr>
           <a:xfrm>
             <a:off x="-183442" y="836757"/>
-            <a:ext cx="6142914" cy="869029"/>
+            <a:ext cx="6142914" cy="1150305"/>
             <a:chOff x="-183442" y="836757"/>
-            <a:chExt cx="6142914" cy="869029"/>
+            <a:chExt cx="6142914" cy="1150305"/>
           </a:xfrm>
         </p:grpSpPr>
         <p:sp>
@@ -4308,7 +4307,7 @@
           <p:spPr>
             <a:xfrm>
               <a:off x="1410788" y="836757"/>
-              <a:ext cx="4548684" cy="869029"/>
+              <a:ext cx="4548684" cy="1150305"/>
             </a:xfrm>
             <a:prstGeom prst="rect">
               <a:avLst/>
@@ -4343,7 +4342,7 @@
             <a:lstStyle/>
             <a:p>
               <a:pPr algn="ctr"/>
-              <a:endParaRPr lang="en-SG"/>
+              <a:endParaRPr lang="en-SG" dirty="0"/>
             </a:p>
           </p:txBody>
         </p:sp>
@@ -4568,7 +4567,7 @@
         </p:nvGrpSpPr>
         <p:grpSpPr>
           <a:xfrm>
-            <a:off x="6577283" y="2061768"/>
+            <a:off x="6577283" y="2105729"/>
             <a:ext cx="3586170" cy="319637"/>
             <a:chOff x="6191491" y="1792813"/>
             <a:chExt cx="3586170" cy="319637"/>
@@ -4739,7 +4738,7 @@
         </p:nvGrpSpPr>
         <p:grpSpPr>
           <a:xfrm>
-            <a:off x="6305920" y="2801205"/>
+            <a:off x="6305920" y="2897920"/>
             <a:ext cx="5287982" cy="276999"/>
             <a:chOff x="6210157" y="3133527"/>
             <a:chExt cx="3829487" cy="276999"/>
@@ -4902,10 +4901,10 @@
         </p:nvGrpSpPr>
         <p:grpSpPr>
           <a:xfrm>
-            <a:off x="6338083" y="4709909"/>
-            <a:ext cx="5720060" cy="914473"/>
-            <a:chOff x="6142549" y="4184273"/>
-            <a:chExt cx="5720060" cy="820407"/>
+            <a:off x="6338083" y="4806633"/>
+            <a:ext cx="5720060" cy="488959"/>
+            <a:chOff x="6142549" y="4184274"/>
+            <a:chExt cx="5720060" cy="438662"/>
           </a:xfrm>
         </p:grpSpPr>
         <p:sp>
@@ -4922,8 +4921,8 @@
           </p:nvSpPr>
           <p:spPr>
             <a:xfrm>
-              <a:off x="6142549" y="4184273"/>
-              <a:ext cx="4492213" cy="820407"/>
+              <a:off x="6142549" y="4184274"/>
+              <a:ext cx="4492213" cy="438662"/>
             </a:xfrm>
             <a:prstGeom prst="rect">
               <a:avLst/>
@@ -4979,7 +4978,7 @@
           </p:nvSpPr>
           <p:spPr>
             <a:xfrm>
-              <a:off x="10925874" y="4378819"/>
+              <a:off x="10925874" y="4260502"/>
               <a:ext cx="936735" cy="276999"/>
             </a:xfrm>
             <a:prstGeom prst="rect">
@@ -5034,7 +5033,7 @@
           </p:nvCxnSpPr>
           <p:spPr>
             <a:xfrm flipH="1" flipV="1">
-              <a:off x="10651112" y="4507112"/>
+              <a:off x="10651112" y="4388796"/>
               <a:ext cx="318046" cy="4392"/>
             </a:xfrm>
             <a:prstGeom prst="straightConnector1">
@@ -5080,7 +5079,7 @@
         </p:nvGrpSpPr>
         <p:grpSpPr>
           <a:xfrm>
-            <a:off x="6284057" y="3607427"/>
+            <a:off x="6284057" y="3721727"/>
             <a:ext cx="5701288" cy="811366"/>
             <a:chOff x="6164309" y="3142906"/>
             <a:chExt cx="5701288" cy="762923"/>
